--- a/documents/The Price of Policing.pptx
+++ b/documents/The Price of Policing.pptx
@@ -4,6 +4,9 @@
   <p:sldMasterIdLst>
     <p:sldMasterId id="2147483648" r:id="rId1"/>
   </p:sldMasterIdLst>
+  <p:notesMasterIdLst>
+    <p:notesMasterId r:id="rId13"/>
+  </p:notesMasterIdLst>
   <p:sldIdLst>
     <p:sldId id="256" r:id="rId2"/>
     <p:sldId id="257" r:id="rId3"/>
@@ -13,7 +16,9 @@
     <p:sldId id="260" r:id="rId7"/>
     <p:sldId id="261" r:id="rId8"/>
     <p:sldId id="262" r:id="rId9"/>
-    <p:sldId id="263" r:id="rId10"/>
+    <p:sldId id="266" r:id="rId10"/>
+    <p:sldId id="265" r:id="rId11"/>
+    <p:sldId id="263" r:id="rId12"/>
   </p:sldIdLst>
   <p:sldSz cx="12192000" cy="6858000"/>
   <p:notesSz cx="6858000" cy="9144000"/>
@@ -1846,7 +1851,7 @@
       </dgm:t>
     </dgm:pt>
     <dgm:pt modelId="{EE101AB2-DFE7-4157-8077-C58830FA9989}">
-      <dgm:prSet/>
+      <dgm:prSet custT="1"/>
       <dgm:spPr/>
       <dgm:t>
         <a:bodyPr/>
@@ -1856,18 +1861,12 @@
             <a:defRPr cap="all"/>
           </a:pPr>
           <a:r>
-            <a:rPr lang="en-US" b="1" i="0" baseline="0" dirty="0">
+            <a:rPr lang="en-US" sz="2400" b="1" i="0" baseline="0" dirty="0">
               <a:latin typeface="Amasis MT Pro Medium" panose="02040604050005020304" pitchFamily="18" charset="0"/>
             </a:rPr>
             <a:t>Stop &amp; Search data (2022)</a:t>
           </a:r>
-          <a:r>
-            <a:rPr lang="en-US" b="0" i="0" baseline="0" dirty="0">
-              <a:latin typeface="Amasis MT Pro Medium" panose="02040604050005020304" pitchFamily="18" charset="0"/>
-            </a:rPr>
-            <a:t> from Police.uk (LSOA-level for both regions)</a:t>
-          </a:r>
-          <a:endParaRPr lang="en-US" dirty="0">
+          <a:endParaRPr lang="en-US" sz="2400" dirty="0">
             <a:latin typeface="Amasis MT Pro Medium" panose="02040604050005020304" pitchFamily="18" charset="0"/>
           </a:endParaRPr>
         </a:p>
@@ -1880,7 +1879,7 @@
         <a:bodyPr/>
         <a:lstStyle/>
         <a:p>
-          <a:endParaRPr lang="en-US"/>
+          <a:endParaRPr lang="en-US" sz="3600"/>
         </a:p>
       </dgm:t>
     </dgm:pt>
@@ -1891,12 +1890,12 @@
         <a:bodyPr/>
         <a:lstStyle/>
         <a:p>
-          <a:endParaRPr lang="en-US"/>
+          <a:endParaRPr lang="en-US" sz="3600"/>
         </a:p>
       </dgm:t>
     </dgm:pt>
     <dgm:pt modelId="{9E2BDCCA-9208-4EE4-AA73-34D4C4963F44}">
-      <dgm:prSet/>
+      <dgm:prSet custT="1"/>
       <dgm:spPr/>
       <dgm:t>
         <a:bodyPr/>
@@ -1906,12 +1905,12 @@
             <a:defRPr cap="all"/>
           </a:pPr>
           <a:r>
-            <a:rPr lang="en-US" b="1" i="0" baseline="0" dirty="0">
+            <a:rPr lang="en-US" sz="2400" b="1" i="0" baseline="0" dirty="0">
               <a:latin typeface="Amasis MT Pro Medium" panose="02040604050005020304" pitchFamily="18" charset="0"/>
             </a:rPr>
             <a:t>Economic inequality measures:</a:t>
           </a:r>
-          <a:endParaRPr lang="en-US" dirty="0">
+          <a:endParaRPr lang="en-US" sz="2400" dirty="0">
             <a:latin typeface="Amasis MT Pro Medium" panose="02040604050005020304" pitchFamily="18" charset="0"/>
           </a:endParaRPr>
         </a:p>
@@ -1924,7 +1923,7 @@
         <a:bodyPr/>
         <a:lstStyle/>
         <a:p>
-          <a:endParaRPr lang="en-US"/>
+          <a:endParaRPr lang="en-US" sz="3600"/>
         </a:p>
       </dgm:t>
     </dgm:pt>
@@ -1935,12 +1934,12 @@
         <a:bodyPr/>
         <a:lstStyle/>
         <a:p>
-          <a:endParaRPr lang="en-US"/>
+          <a:endParaRPr lang="en-US" sz="3600"/>
         </a:p>
       </dgm:t>
     </dgm:pt>
     <dgm:pt modelId="{91D7FC65-9642-47A9-88D1-698D1B61CB21}">
-      <dgm:prSet/>
+      <dgm:prSet custT="1"/>
       <dgm:spPr/>
       <dgm:t>
         <a:bodyPr/>
@@ -1950,12 +1949,12 @@
             <a:defRPr cap="all"/>
           </a:pPr>
           <a:r>
-            <a:rPr lang="en-US" b="0" i="0" baseline="0" dirty="0">
+            <a:rPr lang="en-US" sz="2400" b="0" i="0" baseline="0" dirty="0">
               <a:latin typeface="Amasis MT Pro Medium" panose="02040604050005020304" pitchFamily="18" charset="0"/>
             </a:rPr>
-            <a:t>Income Deprivation from IMD</a:t>
+            <a:t>Income Deprivation</a:t>
           </a:r>
-          <a:endParaRPr lang="en-US" dirty="0">
+          <a:endParaRPr lang="en-US" sz="2400" dirty="0">
             <a:latin typeface="Amasis MT Pro Medium" panose="02040604050005020304" pitchFamily="18" charset="0"/>
           </a:endParaRPr>
         </a:p>
@@ -1968,7 +1967,7 @@
         <a:bodyPr/>
         <a:lstStyle/>
         <a:p>
-          <a:endParaRPr lang="en-US"/>
+          <a:endParaRPr lang="en-US" sz="3600"/>
         </a:p>
       </dgm:t>
     </dgm:pt>
@@ -1979,12 +1978,12 @@
         <a:bodyPr/>
         <a:lstStyle/>
         <a:p>
-          <a:endParaRPr lang="en-US"/>
+          <a:endParaRPr lang="en-US" sz="3600"/>
         </a:p>
       </dgm:t>
     </dgm:pt>
     <dgm:pt modelId="{279BC2AA-E917-4201-BE6A-D15B4C9FAC6F}">
-      <dgm:prSet/>
+      <dgm:prSet custT="1"/>
       <dgm:spPr/>
       <dgm:t>
         <a:bodyPr/>
@@ -1994,12 +1993,12 @@
             <a:defRPr cap="all"/>
           </a:pPr>
           <a:r>
-            <a:rPr lang="en-US" b="0" i="0" baseline="0">
+            <a:rPr lang="en-US" sz="2400" b="0" i="0" baseline="0">
               <a:latin typeface="Amasis MT Pro Medium" panose="02040604050005020304" pitchFamily="18" charset="0"/>
             </a:rPr>
             <a:t>Median house prices</a:t>
           </a:r>
-          <a:endParaRPr lang="en-US">
+          <a:endParaRPr lang="en-US" sz="2400">
             <a:latin typeface="Amasis MT Pro Medium" panose="02040604050005020304" pitchFamily="18" charset="0"/>
           </a:endParaRPr>
         </a:p>
@@ -2012,7 +2011,7 @@
         <a:bodyPr/>
         <a:lstStyle/>
         <a:p>
-          <a:endParaRPr lang="en-US"/>
+          <a:endParaRPr lang="en-US" sz="3600"/>
         </a:p>
       </dgm:t>
     </dgm:pt>
@@ -2023,7 +2022,7 @@
         <a:bodyPr/>
         <a:lstStyle/>
         <a:p>
-          <a:endParaRPr lang="en-US"/>
+          <a:endParaRPr lang="en-US" sz="3600"/>
         </a:p>
       </dgm:t>
     </dgm:pt>
@@ -2705,7 +2704,7 @@
       </dsp:nvSpPr>
       <dsp:spPr>
         <a:xfrm>
-          <a:off x="562927" y="788206"/>
+          <a:off x="562927" y="653206"/>
           <a:ext cx="1445998" cy="1445998"/>
         </a:xfrm>
         <a:prstGeom prst="ellipse">
@@ -2744,7 +2743,7 @@
       </dsp:nvSpPr>
       <dsp:spPr>
         <a:xfrm>
-          <a:off x="871091" y="1096370"/>
+          <a:off x="871091" y="961370"/>
           <a:ext cx="829671" cy="829671"/>
         </a:xfrm>
         <a:prstGeom prst="rect">
@@ -2794,8 +2793,8 @@
       </dsp:nvSpPr>
       <dsp:spPr>
         <a:xfrm>
-          <a:off x="100682" y="2684598"/>
-          <a:ext cx="2370489" cy="720000"/>
+          <a:off x="100682" y="2549598"/>
+          <a:ext cx="2370489" cy="990000"/>
         </a:xfrm>
         <a:prstGeom prst="rect">
           <a:avLst/>
@@ -2824,7 +2823,7 @@
         </a:bodyPr>
         <a:lstStyle/>
         <a:p>
-          <a:pPr marL="0" lvl="0" indent="0" algn="ctr" defTabSz="577850">
+          <a:pPr marL="0" lvl="0" indent="0" algn="ctr" defTabSz="1066800">
             <a:lnSpc>
               <a:spcPct val="90000"/>
             </a:lnSpc>
@@ -2838,25 +2837,19 @@
             <a:defRPr cap="all"/>
           </a:pPr>
           <a:r>
-            <a:rPr lang="en-US" sz="1300" b="1" i="0" kern="1200" baseline="0" dirty="0">
+            <a:rPr lang="en-US" sz="2400" b="1" i="0" kern="1200" baseline="0" dirty="0">
               <a:latin typeface="Amasis MT Pro Medium" panose="02040604050005020304" pitchFamily="18" charset="0"/>
             </a:rPr>
             <a:t>Stop &amp; Search data (2022)</a:t>
           </a:r>
-          <a:r>
-            <a:rPr lang="en-US" sz="1300" b="0" i="0" kern="1200" baseline="0" dirty="0">
-              <a:latin typeface="Amasis MT Pro Medium" panose="02040604050005020304" pitchFamily="18" charset="0"/>
-            </a:rPr>
-            <a:t> from Police.uk (LSOA-level for both regions)</a:t>
-          </a:r>
-          <a:endParaRPr lang="en-US" sz="1300" kern="1200" dirty="0">
+          <a:endParaRPr lang="en-US" sz="2400" kern="1200" dirty="0">
             <a:latin typeface="Amasis MT Pro Medium" panose="02040604050005020304" pitchFamily="18" charset="0"/>
           </a:endParaRPr>
         </a:p>
       </dsp:txBody>
       <dsp:txXfrm>
-        <a:off x="100682" y="2684598"/>
-        <a:ext cx="2370489" cy="720000"/>
+        <a:off x="100682" y="2549598"/>
+        <a:ext cx="2370489" cy="990000"/>
       </dsp:txXfrm>
     </dsp:sp>
     <dsp:sp modelId="{A37F40B7-F98F-46E5-808E-AF659BA090AB}">
@@ -2866,7 +2859,7 @@
       </dsp:nvSpPr>
       <dsp:spPr>
         <a:xfrm>
-          <a:off x="3348252" y="788206"/>
+          <a:off x="3348252" y="653206"/>
           <a:ext cx="1445998" cy="1445998"/>
         </a:xfrm>
         <a:prstGeom prst="ellipse">
@@ -2905,7 +2898,7 @@
       </dsp:nvSpPr>
       <dsp:spPr>
         <a:xfrm>
-          <a:off x="3656416" y="1096370"/>
+          <a:off x="3656416" y="961370"/>
           <a:ext cx="829671" cy="829671"/>
         </a:xfrm>
         <a:prstGeom prst="rect">
@@ -2955,8 +2948,8 @@
       </dsp:nvSpPr>
       <dsp:spPr>
         <a:xfrm>
-          <a:off x="2886007" y="2684598"/>
-          <a:ext cx="2370489" cy="720000"/>
+          <a:off x="2886007" y="2549598"/>
+          <a:ext cx="2370489" cy="990000"/>
         </a:xfrm>
         <a:prstGeom prst="rect">
           <a:avLst/>
@@ -2985,7 +2978,7 @@
         </a:bodyPr>
         <a:lstStyle/>
         <a:p>
-          <a:pPr marL="0" lvl="0" indent="0" algn="ctr" defTabSz="577850">
+          <a:pPr marL="0" lvl="0" indent="0" algn="ctr" defTabSz="1066800">
             <a:lnSpc>
               <a:spcPct val="90000"/>
             </a:lnSpc>
@@ -2999,19 +2992,19 @@
             <a:defRPr cap="all"/>
           </a:pPr>
           <a:r>
-            <a:rPr lang="en-US" sz="1300" b="1" i="0" kern="1200" baseline="0" dirty="0">
+            <a:rPr lang="en-US" sz="2400" b="1" i="0" kern="1200" baseline="0" dirty="0">
               <a:latin typeface="Amasis MT Pro Medium" panose="02040604050005020304" pitchFamily="18" charset="0"/>
             </a:rPr>
             <a:t>Economic inequality measures:</a:t>
           </a:r>
-          <a:endParaRPr lang="en-US" sz="1300" kern="1200" dirty="0">
+          <a:endParaRPr lang="en-US" sz="2400" kern="1200" dirty="0">
             <a:latin typeface="Amasis MT Pro Medium" panose="02040604050005020304" pitchFamily="18" charset="0"/>
           </a:endParaRPr>
         </a:p>
       </dsp:txBody>
       <dsp:txXfrm>
-        <a:off x="2886007" y="2684598"/>
-        <a:ext cx="2370489" cy="720000"/>
+        <a:off x="2886007" y="2549598"/>
+        <a:ext cx="2370489" cy="990000"/>
       </dsp:txXfrm>
     </dsp:sp>
     <dsp:sp modelId="{0404DEA0-1911-4F06-A4C0-8555A766F23B}">
@@ -3021,7 +3014,7 @@
       </dsp:nvSpPr>
       <dsp:spPr>
         <a:xfrm>
-          <a:off x="6133577" y="788206"/>
+          <a:off x="6133577" y="653206"/>
           <a:ext cx="1445998" cy="1445998"/>
         </a:xfrm>
         <a:prstGeom prst="ellipse">
@@ -3060,7 +3053,7 @@
       </dsp:nvSpPr>
       <dsp:spPr>
         <a:xfrm>
-          <a:off x="6441741" y="1096370"/>
+          <a:off x="6441741" y="961370"/>
           <a:ext cx="829671" cy="829671"/>
         </a:xfrm>
         <a:prstGeom prst="rect">
@@ -3110,8 +3103,8 @@
       </dsp:nvSpPr>
       <dsp:spPr>
         <a:xfrm>
-          <a:off x="5671332" y="2684598"/>
-          <a:ext cx="2370489" cy="720000"/>
+          <a:off x="5671332" y="2549598"/>
+          <a:ext cx="2370489" cy="990000"/>
         </a:xfrm>
         <a:prstGeom prst="rect">
           <a:avLst/>
@@ -3140,7 +3133,7 @@
         </a:bodyPr>
         <a:lstStyle/>
         <a:p>
-          <a:pPr marL="0" lvl="0" indent="0" algn="ctr" defTabSz="577850">
+          <a:pPr marL="0" lvl="0" indent="0" algn="ctr" defTabSz="1066800">
             <a:lnSpc>
               <a:spcPct val="90000"/>
             </a:lnSpc>
@@ -3154,19 +3147,19 @@
             <a:defRPr cap="all"/>
           </a:pPr>
           <a:r>
-            <a:rPr lang="en-US" sz="1300" b="0" i="0" kern="1200" baseline="0" dirty="0">
+            <a:rPr lang="en-US" sz="2400" b="0" i="0" kern="1200" baseline="0" dirty="0">
               <a:latin typeface="Amasis MT Pro Medium" panose="02040604050005020304" pitchFamily="18" charset="0"/>
             </a:rPr>
-            <a:t>Income Deprivation from IMD</a:t>
+            <a:t>Income Deprivation</a:t>
           </a:r>
-          <a:endParaRPr lang="en-US" sz="1300" kern="1200" dirty="0">
+          <a:endParaRPr lang="en-US" sz="2400" kern="1200" dirty="0">
             <a:latin typeface="Amasis MT Pro Medium" panose="02040604050005020304" pitchFamily="18" charset="0"/>
           </a:endParaRPr>
         </a:p>
       </dsp:txBody>
       <dsp:txXfrm>
-        <a:off x="5671332" y="2684598"/>
-        <a:ext cx="2370489" cy="720000"/>
+        <a:off x="5671332" y="2549598"/>
+        <a:ext cx="2370489" cy="990000"/>
       </dsp:txXfrm>
     </dsp:sp>
     <dsp:sp modelId="{8761E642-F1B0-434D-9CDC-7B2B829D1A11}">
@@ -3176,7 +3169,7 @@
       </dsp:nvSpPr>
       <dsp:spPr>
         <a:xfrm>
-          <a:off x="8918902" y="788206"/>
+          <a:off x="8918902" y="653206"/>
           <a:ext cx="1445998" cy="1445998"/>
         </a:xfrm>
         <a:prstGeom prst="ellipse">
@@ -3215,7 +3208,7 @@
       </dsp:nvSpPr>
       <dsp:spPr>
         <a:xfrm>
-          <a:off x="9227066" y="1096370"/>
+          <a:off x="9227066" y="961370"/>
           <a:ext cx="829671" cy="829671"/>
         </a:xfrm>
         <a:prstGeom prst="rect">
@@ -3265,8 +3258,8 @@
       </dsp:nvSpPr>
       <dsp:spPr>
         <a:xfrm>
-          <a:off x="8456657" y="2684598"/>
-          <a:ext cx="2370489" cy="720000"/>
+          <a:off x="8456657" y="2549598"/>
+          <a:ext cx="2370489" cy="990000"/>
         </a:xfrm>
         <a:prstGeom prst="rect">
           <a:avLst/>
@@ -3295,7 +3288,7 @@
         </a:bodyPr>
         <a:lstStyle/>
         <a:p>
-          <a:pPr marL="0" lvl="0" indent="0" algn="ctr" defTabSz="577850">
+          <a:pPr marL="0" lvl="0" indent="0" algn="ctr" defTabSz="1066800">
             <a:lnSpc>
               <a:spcPct val="90000"/>
             </a:lnSpc>
@@ -3309,19 +3302,19 @@
             <a:defRPr cap="all"/>
           </a:pPr>
           <a:r>
-            <a:rPr lang="en-US" sz="1300" b="0" i="0" kern="1200" baseline="0">
+            <a:rPr lang="en-US" sz="2400" b="0" i="0" kern="1200" baseline="0">
               <a:latin typeface="Amasis MT Pro Medium" panose="02040604050005020304" pitchFamily="18" charset="0"/>
             </a:rPr>
             <a:t>Median house prices</a:t>
           </a:r>
-          <a:endParaRPr lang="en-US" sz="1300" kern="1200">
+          <a:endParaRPr lang="en-US" sz="2400" kern="1200">
             <a:latin typeface="Amasis MT Pro Medium" panose="02040604050005020304" pitchFamily="18" charset="0"/>
           </a:endParaRPr>
         </a:p>
       </dsp:txBody>
       <dsp:txXfrm>
-        <a:off x="8456657" y="2684598"/>
-        <a:ext cx="2370489" cy="720000"/>
+        <a:off x="8456657" y="2549598"/>
+        <a:ext cx="2370489" cy="990000"/>
       </dsp:txXfrm>
     </dsp:sp>
   </dsp:spTree>
@@ -6749,6 +6742,443 @@
 </dgm:styleDef>
 </file>
 
+<file path=ppt/notesMasters/notesMaster1.xml><?xml version="1.0" encoding="utf-8"?>
+<p:notesMaster xmlns:a="http://schemas.openxmlformats.org/drawingml/2006/main" xmlns:r="http://schemas.openxmlformats.org/officeDocument/2006/relationships" xmlns:p="http://schemas.openxmlformats.org/presentationml/2006/main">
+  <p:cSld>
+    <p:bg>
+      <p:bgRef idx="1001">
+        <a:schemeClr val="bg1"/>
+      </p:bgRef>
+    </p:bg>
+    <p:spTree>
+      <p:nvGrpSpPr>
+        <p:cNvPr id="1" name=""/>
+        <p:cNvGrpSpPr/>
+        <p:nvPr/>
+      </p:nvGrpSpPr>
+      <p:grpSpPr>
+        <a:xfrm>
+          <a:off x="0" y="0"/>
+          <a:ext cx="0" cy="0"/>
+          <a:chOff x="0" y="0"/>
+          <a:chExt cx="0" cy="0"/>
+        </a:xfrm>
+      </p:grpSpPr>
+      <p:sp>
+        <p:nvSpPr>
+          <p:cNvPr id="2" name="Header Placeholder 1"/>
+          <p:cNvSpPr>
+            <a:spLocks noGrp="1"/>
+          </p:cNvSpPr>
+          <p:nvPr>
+            <p:ph type="hdr" sz="quarter"/>
+          </p:nvPr>
+        </p:nvSpPr>
+        <p:spPr>
+          <a:xfrm>
+            <a:off x="0" y="0"/>
+            <a:ext cx="2971800" cy="458788"/>
+          </a:xfrm>
+          <a:prstGeom prst="rect">
+            <a:avLst/>
+          </a:prstGeom>
+        </p:spPr>
+        <p:txBody>
+          <a:bodyPr vert="horz" lIns="91440" tIns="45720" rIns="91440" bIns="45720" rtlCol="0"/>
+          <a:lstStyle>
+            <a:lvl1pPr algn="l">
+              <a:defRPr sz="1200"/>
+            </a:lvl1pPr>
+          </a:lstStyle>
+          <a:p>
+            <a:endParaRPr lang="en-GB"/>
+          </a:p>
+        </p:txBody>
+      </p:sp>
+      <p:sp>
+        <p:nvSpPr>
+          <p:cNvPr id="3" name="Date Placeholder 2"/>
+          <p:cNvSpPr>
+            <a:spLocks noGrp="1"/>
+          </p:cNvSpPr>
+          <p:nvPr>
+            <p:ph type="dt" idx="1"/>
+          </p:nvPr>
+        </p:nvSpPr>
+        <p:spPr>
+          <a:xfrm>
+            <a:off x="3884613" y="0"/>
+            <a:ext cx="2971800" cy="458788"/>
+          </a:xfrm>
+          <a:prstGeom prst="rect">
+            <a:avLst/>
+          </a:prstGeom>
+        </p:spPr>
+        <p:txBody>
+          <a:bodyPr vert="horz" lIns="91440" tIns="45720" rIns="91440" bIns="45720" rtlCol="0"/>
+          <a:lstStyle>
+            <a:lvl1pPr algn="r">
+              <a:defRPr sz="1200"/>
+            </a:lvl1pPr>
+          </a:lstStyle>
+          <a:p>
+            <a:fld id="{BAA294A3-DA1E-45F4-A3F4-426CA75EA5D8}" type="datetimeFigureOut">
+              <a:rPr lang="en-GB" smtClean="0"/>
+              <a:t>21/04/2025</a:t>
+            </a:fld>
+            <a:endParaRPr lang="en-GB"/>
+          </a:p>
+        </p:txBody>
+      </p:sp>
+      <p:sp>
+        <p:nvSpPr>
+          <p:cNvPr id="4" name="Slide Image Placeholder 3"/>
+          <p:cNvSpPr>
+            <a:spLocks noGrp="1" noRot="1" noChangeAspect="1"/>
+          </p:cNvSpPr>
+          <p:nvPr>
+            <p:ph type="sldImg" idx="2"/>
+          </p:nvPr>
+        </p:nvSpPr>
+        <p:spPr>
+          <a:xfrm>
+            <a:off x="685800" y="1143000"/>
+            <a:ext cx="5486400" cy="3086100"/>
+          </a:xfrm>
+          <a:prstGeom prst="rect">
+            <a:avLst/>
+          </a:prstGeom>
+          <a:noFill/>
+          <a:ln w="12700">
+            <a:solidFill>
+              <a:prstClr val="black"/>
+            </a:solidFill>
+          </a:ln>
+        </p:spPr>
+        <p:txBody>
+          <a:bodyPr vert="horz" lIns="91440" tIns="45720" rIns="91440" bIns="45720" rtlCol="0" anchor="ctr"/>
+          <a:lstStyle/>
+          <a:p>
+            <a:endParaRPr lang="en-GB"/>
+          </a:p>
+        </p:txBody>
+      </p:sp>
+      <p:sp>
+        <p:nvSpPr>
+          <p:cNvPr id="5" name="Notes Placeholder 4"/>
+          <p:cNvSpPr>
+            <a:spLocks noGrp="1"/>
+          </p:cNvSpPr>
+          <p:nvPr>
+            <p:ph type="body" sz="quarter" idx="3"/>
+          </p:nvPr>
+        </p:nvSpPr>
+        <p:spPr>
+          <a:xfrm>
+            <a:off x="685800" y="4400550"/>
+            <a:ext cx="5486400" cy="3600450"/>
+          </a:xfrm>
+          <a:prstGeom prst="rect">
+            <a:avLst/>
+          </a:prstGeom>
+        </p:spPr>
+        <p:txBody>
+          <a:bodyPr vert="horz" lIns="91440" tIns="45720" rIns="91440" bIns="45720" rtlCol="0"/>
+          <a:lstStyle/>
+          <a:p>
+            <a:pPr lvl="0"/>
+            <a:r>
+              <a:rPr lang="en-US"/>
+              <a:t>Click to edit Master text styles</a:t>
+            </a:r>
+          </a:p>
+          <a:p>
+            <a:pPr lvl="1"/>
+            <a:r>
+              <a:rPr lang="en-US"/>
+              <a:t>Second level</a:t>
+            </a:r>
+          </a:p>
+          <a:p>
+            <a:pPr lvl="2"/>
+            <a:r>
+              <a:rPr lang="en-US"/>
+              <a:t>Third level</a:t>
+            </a:r>
+          </a:p>
+          <a:p>
+            <a:pPr lvl="3"/>
+            <a:r>
+              <a:rPr lang="en-US"/>
+              <a:t>Fourth level</a:t>
+            </a:r>
+          </a:p>
+          <a:p>
+            <a:pPr lvl="4"/>
+            <a:r>
+              <a:rPr lang="en-US"/>
+              <a:t>Fifth level</a:t>
+            </a:r>
+            <a:endParaRPr lang="en-GB"/>
+          </a:p>
+        </p:txBody>
+      </p:sp>
+      <p:sp>
+        <p:nvSpPr>
+          <p:cNvPr id="6" name="Footer Placeholder 5"/>
+          <p:cNvSpPr>
+            <a:spLocks noGrp="1"/>
+          </p:cNvSpPr>
+          <p:nvPr>
+            <p:ph type="ftr" sz="quarter" idx="4"/>
+          </p:nvPr>
+        </p:nvSpPr>
+        <p:spPr>
+          <a:xfrm>
+            <a:off x="0" y="8685213"/>
+            <a:ext cx="2971800" cy="458787"/>
+          </a:xfrm>
+          <a:prstGeom prst="rect">
+            <a:avLst/>
+          </a:prstGeom>
+        </p:spPr>
+        <p:txBody>
+          <a:bodyPr vert="horz" lIns="91440" tIns="45720" rIns="91440" bIns="45720" rtlCol="0" anchor="b"/>
+          <a:lstStyle>
+            <a:lvl1pPr algn="l">
+              <a:defRPr sz="1200"/>
+            </a:lvl1pPr>
+          </a:lstStyle>
+          <a:p>
+            <a:endParaRPr lang="en-GB"/>
+          </a:p>
+        </p:txBody>
+      </p:sp>
+      <p:sp>
+        <p:nvSpPr>
+          <p:cNvPr id="7" name="Slide Number Placeholder 6"/>
+          <p:cNvSpPr>
+            <a:spLocks noGrp="1"/>
+          </p:cNvSpPr>
+          <p:nvPr>
+            <p:ph type="sldNum" sz="quarter" idx="5"/>
+          </p:nvPr>
+        </p:nvSpPr>
+        <p:spPr>
+          <a:xfrm>
+            <a:off x="3884613" y="8685213"/>
+            <a:ext cx="2971800" cy="458787"/>
+          </a:xfrm>
+          <a:prstGeom prst="rect">
+            <a:avLst/>
+          </a:prstGeom>
+        </p:spPr>
+        <p:txBody>
+          <a:bodyPr vert="horz" lIns="91440" tIns="45720" rIns="91440" bIns="45720" rtlCol="0" anchor="b"/>
+          <a:lstStyle>
+            <a:lvl1pPr algn="r">
+              <a:defRPr sz="1200"/>
+            </a:lvl1pPr>
+          </a:lstStyle>
+          <a:p>
+            <a:fld id="{DE7408F8-EADC-46CA-B71C-F14E0D68EEA0}" type="slidenum">
+              <a:rPr lang="en-GB" smtClean="0"/>
+              <a:t>‹#›</a:t>
+            </a:fld>
+            <a:endParaRPr lang="en-GB"/>
+          </a:p>
+        </p:txBody>
+      </p:sp>
+    </p:spTree>
+    <p:extLst>
+      <p:ext uri="{BB962C8B-B14F-4D97-AF65-F5344CB8AC3E}">
+        <p14:creationId xmlns:p14="http://schemas.microsoft.com/office/powerpoint/2010/main" val="43415940"/>
+      </p:ext>
+    </p:extLst>
+  </p:cSld>
+  <p:clrMap bg1="lt1" tx1="dk1" bg2="lt2" tx2="dk2" accent1="accent1" accent2="accent2" accent3="accent3" accent4="accent4" accent5="accent5" accent6="accent6" hlink="hlink" folHlink="folHlink"/>
+  <p:notesStyle>
+    <a:lvl1pPr marL="0" algn="l" defTabSz="914400" rtl="0" eaLnBrk="1" latinLnBrk="0" hangingPunct="1">
+      <a:defRPr sz="1200" kern="1200">
+        <a:solidFill>
+          <a:schemeClr val="tx1"/>
+        </a:solidFill>
+        <a:latin typeface="+mn-lt"/>
+        <a:ea typeface="+mn-ea"/>
+        <a:cs typeface="+mn-cs"/>
+      </a:defRPr>
+    </a:lvl1pPr>
+    <a:lvl2pPr marL="457200" algn="l" defTabSz="914400" rtl="0" eaLnBrk="1" latinLnBrk="0" hangingPunct="1">
+      <a:defRPr sz="1200" kern="1200">
+        <a:solidFill>
+          <a:schemeClr val="tx1"/>
+        </a:solidFill>
+        <a:latin typeface="+mn-lt"/>
+        <a:ea typeface="+mn-ea"/>
+        <a:cs typeface="+mn-cs"/>
+      </a:defRPr>
+    </a:lvl2pPr>
+    <a:lvl3pPr marL="914400" algn="l" defTabSz="914400" rtl="0" eaLnBrk="1" latinLnBrk="0" hangingPunct="1">
+      <a:defRPr sz="1200" kern="1200">
+        <a:solidFill>
+          <a:schemeClr val="tx1"/>
+        </a:solidFill>
+        <a:latin typeface="+mn-lt"/>
+        <a:ea typeface="+mn-ea"/>
+        <a:cs typeface="+mn-cs"/>
+      </a:defRPr>
+    </a:lvl3pPr>
+    <a:lvl4pPr marL="1371600" algn="l" defTabSz="914400" rtl="0" eaLnBrk="1" latinLnBrk="0" hangingPunct="1">
+      <a:defRPr sz="1200" kern="1200">
+        <a:solidFill>
+          <a:schemeClr val="tx1"/>
+        </a:solidFill>
+        <a:latin typeface="+mn-lt"/>
+        <a:ea typeface="+mn-ea"/>
+        <a:cs typeface="+mn-cs"/>
+      </a:defRPr>
+    </a:lvl4pPr>
+    <a:lvl5pPr marL="1828800" algn="l" defTabSz="914400" rtl="0" eaLnBrk="1" latinLnBrk="0" hangingPunct="1">
+      <a:defRPr sz="1200" kern="1200">
+        <a:solidFill>
+          <a:schemeClr val="tx1"/>
+        </a:solidFill>
+        <a:latin typeface="+mn-lt"/>
+        <a:ea typeface="+mn-ea"/>
+        <a:cs typeface="+mn-cs"/>
+      </a:defRPr>
+    </a:lvl5pPr>
+    <a:lvl6pPr marL="2286000" algn="l" defTabSz="914400" rtl="0" eaLnBrk="1" latinLnBrk="0" hangingPunct="1">
+      <a:defRPr sz="1200" kern="1200">
+        <a:solidFill>
+          <a:schemeClr val="tx1"/>
+        </a:solidFill>
+        <a:latin typeface="+mn-lt"/>
+        <a:ea typeface="+mn-ea"/>
+        <a:cs typeface="+mn-cs"/>
+      </a:defRPr>
+    </a:lvl6pPr>
+    <a:lvl7pPr marL="2743200" algn="l" defTabSz="914400" rtl="0" eaLnBrk="1" latinLnBrk="0" hangingPunct="1">
+      <a:defRPr sz="1200" kern="1200">
+        <a:solidFill>
+          <a:schemeClr val="tx1"/>
+        </a:solidFill>
+        <a:latin typeface="+mn-lt"/>
+        <a:ea typeface="+mn-ea"/>
+        <a:cs typeface="+mn-cs"/>
+      </a:defRPr>
+    </a:lvl7pPr>
+    <a:lvl8pPr marL="3200400" algn="l" defTabSz="914400" rtl="0" eaLnBrk="1" latinLnBrk="0" hangingPunct="1">
+      <a:defRPr sz="1200" kern="1200">
+        <a:solidFill>
+          <a:schemeClr val="tx1"/>
+        </a:solidFill>
+        <a:latin typeface="+mn-lt"/>
+        <a:ea typeface="+mn-ea"/>
+        <a:cs typeface="+mn-cs"/>
+      </a:defRPr>
+    </a:lvl8pPr>
+    <a:lvl9pPr marL="3657600" algn="l" defTabSz="914400" rtl="0" eaLnBrk="1" latinLnBrk="0" hangingPunct="1">
+      <a:defRPr sz="1200" kern="1200">
+        <a:solidFill>
+          <a:schemeClr val="tx1"/>
+        </a:solidFill>
+        <a:latin typeface="+mn-lt"/>
+        <a:ea typeface="+mn-ea"/>
+        <a:cs typeface="+mn-cs"/>
+      </a:defRPr>
+    </a:lvl9pPr>
+  </p:notesStyle>
+</p:notesMaster>
+</file>
+
+<file path=ppt/notesSlides/notesSlide1.xml><?xml version="1.0" encoding="utf-8"?>
+<p:notes xmlns:a="http://schemas.openxmlformats.org/drawingml/2006/main" xmlns:r="http://schemas.openxmlformats.org/officeDocument/2006/relationships" xmlns:p="http://schemas.openxmlformats.org/presentationml/2006/main">
+  <p:cSld>
+    <p:spTree>
+      <p:nvGrpSpPr>
+        <p:cNvPr id="1" name=""/>
+        <p:cNvGrpSpPr/>
+        <p:nvPr/>
+      </p:nvGrpSpPr>
+      <p:grpSpPr>
+        <a:xfrm>
+          <a:off x="0" y="0"/>
+          <a:ext cx="0" cy="0"/>
+          <a:chOff x="0" y="0"/>
+          <a:chExt cx="0" cy="0"/>
+        </a:xfrm>
+      </p:grpSpPr>
+      <p:sp>
+        <p:nvSpPr>
+          <p:cNvPr id="2" name="Slide Image Placeholder 1"/>
+          <p:cNvSpPr>
+            <a:spLocks noGrp="1" noRot="1" noChangeAspect="1"/>
+          </p:cNvSpPr>
+          <p:nvPr>
+            <p:ph type="sldImg"/>
+          </p:nvPr>
+        </p:nvSpPr>
+        <p:spPr/>
+      </p:sp>
+      <p:sp>
+        <p:nvSpPr>
+          <p:cNvPr id="3" name="Notes Placeholder 2"/>
+          <p:cNvSpPr>
+            <a:spLocks noGrp="1"/>
+          </p:cNvSpPr>
+          <p:nvPr>
+            <p:ph type="body" idx="1"/>
+          </p:nvPr>
+        </p:nvSpPr>
+        <p:spPr/>
+        <p:txBody>
+          <a:bodyPr/>
+          <a:lstStyle/>
+          <a:p>
+            <a:r>
+              <a:rPr lang="en-GB" dirty="0"/>
+              <a:t>S&amp;S functions as a tool for maintaining social order rather than solely for crime deterrence.</a:t>
+            </a:r>
+          </a:p>
+        </p:txBody>
+      </p:sp>
+      <p:sp>
+        <p:nvSpPr>
+          <p:cNvPr id="4" name="Slide Number Placeholder 3"/>
+          <p:cNvSpPr>
+            <a:spLocks noGrp="1"/>
+          </p:cNvSpPr>
+          <p:nvPr>
+            <p:ph type="sldNum" sz="quarter" idx="5"/>
+          </p:nvPr>
+        </p:nvSpPr>
+        <p:spPr/>
+        <p:txBody>
+          <a:bodyPr/>
+          <a:lstStyle/>
+          <a:p>
+            <a:fld id="{DE7408F8-EADC-46CA-B71C-F14E0D68EEA0}" type="slidenum">
+              <a:rPr lang="en-GB" smtClean="0"/>
+              <a:t>3</a:t>
+            </a:fld>
+            <a:endParaRPr lang="en-GB"/>
+          </a:p>
+        </p:txBody>
+      </p:sp>
+    </p:spTree>
+    <p:extLst>
+      <p:ext uri="{BB962C8B-B14F-4D97-AF65-F5344CB8AC3E}">
+        <p14:creationId xmlns:p14="http://schemas.microsoft.com/office/powerpoint/2010/main" val="3948795437"/>
+      </p:ext>
+    </p:extLst>
+  </p:cSld>
+  <p:clrMapOvr>
+    <a:masterClrMapping/>
+  </p:clrMapOvr>
+</p:notes>
+</file>
+
 <file path=ppt/slideLayouts/slideLayout1.xml><?xml version="1.0" encoding="utf-8"?>
 <p:sldLayout xmlns:a="http://schemas.openxmlformats.org/drawingml/2006/main" xmlns:r="http://schemas.openxmlformats.org/officeDocument/2006/relationships" xmlns:p="http://schemas.openxmlformats.org/presentationml/2006/main" type="title" preserve="1">
   <p:cSld name="Title Slide">
@@ -10138,10 +10568,10 @@
       </p:grpSpPr>
       <p:sp useBgFill="1">
         <p:nvSpPr>
-          <p:cNvPr id="8" name="Rectangle 7">
+          <p:cNvPr id="2055" name="Rectangle 2054">
             <a:extLst>
               <a:ext uri="{FF2B5EF4-FFF2-40B4-BE49-F238E27FC236}">
-                <a16:creationId xmlns:a16="http://schemas.microsoft.com/office/drawing/2014/main" id="{0E30439A-8A5B-46EC-8283-9B6B031D40D0}"/>
+                <a16:creationId xmlns:a16="http://schemas.microsoft.com/office/drawing/2014/main" id="{ECC07320-C2CA-4E29-8481-9D9E143C7788}"/>
               </a:ext>
               <a:ext uri="{C183D7F6-B498-43B3-948B-1728B52AA6E4}">
                 <adec:decorative xmlns:adec="http://schemas.microsoft.com/office/drawing/2017/decorative" val="1"/>
@@ -10161,31 +10591,15 @@
         </p:nvSpPr>
         <p:spPr>
           <a:xfrm>
-            <a:off x="0" y="0"/>
-            <a:ext cx="12192000" cy="6858000"/>
+            <a:off x="-1" y="0"/>
+            <a:ext cx="12188952" cy="6858000"/>
           </a:xfrm>
           <a:prstGeom prst="rect">
             <a:avLst/>
           </a:prstGeom>
-          <a:ln w="12700" cap="flat" cmpd="sng" algn="ctr">
+          <a:ln>
             <a:noFill/>
-            <a:prstDash val="solid"/>
-            <a:miter lim="800000"/>
           </a:ln>
-          <a:effectLst/>
-          <a:extLst>
-            <a:ext uri="{91240B29-F687-4F45-9708-019B960494DF}">
-              <a14:hiddenLine xmlns:a14="http://schemas.microsoft.com/office/drawing/2010/main" w="12700" cap="flat" cmpd="sng" algn="ctr">
-                <a:solidFill>
-                  <a:schemeClr val="accent1">
-                    <a:shade val="50000"/>
-                  </a:schemeClr>
-                </a:solidFill>
-                <a:prstDash val="solid"/>
-                <a:miter lim="800000"/>
-              </a14:hiddenLine>
-            </a:ext>
-          </a:extLst>
         </p:spPr>
         <p:style>
           <a:lnRef idx="2">
@@ -10212,12 +10626,57 @@
           </a:p>
         </p:txBody>
       </p:sp>
+      <p:pic>
+        <p:nvPicPr>
+          <p:cNvPr id="2050" name="Picture 2" descr="Police to learn the ABC of handcuffing">
+            <a:extLst>
+              <a:ext uri="{FF2B5EF4-FFF2-40B4-BE49-F238E27FC236}">
+                <a16:creationId xmlns:a16="http://schemas.microsoft.com/office/drawing/2014/main" id="{C47F2F22-355F-AA91-CCE0-3EE6B5D86FF8}"/>
+              </a:ext>
+            </a:extLst>
+          </p:cNvPr>
+          <p:cNvPicPr>
+            <a:picLocks noChangeAspect="1" noChangeArrowheads="1"/>
+          </p:cNvPicPr>
+          <p:nvPr/>
+        </p:nvPicPr>
+        <p:blipFill>
+          <a:blip r:embed="rId2">
+            <a:extLst>
+              <a:ext uri="{28A0092B-C50C-407E-A947-70E740481C1C}">
+                <a14:useLocalDpi xmlns:a14="http://schemas.microsoft.com/office/drawing/2010/main" val="0"/>
+              </a:ext>
+            </a:extLst>
+          </a:blip>
+          <a:srcRect l="20688"/>
+          <a:stretch/>
+        </p:blipFill>
+        <p:spPr bwMode="auto">
+          <a:xfrm>
+            <a:off x="2522358" y="10"/>
+            <a:ext cx="9669642" cy="6857990"/>
+          </a:xfrm>
+          <a:prstGeom prst="rect">
+            <a:avLst/>
+          </a:prstGeom>
+          <a:noFill/>
+          <a:extLst>
+            <a:ext uri="{909E8E84-426E-40DD-AFC4-6F175D3DCCD1}">
+              <a14:hiddenFill xmlns:a14="http://schemas.microsoft.com/office/drawing/2010/main">
+                <a:solidFill>
+                  <a:srgbClr val="FFFFFF"/>
+                </a:solidFill>
+              </a14:hiddenFill>
+            </a:ext>
+          </a:extLst>
+        </p:spPr>
+      </p:pic>
       <p:sp>
         <p:nvSpPr>
-          <p:cNvPr id="10" name="Rectangle 9">
+          <p:cNvPr id="2057" name="Rectangle 2056">
             <a:extLst>
               <a:ext uri="{FF2B5EF4-FFF2-40B4-BE49-F238E27FC236}">
-                <a16:creationId xmlns:a16="http://schemas.microsoft.com/office/drawing/2014/main" id="{5CEAD642-85CF-4750-8432-7C80C901F001}"/>
+                <a16:creationId xmlns:a16="http://schemas.microsoft.com/office/drawing/2014/main" id="{178FB36B-5BFE-42CA-BC60-1115E0D95EEC}"/>
               </a:ext>
               <a:ext uri="{C183D7F6-B498-43B3-948B-1728B52AA6E4}">
                 <adec:decorative xmlns:adec="http://schemas.microsoft.com/office/drawing/2017/decorative" val="1"/>
@@ -10237,24 +10696,37 @@
         </p:nvSpPr>
         <p:spPr>
           <a:xfrm>
-            <a:off x="0" y="-427"/>
-            <a:ext cx="12192001" cy="6858000"/>
+            <a:off x="0" y="0"/>
+            <a:ext cx="7066978" cy="6858000"/>
           </a:xfrm>
           <a:prstGeom prst="rect">
             <a:avLst/>
           </a:prstGeom>
           <a:gradFill>
             <a:gsLst>
+              <a:gs pos="48000">
+                <a:schemeClr val="bg1"/>
+              </a:gs>
+              <a:gs pos="35000">
+                <a:schemeClr val="bg1">
+                  <a:alpha val="77000"/>
+                </a:schemeClr>
+              </a:gs>
+              <a:gs pos="19000">
+                <a:schemeClr val="bg1">
+                  <a:alpha val="38000"/>
+                </a:schemeClr>
+              </a:gs>
               <a:gs pos="0">
-                <a:srgbClr val="000000"/>
+                <a:schemeClr val="bg1">
+                  <a:alpha val="0"/>
+                </a:schemeClr>
               </a:gs>
               <a:gs pos="100000">
-                <a:schemeClr val="accent1">
-                  <a:lumMod val="75000"/>
-                </a:schemeClr>
+                <a:schemeClr val="bg1"/>
               </a:gs>
             </a:gsLst>
-            <a:lin ang="15000000" scaled="0"/>
+            <a:lin ang="10800000" scaled="0"/>
           </a:gradFill>
           <a:ln>
             <a:noFill/>
@@ -10281,235 +10753,6 @@
           <a:lstStyle/>
           <a:p>
             <a:pPr algn="ctr"/>
-            <a:endParaRPr lang="en-US"/>
-          </a:p>
-        </p:txBody>
-      </p:sp>
-      <p:sp>
-        <p:nvSpPr>
-          <p:cNvPr id="12" name="Rectangle 11">
-            <a:extLst>
-              <a:ext uri="{FF2B5EF4-FFF2-40B4-BE49-F238E27FC236}">
-                <a16:creationId xmlns:a16="http://schemas.microsoft.com/office/drawing/2014/main" id="{FA33EEAE-15D5-4119-8C1E-89D943F911EF}"/>
-              </a:ext>
-              <a:ext uri="{C183D7F6-B498-43B3-948B-1728B52AA6E4}">
-                <adec:decorative xmlns:adec="http://schemas.microsoft.com/office/drawing/2017/decorative" val="1"/>
-              </a:ext>
-            </a:extLst>
-          </p:cNvPr>
-          <p:cNvSpPr>
-            <a:spLocks noGrp="1" noRot="1" noChangeAspect="1" noMove="1" noResize="1" noEditPoints="1" noAdjustHandles="1" noChangeArrowheads="1" noChangeShapeType="1" noTextEdit="1"/>
-          </p:cNvSpPr>
-          <p:nvPr>
-            <p:extLst>
-              <p:ext uri="{386F3935-93C4-4BCD-93E2-E3B085C9AB24}">
-                <p16:designElem xmlns:p16="http://schemas.microsoft.com/office/powerpoint/2015/main" val="1"/>
-              </p:ext>
-            </p:extLst>
-          </p:nvPr>
-        </p:nvSpPr>
-        <p:spPr>
-          <a:xfrm rot="10800000" flipH="1">
-            <a:off x="455521" y="-1720"/>
-            <a:ext cx="11750040" cy="6840685"/>
-          </a:xfrm>
-          <a:prstGeom prst="rect">
-            <a:avLst/>
-          </a:prstGeom>
-          <a:gradFill>
-            <a:gsLst>
-              <a:gs pos="21000">
-                <a:schemeClr val="accent1">
-                  <a:lumMod val="50000"/>
-                  <a:alpha val="61000"/>
-                </a:schemeClr>
-              </a:gs>
-              <a:gs pos="100000">
-                <a:schemeClr val="accent1">
-                  <a:alpha val="0"/>
-                </a:schemeClr>
-              </a:gs>
-            </a:gsLst>
-            <a:lin ang="21594000" scaled="0"/>
-          </a:gradFill>
-          <a:ln>
-            <a:noFill/>
-          </a:ln>
-        </p:spPr>
-        <p:style>
-          <a:lnRef idx="2">
-            <a:schemeClr val="accent1">
-              <a:shade val="50000"/>
-            </a:schemeClr>
-          </a:lnRef>
-          <a:fillRef idx="1">
-            <a:schemeClr val="accent1"/>
-          </a:fillRef>
-          <a:effectRef idx="0">
-            <a:schemeClr val="accent1"/>
-          </a:effectRef>
-          <a:fontRef idx="minor">
-            <a:schemeClr val="lt1"/>
-          </a:fontRef>
-        </p:style>
-        <p:txBody>
-          <a:bodyPr rtlCol="0" anchor="ctr"/>
-          <a:lstStyle/>
-          <a:p>
-            <a:pPr algn="ctr"/>
-            <a:endParaRPr lang="en-US"/>
-          </a:p>
-        </p:txBody>
-      </p:sp>
-      <p:sp>
-        <p:nvSpPr>
-          <p:cNvPr id="14" name="Rectangle 13">
-            <a:extLst>
-              <a:ext uri="{FF2B5EF4-FFF2-40B4-BE49-F238E27FC236}">
-                <a16:creationId xmlns:a16="http://schemas.microsoft.com/office/drawing/2014/main" id="{730D8B3B-9B80-4025-B934-26DC7D7CD231}"/>
-              </a:ext>
-              <a:ext uri="{C183D7F6-B498-43B3-948B-1728B52AA6E4}">
-                <adec:decorative xmlns:adec="http://schemas.microsoft.com/office/drawing/2017/decorative" val="1"/>
-              </a:ext>
-            </a:extLst>
-          </p:cNvPr>
-          <p:cNvSpPr>
-            <a:spLocks noGrp="1" noRot="1" noChangeAspect="1" noMove="1" noResize="1" noEditPoints="1" noAdjustHandles="1" noChangeArrowheads="1" noChangeShapeType="1" noTextEdit="1"/>
-          </p:cNvSpPr>
-          <p:nvPr>
-            <p:extLst>
-              <p:ext uri="{386F3935-93C4-4BCD-93E2-E3B085C9AB24}">
-                <p16:designElem xmlns:p16="http://schemas.microsoft.com/office/powerpoint/2015/main" val="1"/>
-              </p:ext>
-            </p:extLst>
-          </p:nvPr>
-        </p:nvSpPr>
-        <p:spPr>
-          <a:xfrm>
-            <a:off x="8606054" y="-1291"/>
-            <a:ext cx="3608179" cy="6858864"/>
-          </a:xfrm>
-          <a:prstGeom prst="rect">
-            <a:avLst/>
-          </a:prstGeom>
-          <a:gradFill>
-            <a:gsLst>
-              <a:gs pos="0">
-                <a:schemeClr val="accent1">
-                  <a:lumMod val="75000"/>
-                  <a:alpha val="0"/>
-                </a:schemeClr>
-              </a:gs>
-              <a:gs pos="99000">
-                <a:srgbClr val="000000">
-                  <a:alpha val="41000"/>
-                </a:srgbClr>
-              </a:gs>
-            </a:gsLst>
-            <a:lin ang="16200000" scaled="0"/>
-          </a:gradFill>
-          <a:ln>
-            <a:noFill/>
-          </a:ln>
-        </p:spPr>
-        <p:style>
-          <a:lnRef idx="2">
-            <a:schemeClr val="accent1">
-              <a:shade val="50000"/>
-            </a:schemeClr>
-          </a:lnRef>
-          <a:fillRef idx="1">
-            <a:schemeClr val="accent1"/>
-          </a:fillRef>
-          <a:effectRef idx="0">
-            <a:schemeClr val="accent1"/>
-          </a:effectRef>
-          <a:fontRef idx="minor">
-            <a:schemeClr val="lt1"/>
-          </a:fontRef>
-        </p:style>
-        <p:txBody>
-          <a:bodyPr rtlCol="0" anchor="ctr"/>
-          <a:lstStyle/>
-          <a:p>
-            <a:pPr algn="ctr"/>
-            <a:endParaRPr lang="en-US"/>
-          </a:p>
-        </p:txBody>
-      </p:sp>
-      <p:sp>
-        <p:nvSpPr>
-          <p:cNvPr id="16" name="Oval 15">
-            <a:extLst>
-              <a:ext uri="{FF2B5EF4-FFF2-40B4-BE49-F238E27FC236}">
-                <a16:creationId xmlns:a16="http://schemas.microsoft.com/office/drawing/2014/main" id="{B5A1B09C-1565-46F8-B70F-621C5EB48A09}"/>
-              </a:ext>
-              <a:ext uri="{C183D7F6-B498-43B3-948B-1728B52AA6E4}">
-                <adec:decorative xmlns:adec="http://schemas.microsoft.com/office/drawing/2017/decorative" val="1"/>
-              </a:ext>
-            </a:extLst>
-          </p:cNvPr>
-          <p:cNvSpPr>
-            <a:spLocks noGrp="1" noRot="1" noChangeAspect="1" noMove="1" noResize="1" noEditPoints="1" noAdjustHandles="1" noChangeArrowheads="1" noChangeShapeType="1" noTextEdit="1"/>
-          </p:cNvSpPr>
-          <p:nvPr>
-            <p:extLst>
-              <p:ext uri="{386F3935-93C4-4BCD-93E2-E3B085C9AB24}">
-                <p16:designElem xmlns:p16="http://schemas.microsoft.com/office/powerpoint/2015/main" val="1"/>
-              </p:ext>
-            </p:extLst>
-          </p:nvPr>
-        </p:nvSpPr>
-        <p:spPr>
-          <a:xfrm rot="15274173">
-            <a:off x="6059728" y="779270"/>
-            <a:ext cx="4967533" cy="4988390"/>
-          </a:xfrm>
-          <a:prstGeom prst="ellipse">
-            <a:avLst/>
-          </a:prstGeom>
-          <a:gradFill>
-            <a:gsLst>
-              <a:gs pos="0">
-                <a:schemeClr val="accent1">
-                  <a:alpha val="24000"/>
-                </a:schemeClr>
-              </a:gs>
-              <a:gs pos="79000">
-                <a:schemeClr val="accent1">
-                  <a:lumMod val="60000"/>
-                  <a:lumOff val="40000"/>
-                  <a:alpha val="0"/>
-                </a:schemeClr>
-              </a:gs>
-            </a:gsLst>
-            <a:lin ang="14400000" scaled="0"/>
-          </a:gradFill>
-          <a:ln>
-            <a:noFill/>
-          </a:ln>
-        </p:spPr>
-        <p:style>
-          <a:lnRef idx="2">
-            <a:schemeClr val="accent1">
-              <a:shade val="50000"/>
-            </a:schemeClr>
-          </a:lnRef>
-          <a:fillRef idx="1">
-            <a:schemeClr val="accent1"/>
-          </a:fillRef>
-          <a:effectRef idx="0">
-            <a:schemeClr val="accent1"/>
-          </a:effectRef>
-          <a:fontRef idx="minor">
-            <a:schemeClr val="lt1"/>
-          </a:fontRef>
-        </p:style>
-        <p:txBody>
-          <a:bodyPr rtlCol="0" anchor="ctr"/>
-          <a:lstStyle/>
-          <a:p>
-            <a:pPr algn="ctr"/>
             <a:endParaRPr lang="en-US" dirty="0"/>
           </a:p>
         </p:txBody>
@@ -10532,9 +10775,10 @@
         </p:nvSpPr>
         <p:spPr>
           <a:xfrm>
-            <a:off x="1386865" y="818984"/>
-            <a:ext cx="6596245" cy="3268520"/>
+            <a:off x="952228" y="743447"/>
+            <a:ext cx="3973385" cy="3692028"/>
           </a:xfrm>
+          <a:noFill/>
         </p:spPr>
         <p:txBody>
           <a:bodyPr>
@@ -10542,92 +10786,13 @@
           </a:bodyPr>
           <a:lstStyle/>
           <a:p>
-            <a:pPr algn="r"/>
+            <a:pPr algn="l"/>
             <a:r>
-              <a:rPr lang="en-GB" sz="4800" dirty="0">
-                <a:solidFill>
-                  <a:srgbClr val="FFFFFF"/>
-                </a:solidFill>
+              <a:rPr lang="en-GB" sz="4000">
                 <a:latin typeface="Amasis MT Pro Medium" panose="02040604050005020304" pitchFamily="18" charset="0"/>
               </a:rPr>
               <a:t>The Price of Policing: Uncovering Local Economic Divides in Stop and Search</a:t>
             </a:r>
-          </a:p>
-        </p:txBody>
-      </p:sp>
-      <p:sp>
-        <p:nvSpPr>
-          <p:cNvPr id="18" name="Rectangle 17">
-            <a:extLst>
-              <a:ext uri="{FF2B5EF4-FFF2-40B4-BE49-F238E27FC236}">
-                <a16:creationId xmlns:a16="http://schemas.microsoft.com/office/drawing/2014/main" id="{8C516CC8-80AC-446C-A56E-9F54B7210402}"/>
-              </a:ext>
-              <a:ext uri="{C183D7F6-B498-43B3-948B-1728B52AA6E4}">
-                <adec:decorative xmlns:adec="http://schemas.microsoft.com/office/drawing/2017/decorative" val="1"/>
-              </a:ext>
-            </a:extLst>
-          </p:cNvPr>
-          <p:cNvSpPr>
-            <a:spLocks noGrp="1" noRot="1" noChangeAspect="1" noMove="1" noResize="1" noEditPoints="1" noAdjustHandles="1" noChangeArrowheads="1" noChangeShapeType="1" noTextEdit="1"/>
-          </p:cNvSpPr>
-          <p:nvPr>
-            <p:extLst>
-              <p:ext uri="{386F3935-93C4-4BCD-93E2-E3B085C9AB24}">
-                <p16:designElem xmlns:p16="http://schemas.microsoft.com/office/powerpoint/2015/main" val="1"/>
-              </p:ext>
-            </p:extLst>
-          </p:nvPr>
-        </p:nvSpPr>
-        <p:spPr>
-          <a:xfrm rot="10800000" flipH="1">
-            <a:off x="6314" y="4480038"/>
-            <a:ext cx="12179371" cy="2377962"/>
-          </a:xfrm>
-          <a:prstGeom prst="rect">
-            <a:avLst/>
-          </a:prstGeom>
-          <a:gradFill>
-            <a:gsLst>
-              <a:gs pos="0">
-                <a:schemeClr val="accent1">
-                  <a:lumMod val="75000"/>
-                  <a:alpha val="50000"/>
-                </a:schemeClr>
-              </a:gs>
-              <a:gs pos="99000">
-                <a:srgbClr val="000000">
-                  <a:alpha val="34000"/>
-                </a:srgbClr>
-              </a:gs>
-            </a:gsLst>
-            <a:lin ang="17400000" scaled="0"/>
-          </a:gradFill>
-          <a:ln>
-            <a:noFill/>
-          </a:ln>
-        </p:spPr>
-        <p:style>
-          <a:lnRef idx="2">
-            <a:schemeClr val="accent1">
-              <a:shade val="50000"/>
-            </a:schemeClr>
-          </a:lnRef>
-          <a:fillRef idx="1">
-            <a:schemeClr val="accent1"/>
-          </a:fillRef>
-          <a:effectRef idx="0">
-            <a:schemeClr val="accent1"/>
-          </a:effectRef>
-          <a:fontRef idx="minor">
-            <a:schemeClr val="lt1"/>
-          </a:fontRef>
-        </p:style>
-        <p:txBody>
-          <a:bodyPr rtlCol="0" anchor="ctr"/>
-          <a:lstStyle/>
-          <a:p>
-            <a:pPr algn="ctr"/>
-            <a:endParaRPr lang="en-US"/>
           </a:p>
         </p:txBody>
       </p:sp>
@@ -10649,9 +10814,10 @@
         </p:nvSpPr>
         <p:spPr>
           <a:xfrm>
-            <a:off x="1931874" y="4797188"/>
-            <a:ext cx="6051236" cy="1241828"/>
+            <a:off x="952229" y="4629234"/>
+            <a:ext cx="3973386" cy="1485319"/>
           </a:xfrm>
+          <a:noFill/>
         </p:spPr>
         <p:txBody>
           <a:bodyPr>
@@ -10659,104 +10825,22 @@
           </a:bodyPr>
           <a:lstStyle/>
           <a:p>
-            <a:pPr algn="r"/>
+            <a:pPr algn="l"/>
             <a:r>
-              <a:rPr lang="en-GB" dirty="0">
-                <a:solidFill>
-                  <a:srgbClr val="FFFFFF"/>
-                </a:solidFill>
+              <a:rPr lang="en-GB">
                 <a:latin typeface="Amasis MT Pro Medium" panose="02040604050005020304" pitchFamily="18" charset="0"/>
               </a:rPr>
               <a:t>Kofi Barton-Byfield</a:t>
             </a:r>
           </a:p>
           <a:p>
-            <a:pPr algn="r"/>
+            <a:pPr algn="l"/>
             <a:r>
-              <a:rPr lang="en-GB" dirty="0">
-                <a:solidFill>
-                  <a:srgbClr val="FFFFFF"/>
-                </a:solidFill>
+              <a:rPr lang="en-GB">
                 <a:latin typeface="Amasis MT Pro Medium" panose="02040604050005020304" pitchFamily="18" charset="0"/>
               </a:rPr>
               <a:t>23475742</a:t>
             </a:r>
-          </a:p>
-        </p:txBody>
-      </p:sp>
-      <p:sp>
-        <p:nvSpPr>
-          <p:cNvPr id="20" name="Rectangle 19">
-            <a:extLst>
-              <a:ext uri="{FF2B5EF4-FFF2-40B4-BE49-F238E27FC236}">
-                <a16:creationId xmlns:a16="http://schemas.microsoft.com/office/drawing/2014/main" id="{53947E58-F088-49F1-A3D1-DEA690192E84}"/>
-              </a:ext>
-              <a:ext uri="{C183D7F6-B498-43B3-948B-1728B52AA6E4}">
-                <adec:decorative xmlns:adec="http://schemas.microsoft.com/office/drawing/2017/decorative" val="1"/>
-              </a:ext>
-            </a:extLst>
-          </p:cNvPr>
-          <p:cNvSpPr>
-            <a:spLocks noGrp="1" noRot="1" noChangeAspect="1" noMove="1" noResize="1" noEditPoints="1" noAdjustHandles="1" noChangeArrowheads="1" noChangeShapeType="1" noTextEdit="1"/>
-          </p:cNvSpPr>
-          <p:nvPr>
-            <p:extLst>
-              <p:ext uri="{386F3935-93C4-4BCD-93E2-E3B085C9AB24}">
-                <p16:designElem xmlns:p16="http://schemas.microsoft.com/office/powerpoint/2015/main" val="1"/>
-              </p:ext>
-            </p:extLst>
-          </p:nvPr>
-        </p:nvSpPr>
-        <p:spPr>
-          <a:xfrm rot="16200000" flipH="1">
-            <a:off x="6967085" y="1632660"/>
-            <a:ext cx="6857572" cy="3592258"/>
-          </a:xfrm>
-          <a:prstGeom prst="rect">
-            <a:avLst/>
-          </a:prstGeom>
-          <a:gradFill>
-            <a:gsLst>
-              <a:gs pos="0">
-                <a:schemeClr val="accent1">
-                  <a:lumMod val="75000"/>
-                  <a:alpha val="50000"/>
-                </a:schemeClr>
-              </a:gs>
-              <a:gs pos="99000">
-                <a:srgbClr val="000000">
-                  <a:alpha val="0"/>
-                </a:srgbClr>
-              </a:gs>
-            </a:gsLst>
-            <a:lin ang="15600000" scaled="0"/>
-          </a:gradFill>
-          <a:ln>
-            <a:noFill/>
-          </a:ln>
-        </p:spPr>
-        <p:style>
-          <a:lnRef idx="2">
-            <a:schemeClr val="accent1">
-              <a:shade val="50000"/>
-            </a:schemeClr>
-          </a:lnRef>
-          <a:fillRef idx="1">
-            <a:schemeClr val="accent1"/>
-          </a:fillRef>
-          <a:effectRef idx="0">
-            <a:schemeClr val="accent1"/>
-          </a:effectRef>
-          <a:fontRef idx="minor">
-            <a:schemeClr val="lt1"/>
-          </a:fontRef>
-        </p:style>
-        <p:txBody>
-          <a:bodyPr rtlCol="0" anchor="ctr"/>
-          <a:lstStyle/>
-          <a:p>
-            <a:pPr algn="ctr"/>
-            <a:endParaRPr lang="en-US"/>
           </a:p>
         </p:txBody>
       </p:sp>
@@ -10988,7 +11072,7 @@
 </p:sld>
 </file>
 
-<file path=ppt/slides/slide2.xml><?xml version="1.0" encoding="utf-8"?>
+<file path=ppt/slides/slide10.xml><?xml version="1.0" encoding="utf-8"?>
 <p:sld xmlns:a="http://schemas.openxmlformats.org/drawingml/2006/main" xmlns:r="http://schemas.openxmlformats.org/officeDocument/2006/relationships" xmlns:p="http://schemas.openxmlformats.org/presentationml/2006/main">
   <p:cSld>
     <p:bg>
@@ -11001,7 +11085,13 @@
     </p:bg>
     <p:spTree>
       <p:nvGrpSpPr>
-        <p:cNvPr id="1" name=""/>
+        <p:cNvPr id="1" name="">
+          <a:extLst>
+            <a:ext uri="{FF2B5EF4-FFF2-40B4-BE49-F238E27FC236}">
+              <a16:creationId xmlns:a16="http://schemas.microsoft.com/office/drawing/2014/main" id="{68BBB0B8-B8A0-E239-2EB3-F65D084A99A4}"/>
+            </a:ext>
+          </a:extLst>
+        </p:cNvPr>
         <p:cNvGrpSpPr/>
         <p:nvPr/>
       </p:nvGrpSpPr>
@@ -11015,10 +11105,10 @@
       </p:grpSpPr>
       <p:sp useBgFill="1">
         <p:nvSpPr>
-          <p:cNvPr id="9" name="Rectangle 8">
+          <p:cNvPr id="34" name="Rectangle 33">
             <a:extLst>
               <a:ext uri="{FF2B5EF4-FFF2-40B4-BE49-F238E27FC236}">
-                <a16:creationId xmlns:a16="http://schemas.microsoft.com/office/drawing/2014/main" id="{1B15ED52-F352-441B-82BF-E0EA34836D08}"/>
+                <a16:creationId xmlns:a16="http://schemas.microsoft.com/office/drawing/2014/main" id="{2151139A-886F-4B97-8815-729AD3831BBD}"/>
               </a:ext>
               <a:ext uri="{C183D7F6-B498-43B3-948B-1728B52AA6E4}">
                 <adec:decorative xmlns:adec="http://schemas.microsoft.com/office/drawing/2017/decorative" val="1"/>
@@ -11085,6 +11175,956 @@
           <a:lstStyle/>
           <a:p>
             <a:pPr algn="ctr"/>
+            <a:endParaRPr lang="en-US" sz="2000"/>
+          </a:p>
+        </p:txBody>
+      </p:sp>
+      <p:sp>
+        <p:nvSpPr>
+          <p:cNvPr id="36" name="Rectangle 35">
+            <a:extLst>
+              <a:ext uri="{FF2B5EF4-FFF2-40B4-BE49-F238E27FC236}">
+                <a16:creationId xmlns:a16="http://schemas.microsoft.com/office/drawing/2014/main" id="{AB5E08C4-8CDD-4623-A5B8-E998C6DEE3B7}"/>
+              </a:ext>
+              <a:ext uri="{C183D7F6-B498-43B3-948B-1728B52AA6E4}">
+                <adec:decorative xmlns:adec="http://schemas.microsoft.com/office/drawing/2017/decorative" val="1"/>
+              </a:ext>
+            </a:extLst>
+          </p:cNvPr>
+          <p:cNvSpPr>
+            <a:spLocks noGrp="1" noRot="1" noChangeAspect="1" noMove="1" noResize="1" noEditPoints="1" noAdjustHandles="1" noChangeArrowheads="1" noChangeShapeType="1" noTextEdit="1"/>
+          </p:cNvSpPr>
+          <p:nvPr>
+            <p:extLst>
+              <p:ext uri="{386F3935-93C4-4BCD-93E2-E3B085C9AB24}">
+                <p16:designElem xmlns:p16="http://schemas.microsoft.com/office/powerpoint/2015/main" val="1"/>
+              </p:ext>
+            </p:extLst>
+          </p:nvPr>
+        </p:nvSpPr>
+        <p:spPr>
+          <a:xfrm flipH="1">
+            <a:off x="2" y="492"/>
+            <a:ext cx="12191998" cy="1575955"/>
+          </a:xfrm>
+          <a:prstGeom prst="rect">
+            <a:avLst/>
+          </a:prstGeom>
+          <a:gradFill>
+            <a:gsLst>
+              <a:gs pos="0">
+                <a:schemeClr val="accent1">
+                  <a:lumMod val="50000"/>
+                </a:schemeClr>
+              </a:gs>
+              <a:gs pos="100000">
+                <a:schemeClr val="accent1">
+                  <a:lumMod val="75000"/>
+                </a:schemeClr>
+              </a:gs>
+            </a:gsLst>
+            <a:lin ang="8400000" scaled="0"/>
+          </a:gradFill>
+          <a:ln>
+            <a:noFill/>
+          </a:ln>
+        </p:spPr>
+        <p:style>
+          <a:lnRef idx="2">
+            <a:schemeClr val="accent1">
+              <a:shade val="50000"/>
+            </a:schemeClr>
+          </a:lnRef>
+          <a:fillRef idx="1">
+            <a:schemeClr val="accent1"/>
+          </a:fillRef>
+          <a:effectRef idx="0">
+            <a:schemeClr val="accent1"/>
+          </a:effectRef>
+          <a:fontRef idx="minor">
+            <a:schemeClr val="lt1"/>
+          </a:fontRef>
+        </p:style>
+        <p:txBody>
+          <a:bodyPr rtlCol="0" anchor="ctr"/>
+          <a:lstStyle/>
+          <a:p>
+            <a:pPr algn="ctr"/>
+            <a:endParaRPr lang="en-US"/>
+          </a:p>
+        </p:txBody>
+      </p:sp>
+      <p:sp>
+        <p:nvSpPr>
+          <p:cNvPr id="38" name="Rectangle 37">
+            <a:extLst>
+              <a:ext uri="{FF2B5EF4-FFF2-40B4-BE49-F238E27FC236}">
+                <a16:creationId xmlns:a16="http://schemas.microsoft.com/office/drawing/2014/main" id="{15F33878-D502-4FFA-8ACE-F2AECDB2A23F}"/>
+              </a:ext>
+              <a:ext uri="{C183D7F6-B498-43B3-948B-1728B52AA6E4}">
+                <adec:decorative xmlns:adec="http://schemas.microsoft.com/office/drawing/2017/decorative" val="1"/>
+              </a:ext>
+            </a:extLst>
+          </p:cNvPr>
+          <p:cNvSpPr>
+            <a:spLocks noGrp="1" noRot="1" noChangeAspect="1" noMove="1" noResize="1" noEditPoints="1" noAdjustHandles="1" noChangeArrowheads="1" noChangeShapeType="1" noTextEdit="1"/>
+          </p:cNvSpPr>
+          <p:nvPr>
+            <p:extLst>
+              <p:ext uri="{386F3935-93C4-4BCD-93E2-E3B085C9AB24}">
+                <p16:designElem xmlns:p16="http://schemas.microsoft.com/office/powerpoint/2015/main" val="1"/>
+              </p:ext>
+            </p:extLst>
+          </p:nvPr>
+        </p:nvSpPr>
+        <p:spPr>
+          <a:xfrm rot="10800000" flipH="1">
+            <a:off x="8128857" y="35"/>
+            <a:ext cx="4063143" cy="1576412"/>
+          </a:xfrm>
+          <a:prstGeom prst="rect">
+            <a:avLst/>
+          </a:prstGeom>
+          <a:gradFill>
+            <a:gsLst>
+              <a:gs pos="19000">
+                <a:schemeClr val="accent1">
+                  <a:lumMod val="50000"/>
+                  <a:alpha val="68000"/>
+                </a:schemeClr>
+              </a:gs>
+              <a:gs pos="100000">
+                <a:schemeClr val="accent1">
+                  <a:alpha val="79000"/>
+                </a:schemeClr>
+              </a:gs>
+            </a:gsLst>
+            <a:lin ang="19200000" scaled="0"/>
+          </a:gradFill>
+          <a:ln>
+            <a:noFill/>
+          </a:ln>
+        </p:spPr>
+        <p:style>
+          <a:lnRef idx="2">
+            <a:schemeClr val="accent1">
+              <a:shade val="50000"/>
+            </a:schemeClr>
+          </a:lnRef>
+          <a:fillRef idx="1">
+            <a:schemeClr val="accent1"/>
+          </a:fillRef>
+          <a:effectRef idx="0">
+            <a:schemeClr val="accent1"/>
+          </a:effectRef>
+          <a:fontRef idx="minor">
+            <a:schemeClr val="lt1"/>
+          </a:fontRef>
+        </p:style>
+        <p:txBody>
+          <a:bodyPr rtlCol="0" anchor="ctr"/>
+          <a:lstStyle/>
+          <a:p>
+            <a:pPr algn="ctr"/>
+            <a:endParaRPr lang="en-US"/>
+          </a:p>
+        </p:txBody>
+      </p:sp>
+      <p:sp>
+        <p:nvSpPr>
+          <p:cNvPr id="40" name="Rectangle 39">
+            <a:extLst>
+              <a:ext uri="{FF2B5EF4-FFF2-40B4-BE49-F238E27FC236}">
+                <a16:creationId xmlns:a16="http://schemas.microsoft.com/office/drawing/2014/main" id="{D3539FEE-81D3-4406-802E-60B20B16F4F6}"/>
+              </a:ext>
+              <a:ext uri="{C183D7F6-B498-43B3-948B-1728B52AA6E4}">
+                <adec:decorative xmlns:adec="http://schemas.microsoft.com/office/drawing/2017/decorative" val="1"/>
+              </a:ext>
+            </a:extLst>
+          </p:cNvPr>
+          <p:cNvSpPr>
+            <a:spLocks noGrp="1" noRot="1" noChangeAspect="1" noMove="1" noResize="1" noEditPoints="1" noAdjustHandles="1" noChangeArrowheads="1" noChangeShapeType="1" noTextEdit="1"/>
+          </p:cNvSpPr>
+          <p:nvPr>
+            <p:extLst>
+              <p:ext uri="{386F3935-93C4-4BCD-93E2-E3B085C9AB24}">
+                <p16:designElem xmlns:p16="http://schemas.microsoft.com/office/powerpoint/2015/main" val="1"/>
+              </p:ext>
+            </p:extLst>
+          </p:nvPr>
+        </p:nvSpPr>
+        <p:spPr>
+          <a:xfrm rot="5400000">
+            <a:off x="5307778" y="-5307777"/>
+            <a:ext cx="1576446" cy="12192001"/>
+          </a:xfrm>
+          <a:prstGeom prst="rect">
+            <a:avLst/>
+          </a:prstGeom>
+          <a:gradFill>
+            <a:gsLst>
+              <a:gs pos="16000">
+                <a:srgbClr val="000000">
+                  <a:alpha val="0"/>
+                </a:srgbClr>
+              </a:gs>
+              <a:gs pos="99000">
+                <a:srgbClr val="000000">
+                  <a:alpha val="87000"/>
+                </a:srgbClr>
+              </a:gs>
+            </a:gsLst>
+            <a:lin ang="11400000" scaled="0"/>
+          </a:gradFill>
+          <a:ln>
+            <a:noFill/>
+          </a:ln>
+        </p:spPr>
+        <p:style>
+          <a:lnRef idx="2">
+            <a:schemeClr val="accent1">
+              <a:shade val="50000"/>
+            </a:schemeClr>
+          </a:lnRef>
+          <a:fillRef idx="1">
+            <a:schemeClr val="accent1"/>
+          </a:fillRef>
+          <a:effectRef idx="0">
+            <a:schemeClr val="accent1"/>
+          </a:effectRef>
+          <a:fontRef idx="minor">
+            <a:schemeClr val="lt1"/>
+          </a:fontRef>
+        </p:style>
+        <p:txBody>
+          <a:bodyPr rtlCol="0" anchor="ctr"/>
+          <a:lstStyle/>
+          <a:p>
+            <a:pPr algn="ctr"/>
+            <a:endParaRPr lang="en-US" dirty="0"/>
+          </a:p>
+        </p:txBody>
+      </p:sp>
+      <p:sp>
+        <p:nvSpPr>
+          <p:cNvPr id="42" name="Rectangle 41">
+            <a:extLst>
+              <a:ext uri="{FF2B5EF4-FFF2-40B4-BE49-F238E27FC236}">
+                <a16:creationId xmlns:a16="http://schemas.microsoft.com/office/drawing/2014/main" id="{DC701763-729E-462F-A5A8-E0DEFEB1E2E4}"/>
+              </a:ext>
+              <a:ext uri="{C183D7F6-B498-43B3-948B-1728B52AA6E4}">
+                <adec:decorative xmlns:adec="http://schemas.microsoft.com/office/drawing/2017/decorative" val="1"/>
+              </a:ext>
+            </a:extLst>
+          </p:cNvPr>
+          <p:cNvSpPr>
+            <a:spLocks noGrp="1" noRot="1" noChangeAspect="1" noMove="1" noResize="1" noEditPoints="1" noAdjustHandles="1" noChangeArrowheads="1" noChangeShapeType="1" noTextEdit="1"/>
+          </p:cNvSpPr>
+          <p:nvPr>
+            <p:extLst>
+              <p:ext uri="{386F3935-93C4-4BCD-93E2-E3B085C9AB24}">
+                <p16:designElem xmlns:p16="http://schemas.microsoft.com/office/powerpoint/2015/main" val="1"/>
+              </p:ext>
+            </p:extLst>
+          </p:nvPr>
+        </p:nvSpPr>
+        <p:spPr>
+          <a:xfrm>
+            <a:off x="3825434" y="986"/>
+            <a:ext cx="4303422" cy="1575461"/>
+          </a:xfrm>
+          <a:prstGeom prst="rect">
+            <a:avLst/>
+          </a:prstGeom>
+          <a:gradFill>
+            <a:gsLst>
+              <a:gs pos="0">
+                <a:schemeClr val="accent1">
+                  <a:alpha val="17000"/>
+                </a:schemeClr>
+              </a:gs>
+              <a:gs pos="74000">
+                <a:schemeClr val="accent1">
+                  <a:lumMod val="50000"/>
+                  <a:alpha val="0"/>
+                </a:schemeClr>
+              </a:gs>
+            </a:gsLst>
+            <a:lin ang="14400000" scaled="0"/>
+          </a:gradFill>
+          <a:ln>
+            <a:noFill/>
+          </a:ln>
+        </p:spPr>
+        <p:style>
+          <a:lnRef idx="2">
+            <a:schemeClr val="accent1">
+              <a:shade val="50000"/>
+            </a:schemeClr>
+          </a:lnRef>
+          <a:fillRef idx="1">
+            <a:schemeClr val="accent1"/>
+          </a:fillRef>
+          <a:effectRef idx="0">
+            <a:schemeClr val="accent1"/>
+          </a:effectRef>
+          <a:fontRef idx="minor">
+            <a:schemeClr val="lt1"/>
+          </a:fontRef>
+        </p:style>
+        <p:txBody>
+          <a:bodyPr rtlCol="0" anchor="ctr"/>
+          <a:lstStyle/>
+          <a:p>
+            <a:pPr algn="ctr"/>
+            <a:endParaRPr lang="en-US"/>
+          </a:p>
+        </p:txBody>
+      </p:sp>
+      <p:sp>
+        <p:nvSpPr>
+          <p:cNvPr id="2" name="Title 1">
+            <a:extLst>
+              <a:ext uri="{FF2B5EF4-FFF2-40B4-BE49-F238E27FC236}">
+                <a16:creationId xmlns:a16="http://schemas.microsoft.com/office/drawing/2014/main" id="{43FE1721-FF7E-574F-D477-57901F5711BF}"/>
+              </a:ext>
+            </a:extLst>
+          </p:cNvPr>
+          <p:cNvSpPr>
+            <a:spLocks noGrp="1"/>
+          </p:cNvSpPr>
+          <p:nvPr>
+            <p:ph type="title"/>
+          </p:nvPr>
+        </p:nvSpPr>
+        <p:spPr>
+          <a:xfrm>
+            <a:off x="699714" y="353160"/>
+            <a:ext cx="7091300" cy="898581"/>
+          </a:xfrm>
+        </p:spPr>
+        <p:txBody>
+          <a:bodyPr vert="horz" lIns="91440" tIns="45720" rIns="91440" bIns="45720" rtlCol="0" anchor="ctr">
+            <a:normAutofit/>
+          </a:bodyPr>
+          <a:lstStyle/>
+          <a:p>
+            <a:r>
+              <a:rPr lang="en-US" sz="3400" b="1" dirty="0">
+                <a:solidFill>
+                  <a:srgbClr val="FFFFFF"/>
+                </a:solidFill>
+              </a:rPr>
+              <a:t>Preliminary Analysis – House Price</a:t>
+            </a:r>
+          </a:p>
+        </p:txBody>
+      </p:sp>
+      <p:pic>
+        <p:nvPicPr>
+          <p:cNvPr id="8" name="Picture 7">
+            <a:extLst>
+              <a:ext uri="{FF2B5EF4-FFF2-40B4-BE49-F238E27FC236}">
+                <a16:creationId xmlns:a16="http://schemas.microsoft.com/office/drawing/2014/main" id="{2F6E02A0-99B8-391D-05C9-3B9E24A28790}"/>
+              </a:ext>
+            </a:extLst>
+          </p:cNvPr>
+          <p:cNvPicPr>
+            <a:picLocks noChangeAspect="1"/>
+          </p:cNvPicPr>
+          <p:nvPr/>
+        </p:nvPicPr>
+        <p:blipFill>
+          <a:blip r:embed="rId2"/>
+          <a:stretch>
+            <a:fillRect/>
+          </a:stretch>
+        </p:blipFill>
+        <p:spPr>
+          <a:xfrm>
+            <a:off x="0" y="2060982"/>
+            <a:ext cx="6738255" cy="4312482"/>
+          </a:xfrm>
+          <a:prstGeom prst="rect">
+            <a:avLst/>
+          </a:prstGeom>
+        </p:spPr>
+      </p:pic>
+      <p:pic>
+        <p:nvPicPr>
+          <p:cNvPr id="4" name="Picture 3">
+            <a:extLst>
+              <a:ext uri="{FF2B5EF4-FFF2-40B4-BE49-F238E27FC236}">
+                <a16:creationId xmlns:a16="http://schemas.microsoft.com/office/drawing/2014/main" id="{66BAFBCF-4D52-3F89-6FD4-C9C06C590F47}"/>
+              </a:ext>
+            </a:extLst>
+          </p:cNvPr>
+          <p:cNvPicPr>
+            <a:picLocks noChangeAspect="1"/>
+          </p:cNvPicPr>
+          <p:nvPr/>
+        </p:nvPicPr>
+        <p:blipFill>
+          <a:blip r:embed="rId3"/>
+          <a:stretch>
+            <a:fillRect/>
+          </a:stretch>
+        </p:blipFill>
+        <p:spPr>
+          <a:xfrm>
+            <a:off x="6657620" y="1830522"/>
+            <a:ext cx="5534380" cy="4773403"/>
+          </a:xfrm>
+          <a:prstGeom prst="rect">
+            <a:avLst/>
+          </a:prstGeom>
+        </p:spPr>
+      </p:pic>
+    </p:spTree>
+    <p:extLst>
+      <p:ext uri="{BB962C8B-B14F-4D97-AF65-F5344CB8AC3E}">
+        <p14:creationId xmlns:p14="http://schemas.microsoft.com/office/powerpoint/2010/main" val="2921559018"/>
+      </p:ext>
+    </p:extLst>
+  </p:cSld>
+  <p:clrMapOvr>
+    <a:masterClrMapping/>
+  </p:clrMapOvr>
+  <mc:AlternateContent xmlns:mc="http://schemas.openxmlformats.org/markup-compatibility/2006">
+    <mc:Choice xmlns:p159="http://schemas.microsoft.com/office/powerpoint/2015/09/main" Requires="p159">
+      <p:transition xmlns:p14="http://schemas.microsoft.com/office/powerpoint/2010/main" spd="slow" p14:dur="2000">
+        <p159:morph option="byObject"/>
+      </p:transition>
+    </mc:Choice>
+    <mc:Fallback>
+      <p:transition spd="slow">
+        <p:fade/>
+      </p:transition>
+    </mc:Fallback>
+  </mc:AlternateContent>
+</p:sld>
+</file>
+
+<file path=ppt/slides/slide11.xml><?xml version="1.0" encoding="utf-8"?>
+<p:sld xmlns:a="http://schemas.openxmlformats.org/drawingml/2006/main" xmlns:r="http://schemas.openxmlformats.org/officeDocument/2006/relationships" xmlns:p="http://schemas.openxmlformats.org/presentationml/2006/main">
+  <p:cSld>
+    <p:bg>
+      <p:bgPr>
+        <a:solidFill>
+          <a:schemeClr val="bg1"/>
+        </a:solidFill>
+        <a:effectLst/>
+      </p:bgPr>
+    </p:bg>
+    <p:spTree>
+      <p:nvGrpSpPr>
+        <p:cNvPr id="1" name=""/>
+        <p:cNvGrpSpPr/>
+        <p:nvPr/>
+      </p:nvGrpSpPr>
+      <p:grpSpPr>
+        <a:xfrm>
+          <a:off x="0" y="0"/>
+          <a:ext cx="0" cy="0"/>
+          <a:chOff x="0" y="0"/>
+          <a:chExt cx="0" cy="0"/>
+        </a:xfrm>
+      </p:grpSpPr>
+      <p:sp useBgFill="1">
+        <p:nvSpPr>
+          <p:cNvPr id="41" name="Rectangle 40">
+            <a:extLst>
+              <a:ext uri="{FF2B5EF4-FFF2-40B4-BE49-F238E27FC236}">
+                <a16:creationId xmlns:a16="http://schemas.microsoft.com/office/drawing/2014/main" id="{BACC6370-2D7E-4714-9D71-7542949D7D5D}"/>
+              </a:ext>
+              <a:ext uri="{C183D7F6-B498-43B3-948B-1728B52AA6E4}">
+                <adec:decorative xmlns:adec="http://schemas.microsoft.com/office/drawing/2017/decorative" val="1"/>
+              </a:ext>
+            </a:extLst>
+          </p:cNvPr>
+          <p:cNvSpPr>
+            <a:spLocks noGrp="1" noRot="1" noChangeAspect="1" noMove="1" noResize="1" noEditPoints="1" noAdjustHandles="1" noChangeArrowheads="1" noChangeShapeType="1" noTextEdit="1"/>
+          </p:cNvSpPr>
+          <p:nvPr>
+            <p:extLst>
+              <p:ext uri="{386F3935-93C4-4BCD-93E2-E3B085C9AB24}">
+                <p16:designElem xmlns:p16="http://schemas.microsoft.com/office/powerpoint/2015/main" val="1"/>
+              </p:ext>
+            </p:extLst>
+          </p:nvPr>
+        </p:nvSpPr>
+        <p:spPr>
+          <a:xfrm>
+            <a:off x="0" y="0"/>
+            <a:ext cx="12192000" cy="6858000"/>
+          </a:xfrm>
+          <a:prstGeom prst="rect">
+            <a:avLst/>
+          </a:prstGeom>
+          <a:ln w="12700" cap="flat" cmpd="sng" algn="ctr">
+            <a:noFill/>
+            <a:prstDash val="solid"/>
+            <a:miter lim="800000"/>
+          </a:ln>
+          <a:effectLst/>
+          <a:extLst>
+            <a:ext uri="{91240B29-F687-4F45-9708-019B960494DF}">
+              <a14:hiddenLine xmlns:a14="http://schemas.microsoft.com/office/drawing/2010/main" w="12700" cap="flat" cmpd="sng" algn="ctr">
+                <a:solidFill>
+                  <a:schemeClr val="accent1">
+                    <a:shade val="50000"/>
+                  </a:schemeClr>
+                </a:solidFill>
+                <a:prstDash val="solid"/>
+                <a:miter lim="800000"/>
+              </a14:hiddenLine>
+            </a:ext>
+          </a:extLst>
+        </p:spPr>
+        <p:style>
+          <a:lnRef idx="2">
+            <a:schemeClr val="accent1">
+              <a:shade val="50000"/>
+            </a:schemeClr>
+          </a:lnRef>
+          <a:fillRef idx="1">
+            <a:schemeClr val="accent1"/>
+          </a:fillRef>
+          <a:effectRef idx="0">
+            <a:schemeClr val="accent1"/>
+          </a:effectRef>
+          <a:fontRef idx="minor">
+            <a:schemeClr val="lt1"/>
+          </a:fontRef>
+        </p:style>
+        <p:txBody>
+          <a:bodyPr rtlCol="0" anchor="ctr"/>
+          <a:lstStyle/>
+          <a:p>
+            <a:pPr algn="ctr"/>
+            <a:endParaRPr lang="en-US"/>
+          </a:p>
+        </p:txBody>
+      </p:sp>
+      <p:sp>
+        <p:nvSpPr>
+          <p:cNvPr id="42" name="Rectangle 41">
+            <a:extLst>
+              <a:ext uri="{FF2B5EF4-FFF2-40B4-BE49-F238E27FC236}">
+                <a16:creationId xmlns:a16="http://schemas.microsoft.com/office/drawing/2014/main" id="{F68B3F68-107C-434F-AA38-110D5EA91B85}"/>
+              </a:ext>
+              <a:ext uri="{C183D7F6-B498-43B3-948B-1728B52AA6E4}">
+                <adec:decorative xmlns:adec="http://schemas.microsoft.com/office/drawing/2017/decorative" val="1"/>
+              </a:ext>
+            </a:extLst>
+          </p:cNvPr>
+          <p:cNvSpPr>
+            <a:spLocks noGrp="1" noRot="1" noChangeAspect="1" noMove="1" noResize="1" noEditPoints="1" noAdjustHandles="1" noChangeArrowheads="1" noChangeShapeType="1" noTextEdit="1"/>
+          </p:cNvSpPr>
+          <p:nvPr>
+            <p:extLst>
+              <p:ext uri="{386F3935-93C4-4BCD-93E2-E3B085C9AB24}">
+                <p16:designElem xmlns:p16="http://schemas.microsoft.com/office/powerpoint/2015/main" val="1"/>
+              </p:ext>
+            </p:extLst>
+          </p:nvPr>
+        </p:nvSpPr>
+        <p:spPr>
+          <a:xfrm flipH="1">
+            <a:off x="2" y="0"/>
+            <a:ext cx="12191998" cy="1575955"/>
+          </a:xfrm>
+          <a:prstGeom prst="rect">
+            <a:avLst/>
+          </a:prstGeom>
+          <a:gradFill>
+            <a:gsLst>
+              <a:gs pos="0">
+                <a:srgbClr val="000000">
+                  <a:alpha val="96000"/>
+                </a:srgbClr>
+              </a:gs>
+              <a:gs pos="100000">
+                <a:schemeClr val="accent1">
+                  <a:lumMod val="75000"/>
+                </a:schemeClr>
+              </a:gs>
+            </a:gsLst>
+            <a:lin ang="8400000" scaled="0"/>
+          </a:gradFill>
+          <a:ln>
+            <a:noFill/>
+          </a:ln>
+        </p:spPr>
+        <p:style>
+          <a:lnRef idx="2">
+            <a:schemeClr val="accent1">
+              <a:shade val="50000"/>
+            </a:schemeClr>
+          </a:lnRef>
+          <a:fillRef idx="1">
+            <a:schemeClr val="accent1"/>
+          </a:fillRef>
+          <a:effectRef idx="0">
+            <a:schemeClr val="accent1"/>
+          </a:effectRef>
+          <a:fontRef idx="minor">
+            <a:schemeClr val="lt1"/>
+          </a:fontRef>
+        </p:style>
+        <p:txBody>
+          <a:bodyPr rtlCol="0" anchor="ctr"/>
+          <a:lstStyle/>
+          <a:p>
+            <a:pPr algn="ctr"/>
+            <a:endParaRPr lang="en-US"/>
+          </a:p>
+        </p:txBody>
+      </p:sp>
+      <p:sp>
+        <p:nvSpPr>
+          <p:cNvPr id="43" name="Rectangle 42">
+            <a:extLst>
+              <a:ext uri="{FF2B5EF4-FFF2-40B4-BE49-F238E27FC236}">
+                <a16:creationId xmlns:a16="http://schemas.microsoft.com/office/drawing/2014/main" id="{AAD0DBB9-1A4B-4391-81D4-CB19F9AB918A}"/>
+              </a:ext>
+              <a:ext uri="{C183D7F6-B498-43B3-948B-1728B52AA6E4}">
+                <adec:decorative xmlns:adec="http://schemas.microsoft.com/office/drawing/2017/decorative" val="1"/>
+              </a:ext>
+            </a:extLst>
+          </p:cNvPr>
+          <p:cNvSpPr>
+            <a:spLocks noGrp="1" noRot="1" noChangeAspect="1" noMove="1" noResize="1" noEditPoints="1" noAdjustHandles="1" noChangeArrowheads="1" noChangeShapeType="1" noTextEdit="1"/>
+          </p:cNvSpPr>
+          <p:nvPr>
+            <p:extLst>
+              <p:ext uri="{386F3935-93C4-4BCD-93E2-E3B085C9AB24}">
+                <p16:designElem xmlns:p16="http://schemas.microsoft.com/office/powerpoint/2015/main" val="1"/>
+              </p:ext>
+            </p:extLst>
+          </p:nvPr>
+        </p:nvSpPr>
+        <p:spPr>
+          <a:xfrm rot="10800000" flipH="1">
+            <a:off x="8128857" y="0"/>
+            <a:ext cx="4063143" cy="1576412"/>
+          </a:xfrm>
+          <a:prstGeom prst="rect">
+            <a:avLst/>
+          </a:prstGeom>
+          <a:gradFill>
+            <a:gsLst>
+              <a:gs pos="19000">
+                <a:schemeClr val="accent1">
+                  <a:lumMod val="50000"/>
+                  <a:alpha val="68000"/>
+                </a:schemeClr>
+              </a:gs>
+              <a:gs pos="100000">
+                <a:schemeClr val="accent1">
+                  <a:alpha val="79000"/>
+                </a:schemeClr>
+              </a:gs>
+            </a:gsLst>
+            <a:lin ang="19200000" scaled="0"/>
+          </a:gradFill>
+          <a:ln>
+            <a:noFill/>
+          </a:ln>
+        </p:spPr>
+        <p:style>
+          <a:lnRef idx="2">
+            <a:schemeClr val="accent1">
+              <a:shade val="50000"/>
+            </a:schemeClr>
+          </a:lnRef>
+          <a:fillRef idx="1">
+            <a:schemeClr val="accent1"/>
+          </a:fillRef>
+          <a:effectRef idx="0">
+            <a:schemeClr val="accent1"/>
+          </a:effectRef>
+          <a:fontRef idx="minor">
+            <a:schemeClr val="lt1"/>
+          </a:fontRef>
+        </p:style>
+        <p:txBody>
+          <a:bodyPr rtlCol="0" anchor="ctr"/>
+          <a:lstStyle/>
+          <a:p>
+            <a:pPr algn="ctr"/>
+            <a:endParaRPr lang="en-US"/>
+          </a:p>
+        </p:txBody>
+      </p:sp>
+      <p:sp>
+        <p:nvSpPr>
+          <p:cNvPr id="44" name="Rectangle 43">
+            <a:extLst>
+              <a:ext uri="{FF2B5EF4-FFF2-40B4-BE49-F238E27FC236}">
+                <a16:creationId xmlns:a16="http://schemas.microsoft.com/office/drawing/2014/main" id="{063BBA22-50EA-4C4D-BE05-F1CE4E63AA56}"/>
+              </a:ext>
+              <a:ext uri="{C183D7F6-B498-43B3-948B-1728B52AA6E4}">
+                <adec:decorative xmlns:adec="http://schemas.microsoft.com/office/drawing/2017/decorative" val="1"/>
+              </a:ext>
+            </a:extLst>
+          </p:cNvPr>
+          <p:cNvSpPr>
+            <a:spLocks noGrp="1" noRot="1" noChangeAspect="1" noMove="1" noResize="1" noEditPoints="1" noAdjustHandles="1" noChangeArrowheads="1" noChangeShapeType="1" noTextEdit="1"/>
+          </p:cNvSpPr>
+          <p:nvPr>
+            <p:extLst>
+              <p:ext uri="{386F3935-93C4-4BCD-93E2-E3B085C9AB24}">
+                <p16:designElem xmlns:p16="http://schemas.microsoft.com/office/powerpoint/2015/main" val="1"/>
+              </p:ext>
+            </p:extLst>
+          </p:nvPr>
+        </p:nvSpPr>
+        <p:spPr>
+          <a:xfrm rot="5400000">
+            <a:off x="5307777" y="-5307778"/>
+            <a:ext cx="1576446" cy="12192002"/>
+          </a:xfrm>
+          <a:prstGeom prst="rect">
+            <a:avLst/>
+          </a:prstGeom>
+          <a:gradFill>
+            <a:gsLst>
+              <a:gs pos="23000">
+                <a:schemeClr val="accent1">
+                  <a:alpha val="0"/>
+                </a:schemeClr>
+              </a:gs>
+              <a:gs pos="99000">
+                <a:srgbClr val="000000">
+                  <a:alpha val="74000"/>
+                </a:srgbClr>
+              </a:gs>
+            </a:gsLst>
+            <a:lin ang="20400000" scaled="0"/>
+          </a:gradFill>
+          <a:ln>
+            <a:noFill/>
+          </a:ln>
+        </p:spPr>
+        <p:style>
+          <a:lnRef idx="2">
+            <a:schemeClr val="accent1">
+              <a:shade val="50000"/>
+            </a:schemeClr>
+          </a:lnRef>
+          <a:fillRef idx="1">
+            <a:schemeClr val="accent1"/>
+          </a:fillRef>
+          <a:effectRef idx="0">
+            <a:schemeClr val="accent1"/>
+          </a:effectRef>
+          <a:fontRef idx="minor">
+            <a:schemeClr val="lt1"/>
+          </a:fontRef>
+        </p:style>
+        <p:txBody>
+          <a:bodyPr rtlCol="0" anchor="ctr"/>
+          <a:lstStyle/>
+          <a:p>
+            <a:pPr algn="ctr"/>
+            <a:endParaRPr lang="en-US" dirty="0"/>
+          </a:p>
+        </p:txBody>
+      </p:sp>
+      <p:sp>
+        <p:nvSpPr>
+          <p:cNvPr id="2" name="Title 1">
+            <a:extLst>
+              <a:ext uri="{FF2B5EF4-FFF2-40B4-BE49-F238E27FC236}">
+                <a16:creationId xmlns:a16="http://schemas.microsoft.com/office/drawing/2014/main" id="{E1F098B7-167D-0299-F507-4B3EA5824E2E}"/>
+              </a:ext>
+            </a:extLst>
+          </p:cNvPr>
+          <p:cNvSpPr>
+            <a:spLocks noGrp="1"/>
+          </p:cNvSpPr>
+          <p:nvPr>
+            <p:ph type="title"/>
+          </p:nvPr>
+        </p:nvSpPr>
+        <p:spPr>
+          <a:xfrm>
+            <a:off x="1371597" y="348865"/>
+            <a:ext cx="10044023" cy="877729"/>
+          </a:xfrm>
+        </p:spPr>
+        <p:txBody>
+          <a:bodyPr anchor="ctr">
+            <a:normAutofit/>
+          </a:bodyPr>
+          <a:lstStyle/>
+          <a:p>
+            <a:r>
+              <a:rPr lang="en-GB" sz="4000">
+                <a:solidFill>
+                  <a:srgbClr val="FFFFFF"/>
+                </a:solidFill>
+                <a:latin typeface="Amasis MT Pro Medium" panose="02040604050005020304" pitchFamily="18" charset="0"/>
+              </a:rPr>
+              <a:t>Next Steps</a:t>
+            </a:r>
+          </a:p>
+        </p:txBody>
+      </p:sp>
+      <p:graphicFrame>
+        <p:nvGraphicFramePr>
+          <p:cNvPr id="45" name="Rectangle 1">
+            <a:extLst>
+              <a:ext uri="{FF2B5EF4-FFF2-40B4-BE49-F238E27FC236}">
+                <a16:creationId xmlns:a16="http://schemas.microsoft.com/office/drawing/2014/main" id="{F906FCD6-B69A-6446-DC28-BE8B5FD8CAED}"/>
+              </a:ext>
+            </a:extLst>
+          </p:cNvPr>
+          <p:cNvGraphicFramePr>
+            <a:graphicFrameLocks noGrp="1"/>
+          </p:cNvGraphicFramePr>
+          <p:nvPr>
+            <p:ph idx="1"/>
+            <p:extLst>
+              <p:ext uri="{D42A27DB-BD31-4B8C-83A1-F6EECF244321}">
+                <p14:modId xmlns:p14="http://schemas.microsoft.com/office/powerpoint/2010/main" val="3507941080"/>
+              </p:ext>
+            </p:extLst>
+          </p:nvPr>
+        </p:nvGraphicFramePr>
+        <p:xfrm>
+          <a:off x="644056" y="2112579"/>
+          <a:ext cx="10927829" cy="4192805"/>
+        </p:xfrm>
+        <a:graphic>
+          <a:graphicData uri="http://schemas.openxmlformats.org/drawingml/2006/diagram">
+            <dgm:relIds xmlns:dgm="http://schemas.openxmlformats.org/drawingml/2006/diagram" xmlns:r="http://schemas.openxmlformats.org/officeDocument/2006/relationships" r:dm="rId2" r:lo="rId3" r:qs="rId4" r:cs="rId5"/>
+          </a:graphicData>
+        </a:graphic>
+      </p:graphicFrame>
+    </p:spTree>
+    <p:extLst>
+      <p:ext uri="{BB962C8B-B14F-4D97-AF65-F5344CB8AC3E}">
+        <p14:creationId xmlns:p14="http://schemas.microsoft.com/office/powerpoint/2010/main" val="1997137984"/>
+      </p:ext>
+    </p:extLst>
+  </p:cSld>
+  <p:clrMapOvr>
+    <a:masterClrMapping/>
+  </p:clrMapOvr>
+  <mc:AlternateContent xmlns:mc="http://schemas.openxmlformats.org/markup-compatibility/2006" xmlns:p159="http://schemas.microsoft.com/office/powerpoint/2015/09/main">
+    <mc:Choice Requires="p159">
+      <p:transition xmlns:p14="http://schemas.microsoft.com/office/powerpoint/2010/main" spd="slow" p14:dur="2000">
+        <p159:morph option="byObject"/>
+      </p:transition>
+    </mc:Choice>
+    <mc:Fallback xmlns="">
+      <p:transition spd="slow">
+        <p:fade/>
+      </p:transition>
+    </mc:Fallback>
+  </mc:AlternateContent>
+</p:sld>
+</file>
+
+<file path=ppt/slides/slide2.xml><?xml version="1.0" encoding="utf-8"?>
+<p:sld xmlns:a="http://schemas.openxmlformats.org/drawingml/2006/main" xmlns:r="http://schemas.openxmlformats.org/officeDocument/2006/relationships" xmlns:p="http://schemas.openxmlformats.org/presentationml/2006/main">
+  <p:cSld>
+    <p:bg>
+      <p:bgPr>
+        <a:solidFill>
+          <a:schemeClr val="bg1"/>
+        </a:solidFill>
+        <a:effectLst/>
+      </p:bgPr>
+    </p:bg>
+    <p:spTree>
+      <p:nvGrpSpPr>
+        <p:cNvPr id="1" name=""/>
+        <p:cNvGrpSpPr/>
+        <p:nvPr/>
+      </p:nvGrpSpPr>
+      <p:grpSpPr>
+        <a:xfrm>
+          <a:off x="0" y="0"/>
+          <a:ext cx="0" cy="0"/>
+          <a:chOff x="0" y="0"/>
+          <a:chExt cx="0" cy="0"/>
+        </a:xfrm>
+      </p:grpSpPr>
+      <p:sp useBgFill="1">
+        <p:nvSpPr>
+          <p:cNvPr id="9" name="Rectangle 8">
+            <a:extLst>
+              <a:ext uri="{FF2B5EF4-FFF2-40B4-BE49-F238E27FC236}">
+                <a16:creationId xmlns:a16="http://schemas.microsoft.com/office/drawing/2014/main" id="{1B15ED52-F352-441B-82BF-E0EA34836D08}"/>
+              </a:ext>
+              <a:ext uri="{C183D7F6-B498-43B3-948B-1728B52AA6E4}">
+                <adec:decorative xmlns:adec="http://schemas.microsoft.com/office/drawing/2017/decorative" val="1"/>
+              </a:ext>
+            </a:extLst>
+          </p:cNvPr>
+          <p:cNvSpPr>
+            <a:spLocks noGrp="1" noRot="1" noChangeAspect="1" noMove="1" noResize="1" noEditPoints="1" noAdjustHandles="1" noChangeArrowheads="1" noChangeShapeType="1" noTextEdit="1"/>
+          </p:cNvSpPr>
+          <p:nvPr>
+            <p:extLst>
+              <p:ext uri="{386F3935-93C4-4BCD-93E2-E3B085C9AB24}">
+                <p16:designElem xmlns:p16="http://schemas.microsoft.com/office/powerpoint/2015/main" val="1"/>
+              </p:ext>
+            </p:extLst>
+          </p:nvPr>
+        </p:nvSpPr>
+        <p:spPr>
+          <a:xfrm>
+            <a:off x="0" y="0"/>
+            <a:ext cx="12192000" cy="6858000"/>
+          </a:xfrm>
+          <a:prstGeom prst="rect">
+            <a:avLst/>
+          </a:prstGeom>
+          <a:ln w="12700" cap="flat" cmpd="sng" algn="ctr">
+            <a:noFill/>
+            <a:prstDash val="solid"/>
+            <a:miter lim="800000"/>
+          </a:ln>
+          <a:effectLst/>
+          <a:extLst>
+            <a:ext uri="{91240B29-F687-4F45-9708-019B960494DF}">
+              <a14:hiddenLine xmlns:a14="http://schemas.microsoft.com/office/drawing/2010/main" w="12700" cap="flat" cmpd="sng" algn="ctr">
+                <a:solidFill>
+                  <a:schemeClr val="accent1">
+                    <a:shade val="50000"/>
+                  </a:schemeClr>
+                </a:solidFill>
+                <a:prstDash val="solid"/>
+                <a:miter lim="800000"/>
+              </a14:hiddenLine>
+            </a:ext>
+          </a:extLst>
+        </p:spPr>
+        <p:style>
+          <a:lnRef idx="2">
+            <a:schemeClr val="accent1">
+              <a:shade val="50000"/>
+            </a:schemeClr>
+          </a:lnRef>
+          <a:fillRef idx="1">
+            <a:schemeClr val="accent1"/>
+          </a:fillRef>
+          <a:effectRef idx="0">
+            <a:schemeClr val="accent1"/>
+          </a:effectRef>
+          <a:fontRef idx="minor">
+            <a:schemeClr val="lt1"/>
+          </a:fontRef>
+        </p:style>
+        <p:txBody>
+          <a:bodyPr rtlCol="0" anchor="ctr"/>
+          <a:lstStyle/>
+          <a:p>
+            <a:pPr algn="ctr"/>
             <a:endParaRPr lang="en-US"/>
           </a:p>
         </p:txBody>
@@ -11418,7 +12458,7 @@
           <a:lstStyle/>
           <a:p>
             <a:r>
-              <a:rPr lang="en-GB" sz="4000" dirty="0">
+              <a:rPr lang="en-GB" sz="4000">
                 <a:solidFill>
                   <a:srgbClr val="FFFFFF"/>
                 </a:solidFill>
@@ -11426,6 +12466,12 @@
               </a:rPr>
               <a:t>Background</a:t>
             </a:r>
+            <a:endParaRPr lang="en-GB" sz="4000" dirty="0">
+              <a:solidFill>
+                <a:srgbClr val="FFFFFF"/>
+              </a:solidFill>
+              <a:latin typeface="Amasis MT Pro Medium" panose="02040604050005020304" pitchFamily="18" charset="0"/>
+            </a:endParaRPr>
           </a:p>
         </p:txBody>
       </p:sp>
@@ -11447,7 +12493,7 @@
         </p:nvSpPr>
         <p:spPr bwMode="auto">
           <a:xfrm>
-            <a:off x="1115569" y="2318197"/>
+            <a:off x="1287488" y="2880104"/>
             <a:ext cx="9980062" cy="3683358"/>
           </a:xfrm>
           <a:prstGeom prst="rect">
@@ -11487,7 +12533,7 @@
             <a:prstTxWarp prst="textNoShape">
               <a:avLst/>
             </a:prstTxWarp>
-            <a:normAutofit/>
+            <a:normAutofit fontScale="92500" lnSpcReduction="10000"/>
           </a:bodyPr>
           <a:lstStyle/>
           <a:p>
@@ -11504,7 +12550,7 @@
               <a:tabLst/>
             </a:pPr>
             <a:r>
-              <a:rPr kumimoji="0" lang="en-US" altLang="en-US" sz="2000" b="0" i="0" u="none" strike="noStrike" cap="none" normalizeH="0" baseline="0" dirty="0">
+              <a:rPr kumimoji="0" lang="en-US" altLang="en-US" sz="2200" b="1" i="0" u="none" strike="noStrike" cap="none" normalizeH="0" baseline="0">
                 <a:ln>
                   <a:noFill/>
                 </a:ln>
@@ -11524,19 +12570,19 @@
               </a:spcAft>
             </a:pPr>
             <a:r>
-              <a:rPr lang="en-US" altLang="en-US" sz="2000" dirty="0">
+              <a:rPr lang="en-US" altLang="en-US" sz="2200">
                 <a:latin typeface="Amasis MT Pro Medium" panose="02040604050005020304" pitchFamily="18" charset="0"/>
               </a:rPr>
               <a:t>A Policing Policy that allows police to stop, detain and search individuals if they have </a:t>
             </a:r>
             <a:r>
-              <a:rPr lang="en-US" altLang="en-US" sz="2000" dirty="0" err="1">
+              <a:rPr lang="en-GB" sz="2200">
                 <a:latin typeface="Amasis MT Pro Medium" panose="02040604050005020304" pitchFamily="18" charset="0"/>
               </a:rPr>
-              <a:t>suspition</a:t>
+              <a:t>suspicion</a:t>
             </a:r>
             <a:r>
-              <a:rPr lang="en-US" altLang="en-US" sz="2000" dirty="0">
+              <a:rPr lang="en-US" altLang="en-US" sz="2200">
                 <a:latin typeface="Amasis MT Pro Medium" panose="02040604050005020304" pitchFamily="18" charset="0"/>
               </a:rPr>
               <a:t> the individual committed a crime.</a:t>
@@ -11551,10 +12597,157 @@
                 <a:spcPts val="600"/>
               </a:spcAft>
             </a:pPr>
-            <a:endParaRPr kumimoji="0" lang="en-US" altLang="en-US" sz="2000" b="0" i="0" u="none" strike="noStrike" cap="none" normalizeH="0" baseline="0" dirty="0">
-              <a:ln>
-                <a:noFill/>
-              </a:ln>
+            <a:r>
+              <a:rPr lang="en-GB" sz="2200">
+                <a:latin typeface="Amasis MT Pro Medium" panose="02040604050005020304" pitchFamily="18" charset="0"/>
+              </a:rPr>
+              <a:t>an officer has reasonable grounds for suspicion that a person is in possession of a stolen or prohibited item, or controlled drugs, or if a person is in an area where serious violence is anticipated.</a:t>
+            </a:r>
+          </a:p>
+          <a:p>
+            <a:pPr eaLnBrk="0" fontAlgn="base" hangingPunct="0">
+              <a:spcBef>
+                <a:spcPct val="0"/>
+              </a:spcBef>
+              <a:spcAft>
+                <a:spcPts val="600"/>
+              </a:spcAft>
+            </a:pPr>
+            <a:endParaRPr lang="en-US" altLang="en-US" sz="2200">
+              <a:latin typeface="Amasis MT Pro Medium" panose="02040604050005020304" pitchFamily="18" charset="0"/>
+            </a:endParaRPr>
+          </a:p>
+          <a:p>
+            <a:pPr algn="l">
+              <a:buNone/>
+            </a:pPr>
+            <a:r>
+              <a:rPr lang="en-GB" sz="2200" b="0" i="0">
+                <a:solidFill>
+                  <a:srgbClr val="282828"/>
+                </a:solidFill>
+                <a:effectLst/>
+                <a:latin typeface="Amasis MT Pro Medium" panose="02040604050005020304" pitchFamily="18" charset="0"/>
+              </a:rPr>
+              <a:t>There are several powers of search, but majority of powers used are included in:</a:t>
+            </a:r>
+          </a:p>
+          <a:p>
+            <a:pPr algn="l">
+              <a:lnSpc>
+                <a:spcPts val="1950"/>
+              </a:lnSpc>
+              <a:buFont typeface="Arial" panose="020B0604020202020204" pitchFamily="34" charset="0"/>
+              <a:buChar char="•"/>
+            </a:pPr>
+            <a:r>
+              <a:rPr lang="en-GB" sz="2200" b="0" i="0">
+                <a:solidFill>
+                  <a:srgbClr val="282828"/>
+                </a:solidFill>
+                <a:effectLst/>
+                <a:latin typeface="Amasis MT Pro Medium" panose="02040604050005020304" pitchFamily="18" charset="0"/>
+              </a:rPr>
+              <a:t>section 1, </a:t>
+            </a:r>
+            <a:r>
+              <a:rPr lang="en-GB" sz="2200" b="0" i="0" u="sng">
+                <a:solidFill>
+                  <a:srgbClr val="1C4179"/>
+                </a:solidFill>
+                <a:effectLst/>
+                <a:latin typeface="Amasis MT Pro Medium" panose="02040604050005020304" pitchFamily="18" charset="0"/>
+                <a:hlinkClick r:id="rId2"/>
+              </a:rPr>
+              <a:t>Police and Criminal Evidence Act 1984</a:t>
+            </a:r>
+            <a:endParaRPr lang="en-GB" sz="2200" b="0" i="0">
+              <a:solidFill>
+                <a:srgbClr val="282828"/>
+              </a:solidFill>
+              <a:effectLst/>
+              <a:latin typeface="Amasis MT Pro Medium" panose="02040604050005020304" pitchFamily="18" charset="0"/>
+            </a:endParaRPr>
+          </a:p>
+          <a:p>
+            <a:pPr algn="l">
+              <a:lnSpc>
+                <a:spcPts val="1950"/>
+              </a:lnSpc>
+              <a:buFont typeface="Arial" panose="020B0604020202020204" pitchFamily="34" charset="0"/>
+              <a:buChar char="•"/>
+            </a:pPr>
+            <a:r>
+              <a:rPr lang="en-GB" sz="2200" b="0" i="0">
+                <a:solidFill>
+                  <a:srgbClr val="282828"/>
+                </a:solidFill>
+                <a:effectLst/>
+                <a:latin typeface="Amasis MT Pro Medium" panose="02040604050005020304" pitchFamily="18" charset="0"/>
+              </a:rPr>
+              <a:t>section 23, </a:t>
+            </a:r>
+            <a:r>
+              <a:rPr lang="en-GB" sz="2200" u="sng">
+                <a:solidFill>
+                  <a:srgbClr val="1C4179"/>
+                </a:solidFill>
+                <a:latin typeface="Amasis MT Pro Medium" panose="02040604050005020304" pitchFamily="18" charset="0"/>
+                <a:hlinkClick r:id="rId3"/>
+              </a:rPr>
+              <a:t>Misuse of Drugs Act 1971</a:t>
+            </a:r>
+            <a:endParaRPr lang="en-GB" sz="2200" u="sng">
+              <a:solidFill>
+                <a:srgbClr val="1C4179"/>
+              </a:solidFill>
+              <a:latin typeface="Amasis MT Pro Medium" panose="02040604050005020304" pitchFamily="18" charset="0"/>
+            </a:endParaRPr>
+          </a:p>
+          <a:p>
+            <a:pPr algn="l">
+              <a:lnSpc>
+                <a:spcPts val="1950"/>
+              </a:lnSpc>
+              <a:buFont typeface="Arial" panose="020B0604020202020204" pitchFamily="34" charset="0"/>
+              <a:buChar char="•"/>
+            </a:pPr>
+            <a:r>
+              <a:rPr lang="en-GB" sz="2200" b="0" i="0" u="sng">
+                <a:solidFill>
+                  <a:srgbClr val="1C4179"/>
+                </a:solidFill>
+                <a:effectLst/>
+                <a:latin typeface="Amasis MT Pro Medium" panose="02040604050005020304" pitchFamily="18" charset="0"/>
+                <a:hlinkClick r:id="rId4"/>
+              </a:rPr>
+              <a:t>section 60</a:t>
+            </a:r>
+            <a:r>
+              <a:rPr lang="en-GB" sz="2200" b="0" i="0">
+                <a:solidFill>
+                  <a:srgbClr val="282828"/>
+                </a:solidFill>
+                <a:effectLst/>
+                <a:latin typeface="Amasis MT Pro Medium" panose="02040604050005020304" pitchFamily="18" charset="0"/>
+              </a:rPr>
+              <a:t>, </a:t>
+            </a:r>
+            <a:r>
+              <a:rPr lang="en-GB" sz="2200" b="0" i="0" u="sng">
+                <a:solidFill>
+                  <a:srgbClr val="1C4179"/>
+                </a:solidFill>
+                <a:effectLst/>
+                <a:latin typeface="Amasis MT Pro Medium" panose="02040604050005020304" pitchFamily="18" charset="0"/>
+                <a:hlinkClick r:id="rId5"/>
+              </a:rPr>
+              <a:t>Criminal Justice and Public Order Act 1994</a:t>
+            </a:r>
+            <a:endParaRPr lang="en-GB" sz="2200" b="0" i="0">
+              <a:solidFill>
+                <a:srgbClr val="282828"/>
+              </a:solidFill>
               <a:effectLst/>
               <a:latin typeface="Amasis MT Pro Medium" panose="02040604050005020304" pitchFamily="18" charset="0"/>
             </a:endParaRPr>
@@ -11569,59 +12762,7 @@
               </a:spcAft>
               <a:buNone/>
             </a:pPr>
-            <a:r>
-              <a:rPr lang="en-US" altLang="en-US" sz="2000" dirty="0">
-                <a:latin typeface="Amasis MT Pro Medium" panose="02040604050005020304" pitchFamily="18" charset="0"/>
-              </a:rPr>
-              <a:t>Why</a:t>
-            </a:r>
-          </a:p>
-          <a:p>
-            <a:pPr eaLnBrk="0" fontAlgn="base" hangingPunct="0">
-              <a:spcBef>
-                <a:spcPct val="0"/>
-              </a:spcBef>
-              <a:spcAft>
-                <a:spcPts val="600"/>
-              </a:spcAft>
-            </a:pPr>
-            <a:r>
-              <a:rPr kumimoji="0" lang="en-US" altLang="en-US" sz="2000" b="0" i="0" u="none" strike="noStrike" cap="none" normalizeH="0" baseline="0" dirty="0">
-                <a:ln>
-                  <a:noFill/>
-                </a:ln>
-                <a:effectLst/>
-                <a:latin typeface="Amasis MT Pro Medium" panose="02040604050005020304" pitchFamily="18" charset="0"/>
-              </a:rPr>
-              <a:t>Introduced in </a:t>
-            </a:r>
-          </a:p>
-          <a:p>
-            <a:pPr eaLnBrk="0" fontAlgn="base" hangingPunct="0">
-              <a:spcBef>
-                <a:spcPct val="0"/>
-              </a:spcBef>
-              <a:spcAft>
-                <a:spcPts val="600"/>
-              </a:spcAft>
-            </a:pPr>
-            <a:r>
-              <a:rPr lang="en-US" altLang="en-US" sz="2000" dirty="0">
-                <a:latin typeface="Amasis MT Pro Medium" panose="02040604050005020304" pitchFamily="18" charset="0"/>
-              </a:rPr>
-              <a:t>Has gained more recent prominence in the war on knife crime</a:t>
-            </a:r>
-          </a:p>
-          <a:p>
-            <a:pPr eaLnBrk="0" fontAlgn="base" hangingPunct="0">
-              <a:spcBef>
-                <a:spcPct val="0"/>
-              </a:spcBef>
-              <a:spcAft>
-                <a:spcPts val="600"/>
-              </a:spcAft>
-            </a:pPr>
-            <a:endParaRPr kumimoji="0" lang="en-US" altLang="en-US" sz="2000" b="0" i="0" u="none" strike="noStrike" cap="none" normalizeH="0" baseline="0" dirty="0">
+            <a:endParaRPr kumimoji="0" lang="en-US" altLang="en-US" sz="2000" b="0" i="0" u="none" strike="noStrike" cap="none" normalizeH="0" baseline="0">
               <a:ln>
                 <a:noFill/>
               </a:ln>
@@ -11639,7 +12780,7 @@
               </a:spcAft>
               <a:buNone/>
             </a:pPr>
-            <a:endParaRPr kumimoji="0" lang="en-US" altLang="en-US" sz="2000" b="0" i="0" u="none" strike="noStrike" cap="none" normalizeH="0" baseline="0" dirty="0">
+            <a:endParaRPr kumimoji="0" lang="en-US" altLang="en-US" sz="2000" b="0" i="0" u="none" strike="noStrike" cap="none" normalizeH="0" baseline="0">
               <a:ln>
                 <a:noFill/>
               </a:ln>
@@ -11661,7 +12802,7 @@
               <a:buChar char="•"/>
               <a:tabLst/>
             </a:pPr>
-            <a:endParaRPr kumimoji="0" lang="en-US" altLang="en-US" sz="2000" b="0" i="0" u="none" strike="noStrike" cap="none" normalizeH="0" baseline="0" dirty="0">
+            <a:endParaRPr kumimoji="0" lang="en-US" altLang="en-US" sz="2000" b="0" i="0" u="none" strike="noStrike" cap="none" normalizeH="0" baseline="0">
               <a:ln>
                 <a:noFill/>
               </a:ln>
@@ -11693,6 +12834,36 @@
           </a:p>
         </p:txBody>
       </p:sp>
+      <p:pic>
+        <p:nvPicPr>
+          <p:cNvPr id="5" name="Picture 4">
+            <a:extLst>
+              <a:ext uri="{FF2B5EF4-FFF2-40B4-BE49-F238E27FC236}">
+                <a16:creationId xmlns:a16="http://schemas.microsoft.com/office/drawing/2014/main" id="{3CAB0B57-0235-FDD8-489D-5D6318450B1A}"/>
+              </a:ext>
+            </a:extLst>
+          </p:cNvPr>
+          <p:cNvPicPr>
+            <a:picLocks noChangeAspect="1"/>
+          </p:cNvPicPr>
+          <p:nvPr/>
+        </p:nvPicPr>
+        <p:blipFill>
+          <a:blip r:embed="rId6"/>
+          <a:stretch>
+            <a:fillRect/>
+          </a:stretch>
+        </p:blipFill>
+        <p:spPr>
+          <a:xfrm>
+            <a:off x="9027552" y="0"/>
+            <a:ext cx="3164448" cy="1594249"/>
+          </a:xfrm>
+          <a:prstGeom prst="rect">
+            <a:avLst/>
+          </a:prstGeom>
+        </p:spPr>
+      </p:pic>
     </p:spTree>
     <p:extLst>
       <p:ext uri="{BB962C8B-B14F-4D97-AF65-F5344CB8AC3E}">
@@ -12165,30 +13336,82 @@
           </a:p>
         </p:txBody>
       </p:sp>
+      <p:pic>
+        <p:nvPicPr>
+          <p:cNvPr id="1028" name="Picture 4" descr="Revealed: undercover UK police officer deceived woman into 19-year  relationship | Undercover police and policing | The Guardian">
+            <a:extLst>
+              <a:ext uri="{FF2B5EF4-FFF2-40B4-BE49-F238E27FC236}">
+                <a16:creationId xmlns:a16="http://schemas.microsoft.com/office/drawing/2014/main" id="{7070FAE7-4330-DB61-CE92-EF4FDDB3F2A8}"/>
+              </a:ext>
+            </a:extLst>
+          </p:cNvPr>
+          <p:cNvPicPr>
+            <a:picLocks noChangeAspect="1" noChangeArrowheads="1"/>
+          </p:cNvPicPr>
+          <p:nvPr/>
+        </p:nvPicPr>
+        <p:blipFill>
+          <a:blip r:embed="rId3">
+            <a:extLst>
+              <a:ext uri="{28A0092B-C50C-407E-A947-70E740481C1C}">
+                <a14:useLocalDpi xmlns:a14="http://schemas.microsoft.com/office/drawing/2010/main" val="0"/>
+              </a:ext>
+            </a:extLst>
+          </a:blip>
+          <a:srcRect/>
+          <a:stretch>
+            <a:fillRect/>
+          </a:stretch>
+        </p:blipFill>
+        <p:spPr bwMode="auto">
+          <a:xfrm>
+            <a:off x="7522894" y="4103262"/>
+            <a:ext cx="4810008" cy="2886005"/>
+          </a:xfrm>
+          <a:prstGeom prst="roundRect">
+            <a:avLst>
+              <a:gd name="adj" fmla="val 24192"/>
+            </a:avLst>
+          </a:prstGeom>
+          <a:noFill/>
+          <a:extLst>
+            <a:ext uri="{909E8E84-426E-40DD-AFC4-6F175D3DCCD1}">
+              <a14:hiddenFill xmlns:a14="http://schemas.microsoft.com/office/drawing/2010/main">
+                <a:solidFill>
+                  <a:srgbClr val="FFFFFF"/>
+                </a:solidFill>
+              </a14:hiddenFill>
+            </a:ext>
+          </a:extLst>
+        </p:spPr>
+      </p:pic>
       <p:sp>
         <p:nvSpPr>
-          <p:cNvPr id="4" name="Rectangle 1">
+          <p:cNvPr id="10" name="Rectangle 8">
             <a:extLst>
               <a:ext uri="{FF2B5EF4-FFF2-40B4-BE49-F238E27FC236}">
-                <a16:creationId xmlns:a16="http://schemas.microsoft.com/office/drawing/2014/main" id="{16CE76EE-572C-972D-2233-8C6B05DD2737}"/>
+                <a16:creationId xmlns:a16="http://schemas.microsoft.com/office/drawing/2014/main" id="{25853EB5-30ED-F909-F2AC-2AAE068F8DAF}"/>
               </a:ext>
             </a:extLst>
           </p:cNvPr>
           <p:cNvSpPr>
-            <a:spLocks noGrp="1" noChangeArrowheads="1"/>
+            <a:spLocks noChangeArrowheads="1"/>
           </p:cNvSpPr>
-          <p:nvPr>
-            <p:ph idx="1"/>
-          </p:nvPr>
+          <p:nvPr/>
         </p:nvSpPr>
         <p:spPr bwMode="auto">
           <a:xfrm>
-            <a:off x="1115569" y="2318197"/>
-            <a:ext cx="9980062" cy="3683358"/>
+            <a:off x="113607" y="1885279"/>
+            <a:ext cx="10872841" cy="3351367"/>
           </a:xfrm>
           <a:prstGeom prst="rect">
             <a:avLst/>
           </a:prstGeom>
+          <a:noFill/>
+          <a:ln>
+            <a:noFill/>
+          </a:ln>
+          <a:effectLst/>
           <a:extLst>
             <a:ext uri="{909E8E84-426E-40DD-AFC4-6F175D3DCCD1}">
               <a14:hiddenFill xmlns:a14="http://schemas.microsoft.com/office/drawing/2010/main">
@@ -12219,20 +13442,23 @@
           </a:extLst>
         </p:spPr>
         <p:txBody>
-          <a:bodyPr vert="horz" lIns="91440" tIns="45720" rIns="91440" bIns="45720" numCol="1" anchor="ctr" anchorCtr="0" compatLnSpc="1">
+          <a:bodyPr vert="horz" wrap="square" lIns="91440" tIns="45720" rIns="91440" bIns="45720" numCol="1" anchor="ctr" anchorCtr="0" compatLnSpc="1">
             <a:prstTxWarp prst="textNoShape">
               <a:avLst/>
             </a:prstTxWarp>
-            <a:normAutofit fontScale="92500" lnSpcReduction="20000"/>
+            <a:spAutoFit/>
           </a:bodyPr>
           <a:lstStyle/>
           <a:p>
-            <a:pPr marL="0" marR="0" lvl="0" indent="0" defTabSz="914400" rtl="0" eaLnBrk="0" fontAlgn="base" latinLnBrk="0" hangingPunct="0">
+            <a:pPr marL="0" marR="0" lvl="0" indent="0" algn="l" defTabSz="914400" rtl="0" eaLnBrk="0" fontAlgn="base" latinLnBrk="0" hangingPunct="0">
+              <a:lnSpc>
+                <a:spcPct val="150000"/>
+              </a:lnSpc>
               <a:spcBef>
                 <a:spcPct val="0"/>
               </a:spcBef>
               <a:spcAft>
-                <a:spcPts val="600"/>
+                <a:spcPct val="0"/>
               </a:spcAft>
               <a:buClrTx/>
               <a:buSzTx/>
@@ -12241,23 +13467,58 @@
               <a:tabLst/>
             </a:pPr>
             <a:r>
-              <a:rPr kumimoji="0" lang="en-US" altLang="en-US" sz="2000" b="0" i="0" u="none" strike="noStrike" cap="none" normalizeH="0" baseline="0" dirty="0">
+              <a:rPr lang="en-US" altLang="en-US" sz="2400" dirty="0">
+                <a:latin typeface="Amasis MT Pro Medium" panose="02040604050005020304" pitchFamily="18" charset="0"/>
+              </a:rPr>
+              <a:t> </a:t>
+            </a:r>
+            <a:r>
+              <a:rPr kumimoji="0" lang="en-US" altLang="en-US" sz="2400" b="0" i="0" u="none" strike="noStrike" cap="none" normalizeH="0" baseline="0" dirty="0">
                 <a:ln>
                   <a:noFill/>
                 </a:ln>
+                <a:solidFill>
+                  <a:schemeClr val="tx1"/>
+                </a:solidFill>
                 <a:effectLst/>
                 <a:latin typeface="Amasis MT Pro Medium" panose="02040604050005020304" pitchFamily="18" charset="0"/>
               </a:rPr>
-              <a:t> Stop and search (S&amp;S) remains one of the most contested police powers in the UK.</a:t>
+              <a:t> Stop and Search (S&amp;S)  is one of the UK’s most </a:t>
             </a:r>
-          </a:p>
-          <a:p>
-            <a:pPr marL="0" marR="0" lvl="0" indent="0" defTabSz="914400" rtl="0" eaLnBrk="0" fontAlgn="base" latinLnBrk="0" hangingPunct="0">
+            <a:r>
+              <a:rPr kumimoji="0" lang="en-US" altLang="en-US" sz="2400" b="1" i="0" u="none" strike="noStrike" cap="none" normalizeH="0" baseline="0" dirty="0">
+                <a:ln>
+                  <a:noFill/>
+                </a:ln>
+                <a:solidFill>
+                  <a:schemeClr val="tx1"/>
+                </a:solidFill>
+                <a:effectLst/>
+                <a:latin typeface="Amasis MT Pro Medium" panose="02040604050005020304" pitchFamily="18" charset="0"/>
+              </a:rPr>
+              <a:t>controversial police powers</a:t>
+            </a:r>
+            <a:endParaRPr kumimoji="0" lang="en-US" altLang="en-US" sz="2400" b="0" i="0" u="none" strike="noStrike" cap="none" normalizeH="0" baseline="0" dirty="0">
+              <a:ln>
+                <a:noFill/>
+              </a:ln>
+              <a:solidFill>
+                <a:schemeClr val="tx1"/>
+              </a:solidFill>
+              <a:effectLst/>
+              <a:latin typeface="Amasis MT Pro Medium" panose="02040604050005020304" pitchFamily="18" charset="0"/>
+            </a:endParaRPr>
+          </a:p>
+          <a:p>
+            <a:pPr marL="0" marR="0" lvl="0" indent="0" algn="l" defTabSz="914400" rtl="0" eaLnBrk="0" fontAlgn="base" latinLnBrk="0" hangingPunct="0">
+              <a:lnSpc>
+                <a:spcPct val="150000"/>
+              </a:lnSpc>
               <a:spcBef>
                 <a:spcPct val="0"/>
               </a:spcBef>
               <a:spcAft>
-                <a:spcPts val="600"/>
+                <a:spcPct val="0"/>
               </a:spcAft>
               <a:buClrTx/>
               <a:buSzTx/>
@@ -12266,127 +13527,42 @@
               <a:tabLst/>
             </a:pPr>
             <a:r>
-              <a:rPr kumimoji="0" lang="en-US" altLang="en-US" sz="2000" b="0" i="0" u="none" strike="noStrike" cap="none" normalizeH="0" baseline="0" dirty="0">
+              <a:rPr kumimoji="0" lang="en-US" altLang="en-US" sz="2400" b="1" i="0" u="none" strike="noStrike" cap="none" normalizeH="0" baseline="0" dirty="0">
                 <a:ln>
                   <a:noFill/>
                 </a:ln>
+                <a:solidFill>
+                  <a:schemeClr val="tx1"/>
+                </a:solidFill>
                 <a:effectLst/>
                 <a:latin typeface="Amasis MT Pro Medium" panose="02040604050005020304" pitchFamily="18" charset="0"/>
               </a:rPr>
-              <a:t> Most research focuses on ethnic bias, especially in London.</a:t>
+              <a:t> Low conviction rates</a:t>
             </a:r>
-          </a:p>
-          <a:p>
-            <a:pPr marL="0" marR="0" lvl="0" indent="0" defTabSz="914400" rtl="0" eaLnBrk="0" fontAlgn="base" latinLnBrk="0" hangingPunct="0">
+            <a:r>
+              <a:rPr kumimoji="0" lang="en-US" altLang="en-US" sz="2400" b="0" i="0" u="none" strike="noStrike" cap="none" normalizeH="0" baseline="0" dirty="0">
+                <a:ln>
+                  <a:noFill/>
+                </a:ln>
+                <a:solidFill>
+                  <a:schemeClr val="tx1"/>
+                </a:solidFill>
+                <a:effectLst/>
+                <a:latin typeface="Amasis MT Pro Medium" panose="02040604050005020304" pitchFamily="18" charset="0"/>
+              </a:rPr>
+              <a:t> raise questions about its effectiveness</a:t>
+            </a:r>
+          </a:p>
+          <a:p>
+            <a:pPr marL="0" marR="0" lvl="0" indent="0" algn="l" defTabSz="914400" rtl="0" eaLnBrk="0" fontAlgn="base" latinLnBrk="0" hangingPunct="0">
+              <a:lnSpc>
+                <a:spcPct val="150000"/>
+              </a:lnSpc>
               <a:spcBef>
                 <a:spcPct val="0"/>
               </a:spcBef>
               <a:spcAft>
-                <a:spcPts val="600"/>
-              </a:spcAft>
-              <a:buClrTx/>
-              <a:buSzTx/>
-              <a:buFontTx/>
-              <a:buChar char="•"/>
-              <a:tabLst/>
-            </a:pPr>
-            <a:endParaRPr lang="en-US" altLang="en-US" sz="2000" dirty="0">
-              <a:latin typeface="Amasis MT Pro Medium" panose="02040604050005020304" pitchFamily="18" charset="0"/>
-            </a:endParaRPr>
-          </a:p>
-          <a:p>
-            <a:pPr marL="0" indent="0" eaLnBrk="0" fontAlgn="base" hangingPunct="0">
-              <a:spcBef>
                 <a:spcPct val="0"/>
-              </a:spcBef>
-              <a:spcAft>
-                <a:spcPts val="600"/>
-              </a:spcAft>
-              <a:buNone/>
-            </a:pPr>
-            <a:r>
-              <a:rPr kumimoji="0" lang="en-US" altLang="en-US" sz="2000" b="0" i="0" u="none" strike="noStrike" cap="none" normalizeH="0" baseline="0" dirty="0">
-                <a:ln>
-                  <a:noFill/>
-                </a:ln>
-                <a:effectLst/>
-                <a:latin typeface="Amasis MT Pro Medium" panose="02040604050005020304" pitchFamily="18" charset="0"/>
-              </a:rPr>
-              <a:t>Efficacy?</a:t>
-            </a:r>
-          </a:p>
-          <a:p>
-            <a:pPr marL="0" indent="0" eaLnBrk="0" fontAlgn="base" hangingPunct="0">
-              <a:spcBef>
-                <a:spcPct val="0"/>
-              </a:spcBef>
-              <a:spcAft>
-                <a:spcPts val="600"/>
-              </a:spcAft>
-              <a:buNone/>
-            </a:pPr>
-            <a:r>
-              <a:rPr kumimoji="0" lang="en-US" altLang="en-US" sz="2000" b="0" i="0" u="none" strike="noStrike" cap="none" normalizeH="0" baseline="0" dirty="0">
-                <a:ln>
-                  <a:noFill/>
-                </a:ln>
-                <a:effectLst/>
-                <a:latin typeface="Amasis MT Pro Medium" panose="02040604050005020304" pitchFamily="18" charset="0"/>
-              </a:rPr>
-              <a:t>Misuse </a:t>
-            </a:r>
-          </a:p>
-          <a:p>
-            <a:pPr marL="0" marR="0" lvl="0" indent="0" defTabSz="914400" rtl="0" eaLnBrk="0" fontAlgn="base" latinLnBrk="0" hangingPunct="0">
-              <a:spcBef>
-                <a:spcPct val="0"/>
-              </a:spcBef>
-              <a:spcAft>
-                <a:spcPts val="600"/>
-              </a:spcAft>
-              <a:buClrTx/>
-              <a:buSzTx/>
-              <a:buFontTx/>
-              <a:buChar char="•"/>
-              <a:tabLst/>
-            </a:pPr>
-            <a:endParaRPr kumimoji="0" lang="en-US" altLang="en-US" sz="2000" b="0" i="0" u="none" strike="noStrike" cap="none" normalizeH="0" baseline="0" dirty="0">
-              <a:ln>
-                <a:noFill/>
-              </a:ln>
-              <a:effectLst/>
-              <a:latin typeface="Amasis MT Pro Medium" panose="02040604050005020304" pitchFamily="18" charset="0"/>
-            </a:endParaRPr>
-          </a:p>
-          <a:p>
-            <a:pPr marL="0" marR="0" lvl="0" indent="0" defTabSz="914400" rtl="0" eaLnBrk="0" fontAlgn="base" latinLnBrk="0" hangingPunct="0">
-              <a:spcBef>
-                <a:spcPct val="0"/>
-              </a:spcBef>
-              <a:spcAft>
-                <a:spcPts val="600"/>
-              </a:spcAft>
-              <a:buClrTx/>
-              <a:buSzTx/>
-              <a:buFontTx/>
-              <a:buChar char="•"/>
-              <a:tabLst/>
-            </a:pPr>
-            <a:endParaRPr kumimoji="0" lang="en-US" altLang="en-US" sz="2000" b="0" i="0" u="none" strike="noStrike" cap="none" normalizeH="0" baseline="0" dirty="0">
-              <a:ln>
-                <a:noFill/>
-              </a:ln>
-              <a:effectLst/>
-              <a:latin typeface="Amasis MT Pro Medium" panose="02040604050005020304" pitchFamily="18" charset="0"/>
-            </a:endParaRPr>
-          </a:p>
-          <a:p>
-            <a:pPr marL="0" marR="0" lvl="0" indent="0" defTabSz="914400" rtl="0" eaLnBrk="0" fontAlgn="base" latinLnBrk="0" hangingPunct="0">
-              <a:spcBef>
-                <a:spcPct val="0"/>
-              </a:spcBef>
-              <a:spcAft>
-                <a:spcPts val="600"/>
               </a:spcAft>
               <a:buClrTx/>
               <a:buSzTx/>
@@ -12395,85 +13571,55 @@
               <a:tabLst/>
             </a:pPr>
             <a:r>
-              <a:rPr kumimoji="0" lang="en-US" altLang="en-US" sz="2000" b="0" i="0" u="none" strike="noStrike" cap="none" normalizeH="0" baseline="0" dirty="0">
+              <a:rPr kumimoji="0" lang="en-US" altLang="en-US" sz="2400" b="0" i="0" u="none" strike="noStrike" cap="none" normalizeH="0" baseline="0" dirty="0">
                 <a:ln>
                   <a:noFill/>
                 </a:ln>
+                <a:solidFill>
+                  <a:schemeClr val="tx1"/>
+                </a:solidFill>
                 <a:effectLst/>
                 <a:latin typeface="Amasis MT Pro Medium" panose="02040604050005020304" pitchFamily="18" charset="0"/>
               </a:rPr>
-              <a:t> This study shifts the lens to </a:t>
+              <a:t> Evidence of </a:t>
             </a:r>
             <a:r>
-              <a:rPr kumimoji="0" lang="en-US" altLang="en-US" sz="2000" b="1" i="0" u="none" strike="noStrike" cap="none" normalizeH="0" baseline="0" dirty="0">
+              <a:rPr kumimoji="0" lang="en-US" altLang="en-US" sz="2400" b="1" i="0" u="none" strike="noStrike" cap="none" normalizeH="0" baseline="0" dirty="0">
                 <a:ln>
                   <a:noFill/>
                 </a:ln>
+                <a:solidFill>
+                  <a:schemeClr val="tx1"/>
+                </a:solidFill>
                 <a:effectLst/>
                 <a:latin typeface="Amasis MT Pro Medium" panose="02040604050005020304" pitchFamily="18" charset="0"/>
               </a:rPr>
-              <a:t>economic inequality</a:t>
+              <a:t>ethnic disproportionality</a:t>
             </a:r>
             <a:r>
-              <a:rPr kumimoji="0" lang="en-US" altLang="en-US" sz="2000" b="0" i="0" u="none" strike="noStrike" cap="none" normalizeH="0" baseline="0" dirty="0">
+              <a:rPr kumimoji="0" lang="en-US" altLang="en-US" sz="2400" b="0" i="0" u="none" strike="noStrike" cap="none" normalizeH="0" baseline="0" dirty="0">
                 <a:ln>
                   <a:noFill/>
                 </a:ln>
+                <a:solidFill>
+                  <a:schemeClr val="tx1"/>
+                </a:solidFill>
                 <a:effectLst/>
                 <a:latin typeface="Amasis MT Pro Medium" panose="02040604050005020304" pitchFamily="18" charset="0"/>
               </a:rPr>
-              <a:t> and </a:t>
+              <a:t> fuels public distrust</a:t>
             </a:r>
-            <a:r>
-              <a:rPr kumimoji="0" lang="en-US" altLang="en-US" sz="2000" b="1" i="0" u="none" strike="noStrike" cap="none" normalizeH="0" baseline="0" dirty="0">
-                <a:ln>
-                  <a:noFill/>
-                </a:ln>
-                <a:effectLst/>
-                <a:latin typeface="Amasis MT Pro Medium" panose="02040604050005020304" pitchFamily="18" charset="0"/>
-              </a:rPr>
-              <a:t>regional comparison</a:t>
-            </a:r>
-            <a:r>
-              <a:rPr kumimoji="0" lang="en-US" altLang="en-US" sz="2000" b="0" i="0" u="none" strike="noStrike" cap="none" normalizeH="0" baseline="0" dirty="0">
-                <a:ln>
-                  <a:noFill/>
-                </a:ln>
-                <a:effectLst/>
-                <a:latin typeface="Amasis MT Pro Medium" panose="02040604050005020304" pitchFamily="18" charset="0"/>
-              </a:rPr>
-              <a:t>, which is largely underexplored.</a:t>
-            </a:r>
-          </a:p>
-          <a:p>
-            <a:pPr marL="0" marR="0" lvl="0" indent="0" defTabSz="914400" rtl="0" eaLnBrk="0" fontAlgn="base" latinLnBrk="0" hangingPunct="0">
+          </a:p>
+          <a:p>
+            <a:pPr marL="0" marR="0" lvl="0" indent="0" algn="l" defTabSz="914400" rtl="0" eaLnBrk="0" fontAlgn="base" latinLnBrk="0" hangingPunct="0">
+              <a:lnSpc>
+                <a:spcPct val="150000"/>
+              </a:lnSpc>
               <a:spcBef>
                 <a:spcPct val="0"/>
               </a:spcBef>
               <a:spcAft>
-                <a:spcPts val="600"/>
-              </a:spcAft>
-              <a:buClrTx/>
-              <a:buSzTx/>
-              <a:buFontTx/>
-              <a:buChar char="•"/>
-              <a:tabLst/>
-            </a:pPr>
-            <a:endParaRPr kumimoji="0" lang="en-US" altLang="en-US" sz="2000" b="0" i="0" u="none" strike="noStrike" cap="none" normalizeH="0" baseline="0" dirty="0">
-              <a:ln>
-                <a:noFill/>
-              </a:ln>
-              <a:effectLst/>
-              <a:latin typeface="Amasis MT Pro Medium" panose="02040604050005020304" pitchFamily="18" charset="0"/>
-            </a:endParaRPr>
-          </a:p>
-          <a:p>
-            <a:pPr marL="0" marR="0" lvl="0" indent="0" defTabSz="914400" rtl="0" eaLnBrk="0" fontAlgn="base" latinLnBrk="0" hangingPunct="0">
-              <a:spcBef>
                 <a:spcPct val="0"/>
-              </a:spcBef>
-              <a:spcAft>
-                <a:spcPts val="600"/>
               </a:spcAft>
               <a:buClrTx/>
               <a:buSzTx/>
@@ -12482,23 +13628,52 @@
               <a:tabLst/>
             </a:pPr>
             <a:r>
-              <a:rPr kumimoji="0" lang="en-US" altLang="en-US" sz="2000" b="0" i="0" u="none" strike="noStrike" cap="none" normalizeH="0" baseline="0" dirty="0">
+              <a:rPr kumimoji="0" lang="en-US" altLang="en-US" sz="2400" b="0" i="0" u="none" strike="noStrike" cap="none" normalizeH="0" baseline="0" dirty="0">
                 <a:ln>
                   <a:noFill/>
                 </a:ln>
+                <a:solidFill>
+                  <a:schemeClr val="tx1"/>
+                </a:solidFill>
                 <a:effectLst/>
                 <a:latin typeface="Amasis MT Pro Medium" panose="02040604050005020304" pitchFamily="18" charset="0"/>
               </a:rPr>
-              <a:t>Highlights structural issues around spatial justice and socioeconomic targeting in policing.</a:t>
+              <a:t> Research is largely </a:t>
             </a:r>
-          </a:p>
-          <a:p>
-            <a:pPr marL="0" marR="0" lvl="0" indent="0" defTabSz="914400" rtl="0" eaLnBrk="0" fontAlgn="base" latinLnBrk="0" hangingPunct="0">
+            <a:r>
+              <a:rPr kumimoji="0" lang="en-US" altLang="en-US" sz="2400" b="1" i="0" u="none" strike="noStrike" cap="none" normalizeH="0" baseline="0" dirty="0">
+                <a:ln>
+                  <a:noFill/>
+                </a:ln>
+                <a:solidFill>
+                  <a:schemeClr val="tx1"/>
+                </a:solidFill>
+                <a:effectLst/>
+                <a:latin typeface="Amasis MT Pro Medium" panose="02040604050005020304" pitchFamily="18" charset="0"/>
+              </a:rPr>
+              <a:t>London-focused and race-oriented</a:t>
+            </a:r>
+            <a:endParaRPr kumimoji="0" lang="en-US" altLang="en-US" sz="2400" b="0" i="0" u="none" strike="noStrike" cap="none" normalizeH="0" baseline="0" dirty="0">
+              <a:ln>
+                <a:noFill/>
+              </a:ln>
+              <a:solidFill>
+                <a:schemeClr val="tx1"/>
+              </a:solidFill>
+              <a:effectLst/>
+              <a:latin typeface="Amasis MT Pro Medium" panose="02040604050005020304" pitchFamily="18" charset="0"/>
+            </a:endParaRPr>
+          </a:p>
+          <a:p>
+            <a:pPr marL="0" marR="0" lvl="0" indent="0" algn="l" defTabSz="914400" rtl="0" eaLnBrk="0" fontAlgn="base" latinLnBrk="0" hangingPunct="0">
+              <a:lnSpc>
+                <a:spcPct val="150000"/>
+              </a:lnSpc>
               <a:spcBef>
                 <a:spcPct val="0"/>
               </a:spcBef>
               <a:spcAft>
-                <a:spcPts val="600"/>
+                <a:spcPct val="0"/>
               </a:spcAft>
               <a:buClrTx/>
               <a:buSzTx/>
@@ -12507,34 +13682,93 @@
               <a:tabLst/>
             </a:pPr>
             <a:r>
-              <a:rPr kumimoji="0" lang="en-US" altLang="en-US" sz="2000" b="0" i="0" u="none" strike="noStrike" cap="none" normalizeH="0" baseline="0" dirty="0">
+              <a:rPr kumimoji="0" lang="en-US" altLang="en-US" sz="2400" b="0" i="0" u="none" strike="noStrike" cap="none" normalizeH="0" baseline="0" dirty="0">
                 <a:ln>
                   <a:noFill/>
                 </a:ln>
+                <a:solidFill>
+                  <a:schemeClr val="tx1"/>
+                </a:solidFill>
                 <a:effectLst/>
                 <a:latin typeface="Amasis MT Pro Medium" panose="02040604050005020304" pitchFamily="18" charset="0"/>
               </a:rPr>
-              <a:t>Has policy implications beyond race—into class, location and systemic bias.</a:t>
+              <a:t> This study shifts focus to </a:t>
             </a:r>
-          </a:p>
-          <a:p>
-            <a:pPr marL="0" marR="0" lvl="0" indent="0" defTabSz="914400" rtl="0" eaLnBrk="0" fontAlgn="base" latinLnBrk="0" hangingPunct="0">
+            <a:r>
+              <a:rPr kumimoji="0" lang="en-US" altLang="en-US" sz="2400" b="1" i="0" u="none" strike="noStrike" cap="none" normalizeH="0" baseline="0" dirty="0">
+                <a:ln>
+                  <a:noFill/>
+                </a:ln>
+                <a:solidFill>
+                  <a:schemeClr val="tx1"/>
+                </a:solidFill>
+                <a:effectLst/>
+                <a:latin typeface="Amasis MT Pro Medium" panose="02040604050005020304" pitchFamily="18" charset="0"/>
+              </a:rPr>
+              <a:t>economic inequality</a:t>
+            </a:r>
+            <a:r>
+              <a:rPr kumimoji="0" lang="en-US" altLang="en-US" sz="2400" b="0" i="0" u="none" strike="noStrike" cap="none" normalizeH="0" baseline="0" dirty="0">
+                <a:ln>
+                  <a:noFill/>
+                </a:ln>
+                <a:solidFill>
+                  <a:schemeClr val="tx1"/>
+                </a:solidFill>
+                <a:effectLst/>
+                <a:latin typeface="Amasis MT Pro Medium" panose="02040604050005020304" pitchFamily="18" charset="0"/>
+              </a:rPr>
+              <a:t> </a:t>
+            </a:r>
+            <a:endParaRPr lang="en-US" altLang="en-US" sz="2400" dirty="0">
+              <a:latin typeface="Amasis MT Pro Medium" panose="02040604050005020304" pitchFamily="18" charset="0"/>
+            </a:endParaRPr>
+          </a:p>
+          <a:p>
+            <a:pPr marL="0" marR="0" lvl="0" indent="0" algn="l" defTabSz="914400" rtl="0" eaLnBrk="0" fontAlgn="base" latinLnBrk="0" hangingPunct="0">
               <a:spcBef>
                 <a:spcPct val="0"/>
               </a:spcBef>
               <a:spcAft>
-                <a:spcPts val="600"/>
+                <a:spcPct val="0"/>
               </a:spcAft>
               <a:buClrTx/>
               <a:buSzTx/>
-              <a:buFontTx/>
-              <a:buNone/>
               <a:tabLst/>
             </a:pPr>
-            <a:endParaRPr kumimoji="0" lang="en-US" altLang="en-US" sz="2000" b="0" i="0" u="none" strike="noStrike" cap="none" normalizeH="0" baseline="0" dirty="0">
+            <a:r>
+              <a:rPr kumimoji="0" lang="en-US" altLang="en-US" sz="2400" b="0" i="0" u="none" strike="noStrike" cap="none" normalizeH="0" baseline="0" dirty="0">
+                <a:ln>
+                  <a:noFill/>
+                </a:ln>
+                <a:solidFill>
+                  <a:schemeClr val="tx1"/>
+                </a:solidFill>
+                <a:effectLst/>
+                <a:latin typeface="Amasis MT Pro Medium" panose="02040604050005020304" pitchFamily="18" charset="0"/>
+              </a:rPr>
+              <a:t>	and </a:t>
+            </a:r>
+            <a:r>
+              <a:rPr kumimoji="0" lang="en-US" altLang="en-US" sz="2400" b="1" i="0" u="none" strike="noStrike" cap="none" normalizeH="0" baseline="0" dirty="0">
+                <a:ln>
+                  <a:noFill/>
+                </a:ln>
+                <a:solidFill>
+                  <a:schemeClr val="tx1"/>
+                </a:solidFill>
+                <a:effectLst/>
+                <a:latin typeface="Amasis MT Pro Medium" panose="02040604050005020304" pitchFamily="18" charset="0"/>
+              </a:rPr>
+              <a:t>regional context</a:t>
+            </a:r>
+            <a:endParaRPr kumimoji="0" lang="en-US" altLang="en-US" sz="2400" b="0" i="0" u="none" strike="noStrike" cap="none" normalizeH="0" baseline="0" dirty="0">
               <a:ln>
                 <a:noFill/>
               </a:ln>
+              <a:solidFill>
+                <a:schemeClr val="tx1"/>
+              </a:solidFill>
               <a:effectLst/>
               <a:latin typeface="Amasis MT Pro Medium" panose="02040604050005020304" pitchFamily="18" charset="0"/>
             </a:endParaRPr>
@@ -12551,13 +13785,13 @@
   <p:clrMapOvr>
     <a:masterClrMapping/>
   </p:clrMapOvr>
-  <mc:AlternateContent xmlns:mc="http://schemas.openxmlformats.org/markup-compatibility/2006">
-    <mc:Choice xmlns:p159="http://schemas.microsoft.com/office/powerpoint/2015/09/main" Requires="p159">
+  <mc:AlternateContent xmlns:mc="http://schemas.openxmlformats.org/markup-compatibility/2006" xmlns:p159="http://schemas.microsoft.com/office/powerpoint/2015/09/main">
+    <mc:Choice Requires="p159">
       <p:transition xmlns:p14="http://schemas.microsoft.com/office/powerpoint/2010/main" spd="slow" p14:dur="2000">
         <p159:morph option="byObject"/>
       </p:transition>
     </mc:Choice>
-    <mc:Fallback>
+    <mc:Fallback xmlns="">
       <p:transition spd="slow">
         <p:fade/>
       </p:transition>
@@ -13039,7 +14273,7 @@
               <a:buNone/>
             </a:pPr>
             <a:r>
-              <a:rPr lang="en-GB" sz="2400" dirty="0">
+              <a:rPr lang="en-GB" sz="2400" b="1" dirty="0">
                 <a:latin typeface="Amasis MT Pro Medium" panose="02040604050005020304" pitchFamily="18" charset="0"/>
               </a:rPr>
               <a:t>“To what extent do the spatial patterns of stop and search in Merseyside and Greater London, reflecting their differing social compositions, correlate with localised economic disparities at the LSOA level?”</a:t>
@@ -13061,8 +14295,8 @@
         </p:nvSpPr>
         <p:spPr>
           <a:xfrm>
-            <a:off x="266700" y="4667987"/>
-            <a:ext cx="4600575" cy="1895475"/>
+            <a:off x="266700" y="4544709"/>
+            <a:ext cx="4976913" cy="2018754"/>
           </a:xfrm>
           <a:prstGeom prst="roundRect">
             <a:avLst/>
@@ -13093,19 +14327,19 @@
           <a:p>
             <a:pPr algn="ctr"/>
             <a:r>
-              <a:rPr lang="en-GB" sz="2000" dirty="0">
+              <a:rPr lang="en-GB" sz="2400" dirty="0">
                 <a:latin typeface="Amasis MT Pro Medium" panose="02040604050005020304" pitchFamily="18" charset="0"/>
               </a:rPr>
               <a:t>AIM: to assess whether </a:t>
             </a:r>
             <a:r>
-              <a:rPr lang="en-GB" sz="2000" b="1" dirty="0">
+              <a:rPr lang="en-GB" sz="2400" b="1" dirty="0">
                 <a:latin typeface="Amasis MT Pro Medium" panose="02040604050005020304" pitchFamily="18" charset="0"/>
               </a:rPr>
               <a:t>economic inequality</a:t>
             </a:r>
             <a:r>
-              <a:rPr lang="en-GB" sz="2000" dirty="0">
+              <a:rPr lang="en-GB" sz="2400" dirty="0">
                 <a:latin typeface="Amasis MT Pro Medium" panose="02040604050005020304" pitchFamily="18" charset="0"/>
               </a:rPr>
               <a:t> plays a distinct role in stop and search deployment across two very different urban contexts.</a:t>
@@ -13128,7 +14362,7 @@
         <p:spPr>
           <a:xfrm>
             <a:off x="6640234" y="4929556"/>
-            <a:ext cx="3758707" cy="1372336"/>
+            <a:ext cx="4155145" cy="1372336"/>
           </a:xfrm>
           <a:prstGeom prst="roundRect">
             <a:avLst/>
@@ -13159,7 +14393,7 @@
           <a:p>
             <a:pPr algn="ctr"/>
             <a:r>
-              <a:rPr lang="en-GB" sz="2000" dirty="0">
+              <a:rPr lang="en-GB" sz="2400" dirty="0">
                 <a:latin typeface="Amasis MT Pro Medium" panose="02040604050005020304" pitchFamily="18" charset="0"/>
               </a:rPr>
               <a:t>How this economic inequality varies in different cultural make-ups</a:t>
@@ -13181,7 +14415,7 @@
         </p:nvCxnSpPr>
         <p:spPr>
           <a:xfrm>
-            <a:off x="5276847" y="5615724"/>
+            <a:off x="5413326" y="5547485"/>
             <a:ext cx="1038222" cy="0"/>
           </a:xfrm>
           <a:prstGeom prst="straightConnector1">
@@ -13658,7 +14892,7 @@
         </p:nvSpPr>
         <p:spPr>
           <a:xfrm>
-            <a:off x="1371599" y="294538"/>
+            <a:off x="1377697" y="278535"/>
             <a:ext cx="9895951" cy="1033669"/>
           </a:xfrm>
         </p:spPr>
@@ -13668,8 +14902,9 @@
           </a:bodyPr>
           <a:lstStyle/>
           <a:p>
+            <a:pPr algn="ctr"/>
             <a:r>
-              <a:rPr lang="en-GB" sz="4000">
+              <a:rPr lang="en-GB" sz="4000" dirty="0">
                 <a:solidFill>
                   <a:srgbClr val="FFFFFF"/>
                 </a:solidFill>
@@ -13698,55 +14933,81 @@
         </p:nvSpPr>
         <p:spPr>
           <a:xfrm>
-            <a:off x="1371599" y="2318197"/>
-            <a:ext cx="9724031" cy="3683358"/>
+            <a:off x="1166819" y="2311149"/>
+            <a:ext cx="9858357" cy="3833133"/>
           </a:xfrm>
         </p:spPr>
         <p:txBody>
           <a:bodyPr anchor="ctr">
-            <a:normAutofit/>
+            <a:normAutofit lnSpcReduction="10000"/>
           </a:bodyPr>
           <a:lstStyle/>
           <a:p>
-            <a:pPr>
-              <a:buFont typeface="Arial" panose="020B0604020202020204" pitchFamily="34" charset="0"/>
-              <a:buChar char="•"/>
+            <a:pPr marL="0" indent="0">
+              <a:buNone/>
             </a:pPr>
             <a:r>
-              <a:rPr lang="en-GB" sz="2000" b="1">
+              <a:rPr lang="en-GB" sz="3200" b="1" dirty="0">
                 <a:latin typeface="Amasis MT Pro Medium" panose="02040604050005020304" pitchFamily="18" charset="0"/>
               </a:rPr>
-              <a:t>Hypothesis 1:</a:t>
+              <a:t>Hypothesis 1: 	</a:t>
             </a:r>
             <a:r>
-              <a:rPr lang="en-GB" sz="2000">
+              <a:rPr lang="en-GB" sz="2400" dirty="0">
                 <a:latin typeface="Amasis MT Pro Medium" panose="02040604050005020304" pitchFamily="18" charset="0"/>
               </a:rPr>
-              <a:t> Higher S&amp;S rates will correlate with higher income deprivation at the LSOA level.</a:t>
+              <a:t>S&amp;S rates will correlate with higher 					income deprivation at the LSOA level.</a:t>
             </a:r>
           </a:p>
           <a:p>
-            <a:pPr>
-              <a:buFont typeface="Arial" panose="020B0604020202020204" pitchFamily="34" charset="0"/>
-              <a:buChar char="•"/>
+            <a:pPr marL="0" indent="0">
+              <a:buNone/>
+            </a:pPr>
+            <a:endParaRPr lang="en-GB" sz="2400" dirty="0">
+              <a:latin typeface="Amasis MT Pro Medium" panose="02040604050005020304" pitchFamily="18" charset="0"/>
+            </a:endParaRPr>
+          </a:p>
+          <a:p>
+            <a:pPr marL="0" indent="0">
+              <a:buNone/>
             </a:pPr>
             <a:r>
-              <a:rPr lang="en-GB" sz="2000" b="1" dirty="0">
+              <a:rPr lang="en-GB" sz="3200" b="1" dirty="0">
                 <a:latin typeface="Amasis MT Pro Medium" panose="02040604050005020304" pitchFamily="18" charset="0"/>
               </a:rPr>
               <a:t>Hypothesis 2:</a:t>
             </a:r>
             <a:r>
-              <a:rPr lang="en-GB" sz="2000" dirty="0">
+              <a:rPr lang="en-GB" sz="2400" dirty="0">
                 <a:latin typeface="Amasis MT Pro Medium" panose="02040604050005020304" pitchFamily="18" charset="0"/>
               </a:rPr>
-              <a:t> The strength of this correlation will vary significantly between London and Merseyside.</a:t>
+              <a:t> 	The strength of this correlation will vary 				significantly between London and Merseyside.</a:t>
             </a:r>
           </a:p>
           <a:p>
-            <a:endParaRPr lang="en-GB" sz="2000" dirty="0">
+            <a:pPr marL="0" indent="0">
+              <a:buNone/>
+            </a:pPr>
+            <a:endParaRPr lang="en-GB" sz="2400" dirty="0">
               <a:latin typeface="Amasis MT Pro Medium" panose="02040604050005020304" pitchFamily="18" charset="0"/>
             </a:endParaRPr>
+          </a:p>
+          <a:p>
+            <a:pPr marL="0" indent="0">
+              <a:buNone/>
+            </a:pPr>
+            <a:r>
+              <a:rPr lang="en-GB" sz="3200" b="1" dirty="0">
+                <a:latin typeface="Amasis MT Pro Medium" panose="02040604050005020304" pitchFamily="18" charset="0"/>
+              </a:rPr>
+              <a:t>Hypothesis 3:</a:t>
+            </a:r>
+            <a:r>
+              <a:rPr lang="en-GB" sz="2400" dirty="0">
+                <a:latin typeface="Amasis MT Pro Medium" panose="02040604050005020304" pitchFamily="18" charset="0"/>
+              </a:rPr>
+              <a:t> 	The interaction between income deprivation and 			ethnic diversity will show that economically 				deprived, ethnically diverse areas face the 				highest levels of S&amp;S activity.</a:t>
+            </a:r>
           </a:p>
         </p:txBody>
       </p:sp>
@@ -14120,7 +15381,7 @@
         </p:nvSpPr>
         <p:spPr>
           <a:xfrm>
-            <a:off x="1371597" y="348865"/>
+            <a:off x="1073987" y="349112"/>
             <a:ext cx="10044023" cy="877729"/>
           </a:xfrm>
         </p:spPr>
@@ -14130,8 +15391,9 @@
           </a:bodyPr>
           <a:lstStyle/>
           <a:p>
+            <a:pPr algn="ctr"/>
             <a:r>
-              <a:rPr lang="en-GB" sz="4000">
+              <a:rPr lang="en-GB" sz="4000" dirty="0">
                 <a:solidFill>
                   <a:srgbClr val="FFFFFF"/>
                 </a:solidFill>
@@ -14158,7 +15420,7 @@
             <p:ph idx="1"/>
             <p:extLst>
               <p:ext uri="{D42A27DB-BD31-4B8C-83A1-F6EECF244321}">
-                <p14:modId xmlns:p14="http://schemas.microsoft.com/office/powerpoint/2010/main" val="2477584764"/>
+                <p14:modId xmlns:p14="http://schemas.microsoft.com/office/powerpoint/2010/main" val="3935455211"/>
               </p:ext>
             </p:extLst>
           </p:nvPr>
@@ -14930,10 +16192,10 @@
       </p:grpSpPr>
       <p:sp useBgFill="1">
         <p:nvSpPr>
-          <p:cNvPr id="8" name="Rectangle 7">
+          <p:cNvPr id="21" name="Rectangle 20">
             <a:extLst>
               <a:ext uri="{FF2B5EF4-FFF2-40B4-BE49-F238E27FC236}">
-                <a16:creationId xmlns:a16="http://schemas.microsoft.com/office/drawing/2014/main" id="{1B15ED52-F352-441B-82BF-E0EA34836D08}"/>
+                <a16:creationId xmlns:a16="http://schemas.microsoft.com/office/drawing/2014/main" id="{2151139A-886F-4B97-8815-729AD3831BBD}"/>
               </a:ext>
               <a:ext uri="{C183D7F6-B498-43B3-948B-1728B52AA6E4}">
                 <adec:decorative xmlns:adec="http://schemas.microsoft.com/office/drawing/2017/decorative" val="1"/>
@@ -15000,16 +16262,16 @@
           <a:lstStyle/>
           <a:p>
             <a:pPr algn="ctr"/>
-            <a:endParaRPr lang="en-US"/>
+            <a:endParaRPr lang="en-US" sz="2000"/>
           </a:p>
         </p:txBody>
       </p:sp>
       <p:sp>
         <p:nvSpPr>
-          <p:cNvPr id="10" name="Rectangle 9">
+          <p:cNvPr id="23" name="Rectangle 22">
             <a:extLst>
               <a:ext uri="{FF2B5EF4-FFF2-40B4-BE49-F238E27FC236}">
-                <a16:creationId xmlns:a16="http://schemas.microsoft.com/office/drawing/2014/main" id="{3B2E3793-BFE6-45A2-9B7B-E18844431C99}"/>
+                <a16:creationId xmlns:a16="http://schemas.microsoft.com/office/drawing/2014/main" id="{AB5E08C4-8CDD-4623-A5B8-E998C6DEE3B7}"/>
               </a:ext>
               <a:ext uri="{C183D7F6-B498-43B3-948B-1728B52AA6E4}">
                 <adec:decorative xmlns:adec="http://schemas.microsoft.com/office/drawing/2017/decorative" val="1"/>
@@ -15029,8 +16291,8 @@
         </p:nvSpPr>
         <p:spPr>
           <a:xfrm flipH="1">
-            <a:off x="-1" y="-1"/>
-            <a:ext cx="12191998" cy="1590742"/>
+            <a:off x="2" y="492"/>
+            <a:ext cx="12191998" cy="1575955"/>
           </a:xfrm>
           <a:prstGeom prst="rect">
             <a:avLst/>
@@ -15038,7 +16300,9 @@
           <a:gradFill>
             <a:gsLst>
               <a:gs pos="0">
-                <a:srgbClr val="000000"/>
+                <a:schemeClr val="accent1">
+                  <a:lumMod val="50000"/>
+                </a:schemeClr>
               </a:gs>
               <a:gs pos="100000">
                 <a:schemeClr val="accent1">
@@ -15079,10 +16343,10 @@
       </p:sp>
       <p:sp>
         <p:nvSpPr>
-          <p:cNvPr id="12" name="Rectangle 11">
+          <p:cNvPr id="25" name="Rectangle 24">
             <a:extLst>
               <a:ext uri="{FF2B5EF4-FFF2-40B4-BE49-F238E27FC236}">
-                <a16:creationId xmlns:a16="http://schemas.microsoft.com/office/drawing/2014/main" id="{BC4C4868-CB8F-4AF9-9CDB-8108F2C19B67}"/>
+                <a16:creationId xmlns:a16="http://schemas.microsoft.com/office/drawing/2014/main" id="{15F33878-D502-4FFA-8ACE-F2AECDB2A23F}"/>
               </a:ext>
               <a:ext uri="{C183D7F6-B498-43B3-948B-1728B52AA6E4}">
                 <adec:decorative xmlns:adec="http://schemas.microsoft.com/office/drawing/2017/decorative" val="1"/>
@@ -15102,27 +16366,27 @@
         </p:nvSpPr>
         <p:spPr>
           <a:xfrm rot="10800000" flipH="1">
-            <a:off x="-3" y="0"/>
-            <a:ext cx="8115306" cy="1590742"/>
+            <a:off x="8128857" y="35"/>
+            <a:ext cx="4063143" cy="1576412"/>
           </a:xfrm>
           <a:prstGeom prst="rect">
             <a:avLst/>
           </a:prstGeom>
           <a:gradFill>
             <a:gsLst>
-              <a:gs pos="20000">
+              <a:gs pos="19000">
                 <a:schemeClr val="accent1">
-                  <a:alpha val="0"/>
+                  <a:lumMod val="50000"/>
+                  <a:alpha val="68000"/>
                 </a:schemeClr>
               </a:gs>
               <a:gs pos="100000">
                 <a:schemeClr val="accent1">
-                  <a:lumMod val="50000"/>
-                  <a:alpha val="55000"/>
+                  <a:alpha val="79000"/>
                 </a:schemeClr>
               </a:gs>
             </a:gsLst>
-            <a:lin ang="13800000" scaled="0"/>
+            <a:lin ang="19200000" scaled="0"/>
           </a:gradFill>
           <a:ln>
             <a:noFill/>
@@ -15155,10 +16419,10 @@
       </p:sp>
       <p:sp>
         <p:nvSpPr>
-          <p:cNvPr id="14" name="Rectangle 13">
+          <p:cNvPr id="27" name="Rectangle 26">
             <a:extLst>
               <a:ext uri="{FF2B5EF4-FFF2-40B4-BE49-F238E27FC236}">
-                <a16:creationId xmlns:a16="http://schemas.microsoft.com/office/drawing/2014/main" id="{375E0459-6403-40CD-989D-56A4407CA12E}"/>
+                <a16:creationId xmlns:a16="http://schemas.microsoft.com/office/drawing/2014/main" id="{D3539FEE-81D3-4406-802E-60B20B16F4F6}"/>
               </a:ext>
               <a:ext uri="{C183D7F6-B498-43B3-948B-1728B52AA6E4}">
                 <adec:decorative xmlns:adec="http://schemas.microsoft.com/office/drawing/2017/decorative" val="1"/>
@@ -15177,27 +16441,27 @@
           </p:nvPr>
         </p:nvSpPr>
         <p:spPr>
-          <a:xfrm flipH="1">
-            <a:off x="8115299" y="-1"/>
-            <a:ext cx="4076698" cy="1590742"/>
+          <a:xfrm rot="5400000">
+            <a:off x="5307778" y="-5307777"/>
+            <a:ext cx="1576446" cy="12192001"/>
           </a:xfrm>
           <a:prstGeom prst="rect">
             <a:avLst/>
           </a:prstGeom>
           <a:gradFill>
             <a:gsLst>
-              <a:gs pos="0">
-                <a:schemeClr val="accent1">
-                  <a:alpha val="66000"/>
-                </a:schemeClr>
+              <a:gs pos="16000">
+                <a:srgbClr val="000000">
+                  <a:alpha val="0"/>
+                </a:srgbClr>
               </a:gs>
-              <a:gs pos="100000">
+              <a:gs pos="99000">
                 <a:srgbClr val="000000">
-                  <a:alpha val="30000"/>
+                  <a:alpha val="87000"/>
                 </a:srgbClr>
               </a:gs>
             </a:gsLst>
-            <a:lin ang="13200000" scaled="0"/>
+            <a:lin ang="11400000" scaled="0"/>
           </a:gradFill>
           <a:ln>
             <a:noFill/>
@@ -15224,16 +16488,16 @@
           <a:lstStyle/>
           <a:p>
             <a:pPr algn="ctr"/>
-            <a:endParaRPr lang="en-US"/>
+            <a:endParaRPr lang="en-US" dirty="0"/>
           </a:p>
         </p:txBody>
       </p:sp>
       <p:sp>
         <p:nvSpPr>
-          <p:cNvPr id="16" name="Rectangle 15">
+          <p:cNvPr id="29" name="Rectangle 28">
             <a:extLst>
               <a:ext uri="{FF2B5EF4-FFF2-40B4-BE49-F238E27FC236}">
-                <a16:creationId xmlns:a16="http://schemas.microsoft.com/office/drawing/2014/main" id="{53E5B1A8-3AC9-4BD1-9BBC-78CA94F2D1BA}"/>
+                <a16:creationId xmlns:a16="http://schemas.microsoft.com/office/drawing/2014/main" id="{DC701763-729E-462F-A5A8-E0DEFEB1E2E4}"/>
               </a:ext>
               <a:ext uri="{C183D7F6-B498-43B3-948B-1728B52AA6E4}">
                 <adec:decorative xmlns:adec="http://schemas.microsoft.com/office/drawing/2017/decorative" val="1"/>
@@ -15253,27 +16517,27 @@
         </p:nvSpPr>
         <p:spPr>
           <a:xfrm>
-            <a:off x="459350" y="-1"/>
-            <a:ext cx="11732646" cy="1597433"/>
+            <a:off x="3825434" y="986"/>
+            <a:ext cx="4303422" cy="1575461"/>
           </a:xfrm>
           <a:prstGeom prst="rect">
             <a:avLst/>
           </a:prstGeom>
           <a:gradFill>
             <a:gsLst>
-              <a:gs pos="50000">
-                <a:srgbClr val="000000">
-                  <a:alpha val="0"/>
-                </a:srgbClr>
+              <a:gs pos="0">
+                <a:schemeClr val="accent1">
+                  <a:alpha val="17000"/>
+                </a:schemeClr>
               </a:gs>
-              <a:gs pos="99000">
+              <a:gs pos="74000">
                 <a:schemeClr val="accent1">
                   <a:lumMod val="50000"/>
-                  <a:alpha val="52000"/>
+                  <a:alpha val="0"/>
                 </a:schemeClr>
               </a:gs>
             </a:gsLst>
-            <a:lin ang="16800000" scaled="0"/>
+            <a:lin ang="14400000" scaled="0"/>
           </a:gradFill>
           <a:ln>
             <a:noFill/>
@@ -15322,62 +16586,87 @@
         </p:nvSpPr>
         <p:spPr>
           <a:xfrm>
-            <a:off x="1371599" y="294538"/>
-            <a:ext cx="9895951" cy="1033669"/>
+            <a:off x="699713" y="353160"/>
+            <a:ext cx="7429141" cy="898581"/>
           </a:xfrm>
         </p:spPr>
         <p:txBody>
-          <a:bodyPr>
-            <a:normAutofit/>
+          <a:bodyPr vert="horz" lIns="91440" tIns="45720" rIns="91440" bIns="45720" rtlCol="0" anchor="ctr">
+            <a:normAutofit fontScale="90000"/>
           </a:bodyPr>
           <a:lstStyle/>
           <a:p>
             <a:r>
-              <a:rPr lang="en-GB" sz="4000">
+              <a:rPr lang="en-US" sz="4000" b="1" dirty="0">
                 <a:solidFill>
                   <a:srgbClr val="FFFFFF"/>
                 </a:solidFill>
-                <a:latin typeface="Amasis MT Pro Medium" panose="02040604050005020304" pitchFamily="18" charset="0"/>
               </a:rPr>
-              <a:t>Preliminary Analysis</a:t>
+              <a:t>Preliminary Analysis – Stop &amp; Search</a:t>
             </a:r>
           </a:p>
         </p:txBody>
       </p:sp>
-      <p:sp>
-        <p:nvSpPr>
-          <p:cNvPr id="3" name="Content Placeholder 2">
+      <p:pic>
+        <p:nvPicPr>
+          <p:cNvPr id="11" name="Picture 10">
             <a:extLst>
               <a:ext uri="{FF2B5EF4-FFF2-40B4-BE49-F238E27FC236}">
-                <a16:creationId xmlns:a16="http://schemas.microsoft.com/office/drawing/2014/main" id="{D596766F-2A9B-602E-D8DF-82FC0A60C9FA}"/>
+                <a16:creationId xmlns:a16="http://schemas.microsoft.com/office/drawing/2014/main" id="{3048950D-EE46-1E3B-2FA0-DFAB5472B3EB}"/>
               </a:ext>
             </a:extLst>
           </p:cNvPr>
-          <p:cNvSpPr>
-            <a:spLocks noGrp="1"/>
-          </p:cNvSpPr>
-          <p:nvPr>
-            <p:ph idx="1"/>
-          </p:nvPr>
-        </p:nvSpPr>
+          <p:cNvPicPr>
+            <a:picLocks noChangeAspect="1"/>
+          </p:cNvPicPr>
+          <p:nvPr/>
+        </p:nvPicPr>
+        <p:blipFill>
+          <a:blip r:embed="rId2"/>
+          <a:stretch>
+            <a:fillRect/>
+          </a:stretch>
+        </p:blipFill>
         <p:spPr>
           <a:xfrm>
-            <a:off x="1371599" y="2318197"/>
-            <a:ext cx="9724031" cy="3683358"/>
+            <a:off x="6667947" y="1833709"/>
+            <a:ext cx="5524054" cy="4767026"/>
           </a:xfrm>
+          <a:prstGeom prst="rect">
+            <a:avLst/>
+          </a:prstGeom>
         </p:spPr>
-        <p:txBody>
-          <a:bodyPr anchor="ctr">
-            <a:normAutofit/>
-          </a:bodyPr>
-          <a:lstStyle/>
-          <a:p>
-            <a:endParaRPr lang="en-GB" sz="2000">
-              <a:latin typeface="Amasis MT Pro Medium" panose="02040604050005020304" pitchFamily="18" charset="0"/>
-            </a:endParaRPr>
-          </a:p>
-        </p:txBody>
-      </p:sp>
+      </p:pic>
+      <p:pic>
+        <p:nvPicPr>
+          <p:cNvPr id="15" name="Picture 14">
+            <a:extLst>
+              <a:ext uri="{FF2B5EF4-FFF2-40B4-BE49-F238E27FC236}">
+                <a16:creationId xmlns:a16="http://schemas.microsoft.com/office/drawing/2014/main" id="{27DC0A6A-2D52-840F-79F6-8F0197207CF5}"/>
+              </a:ext>
+            </a:extLst>
+          </p:cNvPr>
+          <p:cNvPicPr>
+            <a:picLocks noChangeAspect="1"/>
+          </p:cNvPicPr>
+          <p:nvPr/>
+        </p:nvPicPr>
+        <p:blipFill>
+          <a:blip r:embed="rId3"/>
+          <a:stretch>
+            <a:fillRect/>
+          </a:stretch>
+        </p:blipFill>
+        <p:spPr>
+          <a:xfrm>
+            <a:off x="-2" y="2008979"/>
+            <a:ext cx="6660462" cy="4416487"/>
+          </a:xfrm>
+          <a:prstGeom prst="rect">
+            <a:avLst/>
+          </a:prstGeom>
+        </p:spPr>
+      </p:pic>
     </p:spTree>
     <p:extLst>
       <p:ext uri="{BB962C8B-B14F-4D97-AF65-F5344CB8AC3E}">
@@ -15416,7 +16705,13 @@
     </p:bg>
     <p:spTree>
       <p:nvGrpSpPr>
-        <p:cNvPr id="1" name=""/>
+        <p:cNvPr id="1" name="">
+          <a:extLst>
+            <a:ext uri="{FF2B5EF4-FFF2-40B4-BE49-F238E27FC236}">
+              <a16:creationId xmlns:a16="http://schemas.microsoft.com/office/drawing/2014/main" id="{C136E450-0783-02DA-C655-F1598F0680E8}"/>
+            </a:ext>
+          </a:extLst>
+        </p:cNvPr>
         <p:cNvGrpSpPr/>
         <p:nvPr/>
       </p:nvGrpSpPr>
@@ -15430,10 +16725,10 @@
       </p:grpSpPr>
       <p:sp useBgFill="1">
         <p:nvSpPr>
-          <p:cNvPr id="41" name="Rectangle 40">
+          <p:cNvPr id="21" name="Rectangle 20">
             <a:extLst>
               <a:ext uri="{FF2B5EF4-FFF2-40B4-BE49-F238E27FC236}">
-                <a16:creationId xmlns:a16="http://schemas.microsoft.com/office/drawing/2014/main" id="{BACC6370-2D7E-4714-9D71-7542949D7D5D}"/>
+                <a16:creationId xmlns:a16="http://schemas.microsoft.com/office/drawing/2014/main" id="{A398C834-C6EE-8D7F-BD14-5AB147F4A4F5}"/>
               </a:ext>
               <a:ext uri="{C183D7F6-B498-43B3-948B-1728B52AA6E4}">
                 <adec:decorative xmlns:adec="http://schemas.microsoft.com/office/drawing/2017/decorative" val="1"/>
@@ -15500,16 +16795,16 @@
           <a:lstStyle/>
           <a:p>
             <a:pPr algn="ctr"/>
-            <a:endParaRPr lang="en-US"/>
+            <a:endParaRPr lang="en-US" sz="2000"/>
           </a:p>
         </p:txBody>
       </p:sp>
       <p:sp>
         <p:nvSpPr>
-          <p:cNvPr id="42" name="Rectangle 41">
+          <p:cNvPr id="23" name="Rectangle 22">
             <a:extLst>
               <a:ext uri="{FF2B5EF4-FFF2-40B4-BE49-F238E27FC236}">
-                <a16:creationId xmlns:a16="http://schemas.microsoft.com/office/drawing/2014/main" id="{F68B3F68-107C-434F-AA38-110D5EA91B85}"/>
+                <a16:creationId xmlns:a16="http://schemas.microsoft.com/office/drawing/2014/main" id="{62819B7A-717D-D5AC-3AF8-C4DBDF698735}"/>
               </a:ext>
               <a:ext uri="{C183D7F6-B498-43B3-948B-1728B52AA6E4}">
                 <adec:decorative xmlns:adec="http://schemas.microsoft.com/office/drawing/2017/decorative" val="1"/>
@@ -15529,7 +16824,7 @@
         </p:nvSpPr>
         <p:spPr>
           <a:xfrm flipH="1">
-            <a:off x="2" y="0"/>
+            <a:off x="2" y="492"/>
             <a:ext cx="12191998" cy="1575955"/>
           </a:xfrm>
           <a:prstGeom prst="rect">
@@ -15538,9 +16833,9 @@
           <a:gradFill>
             <a:gsLst>
               <a:gs pos="0">
-                <a:srgbClr val="000000">
-                  <a:alpha val="96000"/>
-                </a:srgbClr>
+                <a:schemeClr val="accent1">
+                  <a:lumMod val="50000"/>
+                </a:schemeClr>
               </a:gs>
               <a:gs pos="100000">
                 <a:schemeClr val="accent1">
@@ -15581,10 +16876,10 @@
       </p:sp>
       <p:sp>
         <p:nvSpPr>
-          <p:cNvPr id="43" name="Rectangle 42">
+          <p:cNvPr id="25" name="Rectangle 24">
             <a:extLst>
               <a:ext uri="{FF2B5EF4-FFF2-40B4-BE49-F238E27FC236}">
-                <a16:creationId xmlns:a16="http://schemas.microsoft.com/office/drawing/2014/main" id="{AAD0DBB9-1A4B-4391-81D4-CB19F9AB918A}"/>
+                <a16:creationId xmlns:a16="http://schemas.microsoft.com/office/drawing/2014/main" id="{C8169D93-6865-E79F-A068-4154DBC75C00}"/>
               </a:ext>
               <a:ext uri="{C183D7F6-B498-43B3-948B-1728B52AA6E4}">
                 <adec:decorative xmlns:adec="http://schemas.microsoft.com/office/drawing/2017/decorative" val="1"/>
@@ -15604,7 +16899,7 @@
         </p:nvSpPr>
         <p:spPr>
           <a:xfrm rot="10800000" flipH="1">
-            <a:off x="8128857" y="0"/>
+            <a:off x="8128857" y="35"/>
             <a:ext cx="4063143" cy="1576412"/>
           </a:xfrm>
           <a:prstGeom prst="rect">
@@ -15657,10 +16952,10 @@
       </p:sp>
       <p:sp>
         <p:nvSpPr>
-          <p:cNvPr id="44" name="Rectangle 43">
+          <p:cNvPr id="27" name="Rectangle 26">
             <a:extLst>
               <a:ext uri="{FF2B5EF4-FFF2-40B4-BE49-F238E27FC236}">
-                <a16:creationId xmlns:a16="http://schemas.microsoft.com/office/drawing/2014/main" id="{063BBA22-50EA-4C4D-BE05-F1CE4E63AA56}"/>
+                <a16:creationId xmlns:a16="http://schemas.microsoft.com/office/drawing/2014/main" id="{36EB6E22-22F4-30DD-0928-158387D15AA0}"/>
               </a:ext>
               <a:ext uri="{C183D7F6-B498-43B3-948B-1728B52AA6E4}">
                 <adec:decorative xmlns:adec="http://schemas.microsoft.com/office/drawing/2017/decorative" val="1"/>
@@ -15680,26 +16975,26 @@
         </p:nvSpPr>
         <p:spPr>
           <a:xfrm rot="5400000">
-            <a:off x="5307777" y="-5307778"/>
-            <a:ext cx="1576446" cy="12192002"/>
+            <a:off x="5307778" y="-5307777"/>
+            <a:ext cx="1576446" cy="12192001"/>
           </a:xfrm>
           <a:prstGeom prst="rect">
             <a:avLst/>
           </a:prstGeom>
           <a:gradFill>
             <a:gsLst>
-              <a:gs pos="23000">
-                <a:schemeClr val="accent1">
+              <a:gs pos="16000">
+                <a:srgbClr val="000000">
                   <a:alpha val="0"/>
-                </a:schemeClr>
+                </a:srgbClr>
               </a:gs>
               <a:gs pos="99000">
                 <a:srgbClr val="000000">
-                  <a:alpha val="74000"/>
+                  <a:alpha val="87000"/>
                 </a:srgbClr>
               </a:gs>
             </a:gsLst>
-            <a:lin ang="20400000" scaled="0"/>
+            <a:lin ang="11400000" scaled="0"/>
           </a:gradFill>
           <a:ln>
             <a:noFill/>
@@ -15732,10 +17027,86 @@
       </p:sp>
       <p:sp>
         <p:nvSpPr>
+          <p:cNvPr id="29" name="Rectangle 28">
+            <a:extLst>
+              <a:ext uri="{FF2B5EF4-FFF2-40B4-BE49-F238E27FC236}">
+                <a16:creationId xmlns:a16="http://schemas.microsoft.com/office/drawing/2014/main" id="{18004D9C-BCB2-E9E4-4170-35834AD51F2E}"/>
+              </a:ext>
+              <a:ext uri="{C183D7F6-B498-43B3-948B-1728B52AA6E4}">
+                <adec:decorative xmlns:adec="http://schemas.microsoft.com/office/drawing/2017/decorative" val="1"/>
+              </a:ext>
+            </a:extLst>
+          </p:cNvPr>
+          <p:cNvSpPr>
+            <a:spLocks noGrp="1" noRot="1" noChangeAspect="1" noMove="1" noResize="1" noEditPoints="1" noAdjustHandles="1" noChangeArrowheads="1" noChangeShapeType="1" noTextEdit="1"/>
+          </p:cNvSpPr>
+          <p:nvPr>
+            <p:extLst>
+              <p:ext uri="{386F3935-93C4-4BCD-93E2-E3B085C9AB24}">
+                <p16:designElem xmlns:p16="http://schemas.microsoft.com/office/powerpoint/2015/main" val="1"/>
+              </p:ext>
+            </p:extLst>
+          </p:nvPr>
+        </p:nvSpPr>
+        <p:spPr>
+          <a:xfrm>
+            <a:off x="3825434" y="986"/>
+            <a:ext cx="4303422" cy="1575461"/>
+          </a:xfrm>
+          <a:prstGeom prst="rect">
+            <a:avLst/>
+          </a:prstGeom>
+          <a:gradFill>
+            <a:gsLst>
+              <a:gs pos="0">
+                <a:schemeClr val="accent1">
+                  <a:alpha val="17000"/>
+                </a:schemeClr>
+              </a:gs>
+              <a:gs pos="74000">
+                <a:schemeClr val="accent1">
+                  <a:lumMod val="50000"/>
+                  <a:alpha val="0"/>
+                </a:schemeClr>
+              </a:gs>
+            </a:gsLst>
+            <a:lin ang="14400000" scaled="0"/>
+          </a:gradFill>
+          <a:ln>
+            <a:noFill/>
+          </a:ln>
+        </p:spPr>
+        <p:style>
+          <a:lnRef idx="2">
+            <a:schemeClr val="accent1">
+              <a:shade val="50000"/>
+            </a:schemeClr>
+          </a:lnRef>
+          <a:fillRef idx="1">
+            <a:schemeClr val="accent1"/>
+          </a:fillRef>
+          <a:effectRef idx="0">
+            <a:schemeClr val="accent1"/>
+          </a:effectRef>
+          <a:fontRef idx="minor">
+            <a:schemeClr val="lt1"/>
+          </a:fontRef>
+        </p:style>
+        <p:txBody>
+          <a:bodyPr rtlCol="0" anchor="ctr"/>
+          <a:lstStyle/>
+          <a:p>
+            <a:pPr algn="ctr"/>
+            <a:endParaRPr lang="en-US"/>
+          </a:p>
+        </p:txBody>
+      </p:sp>
+      <p:sp>
+        <p:nvSpPr>
           <p:cNvPr id="2" name="Title 1">
             <a:extLst>
               <a:ext uri="{FF2B5EF4-FFF2-40B4-BE49-F238E27FC236}">
-                <a16:creationId xmlns:a16="http://schemas.microsoft.com/office/drawing/2014/main" id="{E1F098B7-167D-0299-F507-4B3EA5824E2E}"/>
+                <a16:creationId xmlns:a16="http://schemas.microsoft.com/office/drawing/2014/main" id="{2AEA6E65-AA5B-E123-6A55-078867D282FD}"/>
               </a:ext>
             </a:extLst>
           </p:cNvPr>
@@ -15748,76 +17119,104 @@
         </p:nvSpPr>
         <p:spPr>
           <a:xfrm>
-            <a:off x="1371597" y="348865"/>
-            <a:ext cx="10044023" cy="877729"/>
+            <a:off x="699713" y="353160"/>
+            <a:ext cx="7429141" cy="898581"/>
           </a:xfrm>
         </p:spPr>
         <p:txBody>
-          <a:bodyPr anchor="ctr">
+          <a:bodyPr vert="horz" lIns="91440" tIns="45720" rIns="91440" bIns="45720" rtlCol="0" anchor="ctr">
             <a:normAutofit/>
           </a:bodyPr>
           <a:lstStyle/>
           <a:p>
             <a:r>
-              <a:rPr lang="en-GB" sz="4000">
+              <a:rPr lang="en-US" sz="4000" b="1" dirty="0">
                 <a:solidFill>
                   <a:srgbClr val="FFFFFF"/>
                 </a:solidFill>
-                <a:latin typeface="Amasis MT Pro Medium" panose="02040604050005020304" pitchFamily="18" charset="0"/>
               </a:rPr>
-              <a:t>Next Steps</a:t>
+              <a:t>Preliminary Analysis – BAME %</a:t>
             </a:r>
           </a:p>
         </p:txBody>
       </p:sp>
-      <p:graphicFrame>
-        <p:nvGraphicFramePr>
-          <p:cNvPr id="45" name="Rectangle 1">
+      <p:pic>
+        <p:nvPicPr>
+          <p:cNvPr id="4" name="Picture 3">
             <a:extLst>
               <a:ext uri="{FF2B5EF4-FFF2-40B4-BE49-F238E27FC236}">
-                <a16:creationId xmlns:a16="http://schemas.microsoft.com/office/drawing/2014/main" id="{F906FCD6-B69A-6446-DC28-BE8B5FD8CAED}"/>
+                <a16:creationId xmlns:a16="http://schemas.microsoft.com/office/drawing/2014/main" id="{C4339E17-191A-6EF3-54BC-E7FCD744040A}"/>
               </a:ext>
             </a:extLst>
           </p:cNvPr>
-          <p:cNvGraphicFramePr>
-            <a:graphicFrameLocks noGrp="1"/>
-          </p:cNvGraphicFramePr>
-          <p:nvPr>
-            <p:ph idx="1"/>
-            <p:extLst>
-              <p:ext uri="{D42A27DB-BD31-4B8C-83A1-F6EECF244321}">
-                <p14:modId xmlns:p14="http://schemas.microsoft.com/office/powerpoint/2010/main" val="3507941080"/>
-              </p:ext>
-            </p:extLst>
-          </p:nvPr>
-        </p:nvGraphicFramePr>
-        <p:xfrm>
-          <a:off x="644056" y="2112579"/>
-          <a:ext cx="10927829" cy="4192805"/>
-        </p:xfrm>
-        <a:graphic>
-          <a:graphicData uri="http://schemas.openxmlformats.org/drawingml/2006/diagram">
-            <dgm:relIds xmlns:dgm="http://schemas.openxmlformats.org/drawingml/2006/diagram" xmlns:r="http://schemas.openxmlformats.org/officeDocument/2006/relationships" r:dm="rId2" r:lo="rId3" r:qs="rId4" r:cs="rId5"/>
-          </a:graphicData>
-        </a:graphic>
-      </p:graphicFrame>
+          <p:cNvPicPr>
+            <a:picLocks noChangeAspect="1"/>
+          </p:cNvPicPr>
+          <p:nvPr/>
+        </p:nvPicPr>
+        <p:blipFill>
+          <a:blip r:embed="rId2"/>
+          <a:stretch>
+            <a:fillRect/>
+          </a:stretch>
+        </p:blipFill>
+        <p:spPr>
+          <a:xfrm>
+            <a:off x="-2" y="2009479"/>
+            <a:ext cx="6630377" cy="4415488"/>
+          </a:xfrm>
+          <a:prstGeom prst="rect">
+            <a:avLst/>
+          </a:prstGeom>
+        </p:spPr>
+      </p:pic>
+      <p:pic>
+        <p:nvPicPr>
+          <p:cNvPr id="6" name="Picture 5">
+            <a:extLst>
+              <a:ext uri="{FF2B5EF4-FFF2-40B4-BE49-F238E27FC236}">
+                <a16:creationId xmlns:a16="http://schemas.microsoft.com/office/drawing/2014/main" id="{A2DAC074-6B1B-2BB7-F305-747B7DA88E16}"/>
+              </a:ext>
+            </a:extLst>
+          </p:cNvPr>
+          <p:cNvPicPr>
+            <a:picLocks noChangeAspect="1"/>
+          </p:cNvPicPr>
+          <p:nvPr/>
+        </p:nvPicPr>
+        <p:blipFill>
+          <a:blip r:embed="rId3"/>
+          <a:stretch>
+            <a:fillRect/>
+          </a:stretch>
+        </p:blipFill>
+        <p:spPr>
+          <a:xfrm>
+            <a:off x="6839375" y="1839940"/>
+            <a:ext cx="5352625" cy="4754566"/>
+          </a:xfrm>
+          <a:prstGeom prst="rect">
+            <a:avLst/>
+          </a:prstGeom>
+        </p:spPr>
+      </p:pic>
     </p:spTree>
     <p:extLst>
       <p:ext uri="{BB962C8B-B14F-4D97-AF65-F5344CB8AC3E}">
-        <p14:creationId xmlns:p14="http://schemas.microsoft.com/office/powerpoint/2010/main" val="1997137984"/>
+        <p14:creationId xmlns:p14="http://schemas.microsoft.com/office/powerpoint/2010/main" val="421180119"/>
       </p:ext>
     </p:extLst>
   </p:cSld>
   <p:clrMapOvr>
     <a:masterClrMapping/>
   </p:clrMapOvr>
-  <mc:AlternateContent xmlns:mc="http://schemas.openxmlformats.org/markup-compatibility/2006" xmlns:p159="http://schemas.microsoft.com/office/powerpoint/2015/09/main">
-    <mc:Choice Requires="p159">
+  <mc:AlternateContent xmlns:mc="http://schemas.openxmlformats.org/markup-compatibility/2006">
+    <mc:Choice xmlns:p159="http://schemas.microsoft.com/office/powerpoint/2015/09/main" Requires="p159">
       <p:transition xmlns:p14="http://schemas.microsoft.com/office/powerpoint/2010/main" spd="slow" p14:dur="2000">
         <p159:morph option="byObject"/>
       </p:transition>
     </mc:Choice>
-    <mc:Fallback xmlns="">
+    <mc:Fallback>
       <p:transition spd="slow">
         <p:fade/>
       </p:transition>
@@ -16139,4 +17538,319 @@
     </a:ext>
   </a:extLst>
 </a:theme>
+</file>
+
+<file path=ppt/theme/theme2.xml><?xml version="1.0" encoding="utf-8"?>
+<a:theme xmlns:a="http://schemas.openxmlformats.org/drawingml/2006/main" name="Office Theme">
+  <a:themeElements>
+    <a:clrScheme name="Office">
+      <a:dk1>
+        <a:sysClr val="windowText" lastClr="000000"/>
+      </a:dk1>
+      <a:lt1>
+        <a:sysClr val="window" lastClr="FFFFFF"/>
+      </a:lt1>
+      <a:dk2>
+        <a:srgbClr val="0E2841"/>
+      </a:dk2>
+      <a:lt2>
+        <a:srgbClr val="E8E8E8"/>
+      </a:lt2>
+      <a:accent1>
+        <a:srgbClr val="156082"/>
+      </a:accent1>
+      <a:accent2>
+        <a:srgbClr val="E97132"/>
+      </a:accent2>
+      <a:accent3>
+        <a:srgbClr val="196B24"/>
+      </a:accent3>
+      <a:accent4>
+        <a:srgbClr val="0F9ED5"/>
+      </a:accent4>
+      <a:accent5>
+        <a:srgbClr val="A02B93"/>
+      </a:accent5>
+      <a:accent6>
+        <a:srgbClr val="4EA72E"/>
+      </a:accent6>
+      <a:hlink>
+        <a:srgbClr val="467886"/>
+      </a:hlink>
+      <a:folHlink>
+        <a:srgbClr val="96607D"/>
+      </a:folHlink>
+    </a:clrScheme>
+    <a:fontScheme name="Office">
+      <a:majorFont>
+        <a:latin typeface="Aptos Display" panose="02110004020202020204"/>
+        <a:ea typeface=""/>
+        <a:cs typeface=""/>
+        <a:font script="Jpan" typeface="游ゴシック Light"/>
+        <a:font script="Hang" typeface="맑은 고딕"/>
+        <a:font script="Hans" typeface="等线 Light"/>
+        <a:font script="Hant" typeface="新細明體"/>
+        <a:font script="Arab" typeface="Times New Roman"/>
+        <a:font script="Hebr" typeface="Times New Roman"/>
+        <a:font script="Thai" typeface="Angsana New"/>
+        <a:font script="Ethi" typeface="Nyala"/>
+        <a:font script="Beng" typeface="Vrinda"/>
+        <a:font script="Gujr" typeface="Shruti"/>
+        <a:font script="Khmr" typeface="MoolBoran"/>
+        <a:font script="Knda" typeface="Tunga"/>
+        <a:font script="Guru" typeface="Raavi"/>
+        <a:font script="Cans" typeface="Euphemia"/>
+        <a:font script="Cher" typeface="Plantagenet Cherokee"/>
+        <a:font script="Yiii" typeface="Microsoft Yi Baiti"/>
+        <a:font script="Tibt" typeface="Microsoft Himalaya"/>
+        <a:font script="Thaa" typeface="MV Boli"/>
+        <a:font script="Deva" typeface="Mangal"/>
+        <a:font script="Telu" typeface="Gautami"/>
+        <a:font script="Taml" typeface="Latha"/>
+        <a:font script="Syrc" typeface="Estrangelo Edessa"/>
+        <a:font script="Orya" typeface="Kalinga"/>
+        <a:font script="Mlym" typeface="Kartika"/>
+        <a:font script="Laoo" typeface="DokChampa"/>
+        <a:font script="Sinh" typeface="Iskoola Pota"/>
+        <a:font script="Mong" typeface="Mongolian Baiti"/>
+        <a:font script="Viet" typeface="Times New Roman"/>
+        <a:font script="Uigh" typeface="Microsoft Uighur"/>
+        <a:font script="Geor" typeface="Sylfaen"/>
+        <a:font script="Armn" typeface="Arial"/>
+        <a:font script="Bugi" typeface="Leelawadee UI"/>
+        <a:font script="Bopo" typeface="Microsoft JhengHei"/>
+        <a:font script="Java" typeface="Javanese Text"/>
+        <a:font script="Lisu" typeface="Segoe UI"/>
+        <a:font script="Mymr" typeface="Myanmar Text"/>
+        <a:font script="Nkoo" typeface="Ebrima"/>
+        <a:font script="Olck" typeface="Nirmala UI"/>
+        <a:font script="Osma" typeface="Ebrima"/>
+        <a:font script="Phag" typeface="Phagspa"/>
+        <a:font script="Syrn" typeface="Estrangelo Edessa"/>
+        <a:font script="Syrj" typeface="Estrangelo Edessa"/>
+        <a:font script="Syre" typeface="Estrangelo Edessa"/>
+        <a:font script="Sora" typeface="Nirmala UI"/>
+        <a:font script="Tale" typeface="Microsoft Tai Le"/>
+        <a:font script="Talu" typeface="Microsoft New Tai Lue"/>
+        <a:font script="Tfng" typeface="Ebrima"/>
+      </a:majorFont>
+      <a:minorFont>
+        <a:latin typeface="Aptos" panose="02110004020202020204"/>
+        <a:ea typeface=""/>
+        <a:cs typeface=""/>
+        <a:font script="Jpan" typeface="游ゴシック"/>
+        <a:font script="Hang" typeface="맑은 고딕"/>
+        <a:font script="Hans" typeface="等线"/>
+        <a:font script="Hant" typeface="新細明體"/>
+        <a:font script="Arab" typeface="Arial"/>
+        <a:font script="Hebr" typeface="Arial"/>
+        <a:font script="Thai" typeface="Cordia New"/>
+        <a:font script="Ethi" typeface="Nyala"/>
+        <a:font script="Beng" typeface="Vrinda"/>
+        <a:font script="Gujr" typeface="Shruti"/>
+        <a:font script="Khmr" typeface="DaunPenh"/>
+        <a:font script="Knda" typeface="Tunga"/>
+        <a:font script="Guru" typeface="Raavi"/>
+        <a:font script="Cans" typeface="Euphemia"/>
+        <a:font script="Cher" typeface="Plantagenet Cherokee"/>
+        <a:font script="Yiii" typeface="Microsoft Yi Baiti"/>
+        <a:font script="Tibt" typeface="Microsoft Himalaya"/>
+        <a:font script="Thaa" typeface="MV Boli"/>
+        <a:font script="Deva" typeface="Mangal"/>
+        <a:font script="Telu" typeface="Gautami"/>
+        <a:font script="Taml" typeface="Latha"/>
+        <a:font script="Syrc" typeface="Estrangelo Edessa"/>
+        <a:font script="Orya" typeface="Kalinga"/>
+        <a:font script="Mlym" typeface="Kartika"/>
+        <a:font script="Laoo" typeface="DokChampa"/>
+        <a:font script="Sinh" typeface="Iskoola Pota"/>
+        <a:font script="Mong" typeface="Mongolian Baiti"/>
+        <a:font script="Viet" typeface="Arial"/>
+        <a:font script="Uigh" typeface="Microsoft Uighur"/>
+        <a:font script="Geor" typeface="Sylfaen"/>
+        <a:font script="Armn" typeface="Arial"/>
+        <a:font script="Bugi" typeface="Leelawadee UI"/>
+        <a:font script="Bopo" typeface="Microsoft JhengHei"/>
+        <a:font script="Java" typeface="Javanese Text"/>
+        <a:font script="Lisu" typeface="Segoe UI"/>
+        <a:font script="Mymr" typeface="Myanmar Text"/>
+        <a:font script="Nkoo" typeface="Ebrima"/>
+        <a:font script="Olck" typeface="Nirmala UI"/>
+        <a:font script="Osma" typeface="Ebrima"/>
+        <a:font script="Phag" typeface="Phagspa"/>
+        <a:font script="Syrn" typeface="Estrangelo Edessa"/>
+        <a:font script="Syrj" typeface="Estrangelo Edessa"/>
+        <a:font script="Syre" typeface="Estrangelo Edessa"/>
+        <a:font script="Sora" typeface="Nirmala UI"/>
+        <a:font script="Tale" typeface="Microsoft Tai Le"/>
+        <a:font script="Talu" typeface="Microsoft New Tai Lue"/>
+        <a:font script="Tfng" typeface="Ebrima"/>
+      </a:minorFont>
+    </a:fontScheme>
+    <a:fmtScheme name="Office">
+      <a:fillStyleLst>
+        <a:solidFill>
+          <a:schemeClr val="phClr"/>
+        </a:solidFill>
+        <a:gradFill rotWithShape="1">
+          <a:gsLst>
+            <a:gs pos="0">
+              <a:schemeClr val="phClr">
+                <a:lumMod val="110000"/>
+                <a:satMod val="105000"/>
+                <a:tint val="67000"/>
+              </a:schemeClr>
+            </a:gs>
+            <a:gs pos="50000">
+              <a:schemeClr val="phClr">
+                <a:lumMod val="105000"/>
+                <a:satMod val="103000"/>
+                <a:tint val="73000"/>
+              </a:schemeClr>
+            </a:gs>
+            <a:gs pos="100000">
+              <a:schemeClr val="phClr">
+                <a:lumMod val="105000"/>
+                <a:satMod val="109000"/>
+                <a:tint val="81000"/>
+              </a:schemeClr>
+            </a:gs>
+          </a:gsLst>
+          <a:lin ang="5400000" scaled="0"/>
+        </a:gradFill>
+        <a:gradFill rotWithShape="1">
+          <a:gsLst>
+            <a:gs pos="0">
+              <a:schemeClr val="phClr">
+                <a:satMod val="103000"/>
+                <a:lumMod val="102000"/>
+                <a:tint val="94000"/>
+              </a:schemeClr>
+            </a:gs>
+            <a:gs pos="50000">
+              <a:schemeClr val="phClr">
+                <a:satMod val="110000"/>
+                <a:lumMod val="100000"/>
+                <a:shade val="100000"/>
+              </a:schemeClr>
+            </a:gs>
+            <a:gs pos="100000">
+              <a:schemeClr val="phClr">
+                <a:lumMod val="99000"/>
+                <a:satMod val="120000"/>
+                <a:shade val="78000"/>
+              </a:schemeClr>
+            </a:gs>
+          </a:gsLst>
+          <a:lin ang="5400000" scaled="0"/>
+        </a:gradFill>
+      </a:fillStyleLst>
+      <a:lnStyleLst>
+        <a:ln w="12700" cap="flat" cmpd="sng" algn="ctr">
+          <a:solidFill>
+            <a:schemeClr val="phClr"/>
+          </a:solidFill>
+          <a:prstDash val="solid"/>
+          <a:miter lim="800000"/>
+        </a:ln>
+        <a:ln w="19050" cap="flat" cmpd="sng" algn="ctr">
+          <a:solidFill>
+            <a:schemeClr val="phClr"/>
+          </a:solidFill>
+          <a:prstDash val="solid"/>
+          <a:miter lim="800000"/>
+        </a:ln>
+        <a:ln w="25400" cap="flat" cmpd="sng" algn="ctr">
+          <a:solidFill>
+            <a:schemeClr val="phClr"/>
+          </a:solidFill>
+          <a:prstDash val="solid"/>
+          <a:miter lim="800000"/>
+        </a:ln>
+      </a:lnStyleLst>
+      <a:effectStyleLst>
+        <a:effectStyle>
+          <a:effectLst/>
+        </a:effectStyle>
+        <a:effectStyle>
+          <a:effectLst/>
+        </a:effectStyle>
+        <a:effectStyle>
+          <a:effectLst>
+            <a:outerShdw blurRad="57150" dist="19050" dir="5400000" algn="ctr" rotWithShape="0">
+              <a:srgbClr val="000000">
+                <a:alpha val="63000"/>
+              </a:srgbClr>
+            </a:outerShdw>
+          </a:effectLst>
+        </a:effectStyle>
+      </a:effectStyleLst>
+      <a:bgFillStyleLst>
+        <a:solidFill>
+          <a:schemeClr val="phClr"/>
+        </a:solidFill>
+        <a:solidFill>
+          <a:schemeClr val="phClr">
+            <a:tint val="95000"/>
+            <a:satMod val="170000"/>
+          </a:schemeClr>
+        </a:solidFill>
+        <a:gradFill rotWithShape="1">
+          <a:gsLst>
+            <a:gs pos="0">
+              <a:schemeClr val="phClr">
+                <a:tint val="93000"/>
+                <a:satMod val="150000"/>
+                <a:shade val="98000"/>
+                <a:lumMod val="102000"/>
+              </a:schemeClr>
+            </a:gs>
+            <a:gs pos="50000">
+              <a:schemeClr val="phClr">
+                <a:tint val="98000"/>
+                <a:satMod val="130000"/>
+                <a:shade val="90000"/>
+                <a:lumMod val="103000"/>
+              </a:schemeClr>
+            </a:gs>
+            <a:gs pos="100000">
+              <a:schemeClr val="phClr">
+                <a:shade val="63000"/>
+                <a:satMod val="120000"/>
+              </a:schemeClr>
+            </a:gs>
+          </a:gsLst>
+          <a:lin ang="5400000" scaled="0"/>
+        </a:gradFill>
+      </a:bgFillStyleLst>
+    </a:fmtScheme>
+  </a:themeElements>
+  <a:objectDefaults>
+    <a:lnDef>
+      <a:spPr/>
+      <a:bodyPr/>
+      <a:lstStyle/>
+      <a:style>
+        <a:lnRef idx="2">
+          <a:schemeClr val="accent1"/>
+        </a:lnRef>
+        <a:fillRef idx="0">
+          <a:schemeClr val="accent1"/>
+        </a:fillRef>
+        <a:effectRef idx="1">
+          <a:schemeClr val="accent1"/>
+        </a:effectRef>
+        <a:fontRef idx="minor">
+          <a:schemeClr val="tx1"/>
+        </a:fontRef>
+      </a:style>
+    </a:lnDef>
+  </a:objectDefaults>
+  <a:extraClrSchemeLst/>
+  <a:extLst>
+    <a:ext uri="{05A4C25C-085E-4340-85A3-A5531E510DB2}">
+      <thm15:themeFamily xmlns:thm15="http://schemas.microsoft.com/office/thememl/2012/main" name="Office Theme" id="{2E142A2C-CD16-42D6-873A-C26D2A0506FA}" vid="{1BDDFF52-6CD6-40A5-AB3C-68EB2F1E4D0A}"/>
+    </a:ext>
+  </a:extLst>
+</a:theme>
 </file>
--- a/documents/The Price of Policing.pptx
+++ b/documents/The Price of Policing.pptx
@@ -5,7 +5,7 @@
     <p:sldMasterId id="2147483648" r:id="rId1"/>
   </p:sldMasterIdLst>
   <p:notesMasterIdLst>
-    <p:notesMasterId r:id="rId13"/>
+    <p:notesMasterId r:id="rId17"/>
   </p:notesMasterIdLst>
   <p:sldIdLst>
     <p:sldId id="256" r:id="rId2"/>
@@ -14,11 +14,15 @@
     <p:sldId id="258" r:id="rId5"/>
     <p:sldId id="259" r:id="rId6"/>
     <p:sldId id="260" r:id="rId7"/>
-    <p:sldId id="261" r:id="rId8"/>
-    <p:sldId id="262" r:id="rId9"/>
-    <p:sldId id="266" r:id="rId10"/>
-    <p:sldId id="265" r:id="rId11"/>
-    <p:sldId id="263" r:id="rId12"/>
+    <p:sldId id="267" r:id="rId8"/>
+    <p:sldId id="268" r:id="rId9"/>
+    <p:sldId id="270" r:id="rId10"/>
+    <p:sldId id="261" r:id="rId11"/>
+    <p:sldId id="262" r:id="rId12"/>
+    <p:sldId id="266" r:id="rId13"/>
+    <p:sldId id="265" r:id="rId14"/>
+    <p:sldId id="263" r:id="rId15"/>
+    <p:sldId id="269" r:id="rId16"/>
   </p:sldIdLst>
   <p:sldSz cx="12192000" cy="6858000"/>
   <p:notesSz cx="6858000" cy="9144000"/>
@@ -126,7 +130,7 @@
 </file>
 
 <file path=ppt/diagrams/colors1.xml><?xml version="1.0" encoding="utf-8"?>
-<dgm:colorsDef xmlns:dgm="http://schemas.openxmlformats.org/drawingml/2006/diagram" xmlns:a="http://schemas.openxmlformats.org/drawingml/2006/main" uniqueId="urn:microsoft.com/office/officeart/2018/5/colors/Iconchunking_coloredtext_colorful1">
+<dgm:colorsDef xmlns:dgm="http://schemas.openxmlformats.org/drawingml/2006/diagram" xmlns:a="http://schemas.openxmlformats.org/drawingml/2006/main" uniqueId="urn:microsoft.com/office/officeart/2018/5/colors/Iconchunking_neutralicon_colorful1">
   <dgm:title val=""/>
   <dgm:desc val=""/>
   <dgm:catLst>
@@ -651,15 +655,11 @@
   <dgm:styleLbl name="trAlignAcc1">
     <dgm:fillClrLst meth="repeat">
       <a:schemeClr val="lt1">
-        <a:alpha val="0"/>
+        <a:alpha val="40000"/>
       </a:schemeClr>
     </dgm:fillClrLst>
     <dgm:linClrLst meth="repeat">
-      <a:schemeClr val="accent2"/>
-      <a:schemeClr val="accent3"/>
-      <a:schemeClr val="accent4"/>
-      <a:schemeClr val="accent5"/>
-      <a:schemeClr val="accent6"/>
+      <a:schemeClr val="accent1"/>
     </dgm:linClrLst>
     <dgm:effectClrLst/>
     <dgm:txLinClrLst/>
@@ -1031,23 +1031,19 @@
   </dgm:styleLbl>
   <dgm:styleLbl name="revTx">
     <dgm:fillClrLst meth="repeat">
-      <a:schemeClr val="accent2">
+      <a:schemeClr val="lt1">
         <a:alpha val="0"/>
       </a:schemeClr>
     </dgm:fillClrLst>
     <dgm:linClrLst meth="repeat">
-      <a:schemeClr val="accent2">
+      <a:schemeClr val="dk1">
         <a:alpha val="0"/>
       </a:schemeClr>
     </dgm:linClrLst>
     <dgm:effectClrLst/>
     <dgm:txLinClrLst/>
     <dgm:txFillClrLst meth="repeat">
-      <a:schemeClr val="accent2"/>
-      <a:schemeClr val="accent3"/>
-      <a:schemeClr val="accent4"/>
-      <a:schemeClr val="accent5"/>
-      <a:schemeClr val="accent6"/>
+      <a:schemeClr val="tx1"/>
     </dgm:txFillClrLst>
     <dgm:txEffectClrLst/>
   </dgm:styleLbl>
@@ -1840,7 +1836,7 @@
 <dgm:dataModel xmlns:dgm="http://schemas.openxmlformats.org/drawingml/2006/diagram" xmlns:a="http://schemas.openxmlformats.org/drawingml/2006/main">
   <dgm:ptLst>
     <dgm:pt modelId="{8CCCAE69-8F3A-41DC-AB75-10383104EA2B}" type="doc">
-      <dgm:prSet loTypeId="urn:microsoft.com/office/officeart/2018/5/layout/IconCircleLabelList" loCatId="icon" qsTypeId="urn:microsoft.com/office/officeart/2005/8/quickstyle/simple1" qsCatId="simple" csTypeId="urn:microsoft.com/office/officeart/2018/5/colors/Iconchunking_coloredtext_colorful1" csCatId="colorful" phldr="1"/>
+      <dgm:prSet loTypeId="urn:microsoft.com/office/officeart/2018/5/layout/IconCircleLabelList" loCatId="icon" qsTypeId="urn:microsoft.com/office/officeart/2005/8/quickstyle/simple1" qsCatId="simple" csTypeId="urn:microsoft.com/office/officeart/2018/5/colors/Iconchunking_neutralicon_colorful1" csCatId="colorful" phldr="1"/>
       <dgm:spPr/>
       <dgm:t>
         <a:bodyPr/>
@@ -1858,15 +1854,18 @@
         <a:lstStyle/>
         <a:p>
           <a:pPr>
+            <a:lnSpc>
+              <a:spcPct val="100000"/>
+            </a:lnSpc>
             <a:defRPr cap="all"/>
           </a:pPr>
           <a:r>
-            <a:rPr lang="en-US" sz="2400" b="1" i="0" baseline="0" dirty="0">
+            <a:rPr lang="en-US" sz="2400" b="0" i="0" baseline="0" dirty="0">
               <a:latin typeface="Amasis MT Pro Medium" panose="02040604050005020304" pitchFamily="18" charset="0"/>
             </a:rPr>
             <a:t>Stop &amp; Search data (2022)</a:t>
           </a:r>
-          <a:endParaRPr lang="en-US" sz="2400" dirty="0">
+          <a:endParaRPr lang="en-US" sz="2400" b="0" dirty="0">
             <a:latin typeface="Amasis MT Pro Medium" panose="02040604050005020304" pitchFamily="18" charset="0"/>
           </a:endParaRPr>
         </a:p>
@@ -1879,7 +1878,7 @@
         <a:bodyPr/>
         <a:lstStyle/>
         <a:p>
-          <a:endParaRPr lang="en-US" sz="3600"/>
+          <a:endParaRPr lang="en-US" sz="4800" b="0"/>
         </a:p>
       </dgm:t>
     </dgm:pt>
@@ -1890,7 +1889,7 @@
         <a:bodyPr/>
         <a:lstStyle/>
         <a:p>
-          <a:endParaRPr lang="en-US" sz="3600"/>
+          <a:endParaRPr lang="en-US" sz="2000" b="0"/>
         </a:p>
       </dgm:t>
     </dgm:pt>
@@ -1902,17 +1901,31 @@
         <a:lstStyle/>
         <a:p>
           <a:pPr>
+            <a:lnSpc>
+              <a:spcPct val="100000"/>
+            </a:lnSpc>
             <a:defRPr cap="all"/>
           </a:pPr>
           <a:r>
-            <a:rPr lang="en-US" sz="2400" b="1" i="0" baseline="0" dirty="0">
+            <a:rPr lang="en-US" sz="2400" b="0">
               <a:latin typeface="Amasis MT Pro Medium" panose="02040604050005020304" pitchFamily="18" charset="0"/>
             </a:rPr>
-            <a:t>Economic inequality measures:</a:t>
+            <a:t>Social </a:t>
           </a:r>
-          <a:endParaRPr lang="en-US" sz="2400" dirty="0">
-            <a:latin typeface="Amasis MT Pro Medium" panose="02040604050005020304" pitchFamily="18" charset="0"/>
-          </a:endParaRPr>
+        </a:p>
+        <a:p>
+          <a:pPr>
+            <a:lnSpc>
+              <a:spcPct val="100000"/>
+            </a:lnSpc>
+            <a:defRPr cap="all"/>
+          </a:pPr>
+          <a:r>
+            <a:rPr lang="en-US" sz="2400" b="0">
+              <a:latin typeface="Amasis MT Pro Medium" panose="02040604050005020304" pitchFamily="18" charset="0"/>
+            </a:rPr>
+            <a:t>Make-up</a:t>
+          </a:r>
         </a:p>
       </dgm:t>
     </dgm:pt>
@@ -1923,7 +1936,7 @@
         <a:bodyPr/>
         <a:lstStyle/>
         <a:p>
-          <a:endParaRPr lang="en-US" sz="3600"/>
+          <a:endParaRPr lang="en-US" sz="4800" b="0"/>
         </a:p>
       </dgm:t>
     </dgm:pt>
@@ -1934,7 +1947,7 @@
         <a:bodyPr/>
         <a:lstStyle/>
         <a:p>
-          <a:endParaRPr lang="en-US" sz="3600"/>
+          <a:endParaRPr lang="en-US" sz="2000" b="0"/>
         </a:p>
       </dgm:t>
     </dgm:pt>
@@ -1946,15 +1959,18 @@
         <a:lstStyle/>
         <a:p>
           <a:pPr>
+            <a:lnSpc>
+              <a:spcPct val="100000"/>
+            </a:lnSpc>
             <a:defRPr cap="all"/>
           </a:pPr>
           <a:r>
-            <a:rPr lang="en-US" sz="2400" b="0" i="0" baseline="0" dirty="0">
+            <a:rPr lang="en-US" sz="2400" b="0" i="0" baseline="0">
               <a:latin typeface="Amasis MT Pro Medium" panose="02040604050005020304" pitchFamily="18" charset="0"/>
             </a:rPr>
             <a:t>Income Deprivation</a:t>
           </a:r>
-          <a:endParaRPr lang="en-US" sz="2400" dirty="0">
+          <a:endParaRPr lang="en-US" sz="2400" b="0">
             <a:latin typeface="Amasis MT Pro Medium" panose="02040604050005020304" pitchFamily="18" charset="0"/>
           </a:endParaRPr>
         </a:p>
@@ -1967,7 +1983,7 @@
         <a:bodyPr/>
         <a:lstStyle/>
         <a:p>
-          <a:endParaRPr lang="en-US" sz="3600"/>
+          <a:endParaRPr lang="en-US" sz="4800" b="0"/>
         </a:p>
       </dgm:t>
     </dgm:pt>
@@ -1978,7 +1994,7 @@
         <a:bodyPr/>
         <a:lstStyle/>
         <a:p>
-          <a:endParaRPr lang="en-US" sz="3600"/>
+          <a:endParaRPr lang="en-US" sz="2000" b="0"/>
         </a:p>
       </dgm:t>
     </dgm:pt>
@@ -1990,15 +2006,18 @@
         <a:lstStyle/>
         <a:p>
           <a:pPr>
+            <a:lnSpc>
+              <a:spcPct val="100000"/>
+            </a:lnSpc>
             <a:defRPr cap="all"/>
           </a:pPr>
           <a:r>
-            <a:rPr lang="en-US" sz="2400" b="0" i="0" baseline="0">
+            <a:rPr lang="en-US" sz="2400" b="0" i="0" baseline="0" dirty="0">
               <a:latin typeface="Amasis MT Pro Medium" panose="02040604050005020304" pitchFamily="18" charset="0"/>
             </a:rPr>
-            <a:t>Median house prices</a:t>
+            <a:t>Mean house prices</a:t>
           </a:r>
-          <a:endParaRPr lang="en-US" sz="2400">
+          <a:endParaRPr lang="en-US" sz="2400" b="0" dirty="0">
             <a:latin typeface="Amasis MT Pro Medium" panose="02040604050005020304" pitchFamily="18" charset="0"/>
           </a:endParaRPr>
         </a:p>
@@ -2011,7 +2030,7 @@
         <a:bodyPr/>
         <a:lstStyle/>
         <a:p>
-          <a:endParaRPr lang="en-US" sz="3600"/>
+          <a:endParaRPr lang="en-US" sz="4800" b="0"/>
         </a:p>
       </dgm:t>
     </dgm:pt>
@@ -2022,11 +2041,11 @@
         <a:bodyPr/>
         <a:lstStyle/>
         <a:p>
-          <a:endParaRPr lang="en-US" sz="3600"/>
+          <a:endParaRPr lang="en-US" sz="2000" b="0"/>
         </a:p>
       </dgm:t>
     </dgm:pt>
-    <dgm:pt modelId="{DD109F9B-9830-4034-90CE-0ABD79C5E5AB}" type="pres">
+    <dgm:pt modelId="{1B78BBCD-3998-4DB1-BEEE-2BFF6D20E143}" type="pres">
       <dgm:prSet presAssocID="{8CCCAE69-8F3A-41DC-AB75-10383104EA2B}" presName="root" presStyleCnt="0">
         <dgm:presLayoutVars>
           <dgm:dir/>
@@ -2035,15 +2054,23 @@
       </dgm:prSet>
       <dgm:spPr/>
     </dgm:pt>
-    <dgm:pt modelId="{289FB435-2DF6-4490-8AB1-F18E2067CD5E}" type="pres">
+    <dgm:pt modelId="{8F9A2134-6408-4F16-9E05-E870AC4EE4BC}" type="pres">
       <dgm:prSet presAssocID="{EE101AB2-DFE7-4157-8077-C58830FA9989}" presName="compNode" presStyleCnt="0"/>
       <dgm:spPr/>
     </dgm:pt>
-    <dgm:pt modelId="{B5FBC21F-BAF3-4F20-973D-7E88E10BE67C}" type="pres">
+    <dgm:pt modelId="{8255D5DA-9577-4F4A-B8AD-75385EC3EE37}" type="pres">
       <dgm:prSet presAssocID="{EE101AB2-DFE7-4157-8077-C58830FA9989}" presName="iconBgRect" presStyleLbl="bgShp" presStyleIdx="0" presStyleCnt="4"/>
-      <dgm:spPr/>
+      <dgm:spPr>
+        <a:effectLst>
+          <a:outerShdw blurRad="50800" dist="38100" dir="2700000" algn="tl" rotWithShape="0">
+            <a:prstClr val="black">
+              <a:alpha val="40000"/>
+            </a:prstClr>
+          </a:outerShdw>
+        </a:effectLst>
+      </dgm:spPr>
     </dgm:pt>
-    <dgm:pt modelId="{1AC5A762-BBA6-4F2C-88F0-6FCCE17EB943}" type="pres">
+    <dgm:pt modelId="{9D154336-6EC9-4BA2-A0C3-9EBD474EF4CA}" type="pres">
       <dgm:prSet presAssocID="{EE101AB2-DFE7-4157-8077-C58830FA9989}" presName="iconRect" presStyleLbl="node1" presStyleIdx="0" presStyleCnt="4"/>
       <dgm:spPr>
         <a:blipFill>
@@ -2071,11 +2098,11 @@
         </a:ext>
       </dgm:extLst>
     </dgm:pt>
-    <dgm:pt modelId="{11F85BB2-33BF-462C-AE5A-F5C4968BFAEC}" type="pres">
+    <dgm:pt modelId="{91C0BE81-1FA8-45E2-88D3-E741167EC9BE}" type="pres">
       <dgm:prSet presAssocID="{EE101AB2-DFE7-4157-8077-C58830FA9989}" presName="spaceRect" presStyleCnt="0"/>
       <dgm:spPr/>
     </dgm:pt>
-    <dgm:pt modelId="{A37C8284-E839-4360-92AE-1AD799A63466}" type="pres">
+    <dgm:pt modelId="{5337AC0E-3695-42F7-8193-1B9DB1B63DAF}" type="pres">
       <dgm:prSet presAssocID="{EE101AB2-DFE7-4157-8077-C58830FA9989}" presName="textRect" presStyleLbl="revTx" presStyleIdx="0" presStyleCnt="4">
         <dgm:presLayoutVars>
           <dgm:chMax val="1"/>
@@ -2084,19 +2111,27 @@
       </dgm:prSet>
       <dgm:spPr/>
     </dgm:pt>
-    <dgm:pt modelId="{C140D024-92D1-4556-9E47-2871695EE240}" type="pres">
+    <dgm:pt modelId="{B14D3CEE-54F8-4434-82EE-A76581B0A92B}" type="pres">
       <dgm:prSet presAssocID="{6450B59D-2D8B-407E-9A82-80DBD59872B0}" presName="sibTrans" presStyleCnt="0"/>
       <dgm:spPr/>
     </dgm:pt>
-    <dgm:pt modelId="{90AD2457-0FAC-4116-B410-644D8A809CDD}" type="pres">
+    <dgm:pt modelId="{9D85E33A-E7E2-44B9-BAF1-11A17A94FC9B}" type="pres">
       <dgm:prSet presAssocID="{9E2BDCCA-9208-4EE4-AA73-34D4C4963F44}" presName="compNode" presStyleCnt="0"/>
       <dgm:spPr/>
     </dgm:pt>
-    <dgm:pt modelId="{A37F40B7-F98F-46E5-808E-AF659BA090AB}" type="pres">
+    <dgm:pt modelId="{36EF987F-9E09-4D36-A0A9-E17A662B5D88}" type="pres">
       <dgm:prSet presAssocID="{9E2BDCCA-9208-4EE4-AA73-34D4C4963F44}" presName="iconBgRect" presStyleLbl="bgShp" presStyleIdx="1" presStyleCnt="4"/>
-      <dgm:spPr/>
+      <dgm:spPr>
+        <a:effectLst>
+          <a:outerShdw blurRad="50800" dist="38100" dir="2700000" algn="tl" rotWithShape="0">
+            <a:prstClr val="black">
+              <a:alpha val="40000"/>
+            </a:prstClr>
+          </a:outerShdw>
+        </a:effectLst>
+      </dgm:spPr>
     </dgm:pt>
-    <dgm:pt modelId="{9CD61A21-C67C-49F9-B711-181DD0539F3B}" type="pres">
+    <dgm:pt modelId="{6AFD59D0-1F1F-4EFF-9E5C-F3BDE41FEE68}" type="pres">
       <dgm:prSet presAssocID="{9E2BDCCA-9208-4EE4-AA73-34D4C4963F44}" presName="iconRect" presStyleLbl="node1" presStyleIdx="1" presStyleCnt="4"/>
       <dgm:spPr>
         <a:blipFill>
@@ -2120,15 +2155,15 @@
       </dgm:spPr>
       <dgm:extLst>
         <a:ext uri="{E40237B7-FDA0-4F09-8148-C483321AD2D9}">
-          <dgm14:cNvPr xmlns:dgm14="http://schemas.microsoft.com/office/drawing/2010/diagram" id="0" name="" descr="Money"/>
+          <dgm14:cNvPr xmlns:dgm14="http://schemas.microsoft.com/office/drawing/2010/diagram" id="0" name="" descr="Social Network"/>
         </a:ext>
       </dgm:extLst>
     </dgm:pt>
-    <dgm:pt modelId="{3626765C-8536-4CCA-9361-20E92EFA86E1}" type="pres">
+    <dgm:pt modelId="{990255C8-E913-49A4-B442-36BD6753DEFA}" type="pres">
       <dgm:prSet presAssocID="{9E2BDCCA-9208-4EE4-AA73-34D4C4963F44}" presName="spaceRect" presStyleCnt="0"/>
       <dgm:spPr/>
     </dgm:pt>
-    <dgm:pt modelId="{D235A48C-EC24-4A9E-B303-D43DF4A14830}" type="pres">
+    <dgm:pt modelId="{F357FEFF-7235-4002-88FA-D8084A3A05FB}" type="pres">
       <dgm:prSet presAssocID="{9E2BDCCA-9208-4EE4-AA73-34D4C4963F44}" presName="textRect" presStyleLbl="revTx" presStyleIdx="1" presStyleCnt="4">
         <dgm:presLayoutVars>
           <dgm:chMax val="1"/>
@@ -2137,19 +2172,27 @@
       </dgm:prSet>
       <dgm:spPr/>
     </dgm:pt>
-    <dgm:pt modelId="{8881A6AD-8F89-4B4D-9D1D-4DB92720E999}" type="pres">
+    <dgm:pt modelId="{1E2F130C-C57A-4F15-AF20-83F7583C5DEF}" type="pres">
       <dgm:prSet presAssocID="{14CE77CA-D40A-422D-A05E-ABC92C061C10}" presName="sibTrans" presStyleCnt="0"/>
       <dgm:spPr/>
     </dgm:pt>
-    <dgm:pt modelId="{30D3924D-F9F4-4D10-8E7D-AC001688D933}" type="pres">
+    <dgm:pt modelId="{06B7ABAA-25D3-4C6F-8F20-C305F33AA14A}" type="pres">
       <dgm:prSet presAssocID="{91D7FC65-9642-47A9-88D1-698D1B61CB21}" presName="compNode" presStyleCnt="0"/>
       <dgm:spPr/>
     </dgm:pt>
-    <dgm:pt modelId="{0404DEA0-1911-4F06-A4C0-8555A766F23B}" type="pres">
+    <dgm:pt modelId="{1BE18B5C-D491-44D3-9845-549D51C74A48}" type="pres">
       <dgm:prSet presAssocID="{91D7FC65-9642-47A9-88D1-698D1B61CB21}" presName="iconBgRect" presStyleLbl="bgShp" presStyleIdx="2" presStyleCnt="4"/>
-      <dgm:spPr/>
+      <dgm:spPr>
+        <a:effectLst>
+          <a:outerShdw blurRad="50800" dist="38100" dir="2700000" algn="tl" rotWithShape="0">
+            <a:prstClr val="black">
+              <a:alpha val="40000"/>
+            </a:prstClr>
+          </a:outerShdw>
+        </a:effectLst>
+      </dgm:spPr>
     </dgm:pt>
-    <dgm:pt modelId="{6600710C-A787-40C1-A892-C0B85E181F08}" type="pres">
+    <dgm:pt modelId="{B58F2DFA-BDB9-4DC5-9B40-DD8DA2EC0758}" type="pres">
       <dgm:prSet presAssocID="{91D7FC65-9642-47A9-88D1-698D1B61CB21}" presName="iconRect" presStyleLbl="node1" presStyleIdx="2" presStyleCnt="4"/>
       <dgm:spPr>
         <a:blipFill>
@@ -2173,15 +2216,15 @@
       </dgm:spPr>
       <dgm:extLst>
         <a:ext uri="{E40237B7-FDA0-4F09-8148-C483321AD2D9}">
-          <dgm14:cNvPr xmlns:dgm14="http://schemas.microsoft.com/office/drawing/2010/diagram" id="0" name="" descr="Coins"/>
+          <dgm14:cNvPr xmlns:dgm14="http://schemas.microsoft.com/office/drawing/2010/diagram" id="0" name="" descr="Dollar"/>
         </a:ext>
       </dgm:extLst>
     </dgm:pt>
-    <dgm:pt modelId="{E1058E62-397E-4BC7-BF47-3BD1B353E0E6}" type="pres">
+    <dgm:pt modelId="{EDEDA578-86B3-4DC4-93C6-163041AAE90C}" type="pres">
       <dgm:prSet presAssocID="{91D7FC65-9642-47A9-88D1-698D1B61CB21}" presName="spaceRect" presStyleCnt="0"/>
       <dgm:spPr/>
     </dgm:pt>
-    <dgm:pt modelId="{72AB6818-B03C-4BCA-91AA-2D301E05CFA4}" type="pres">
+    <dgm:pt modelId="{D40EEEEA-FDB2-488B-B0FB-5344079723C6}" type="pres">
       <dgm:prSet presAssocID="{91D7FC65-9642-47A9-88D1-698D1B61CB21}" presName="textRect" presStyleLbl="revTx" presStyleIdx="2" presStyleCnt="4">
         <dgm:presLayoutVars>
           <dgm:chMax val="1"/>
@@ -2190,19 +2233,27 @@
       </dgm:prSet>
       <dgm:spPr/>
     </dgm:pt>
-    <dgm:pt modelId="{31D3B3BF-950B-40B9-87AD-E8746F37039B}" type="pres">
+    <dgm:pt modelId="{FD951934-5E0F-4961-9937-40AE118A8198}" type="pres">
       <dgm:prSet presAssocID="{0518C728-2FE5-4483-AAEC-52BB08CCE6CC}" presName="sibTrans" presStyleCnt="0"/>
       <dgm:spPr/>
     </dgm:pt>
-    <dgm:pt modelId="{C35A5705-D336-410D-BF5E-99CEA3300631}" type="pres">
+    <dgm:pt modelId="{896967EC-F6B0-4735-8BA5-ED3101507C03}" type="pres">
       <dgm:prSet presAssocID="{279BC2AA-E917-4201-BE6A-D15B4C9FAC6F}" presName="compNode" presStyleCnt="0"/>
       <dgm:spPr/>
     </dgm:pt>
-    <dgm:pt modelId="{8761E642-F1B0-434D-9CDC-7B2B829D1A11}" type="pres">
+    <dgm:pt modelId="{E98AB556-4B6E-413D-BC46-306C67AED4D3}" type="pres">
       <dgm:prSet presAssocID="{279BC2AA-E917-4201-BE6A-D15B4C9FAC6F}" presName="iconBgRect" presStyleLbl="bgShp" presStyleIdx="3" presStyleCnt="4"/>
-      <dgm:spPr/>
+      <dgm:spPr>
+        <a:effectLst>
+          <a:outerShdw blurRad="50800" dist="38100" dir="2700000" algn="tl" rotWithShape="0">
+            <a:prstClr val="black">
+              <a:alpha val="40000"/>
+            </a:prstClr>
+          </a:outerShdw>
+        </a:effectLst>
+      </dgm:spPr>
     </dgm:pt>
-    <dgm:pt modelId="{01A32097-FDA7-46EF-9162-D97D3C00ED51}" type="pres">
+    <dgm:pt modelId="{DD4E619B-BEFE-40D0-9718-13950BCE40AF}" type="pres">
       <dgm:prSet presAssocID="{279BC2AA-E917-4201-BE6A-D15B4C9FAC6F}" presName="iconRect" presStyleLbl="node1" presStyleIdx="3" presStyleCnt="4"/>
       <dgm:spPr>
         <a:blipFill>
@@ -2230,11 +2281,11 @@
         </a:ext>
       </dgm:extLst>
     </dgm:pt>
-    <dgm:pt modelId="{30F59D18-BA00-44D9-BAE4-B4D764111190}" type="pres">
+    <dgm:pt modelId="{04CA2A81-1385-433E-99DA-1FBC4682F76C}" type="pres">
       <dgm:prSet presAssocID="{279BC2AA-E917-4201-BE6A-D15B4C9FAC6F}" presName="spaceRect" presStyleCnt="0"/>
       <dgm:spPr/>
     </dgm:pt>
-    <dgm:pt modelId="{F9703BB4-879F-49C4-AC9A-46FDD9BE1DD2}" type="pres">
+    <dgm:pt modelId="{E33CC705-AC8B-4302-848C-DABBC52ECB19}" type="pres">
       <dgm:prSet presAssocID="{279BC2AA-E917-4201-BE6A-D15B4C9FAC6F}" presName="textRect" presStyleLbl="revTx" presStyleIdx="3" presStyleCnt="4">
         <dgm:presLayoutVars>
           <dgm:chMax val="1"/>
@@ -2245,38 +2296,38 @@
     </dgm:pt>
   </dgm:ptLst>
   <dgm:cxnLst>
+    <dgm:cxn modelId="{52BB6B10-BCBD-4578-8B14-24703FB61E72}" type="presOf" srcId="{91D7FC65-9642-47A9-88D1-698D1B61CB21}" destId="{D40EEEEA-FDB2-488B-B0FB-5344079723C6}" srcOrd="0" destOrd="0" presId="urn:microsoft.com/office/officeart/2018/5/layout/IconCircleLabelList"/>
     <dgm:cxn modelId="{42A71B18-8D04-4D85-B023-C6F39D478D0F}" srcId="{8CCCAE69-8F3A-41DC-AB75-10383104EA2B}" destId="{9E2BDCCA-9208-4EE4-AA73-34D4C4963F44}" srcOrd="1" destOrd="0" parTransId="{8B4887A9-D139-4C63-9C66-4832F91BCC85}" sibTransId="{14CE77CA-D40A-422D-A05E-ABC92C061C10}"/>
+    <dgm:cxn modelId="{0477C231-1174-46F9-8281-82CAA0AAB922}" type="presOf" srcId="{8CCCAE69-8F3A-41DC-AB75-10383104EA2B}" destId="{1B78BBCD-3998-4DB1-BEEE-2BFF6D20E143}" srcOrd="0" destOrd="0" presId="urn:microsoft.com/office/officeart/2018/5/layout/IconCircleLabelList"/>
+    <dgm:cxn modelId="{D849BF45-0435-4483-B4A1-B618CDA10F9F}" type="presOf" srcId="{9E2BDCCA-9208-4EE4-AA73-34D4C4963F44}" destId="{F357FEFF-7235-4002-88FA-D8084A3A05FB}" srcOrd="0" destOrd="0" presId="urn:microsoft.com/office/officeart/2018/5/layout/IconCircleLabelList"/>
     <dgm:cxn modelId="{284A674B-E32C-44C9-9B10-1C390E08F7C5}" srcId="{8CCCAE69-8F3A-41DC-AB75-10383104EA2B}" destId="{91D7FC65-9642-47A9-88D1-698D1B61CB21}" srcOrd="2" destOrd="0" parTransId="{BC4BD7DA-EB33-4626-981F-1B6DE8C24C9E}" sibTransId="{0518C728-2FE5-4483-AAEC-52BB08CCE6CC}"/>
-    <dgm:cxn modelId="{E1E9C676-F5BD-475C-8370-EC5462DFD661}" type="presOf" srcId="{8CCCAE69-8F3A-41DC-AB75-10383104EA2B}" destId="{DD109F9B-9830-4034-90CE-0ABD79C5E5AB}" srcOrd="0" destOrd="0" presId="urn:microsoft.com/office/officeart/2018/5/layout/IconCircleLabelList"/>
-    <dgm:cxn modelId="{4D5D9A78-EAAA-4198-96ED-D1D6A1C95983}" type="presOf" srcId="{279BC2AA-E917-4201-BE6A-D15B4C9FAC6F}" destId="{F9703BB4-879F-49C4-AC9A-46FDD9BE1DD2}" srcOrd="0" destOrd="0" presId="urn:microsoft.com/office/officeart/2018/5/layout/IconCircleLabelList"/>
-    <dgm:cxn modelId="{C97AAA58-90AE-4B38-BA29-FD703F884204}" type="presOf" srcId="{9E2BDCCA-9208-4EE4-AA73-34D4C4963F44}" destId="{D235A48C-EC24-4A9E-B303-D43DF4A14830}" srcOrd="0" destOrd="0" presId="urn:microsoft.com/office/officeart/2018/5/layout/IconCircleLabelList"/>
     <dgm:cxn modelId="{52E25F8B-6441-494F-A8BE-B4F30D8F3BCC}" srcId="{8CCCAE69-8F3A-41DC-AB75-10383104EA2B}" destId="{EE101AB2-DFE7-4157-8077-C58830FA9989}" srcOrd="0" destOrd="0" parTransId="{1D44AAB5-B56D-4C18-A308-2AA3E412EB9C}" sibTransId="{6450B59D-2D8B-407E-9A82-80DBD59872B0}"/>
     <dgm:cxn modelId="{B390A89B-0B3D-4C50-B04F-C5EF8BB6F693}" srcId="{8CCCAE69-8F3A-41DC-AB75-10383104EA2B}" destId="{279BC2AA-E917-4201-BE6A-D15B4C9FAC6F}" srcOrd="3" destOrd="0" parTransId="{8FC3ED93-FD15-4D26-A2B5-894B0E616FA3}" sibTransId="{0A9D9B8B-FB1C-4C90-8BD7-28F7527B9B8D}"/>
-    <dgm:cxn modelId="{EBD898C3-1807-4CF6-9C05-0C229927BA26}" type="presOf" srcId="{EE101AB2-DFE7-4157-8077-C58830FA9989}" destId="{A37C8284-E839-4360-92AE-1AD799A63466}" srcOrd="0" destOrd="0" presId="urn:microsoft.com/office/officeart/2018/5/layout/IconCircleLabelList"/>
-    <dgm:cxn modelId="{177734D8-4D42-4599-820B-9CF06741F74C}" type="presOf" srcId="{91D7FC65-9642-47A9-88D1-698D1B61CB21}" destId="{72AB6818-B03C-4BCA-91AA-2D301E05CFA4}" srcOrd="0" destOrd="0" presId="urn:microsoft.com/office/officeart/2018/5/layout/IconCircleLabelList"/>
-    <dgm:cxn modelId="{37E0E88E-3657-46C1-AD4C-CBB398AA0497}" type="presParOf" srcId="{DD109F9B-9830-4034-90CE-0ABD79C5E5AB}" destId="{289FB435-2DF6-4490-8AB1-F18E2067CD5E}" srcOrd="0" destOrd="0" presId="urn:microsoft.com/office/officeart/2018/5/layout/IconCircleLabelList"/>
-    <dgm:cxn modelId="{41F5265F-8A52-4DBD-8DF6-8935035C7514}" type="presParOf" srcId="{289FB435-2DF6-4490-8AB1-F18E2067CD5E}" destId="{B5FBC21F-BAF3-4F20-973D-7E88E10BE67C}" srcOrd="0" destOrd="0" presId="urn:microsoft.com/office/officeart/2018/5/layout/IconCircleLabelList"/>
-    <dgm:cxn modelId="{468572F7-4252-41ED-B64D-6D3C878E1B41}" type="presParOf" srcId="{289FB435-2DF6-4490-8AB1-F18E2067CD5E}" destId="{1AC5A762-BBA6-4F2C-88F0-6FCCE17EB943}" srcOrd="1" destOrd="0" presId="urn:microsoft.com/office/officeart/2018/5/layout/IconCircleLabelList"/>
-    <dgm:cxn modelId="{3B1FC327-54C2-47C5-A3C5-49BB8EF3EA1B}" type="presParOf" srcId="{289FB435-2DF6-4490-8AB1-F18E2067CD5E}" destId="{11F85BB2-33BF-462C-AE5A-F5C4968BFAEC}" srcOrd="2" destOrd="0" presId="urn:microsoft.com/office/officeart/2018/5/layout/IconCircleLabelList"/>
-    <dgm:cxn modelId="{738AD09D-AE45-4C0A-87E8-F9E8EBF67716}" type="presParOf" srcId="{289FB435-2DF6-4490-8AB1-F18E2067CD5E}" destId="{A37C8284-E839-4360-92AE-1AD799A63466}" srcOrd="3" destOrd="0" presId="urn:microsoft.com/office/officeart/2018/5/layout/IconCircleLabelList"/>
-    <dgm:cxn modelId="{841E6A4B-92BA-436A-94A2-B0A308E217DB}" type="presParOf" srcId="{DD109F9B-9830-4034-90CE-0ABD79C5E5AB}" destId="{C140D024-92D1-4556-9E47-2871695EE240}" srcOrd="1" destOrd="0" presId="urn:microsoft.com/office/officeart/2018/5/layout/IconCircleLabelList"/>
-    <dgm:cxn modelId="{A1460D4E-0D50-4716-A32A-B02C58D676FC}" type="presParOf" srcId="{DD109F9B-9830-4034-90CE-0ABD79C5E5AB}" destId="{90AD2457-0FAC-4116-B410-644D8A809CDD}" srcOrd="2" destOrd="0" presId="urn:microsoft.com/office/officeart/2018/5/layout/IconCircleLabelList"/>
-    <dgm:cxn modelId="{0F7A526E-AB90-47D1-ACCE-3DDFC22EF301}" type="presParOf" srcId="{90AD2457-0FAC-4116-B410-644D8A809CDD}" destId="{A37F40B7-F98F-46E5-808E-AF659BA090AB}" srcOrd="0" destOrd="0" presId="urn:microsoft.com/office/officeart/2018/5/layout/IconCircleLabelList"/>
-    <dgm:cxn modelId="{D07845F6-74F2-486C-ADBB-3BFE9A2FEE76}" type="presParOf" srcId="{90AD2457-0FAC-4116-B410-644D8A809CDD}" destId="{9CD61A21-C67C-49F9-B711-181DD0539F3B}" srcOrd="1" destOrd="0" presId="urn:microsoft.com/office/officeart/2018/5/layout/IconCircleLabelList"/>
-    <dgm:cxn modelId="{0E4C170F-7C7B-42A3-AD1E-2C083ADBD450}" type="presParOf" srcId="{90AD2457-0FAC-4116-B410-644D8A809CDD}" destId="{3626765C-8536-4CCA-9361-20E92EFA86E1}" srcOrd="2" destOrd="0" presId="urn:microsoft.com/office/officeart/2018/5/layout/IconCircleLabelList"/>
-    <dgm:cxn modelId="{81855B9D-9296-41DA-8583-8B2E350CB146}" type="presParOf" srcId="{90AD2457-0FAC-4116-B410-644D8A809CDD}" destId="{D235A48C-EC24-4A9E-B303-D43DF4A14830}" srcOrd="3" destOrd="0" presId="urn:microsoft.com/office/officeart/2018/5/layout/IconCircleLabelList"/>
-    <dgm:cxn modelId="{E8BB69DB-1828-4758-811A-4BD1C19F867D}" type="presParOf" srcId="{DD109F9B-9830-4034-90CE-0ABD79C5E5AB}" destId="{8881A6AD-8F89-4B4D-9D1D-4DB92720E999}" srcOrd="3" destOrd="0" presId="urn:microsoft.com/office/officeart/2018/5/layout/IconCircleLabelList"/>
-    <dgm:cxn modelId="{181C4DA8-0307-42B3-87AB-9569CA51FF23}" type="presParOf" srcId="{DD109F9B-9830-4034-90CE-0ABD79C5E5AB}" destId="{30D3924D-F9F4-4D10-8E7D-AC001688D933}" srcOrd="4" destOrd="0" presId="urn:microsoft.com/office/officeart/2018/5/layout/IconCircleLabelList"/>
-    <dgm:cxn modelId="{1DDCA7AE-FE3B-45C0-A059-4D0CD076AC93}" type="presParOf" srcId="{30D3924D-F9F4-4D10-8E7D-AC001688D933}" destId="{0404DEA0-1911-4F06-A4C0-8555A766F23B}" srcOrd="0" destOrd="0" presId="urn:microsoft.com/office/officeart/2018/5/layout/IconCircleLabelList"/>
-    <dgm:cxn modelId="{E3E966D5-F6A4-4032-962F-9A9EC121467D}" type="presParOf" srcId="{30D3924D-F9F4-4D10-8E7D-AC001688D933}" destId="{6600710C-A787-40C1-A892-C0B85E181F08}" srcOrd="1" destOrd="0" presId="urn:microsoft.com/office/officeart/2018/5/layout/IconCircleLabelList"/>
-    <dgm:cxn modelId="{B5091E42-E04C-4FC0-9F9B-96F6F9AF0CFF}" type="presParOf" srcId="{30D3924D-F9F4-4D10-8E7D-AC001688D933}" destId="{E1058E62-397E-4BC7-BF47-3BD1B353E0E6}" srcOrd="2" destOrd="0" presId="urn:microsoft.com/office/officeart/2018/5/layout/IconCircleLabelList"/>
-    <dgm:cxn modelId="{13D4D13A-9172-4022-8201-83F576164D6D}" type="presParOf" srcId="{30D3924D-F9F4-4D10-8E7D-AC001688D933}" destId="{72AB6818-B03C-4BCA-91AA-2D301E05CFA4}" srcOrd="3" destOrd="0" presId="urn:microsoft.com/office/officeart/2018/5/layout/IconCircleLabelList"/>
-    <dgm:cxn modelId="{4B10A341-A24B-47B0-B2BF-0C4DE340B255}" type="presParOf" srcId="{DD109F9B-9830-4034-90CE-0ABD79C5E5AB}" destId="{31D3B3BF-950B-40B9-87AD-E8746F37039B}" srcOrd="5" destOrd="0" presId="urn:microsoft.com/office/officeart/2018/5/layout/IconCircleLabelList"/>
-    <dgm:cxn modelId="{32FF765F-76A3-4689-B918-99706C791589}" type="presParOf" srcId="{DD109F9B-9830-4034-90CE-0ABD79C5E5AB}" destId="{C35A5705-D336-410D-BF5E-99CEA3300631}" srcOrd="6" destOrd="0" presId="urn:microsoft.com/office/officeart/2018/5/layout/IconCircleLabelList"/>
-    <dgm:cxn modelId="{F29CBA43-2403-4C74-AE9D-A1DA4F719C8D}" type="presParOf" srcId="{C35A5705-D336-410D-BF5E-99CEA3300631}" destId="{8761E642-F1B0-434D-9CDC-7B2B829D1A11}" srcOrd="0" destOrd="0" presId="urn:microsoft.com/office/officeart/2018/5/layout/IconCircleLabelList"/>
-    <dgm:cxn modelId="{379DAF34-6DD1-43C3-951B-BA019C7BFD62}" type="presParOf" srcId="{C35A5705-D336-410D-BF5E-99CEA3300631}" destId="{01A32097-FDA7-46EF-9162-D97D3C00ED51}" srcOrd="1" destOrd="0" presId="urn:microsoft.com/office/officeart/2018/5/layout/IconCircleLabelList"/>
-    <dgm:cxn modelId="{EEE884E8-9CC8-4F67-9F97-628CC29BB6C9}" type="presParOf" srcId="{C35A5705-D336-410D-BF5E-99CEA3300631}" destId="{30F59D18-BA00-44D9-BAE4-B4D764111190}" srcOrd="2" destOrd="0" presId="urn:microsoft.com/office/officeart/2018/5/layout/IconCircleLabelList"/>
-    <dgm:cxn modelId="{2198FF66-A5FE-443E-9E00-50BCB2355626}" type="presParOf" srcId="{C35A5705-D336-410D-BF5E-99CEA3300631}" destId="{F9703BB4-879F-49C4-AC9A-46FDD9BE1DD2}" srcOrd="3" destOrd="0" presId="urn:microsoft.com/office/officeart/2018/5/layout/IconCircleLabelList"/>
+    <dgm:cxn modelId="{E8F7E5B8-71CA-402F-AB8A-6F08480D777D}" type="presOf" srcId="{EE101AB2-DFE7-4157-8077-C58830FA9989}" destId="{5337AC0E-3695-42F7-8193-1B9DB1B63DAF}" srcOrd="0" destOrd="0" presId="urn:microsoft.com/office/officeart/2018/5/layout/IconCircleLabelList"/>
+    <dgm:cxn modelId="{B69D0EEE-2B7B-49A5-8EAC-999FD88DAD31}" type="presOf" srcId="{279BC2AA-E917-4201-BE6A-D15B4C9FAC6F}" destId="{E33CC705-AC8B-4302-848C-DABBC52ECB19}" srcOrd="0" destOrd="0" presId="urn:microsoft.com/office/officeart/2018/5/layout/IconCircleLabelList"/>
+    <dgm:cxn modelId="{5E59F515-3627-4C08-A3F4-94D752365F8C}" type="presParOf" srcId="{1B78BBCD-3998-4DB1-BEEE-2BFF6D20E143}" destId="{8F9A2134-6408-4F16-9E05-E870AC4EE4BC}" srcOrd="0" destOrd="0" presId="urn:microsoft.com/office/officeart/2018/5/layout/IconCircleLabelList"/>
+    <dgm:cxn modelId="{5D4BFE66-FBF1-4539-96A7-09C80AA2499C}" type="presParOf" srcId="{8F9A2134-6408-4F16-9E05-E870AC4EE4BC}" destId="{8255D5DA-9577-4F4A-B8AD-75385EC3EE37}" srcOrd="0" destOrd="0" presId="urn:microsoft.com/office/officeart/2018/5/layout/IconCircleLabelList"/>
+    <dgm:cxn modelId="{6BE9C46D-51A9-4DDF-A76D-7A14388AD693}" type="presParOf" srcId="{8F9A2134-6408-4F16-9E05-E870AC4EE4BC}" destId="{9D154336-6EC9-4BA2-A0C3-9EBD474EF4CA}" srcOrd="1" destOrd="0" presId="urn:microsoft.com/office/officeart/2018/5/layout/IconCircleLabelList"/>
+    <dgm:cxn modelId="{8F86C447-29D4-48A1-AE41-AFEE1498BC48}" type="presParOf" srcId="{8F9A2134-6408-4F16-9E05-E870AC4EE4BC}" destId="{91C0BE81-1FA8-45E2-88D3-E741167EC9BE}" srcOrd="2" destOrd="0" presId="urn:microsoft.com/office/officeart/2018/5/layout/IconCircleLabelList"/>
+    <dgm:cxn modelId="{75ECA70E-D9FE-4F16-9DDD-B61488497279}" type="presParOf" srcId="{8F9A2134-6408-4F16-9E05-E870AC4EE4BC}" destId="{5337AC0E-3695-42F7-8193-1B9DB1B63DAF}" srcOrd="3" destOrd="0" presId="urn:microsoft.com/office/officeart/2018/5/layout/IconCircleLabelList"/>
+    <dgm:cxn modelId="{30F1D8CF-1BE9-46A6-94E7-2CF65CB09CC9}" type="presParOf" srcId="{1B78BBCD-3998-4DB1-BEEE-2BFF6D20E143}" destId="{B14D3CEE-54F8-4434-82EE-A76581B0A92B}" srcOrd="1" destOrd="0" presId="urn:microsoft.com/office/officeart/2018/5/layout/IconCircleLabelList"/>
+    <dgm:cxn modelId="{587625FF-9908-4C50-A1BB-C64F74BAD8E4}" type="presParOf" srcId="{1B78BBCD-3998-4DB1-BEEE-2BFF6D20E143}" destId="{9D85E33A-E7E2-44B9-BAF1-11A17A94FC9B}" srcOrd="2" destOrd="0" presId="urn:microsoft.com/office/officeart/2018/5/layout/IconCircleLabelList"/>
+    <dgm:cxn modelId="{26AD9C42-4D78-43A9-9425-0E5A63F8E959}" type="presParOf" srcId="{9D85E33A-E7E2-44B9-BAF1-11A17A94FC9B}" destId="{36EF987F-9E09-4D36-A0A9-E17A662B5D88}" srcOrd="0" destOrd="0" presId="urn:microsoft.com/office/officeart/2018/5/layout/IconCircleLabelList"/>
+    <dgm:cxn modelId="{409D571C-4B4A-4525-ACD5-0A9C2C2BB5BE}" type="presParOf" srcId="{9D85E33A-E7E2-44B9-BAF1-11A17A94FC9B}" destId="{6AFD59D0-1F1F-4EFF-9E5C-F3BDE41FEE68}" srcOrd="1" destOrd="0" presId="urn:microsoft.com/office/officeart/2018/5/layout/IconCircleLabelList"/>
+    <dgm:cxn modelId="{15F5AF76-4510-4D39-924B-9279FABC6DC7}" type="presParOf" srcId="{9D85E33A-E7E2-44B9-BAF1-11A17A94FC9B}" destId="{990255C8-E913-49A4-B442-36BD6753DEFA}" srcOrd="2" destOrd="0" presId="urn:microsoft.com/office/officeart/2018/5/layout/IconCircleLabelList"/>
+    <dgm:cxn modelId="{F06CF570-CD33-4311-948A-7FCAA8CA0907}" type="presParOf" srcId="{9D85E33A-E7E2-44B9-BAF1-11A17A94FC9B}" destId="{F357FEFF-7235-4002-88FA-D8084A3A05FB}" srcOrd="3" destOrd="0" presId="urn:microsoft.com/office/officeart/2018/5/layout/IconCircleLabelList"/>
+    <dgm:cxn modelId="{DE9F7BC3-7ED7-4769-BA1E-62E010F8DA5E}" type="presParOf" srcId="{1B78BBCD-3998-4DB1-BEEE-2BFF6D20E143}" destId="{1E2F130C-C57A-4F15-AF20-83F7583C5DEF}" srcOrd="3" destOrd="0" presId="urn:microsoft.com/office/officeart/2018/5/layout/IconCircleLabelList"/>
+    <dgm:cxn modelId="{90B526EF-811C-44EE-B357-E11C33F50728}" type="presParOf" srcId="{1B78BBCD-3998-4DB1-BEEE-2BFF6D20E143}" destId="{06B7ABAA-25D3-4C6F-8F20-C305F33AA14A}" srcOrd="4" destOrd="0" presId="urn:microsoft.com/office/officeart/2018/5/layout/IconCircleLabelList"/>
+    <dgm:cxn modelId="{29A34172-24F8-474F-AF0C-4EB1A944B9FA}" type="presParOf" srcId="{06B7ABAA-25D3-4C6F-8F20-C305F33AA14A}" destId="{1BE18B5C-D491-44D3-9845-549D51C74A48}" srcOrd="0" destOrd="0" presId="urn:microsoft.com/office/officeart/2018/5/layout/IconCircleLabelList"/>
+    <dgm:cxn modelId="{757245B7-F069-4715-BC43-CD10C2A52028}" type="presParOf" srcId="{06B7ABAA-25D3-4C6F-8F20-C305F33AA14A}" destId="{B58F2DFA-BDB9-4DC5-9B40-DD8DA2EC0758}" srcOrd="1" destOrd="0" presId="urn:microsoft.com/office/officeart/2018/5/layout/IconCircleLabelList"/>
+    <dgm:cxn modelId="{70489C17-2C27-4833-BCB0-AE67340A7AA6}" type="presParOf" srcId="{06B7ABAA-25D3-4C6F-8F20-C305F33AA14A}" destId="{EDEDA578-86B3-4DC4-93C6-163041AAE90C}" srcOrd="2" destOrd="0" presId="urn:microsoft.com/office/officeart/2018/5/layout/IconCircleLabelList"/>
+    <dgm:cxn modelId="{91FBFA46-BE0E-4045-A289-FBFD99C5D604}" type="presParOf" srcId="{06B7ABAA-25D3-4C6F-8F20-C305F33AA14A}" destId="{D40EEEEA-FDB2-488B-B0FB-5344079723C6}" srcOrd="3" destOrd="0" presId="urn:microsoft.com/office/officeart/2018/5/layout/IconCircleLabelList"/>
+    <dgm:cxn modelId="{4067E6CE-5041-4BE9-A1FF-921C02CB9F29}" type="presParOf" srcId="{1B78BBCD-3998-4DB1-BEEE-2BFF6D20E143}" destId="{FD951934-5E0F-4961-9937-40AE118A8198}" srcOrd="5" destOrd="0" presId="urn:microsoft.com/office/officeart/2018/5/layout/IconCircleLabelList"/>
+    <dgm:cxn modelId="{8449B8F3-4F48-4668-B05A-44C1D579A583}" type="presParOf" srcId="{1B78BBCD-3998-4DB1-BEEE-2BFF6D20E143}" destId="{896967EC-F6B0-4735-8BA5-ED3101507C03}" srcOrd="6" destOrd="0" presId="urn:microsoft.com/office/officeart/2018/5/layout/IconCircleLabelList"/>
+    <dgm:cxn modelId="{173E8933-C26D-45E2-9C24-DC0E9A1490C8}" type="presParOf" srcId="{896967EC-F6B0-4735-8BA5-ED3101507C03}" destId="{E98AB556-4B6E-413D-BC46-306C67AED4D3}" srcOrd="0" destOrd="0" presId="urn:microsoft.com/office/officeart/2018/5/layout/IconCircleLabelList"/>
+    <dgm:cxn modelId="{AE1DDC09-9D20-45EC-A6B7-B0A8F060A2E0}" type="presParOf" srcId="{896967EC-F6B0-4735-8BA5-ED3101507C03}" destId="{DD4E619B-BEFE-40D0-9718-13950BCE40AF}" srcOrd="1" destOrd="0" presId="urn:microsoft.com/office/officeart/2018/5/layout/IconCircleLabelList"/>
+    <dgm:cxn modelId="{FE8A323D-6E96-4C7B-9EBB-A4B133102E1F}" type="presParOf" srcId="{896967EC-F6B0-4735-8BA5-ED3101507C03}" destId="{04CA2A81-1385-433E-99DA-1FBC4682F76C}" srcOrd="2" destOrd="0" presId="urn:microsoft.com/office/officeart/2018/5/layout/IconCircleLabelList"/>
+    <dgm:cxn modelId="{5661D840-7BB0-478D-8406-D1624B2ABFC0}" type="presParOf" srcId="{896967EC-F6B0-4735-8BA5-ED3101507C03}" destId="{E33CC705-AC8B-4302-848C-DABBC52ECB19}" srcOrd="3" destOrd="0" presId="urn:microsoft.com/office/officeart/2018/5/layout/IconCircleLabelList"/>
   </dgm:cxnLst>
   <dgm:bg/>
   <dgm:whole/>
@@ -2292,7 +2343,7 @@
 <dgm:dataModel xmlns:dgm="http://schemas.openxmlformats.org/drawingml/2006/diagram" xmlns:a="http://schemas.openxmlformats.org/drawingml/2006/main">
   <dgm:ptLst>
     <dgm:pt modelId="{916CA22C-9FB6-4888-8D6F-FC8F7E5340F0}" type="doc">
-      <dgm:prSet loTypeId="urn:microsoft.com/office/officeart/2016/7/layout/BasicLinearProcessNumbered" loCatId="process" qsTypeId="urn:microsoft.com/office/officeart/2005/8/quickstyle/simple1" qsCatId="simple" csTypeId="urn:microsoft.com/office/officeart/2005/8/colors/colorful2" csCatId="colorful"/>
+      <dgm:prSet loTypeId="urn:microsoft.com/office/officeart/2016/7/layout/BasicLinearProcessNumbered" loCatId="process" qsTypeId="urn:microsoft.com/office/officeart/2005/8/quickstyle/simple1" qsCatId="simple" csTypeId="urn:microsoft.com/office/officeart/2005/8/colors/colorful2" csCatId="colorful" phldr="1"/>
       <dgm:spPr/>
       <dgm:t>
         <a:bodyPr/>
@@ -2304,13 +2355,21 @@
     </dgm:pt>
     <dgm:pt modelId="{214479A1-7DFE-4487-9DB4-E8A37A596608}">
       <dgm:prSet/>
-      <dgm:spPr/>
+      <dgm:spPr>
+        <a:effectLst>
+          <a:outerShdw blurRad="50800" dist="38100" dir="2700000" algn="tl" rotWithShape="0">
+            <a:prstClr val="black">
+              <a:alpha val="40000"/>
+            </a:prstClr>
+          </a:outerShdw>
+        </a:effectLst>
+      </dgm:spPr>
       <dgm:t>
         <a:bodyPr/>
         <a:lstStyle/>
         <a:p>
           <a:r>
-            <a:rPr lang="en-US">
+            <a:rPr lang="en-US" dirty="0">
               <a:latin typeface="Amasis MT Pro Medium" panose="02040604050005020304" pitchFamily="18" charset="0"/>
             </a:rPr>
             <a:t>Cleaning the data</a:t>
@@ -2337,7 +2396,7 @@
         <a:lstStyle/>
         <a:p>
           <a:r>
-            <a:rPr lang="en-US"/>
+            <a:rPr lang="en-US" dirty="0"/>
             <a:t>1</a:t>
           </a:r>
         </a:p>
@@ -2345,7 +2404,15 @@
     </dgm:pt>
     <dgm:pt modelId="{122CAA94-AD20-46F2-9D3D-D9FAD3F1FA00}">
       <dgm:prSet/>
-      <dgm:spPr/>
+      <dgm:spPr>
+        <a:effectLst>
+          <a:outerShdw blurRad="50800" dist="38100" dir="2700000" algn="tl" rotWithShape="0">
+            <a:prstClr val="black">
+              <a:alpha val="40000"/>
+            </a:prstClr>
+          </a:outerShdw>
+        </a:effectLst>
+      </dgm:spPr>
       <dgm:t>
         <a:bodyPr/>
         <a:lstStyle/>
@@ -2381,7 +2448,7 @@
         <a:lstStyle/>
         <a:p>
           <a:r>
-            <a:rPr lang="en-US"/>
+            <a:rPr lang="en-US" dirty="0"/>
             <a:t>2</a:t>
           </a:r>
         </a:p>
@@ -2389,18 +2456,26 @@
     </dgm:pt>
     <dgm:pt modelId="{F44981EA-6757-406F-9805-0AD70521EBD0}">
       <dgm:prSet/>
-      <dgm:spPr/>
+      <dgm:spPr>
+        <a:effectLst>
+          <a:outerShdw blurRad="50800" dist="38100" dir="2700000" algn="tl" rotWithShape="0">
+            <a:prstClr val="black">
+              <a:alpha val="40000"/>
+            </a:prstClr>
+          </a:outerShdw>
+        </a:effectLst>
+      </dgm:spPr>
       <dgm:t>
         <a:bodyPr/>
         <a:lstStyle/>
         <a:p>
           <a:r>
-            <a:rPr lang="en-US" b="0" i="0" baseline="0">
+            <a:rPr lang="en-US" b="0" i="0" baseline="0" dirty="0">
               <a:latin typeface="Amasis MT Pro Medium" panose="02040604050005020304" pitchFamily="18" charset="0"/>
             </a:rPr>
             <a:t>Conduct robustness checks</a:t>
           </a:r>
-          <a:endParaRPr lang="en-US">
+          <a:endParaRPr lang="en-US" dirty="0">
             <a:latin typeface="Amasis MT Pro Medium" panose="02040604050005020304" pitchFamily="18" charset="0"/>
           </a:endParaRPr>
         </a:p>
@@ -2425,7 +2500,7 @@
         <a:lstStyle/>
         <a:p>
           <a:r>
-            <a:rPr lang="en-US"/>
+            <a:rPr lang="en-US" dirty="0"/>
             <a:t>3</a:t>
           </a:r>
         </a:p>
@@ -2433,18 +2508,26 @@
     </dgm:pt>
     <dgm:pt modelId="{CF85E0EE-9AE6-4AFA-B5FF-4290214A9177}">
       <dgm:prSet/>
-      <dgm:spPr/>
+      <dgm:spPr>
+        <a:effectLst>
+          <a:outerShdw blurRad="50800" dist="38100" dir="2700000" algn="tl" rotWithShape="0">
+            <a:prstClr val="black">
+              <a:alpha val="40000"/>
+            </a:prstClr>
+          </a:outerShdw>
+        </a:effectLst>
+      </dgm:spPr>
       <dgm:t>
         <a:bodyPr/>
         <a:lstStyle/>
         <a:p>
           <a:r>
-            <a:rPr lang="en-US" b="0" i="0" baseline="0">
+            <a:rPr lang="en-US" b="0" i="0" baseline="0" dirty="0">
               <a:latin typeface="Amasis MT Pro Medium" panose="02040604050005020304" pitchFamily="18" charset="0"/>
             </a:rPr>
             <a:t>Interpret comparative results and begin writing</a:t>
           </a:r>
-          <a:endParaRPr lang="en-US">
+          <a:endParaRPr lang="en-US" dirty="0">
             <a:latin typeface="Amasis MT Pro Medium" panose="02040604050005020304" pitchFamily="18" charset="0"/>
           </a:endParaRPr>
         </a:p>
@@ -2469,7 +2552,7 @@
         <a:lstStyle/>
         <a:p>
           <a:r>
-            <a:rPr lang="en-US"/>
+            <a:rPr lang="en-US" dirty="0"/>
             <a:t>4</a:t>
           </a:r>
         </a:p>
@@ -2679,11 +2762,16 @@
     <dgm:cxn modelId="{9BDD6D4F-E6D3-4B28-830C-0A5762C9071B}" type="presParOf" srcId="{AC58E8C8-0AB1-419C-AFD7-EC3F7A64B3F0}" destId="{1BBAD2B4-48AD-4BCF-8CF0-700FE939876F}" srcOrd="2" destOrd="0" presId="urn:microsoft.com/office/officeart/2016/7/layout/BasicLinearProcessNumbered"/>
     <dgm:cxn modelId="{4F2DA6E1-60DF-4534-A7C2-A30E612DD23A}" type="presParOf" srcId="{AC58E8C8-0AB1-419C-AFD7-EC3F7A64B3F0}" destId="{4A8E52E5-8C6A-4D96-87D5-343F0F514015}" srcOrd="3" destOrd="0" presId="urn:microsoft.com/office/officeart/2016/7/layout/BasicLinearProcessNumbered"/>
   </dgm:cxnLst>
-  <dgm:bg/>
+  <dgm:bg>
+    <a:solidFill>
+      <a:schemeClr val="bg1"/>
+    </a:solidFill>
+    <a:effectLst/>
+  </dgm:bg>
   <dgm:whole/>
   <dgm:extLst>
     <a:ext uri="http://schemas.microsoft.com/office/drawing/2008/diagram">
-      <dsp:dataModelExt xmlns:dsp="http://schemas.microsoft.com/office/drawing/2008/diagram" relId="rId6" minVer="http://schemas.openxmlformats.org/drawingml/2006/diagram"/>
+      <dsp:dataModelExt xmlns:dsp="http://schemas.microsoft.com/office/drawing/2008/diagram" relId="rId7" minVer="http://schemas.openxmlformats.org/drawingml/2006/diagram"/>
     </a:ext>
   </dgm:extLst>
 </dgm:dataModel>
@@ -2697,14 +2785,14 @@
       <dsp:cNvGrpSpPr/>
     </dsp:nvGrpSpPr>
     <dsp:grpSpPr/>
-    <dsp:sp modelId="{B5FBC21F-BAF3-4F20-973D-7E88E10BE67C}">
+    <dsp:sp modelId="{8255D5DA-9577-4F4A-B8AD-75385EC3EE37}">
       <dsp:nvSpPr>
         <dsp:cNvPr id="0" name=""/>
         <dsp:cNvSpPr/>
       </dsp:nvSpPr>
       <dsp:spPr>
         <a:xfrm>
-          <a:off x="562927" y="653206"/>
+          <a:off x="562927" y="345256"/>
           <a:ext cx="1445998" cy="1445998"/>
         </a:xfrm>
         <a:prstGeom prst="ellipse">
@@ -2721,7 +2809,13 @@
         <a:ln>
           <a:noFill/>
         </a:ln>
-        <a:effectLst/>
+        <a:effectLst>
+          <a:outerShdw blurRad="50800" dist="38100" dir="2700000" algn="tl" rotWithShape="0">
+            <a:prstClr val="black">
+              <a:alpha val="40000"/>
+            </a:prstClr>
+          </a:outerShdw>
+        </a:effectLst>
       </dsp:spPr>
       <dsp:style>
         <a:lnRef idx="0">
@@ -2736,14 +2830,14 @@
         <a:fontRef idx="minor"/>
       </dsp:style>
     </dsp:sp>
-    <dsp:sp modelId="{1AC5A762-BBA6-4F2C-88F0-6FCCE17EB943}">
+    <dsp:sp modelId="{9D154336-6EC9-4BA2-A0C3-9EBD474EF4CA}">
       <dsp:nvSpPr>
         <dsp:cNvPr id="0" name=""/>
         <dsp:cNvSpPr/>
       </dsp:nvSpPr>
       <dsp:spPr>
         <a:xfrm>
-          <a:off x="871091" y="961370"/>
+          <a:off x="871091" y="653420"/>
           <a:ext cx="829671" cy="829671"/>
         </a:xfrm>
         <a:prstGeom prst="rect">
@@ -2786,15 +2880,15 @@
         </a:fontRef>
       </dsp:style>
     </dsp:sp>
-    <dsp:sp modelId="{A37C8284-E839-4360-92AE-1AD799A63466}">
+    <dsp:sp modelId="{5337AC0E-3695-42F7-8193-1B9DB1B63DAF}">
       <dsp:nvSpPr>
         <dsp:cNvPr id="0" name=""/>
         <dsp:cNvSpPr/>
       </dsp:nvSpPr>
       <dsp:spPr>
         <a:xfrm>
-          <a:off x="100682" y="2549598"/>
-          <a:ext cx="2370489" cy="990000"/>
+          <a:off x="100682" y="2241648"/>
+          <a:ext cx="2370489" cy="1102500"/>
         </a:xfrm>
         <a:prstGeom prst="rect">
           <a:avLst/>
@@ -2825,7 +2919,7 @@
         <a:p>
           <a:pPr marL="0" lvl="0" indent="0" algn="ctr" defTabSz="1066800">
             <a:lnSpc>
-              <a:spcPct val="90000"/>
+              <a:spcPct val="100000"/>
             </a:lnSpc>
             <a:spcBef>
               <a:spcPct val="0"/>
@@ -2837,29 +2931,29 @@
             <a:defRPr cap="all"/>
           </a:pPr>
           <a:r>
-            <a:rPr lang="en-US" sz="2400" b="1" i="0" kern="1200" baseline="0" dirty="0">
+            <a:rPr lang="en-US" sz="2400" b="0" i="0" kern="1200" baseline="0" dirty="0">
               <a:latin typeface="Amasis MT Pro Medium" panose="02040604050005020304" pitchFamily="18" charset="0"/>
             </a:rPr>
             <a:t>Stop &amp; Search data (2022)</a:t>
           </a:r>
-          <a:endParaRPr lang="en-US" sz="2400" kern="1200" dirty="0">
+          <a:endParaRPr lang="en-US" sz="2400" b="0" kern="1200" dirty="0">
             <a:latin typeface="Amasis MT Pro Medium" panose="02040604050005020304" pitchFamily="18" charset="0"/>
           </a:endParaRPr>
         </a:p>
       </dsp:txBody>
       <dsp:txXfrm>
-        <a:off x="100682" y="2549598"/>
-        <a:ext cx="2370489" cy="990000"/>
+        <a:off x="100682" y="2241648"/>
+        <a:ext cx="2370489" cy="1102500"/>
       </dsp:txXfrm>
     </dsp:sp>
-    <dsp:sp modelId="{A37F40B7-F98F-46E5-808E-AF659BA090AB}">
+    <dsp:sp modelId="{36EF987F-9E09-4D36-A0A9-E17A662B5D88}">
       <dsp:nvSpPr>
         <dsp:cNvPr id="0" name=""/>
         <dsp:cNvSpPr/>
       </dsp:nvSpPr>
       <dsp:spPr>
         <a:xfrm>
-          <a:off x="3348252" y="653206"/>
+          <a:off x="3348252" y="345256"/>
           <a:ext cx="1445998" cy="1445998"/>
         </a:xfrm>
         <a:prstGeom prst="ellipse">
@@ -2876,7 +2970,13 @@
         <a:ln>
           <a:noFill/>
         </a:ln>
-        <a:effectLst/>
+        <a:effectLst>
+          <a:outerShdw blurRad="50800" dist="38100" dir="2700000" algn="tl" rotWithShape="0">
+            <a:prstClr val="black">
+              <a:alpha val="40000"/>
+            </a:prstClr>
+          </a:outerShdw>
+        </a:effectLst>
       </dsp:spPr>
       <dsp:style>
         <a:lnRef idx="0">
@@ -2891,14 +2991,14 @@
         <a:fontRef idx="minor"/>
       </dsp:style>
     </dsp:sp>
-    <dsp:sp modelId="{9CD61A21-C67C-49F9-B711-181DD0539F3B}">
+    <dsp:sp modelId="{6AFD59D0-1F1F-4EFF-9E5C-F3BDE41FEE68}">
       <dsp:nvSpPr>
         <dsp:cNvPr id="0" name=""/>
         <dsp:cNvSpPr/>
       </dsp:nvSpPr>
       <dsp:spPr>
         <a:xfrm>
-          <a:off x="3656416" y="961370"/>
+          <a:off x="3656416" y="653420"/>
           <a:ext cx="829671" cy="829671"/>
         </a:xfrm>
         <a:prstGeom prst="rect">
@@ -2941,15 +3041,15 @@
         </a:fontRef>
       </dsp:style>
     </dsp:sp>
-    <dsp:sp modelId="{D235A48C-EC24-4A9E-B303-D43DF4A14830}">
+    <dsp:sp modelId="{F357FEFF-7235-4002-88FA-D8084A3A05FB}">
       <dsp:nvSpPr>
         <dsp:cNvPr id="0" name=""/>
         <dsp:cNvSpPr/>
       </dsp:nvSpPr>
       <dsp:spPr>
         <a:xfrm>
-          <a:off x="2886007" y="2549598"/>
-          <a:ext cx="2370489" cy="990000"/>
+          <a:off x="2886007" y="2241648"/>
+          <a:ext cx="2370489" cy="1102500"/>
         </a:xfrm>
         <a:prstGeom prst="rect">
           <a:avLst/>
@@ -2980,7 +3080,7 @@
         <a:p>
           <a:pPr marL="0" lvl="0" indent="0" algn="ctr" defTabSz="1066800">
             <a:lnSpc>
-              <a:spcPct val="90000"/>
+              <a:spcPct val="100000"/>
             </a:lnSpc>
             <a:spcBef>
               <a:spcPct val="0"/>
@@ -2992,29 +3092,47 @@
             <a:defRPr cap="all"/>
           </a:pPr>
           <a:r>
-            <a:rPr lang="en-US" sz="2400" b="1" i="0" kern="1200" baseline="0" dirty="0">
+            <a:rPr lang="en-US" sz="2400" b="0" kern="1200">
               <a:latin typeface="Amasis MT Pro Medium" panose="02040604050005020304" pitchFamily="18" charset="0"/>
             </a:rPr>
-            <a:t>Economic inequality measures:</a:t>
+            <a:t>Social </a:t>
           </a:r>
-          <a:endParaRPr lang="en-US" sz="2400" kern="1200" dirty="0">
-            <a:latin typeface="Amasis MT Pro Medium" panose="02040604050005020304" pitchFamily="18" charset="0"/>
-          </a:endParaRPr>
+        </a:p>
+        <a:p>
+          <a:pPr marL="0" lvl="0" indent="0" algn="ctr" defTabSz="1066800">
+            <a:lnSpc>
+              <a:spcPct val="100000"/>
+            </a:lnSpc>
+            <a:spcBef>
+              <a:spcPct val="0"/>
+            </a:spcBef>
+            <a:spcAft>
+              <a:spcPct val="35000"/>
+            </a:spcAft>
+            <a:buNone/>
+            <a:defRPr cap="all"/>
+          </a:pPr>
+          <a:r>
+            <a:rPr lang="en-US" sz="2400" b="0" kern="1200">
+              <a:latin typeface="Amasis MT Pro Medium" panose="02040604050005020304" pitchFamily="18" charset="0"/>
+            </a:rPr>
+            <a:t>Make-up</a:t>
+          </a:r>
         </a:p>
       </dsp:txBody>
       <dsp:txXfrm>
-        <a:off x="2886007" y="2549598"/>
-        <a:ext cx="2370489" cy="990000"/>
+        <a:off x="2886007" y="2241648"/>
+        <a:ext cx="2370489" cy="1102500"/>
       </dsp:txXfrm>
     </dsp:sp>
-    <dsp:sp modelId="{0404DEA0-1911-4F06-A4C0-8555A766F23B}">
+    <dsp:sp modelId="{1BE18B5C-D491-44D3-9845-549D51C74A48}">
       <dsp:nvSpPr>
         <dsp:cNvPr id="0" name=""/>
         <dsp:cNvSpPr/>
       </dsp:nvSpPr>
       <dsp:spPr>
         <a:xfrm>
-          <a:off x="6133577" y="653206"/>
+          <a:off x="6133577" y="345256"/>
           <a:ext cx="1445998" cy="1445998"/>
         </a:xfrm>
         <a:prstGeom prst="ellipse">
@@ -3031,7 +3149,13 @@
         <a:ln>
           <a:noFill/>
         </a:ln>
-        <a:effectLst/>
+        <a:effectLst>
+          <a:outerShdw blurRad="50800" dist="38100" dir="2700000" algn="tl" rotWithShape="0">
+            <a:prstClr val="black">
+              <a:alpha val="40000"/>
+            </a:prstClr>
+          </a:outerShdw>
+        </a:effectLst>
       </dsp:spPr>
       <dsp:style>
         <a:lnRef idx="0">
@@ -3046,14 +3170,14 @@
         <a:fontRef idx="minor"/>
       </dsp:style>
     </dsp:sp>
-    <dsp:sp modelId="{6600710C-A787-40C1-A892-C0B85E181F08}">
+    <dsp:sp modelId="{B58F2DFA-BDB9-4DC5-9B40-DD8DA2EC0758}">
       <dsp:nvSpPr>
         <dsp:cNvPr id="0" name=""/>
         <dsp:cNvSpPr/>
       </dsp:nvSpPr>
       <dsp:spPr>
         <a:xfrm>
-          <a:off x="6441741" y="961370"/>
+          <a:off x="6441741" y="653420"/>
           <a:ext cx="829671" cy="829671"/>
         </a:xfrm>
         <a:prstGeom prst="rect">
@@ -3096,15 +3220,15 @@
         </a:fontRef>
       </dsp:style>
     </dsp:sp>
-    <dsp:sp modelId="{72AB6818-B03C-4BCA-91AA-2D301E05CFA4}">
+    <dsp:sp modelId="{D40EEEEA-FDB2-488B-B0FB-5344079723C6}">
       <dsp:nvSpPr>
         <dsp:cNvPr id="0" name=""/>
         <dsp:cNvSpPr/>
       </dsp:nvSpPr>
       <dsp:spPr>
         <a:xfrm>
-          <a:off x="5671332" y="2549598"/>
-          <a:ext cx="2370489" cy="990000"/>
+          <a:off x="5671332" y="2241648"/>
+          <a:ext cx="2370489" cy="1102500"/>
         </a:xfrm>
         <a:prstGeom prst="rect">
           <a:avLst/>
@@ -3135,7 +3259,7 @@
         <a:p>
           <a:pPr marL="0" lvl="0" indent="0" algn="ctr" defTabSz="1066800">
             <a:lnSpc>
-              <a:spcPct val="90000"/>
+              <a:spcPct val="100000"/>
             </a:lnSpc>
             <a:spcBef>
               <a:spcPct val="0"/>
@@ -3147,29 +3271,29 @@
             <a:defRPr cap="all"/>
           </a:pPr>
           <a:r>
-            <a:rPr lang="en-US" sz="2400" b="0" i="0" kern="1200" baseline="0" dirty="0">
+            <a:rPr lang="en-US" sz="2400" b="0" i="0" kern="1200" baseline="0">
               <a:latin typeface="Amasis MT Pro Medium" panose="02040604050005020304" pitchFamily="18" charset="0"/>
             </a:rPr>
             <a:t>Income Deprivation</a:t>
           </a:r>
-          <a:endParaRPr lang="en-US" sz="2400" kern="1200" dirty="0">
+          <a:endParaRPr lang="en-US" sz="2400" b="0" kern="1200">
             <a:latin typeface="Amasis MT Pro Medium" panose="02040604050005020304" pitchFamily="18" charset="0"/>
           </a:endParaRPr>
         </a:p>
       </dsp:txBody>
       <dsp:txXfrm>
-        <a:off x="5671332" y="2549598"/>
-        <a:ext cx="2370489" cy="990000"/>
+        <a:off x="5671332" y="2241648"/>
+        <a:ext cx="2370489" cy="1102500"/>
       </dsp:txXfrm>
     </dsp:sp>
-    <dsp:sp modelId="{8761E642-F1B0-434D-9CDC-7B2B829D1A11}">
+    <dsp:sp modelId="{E98AB556-4B6E-413D-BC46-306C67AED4D3}">
       <dsp:nvSpPr>
         <dsp:cNvPr id="0" name=""/>
         <dsp:cNvSpPr/>
       </dsp:nvSpPr>
       <dsp:spPr>
         <a:xfrm>
-          <a:off x="8918902" y="653206"/>
+          <a:off x="8918902" y="345256"/>
           <a:ext cx="1445998" cy="1445998"/>
         </a:xfrm>
         <a:prstGeom prst="ellipse">
@@ -3186,7 +3310,13 @@
         <a:ln>
           <a:noFill/>
         </a:ln>
-        <a:effectLst/>
+        <a:effectLst>
+          <a:outerShdw blurRad="50800" dist="38100" dir="2700000" algn="tl" rotWithShape="0">
+            <a:prstClr val="black">
+              <a:alpha val="40000"/>
+            </a:prstClr>
+          </a:outerShdw>
+        </a:effectLst>
       </dsp:spPr>
       <dsp:style>
         <a:lnRef idx="0">
@@ -3201,14 +3331,14 @@
         <a:fontRef idx="minor"/>
       </dsp:style>
     </dsp:sp>
-    <dsp:sp modelId="{01A32097-FDA7-46EF-9162-D97D3C00ED51}">
+    <dsp:sp modelId="{DD4E619B-BEFE-40D0-9718-13950BCE40AF}">
       <dsp:nvSpPr>
         <dsp:cNvPr id="0" name=""/>
         <dsp:cNvSpPr/>
       </dsp:nvSpPr>
       <dsp:spPr>
         <a:xfrm>
-          <a:off x="9227066" y="961370"/>
+          <a:off x="9227066" y="653420"/>
           <a:ext cx="829671" cy="829671"/>
         </a:xfrm>
         <a:prstGeom prst="rect">
@@ -3251,15 +3381,15 @@
         </a:fontRef>
       </dsp:style>
     </dsp:sp>
-    <dsp:sp modelId="{F9703BB4-879F-49C4-AC9A-46FDD9BE1DD2}">
+    <dsp:sp modelId="{E33CC705-AC8B-4302-848C-DABBC52ECB19}">
       <dsp:nvSpPr>
         <dsp:cNvPr id="0" name=""/>
         <dsp:cNvSpPr/>
       </dsp:nvSpPr>
       <dsp:spPr>
         <a:xfrm>
-          <a:off x="8456657" y="2549598"/>
-          <a:ext cx="2370489" cy="990000"/>
+          <a:off x="8456657" y="2241648"/>
+          <a:ext cx="2370489" cy="1102500"/>
         </a:xfrm>
         <a:prstGeom prst="rect">
           <a:avLst/>
@@ -3290,7 +3420,7 @@
         <a:p>
           <a:pPr marL="0" lvl="0" indent="0" algn="ctr" defTabSz="1066800">
             <a:lnSpc>
-              <a:spcPct val="90000"/>
+              <a:spcPct val="100000"/>
             </a:lnSpc>
             <a:spcBef>
               <a:spcPct val="0"/>
@@ -3302,19 +3432,19 @@
             <a:defRPr cap="all"/>
           </a:pPr>
           <a:r>
-            <a:rPr lang="en-US" sz="2400" b="0" i="0" kern="1200" baseline="0">
+            <a:rPr lang="en-US" sz="2400" b="0" i="0" kern="1200" baseline="0" dirty="0">
               <a:latin typeface="Amasis MT Pro Medium" panose="02040604050005020304" pitchFamily="18" charset="0"/>
             </a:rPr>
-            <a:t>Median house prices</a:t>
+            <a:t>Mean house prices</a:t>
           </a:r>
-          <a:endParaRPr lang="en-US" sz="2400" kern="1200">
+          <a:endParaRPr lang="en-US" sz="2400" b="0" kern="1200" dirty="0">
             <a:latin typeface="Amasis MT Pro Medium" panose="02040604050005020304" pitchFamily="18" charset="0"/>
           </a:endParaRPr>
         </a:p>
       </dsp:txBody>
       <dsp:txXfrm>
-        <a:off x="8456657" y="2549598"/>
-        <a:ext cx="2370489" cy="990000"/>
+        <a:off x="8456657" y="2241648"/>
+        <a:ext cx="2370489" cy="1102500"/>
       </dsp:txXfrm>
     </dsp:sp>
   </dsp:spTree>
@@ -3366,7 +3496,13 @@
           <a:prstDash val="solid"/>
           <a:miter lim="800000"/>
         </a:ln>
-        <a:effectLst/>
+        <a:effectLst>
+          <a:outerShdw blurRad="50800" dist="38100" dir="2700000" algn="tl" rotWithShape="0">
+            <a:prstClr val="black">
+              <a:alpha val="40000"/>
+            </a:prstClr>
+          </a:outerShdw>
+        </a:effectLst>
       </dsp:spPr>
       <dsp:style>
         <a:lnRef idx="2">
@@ -3399,7 +3535,7 @@
             <a:buNone/>
           </a:pPr>
           <a:r>
-            <a:rPr lang="en-US" sz="2600" kern="1200">
+            <a:rPr lang="en-US" sz="2600" kern="1200" dirty="0">
               <a:latin typeface="Amasis MT Pro Medium" panose="02040604050005020304" pitchFamily="18" charset="0"/>
             </a:rPr>
             <a:t>Cleaning the data</a:t>
@@ -3479,7 +3615,7 @@
             <a:buNone/>
           </a:pPr>
           <a:r>
-            <a:rPr lang="en-US" sz="4800" kern="1200"/>
+            <a:rPr lang="en-US" sz="4800" kern="1200" dirty="0"/>
             <a:t>1</a:t>
           </a:r>
         </a:p>
@@ -3576,7 +3712,13 @@
           <a:prstDash val="solid"/>
           <a:miter lim="800000"/>
         </a:ln>
-        <a:effectLst/>
+        <a:effectLst>
+          <a:outerShdw blurRad="50800" dist="38100" dir="2700000" algn="tl" rotWithShape="0">
+            <a:prstClr val="black">
+              <a:alpha val="40000"/>
+            </a:prstClr>
+          </a:outerShdw>
+        </a:effectLst>
       </dsp:spPr>
       <dsp:style>
         <a:lnRef idx="2">
@@ -3692,7 +3834,7 @@
             <a:buNone/>
           </a:pPr>
           <a:r>
-            <a:rPr lang="en-US" sz="4800" kern="1200"/>
+            <a:rPr lang="en-US" sz="4800" kern="1200" dirty="0"/>
             <a:t>2</a:t>
           </a:r>
         </a:p>
@@ -3789,7 +3931,13 @@
           <a:prstDash val="solid"/>
           <a:miter lim="800000"/>
         </a:ln>
-        <a:effectLst/>
+        <a:effectLst>
+          <a:outerShdw blurRad="50800" dist="38100" dir="2700000" algn="tl" rotWithShape="0">
+            <a:prstClr val="black">
+              <a:alpha val="40000"/>
+            </a:prstClr>
+          </a:outerShdw>
+        </a:effectLst>
       </dsp:spPr>
       <dsp:style>
         <a:lnRef idx="2">
@@ -3822,12 +3970,12 @@
             <a:buNone/>
           </a:pPr>
           <a:r>
-            <a:rPr lang="en-US" sz="2600" b="0" i="0" kern="1200" baseline="0">
+            <a:rPr lang="en-US" sz="2600" b="0" i="0" kern="1200" baseline="0" dirty="0">
               <a:latin typeface="Amasis MT Pro Medium" panose="02040604050005020304" pitchFamily="18" charset="0"/>
             </a:rPr>
             <a:t>Conduct robustness checks</a:t>
           </a:r>
-          <a:endParaRPr lang="en-US" sz="2600" kern="1200">
+          <a:endParaRPr lang="en-US" sz="2600" kern="1200" dirty="0">
             <a:latin typeface="Amasis MT Pro Medium" panose="02040604050005020304" pitchFamily="18" charset="0"/>
           </a:endParaRPr>
         </a:p>
@@ -3905,7 +4053,7 @@
             <a:buNone/>
           </a:pPr>
           <a:r>
-            <a:rPr lang="en-US" sz="4800" kern="1200"/>
+            <a:rPr lang="en-US" sz="4800" kern="1200" dirty="0"/>
             <a:t>3</a:t>
           </a:r>
         </a:p>
@@ -4002,7 +4150,13 @@
           <a:prstDash val="solid"/>
           <a:miter lim="800000"/>
         </a:ln>
-        <a:effectLst/>
+        <a:effectLst>
+          <a:outerShdw blurRad="50800" dist="38100" dir="2700000" algn="tl" rotWithShape="0">
+            <a:prstClr val="black">
+              <a:alpha val="40000"/>
+            </a:prstClr>
+          </a:outerShdw>
+        </a:effectLst>
       </dsp:spPr>
       <dsp:style>
         <a:lnRef idx="2">
@@ -4035,12 +4189,12 @@
             <a:buNone/>
           </a:pPr>
           <a:r>
-            <a:rPr lang="en-US" sz="2600" b="0" i="0" kern="1200" baseline="0">
+            <a:rPr lang="en-US" sz="2600" b="0" i="0" kern="1200" baseline="0" dirty="0">
               <a:latin typeface="Amasis MT Pro Medium" panose="02040604050005020304" pitchFamily="18" charset="0"/>
             </a:rPr>
             <a:t>Interpret comparative results and begin writing</a:t>
           </a:r>
-          <a:endParaRPr lang="en-US" sz="2600" kern="1200">
+          <a:endParaRPr lang="en-US" sz="2600" kern="1200" dirty="0">
             <a:latin typeface="Amasis MT Pro Medium" panose="02040604050005020304" pitchFamily="18" charset="0"/>
           </a:endParaRPr>
         </a:p>
@@ -4118,7 +4272,7 @@
             <a:buNone/>
           </a:pPr>
           <a:r>
-            <a:rPr lang="en-US" sz="4800" kern="1200"/>
+            <a:rPr lang="en-US" sz="4800" kern="1200" dirty="0"/>
             <a:t>4</a:t>
           </a:r>
         </a:p>
@@ -6791,7 +6945,7 @@
             </a:lvl1pPr>
           </a:lstStyle>
           <a:p>
-            <a:endParaRPr lang="en-GB"/>
+            <a:endParaRPr lang="en-GB" dirty="0"/>
           </a:p>
         </p:txBody>
       </p:sp>
@@ -6826,7 +6980,7 @@
               <a:rPr lang="en-GB" smtClean="0"/>
               <a:t>21/04/2025</a:t>
             </a:fld>
-            <a:endParaRPr lang="en-GB"/>
+            <a:endParaRPr lang="en-GB" dirty="0"/>
           </a:p>
         </p:txBody>
       </p:sp>
@@ -6859,7 +7013,7 @@
           <a:bodyPr vert="horz" lIns="91440" tIns="45720" rIns="91440" bIns="45720" rtlCol="0" anchor="ctr"/>
           <a:lstStyle/>
           <a:p>
-            <a:endParaRPr lang="en-GB"/>
+            <a:endParaRPr lang="en-GB" dirty="0"/>
           </a:p>
         </p:txBody>
       </p:sp>
@@ -6950,7 +7104,7 @@
             </a:lvl1pPr>
           </a:lstStyle>
           <a:p>
-            <a:endParaRPr lang="en-GB"/>
+            <a:endParaRPr lang="en-GB" dirty="0"/>
           </a:p>
         </p:txBody>
       </p:sp>
@@ -6985,7 +7139,7 @@
               <a:rPr lang="en-GB" smtClean="0"/>
               <a:t>‹#›</a:t>
             </a:fld>
-            <a:endParaRPr lang="en-GB"/>
+            <a:endParaRPr lang="en-GB" dirty="0"/>
           </a:p>
         </p:txBody>
       </p:sp>
@@ -7162,7 +7316,7 @@
               <a:rPr lang="en-GB" smtClean="0"/>
               <a:t>3</a:t>
             </a:fld>
-            <a:endParaRPr lang="en-GB"/>
+            <a:endParaRPr lang="en-GB" dirty="0"/>
           </a:p>
         </p:txBody>
       </p:sp>
@@ -7170,6 +7324,327 @@
     <p:extLst>
       <p:ext uri="{BB962C8B-B14F-4D97-AF65-F5344CB8AC3E}">
         <p14:creationId xmlns:p14="http://schemas.microsoft.com/office/powerpoint/2010/main" val="3948795437"/>
+      </p:ext>
+    </p:extLst>
+  </p:cSld>
+  <p:clrMapOvr>
+    <a:masterClrMapping/>
+  </p:clrMapOvr>
+</p:notes>
+</file>
+
+<file path=ppt/notesSlides/notesSlide2.xml><?xml version="1.0" encoding="utf-8"?>
+<p:notes xmlns:a="http://schemas.openxmlformats.org/drawingml/2006/main" xmlns:r="http://schemas.openxmlformats.org/officeDocument/2006/relationships" xmlns:p="http://schemas.openxmlformats.org/presentationml/2006/main">
+  <p:cSld>
+    <p:spTree>
+      <p:nvGrpSpPr>
+        <p:cNvPr id="1" name=""/>
+        <p:cNvGrpSpPr/>
+        <p:nvPr/>
+      </p:nvGrpSpPr>
+      <p:grpSpPr>
+        <a:xfrm>
+          <a:off x="0" y="0"/>
+          <a:ext cx="0" cy="0"/>
+          <a:chOff x="0" y="0"/>
+          <a:chExt cx="0" cy="0"/>
+        </a:xfrm>
+      </p:grpSpPr>
+      <p:sp>
+        <p:nvSpPr>
+          <p:cNvPr id="2" name="Slide Image Placeholder 1"/>
+          <p:cNvSpPr>
+            <a:spLocks noGrp="1" noRot="1" noChangeAspect="1"/>
+          </p:cNvSpPr>
+          <p:nvPr>
+            <p:ph type="sldImg"/>
+          </p:nvPr>
+        </p:nvSpPr>
+        <p:spPr/>
+      </p:sp>
+      <p:sp>
+        <p:nvSpPr>
+          <p:cNvPr id="3" name="Notes Placeholder 2"/>
+          <p:cNvSpPr>
+            <a:spLocks noGrp="1"/>
+          </p:cNvSpPr>
+          <p:nvPr>
+            <p:ph type="body" idx="1"/>
+          </p:nvPr>
+        </p:nvSpPr>
+        <p:spPr/>
+        <p:txBody>
+          <a:bodyPr/>
+          <a:lstStyle/>
+          <a:p>
+            <a:r>
+              <a:rPr lang="en-GB" dirty="0"/>
+              <a:t>House price</a:t>
+            </a:r>
+          </a:p>
+          <a:p>
+            <a:r>
+              <a:rPr lang="en-GB" dirty="0"/>
+              <a:t>Ethnic makeup</a:t>
+            </a:r>
+          </a:p>
+        </p:txBody>
+      </p:sp>
+      <p:sp>
+        <p:nvSpPr>
+          <p:cNvPr id="4" name="Slide Number Placeholder 3"/>
+          <p:cNvSpPr>
+            <a:spLocks noGrp="1"/>
+          </p:cNvSpPr>
+          <p:nvPr>
+            <p:ph type="sldNum" sz="quarter" idx="5"/>
+          </p:nvPr>
+        </p:nvSpPr>
+        <p:spPr/>
+        <p:txBody>
+          <a:bodyPr/>
+          <a:lstStyle/>
+          <a:p>
+            <a:fld id="{DE7408F8-EADC-46CA-B71C-F14E0D68EEA0}" type="slidenum">
+              <a:rPr lang="en-GB" smtClean="0"/>
+              <a:t>8</a:t>
+            </a:fld>
+            <a:endParaRPr lang="en-GB" dirty="0"/>
+          </a:p>
+        </p:txBody>
+      </p:sp>
+    </p:spTree>
+    <p:extLst>
+      <p:ext uri="{BB962C8B-B14F-4D97-AF65-F5344CB8AC3E}">
+        <p14:creationId xmlns:p14="http://schemas.microsoft.com/office/powerpoint/2010/main" val="2876614722"/>
+      </p:ext>
+    </p:extLst>
+  </p:cSld>
+  <p:clrMapOvr>
+    <a:masterClrMapping/>
+  </p:clrMapOvr>
+</p:notes>
+</file>
+
+<file path=ppt/notesSlides/notesSlide3.xml><?xml version="1.0" encoding="utf-8"?>
+<p:notes xmlns:a="http://schemas.openxmlformats.org/drawingml/2006/main" xmlns:r="http://schemas.openxmlformats.org/officeDocument/2006/relationships" xmlns:p="http://schemas.openxmlformats.org/presentationml/2006/main">
+  <p:cSld>
+    <p:spTree>
+      <p:nvGrpSpPr>
+        <p:cNvPr id="1" name="">
+          <a:extLst>
+            <a:ext uri="{FF2B5EF4-FFF2-40B4-BE49-F238E27FC236}">
+              <a16:creationId xmlns:a16="http://schemas.microsoft.com/office/drawing/2014/main" id="{116F5C1F-6500-8E9E-8955-DD4339D827A0}"/>
+            </a:ext>
+          </a:extLst>
+        </p:cNvPr>
+        <p:cNvGrpSpPr/>
+        <p:nvPr/>
+      </p:nvGrpSpPr>
+      <p:grpSpPr>
+        <a:xfrm>
+          <a:off x="0" y="0"/>
+          <a:ext cx="0" cy="0"/>
+          <a:chOff x="0" y="0"/>
+          <a:chExt cx="0" cy="0"/>
+        </a:xfrm>
+      </p:grpSpPr>
+      <p:sp>
+        <p:nvSpPr>
+          <p:cNvPr id="2" name="Slide Image Placeholder 1">
+            <a:extLst>
+              <a:ext uri="{FF2B5EF4-FFF2-40B4-BE49-F238E27FC236}">
+                <a16:creationId xmlns:a16="http://schemas.microsoft.com/office/drawing/2014/main" id="{8F3B26E3-3154-7FE7-A8CB-E1E81870B5DC}"/>
+              </a:ext>
+            </a:extLst>
+          </p:cNvPr>
+          <p:cNvSpPr>
+            <a:spLocks noGrp="1" noRot="1" noChangeAspect="1"/>
+          </p:cNvSpPr>
+          <p:nvPr>
+            <p:ph type="sldImg"/>
+          </p:nvPr>
+        </p:nvSpPr>
+        <p:spPr/>
+      </p:sp>
+      <p:sp>
+        <p:nvSpPr>
+          <p:cNvPr id="3" name="Notes Placeholder 2">
+            <a:extLst>
+              <a:ext uri="{FF2B5EF4-FFF2-40B4-BE49-F238E27FC236}">
+                <a16:creationId xmlns:a16="http://schemas.microsoft.com/office/drawing/2014/main" id="{9F1521E3-211E-75DC-FC55-B8BA7AF13A57}"/>
+              </a:ext>
+            </a:extLst>
+          </p:cNvPr>
+          <p:cNvSpPr>
+            <a:spLocks noGrp="1"/>
+          </p:cNvSpPr>
+          <p:nvPr>
+            <p:ph type="body" idx="1"/>
+          </p:nvPr>
+        </p:nvSpPr>
+        <p:spPr/>
+        <p:txBody>
+          <a:bodyPr/>
+          <a:lstStyle/>
+          <a:p>
+            <a:r>
+              <a:rPr lang="en-GB" dirty="0"/>
+              <a:t>House price</a:t>
+            </a:r>
+          </a:p>
+          <a:p>
+            <a:r>
+              <a:rPr lang="en-GB" dirty="0"/>
+              <a:t>Ethnic makeup</a:t>
+            </a:r>
+          </a:p>
+        </p:txBody>
+      </p:sp>
+      <p:sp>
+        <p:nvSpPr>
+          <p:cNvPr id="4" name="Slide Number Placeholder 3">
+            <a:extLst>
+              <a:ext uri="{FF2B5EF4-FFF2-40B4-BE49-F238E27FC236}">
+                <a16:creationId xmlns:a16="http://schemas.microsoft.com/office/drawing/2014/main" id="{97005500-4B26-9D0F-40E6-7266714A9BBE}"/>
+              </a:ext>
+            </a:extLst>
+          </p:cNvPr>
+          <p:cNvSpPr>
+            <a:spLocks noGrp="1"/>
+          </p:cNvSpPr>
+          <p:nvPr>
+            <p:ph type="sldNum" sz="quarter" idx="5"/>
+          </p:nvPr>
+        </p:nvSpPr>
+        <p:spPr/>
+        <p:txBody>
+          <a:bodyPr/>
+          <a:lstStyle/>
+          <a:p>
+            <a:fld id="{DE7408F8-EADC-46CA-B71C-F14E0D68EEA0}" type="slidenum">
+              <a:rPr lang="en-GB" smtClean="0"/>
+              <a:t>9</a:t>
+            </a:fld>
+            <a:endParaRPr lang="en-GB" dirty="0"/>
+          </a:p>
+        </p:txBody>
+      </p:sp>
+    </p:spTree>
+    <p:extLst>
+      <p:ext uri="{BB962C8B-B14F-4D97-AF65-F5344CB8AC3E}">
+        <p14:creationId xmlns:p14="http://schemas.microsoft.com/office/powerpoint/2010/main" val="1306840029"/>
+      </p:ext>
+    </p:extLst>
+  </p:cSld>
+  <p:clrMapOvr>
+    <a:masterClrMapping/>
+  </p:clrMapOvr>
+</p:notes>
+</file>
+
+<file path=ppt/notesSlides/notesSlide4.xml><?xml version="1.0" encoding="utf-8"?>
+<p:notes xmlns:a="http://schemas.openxmlformats.org/drawingml/2006/main" xmlns:r="http://schemas.openxmlformats.org/officeDocument/2006/relationships" xmlns:p="http://schemas.openxmlformats.org/presentationml/2006/main">
+  <p:cSld>
+    <p:spTree>
+      <p:nvGrpSpPr>
+        <p:cNvPr id="1" name=""/>
+        <p:cNvGrpSpPr/>
+        <p:nvPr/>
+      </p:nvGrpSpPr>
+      <p:grpSpPr>
+        <a:xfrm>
+          <a:off x="0" y="0"/>
+          <a:ext cx="0" cy="0"/>
+          <a:chOff x="0" y="0"/>
+          <a:chExt cx="0" cy="0"/>
+        </a:xfrm>
+      </p:grpSpPr>
+      <p:sp>
+        <p:nvSpPr>
+          <p:cNvPr id="2" name="Slide Image Placeholder 1"/>
+          <p:cNvSpPr>
+            <a:spLocks noGrp="1" noRot="1" noChangeAspect="1"/>
+          </p:cNvSpPr>
+          <p:nvPr>
+            <p:ph type="sldImg"/>
+          </p:nvPr>
+        </p:nvSpPr>
+        <p:spPr/>
+      </p:sp>
+      <p:sp>
+        <p:nvSpPr>
+          <p:cNvPr id="3" name="Notes Placeholder 2"/>
+          <p:cNvSpPr>
+            <a:spLocks noGrp="1"/>
+          </p:cNvSpPr>
+          <p:nvPr>
+            <p:ph type="body" idx="1"/>
+          </p:nvPr>
+        </p:nvSpPr>
+        <p:spPr/>
+        <p:txBody>
+          <a:bodyPr/>
+          <a:lstStyle/>
+          <a:p>
+            <a:r>
+              <a:rPr lang="en-GB" dirty="0"/>
+              <a:t>Check </a:t>
+            </a:r>
+            <a:r>
+              <a:rPr lang="en-GB" dirty="0" err="1"/>
+              <a:t>lm</a:t>
+            </a:r>
+            <a:r>
+              <a:rPr lang="en-GB" dirty="0"/>
+              <a:t> vs </a:t>
+            </a:r>
+            <a:r>
+              <a:rPr lang="en-GB" dirty="0" err="1"/>
+              <a:t>poisson</a:t>
+            </a:r>
+            <a:r>
+              <a:rPr lang="en-GB" dirty="0"/>
+              <a:t> vs </a:t>
+            </a:r>
+            <a:r>
+              <a:rPr lang="en-GB" dirty="0" err="1"/>
+              <a:t>nb</a:t>
+            </a:r>
+            <a:r>
+              <a:rPr lang="en-GB" dirty="0"/>
+              <a:t>  -- check overdispersion</a:t>
+            </a:r>
+          </a:p>
+        </p:txBody>
+      </p:sp>
+      <p:sp>
+        <p:nvSpPr>
+          <p:cNvPr id="4" name="Slide Number Placeholder 3"/>
+          <p:cNvSpPr>
+            <a:spLocks noGrp="1"/>
+          </p:cNvSpPr>
+          <p:nvPr>
+            <p:ph type="sldNum" sz="quarter" idx="5"/>
+          </p:nvPr>
+        </p:nvSpPr>
+        <p:spPr/>
+        <p:txBody>
+          <a:bodyPr/>
+          <a:lstStyle/>
+          <a:p>
+            <a:fld id="{DE7408F8-EADC-46CA-B71C-F14E0D68EEA0}" type="slidenum">
+              <a:rPr lang="en-GB" smtClean="0"/>
+              <a:t>14</a:t>
+            </a:fld>
+            <a:endParaRPr lang="en-GB" dirty="0"/>
+          </a:p>
+        </p:txBody>
+      </p:sp>
+    </p:spTree>
+    <p:extLst>
+      <p:ext uri="{BB962C8B-B14F-4D97-AF65-F5344CB8AC3E}">
+        <p14:creationId xmlns:p14="http://schemas.microsoft.com/office/powerpoint/2010/main" val="2717678486"/>
       </p:ext>
     </p:extLst>
   </p:cSld>
@@ -7330,7 +7805,7 @@
               <a:rPr lang="en-GB" smtClean="0"/>
               <a:t>21/04/2025</a:t>
             </a:fld>
-            <a:endParaRPr lang="en-GB"/>
+            <a:endParaRPr lang="en-GB" dirty="0"/>
           </a:p>
         </p:txBody>
       </p:sp>
@@ -7355,7 +7830,7 @@
           <a:bodyPr/>
           <a:lstStyle/>
           <a:p>
-            <a:endParaRPr lang="en-GB"/>
+            <a:endParaRPr lang="en-GB" dirty="0"/>
           </a:p>
         </p:txBody>
       </p:sp>
@@ -7384,7 +7859,7 @@
               <a:rPr lang="en-GB" smtClean="0"/>
               <a:t>‹#›</a:t>
             </a:fld>
-            <a:endParaRPr lang="en-GB"/>
+            <a:endParaRPr lang="en-GB" dirty="0"/>
           </a:p>
         </p:txBody>
       </p:sp>
@@ -7542,7 +8017,7 @@
               <a:rPr lang="en-GB" smtClean="0"/>
               <a:t>21/04/2025</a:t>
             </a:fld>
-            <a:endParaRPr lang="en-GB"/>
+            <a:endParaRPr lang="en-GB" dirty="0"/>
           </a:p>
         </p:txBody>
       </p:sp>
@@ -7567,7 +8042,7 @@
           <a:bodyPr/>
           <a:lstStyle/>
           <a:p>
-            <a:endParaRPr lang="en-GB"/>
+            <a:endParaRPr lang="en-GB" dirty="0"/>
           </a:p>
         </p:txBody>
       </p:sp>
@@ -7596,7 +8071,7 @@
               <a:rPr lang="en-GB" smtClean="0"/>
               <a:t>‹#›</a:t>
             </a:fld>
-            <a:endParaRPr lang="en-GB"/>
+            <a:endParaRPr lang="en-GB" dirty="0"/>
           </a:p>
         </p:txBody>
       </p:sp>
@@ -7764,7 +8239,7 @@
               <a:rPr lang="en-GB" smtClean="0"/>
               <a:t>21/04/2025</a:t>
             </a:fld>
-            <a:endParaRPr lang="en-GB"/>
+            <a:endParaRPr lang="en-GB" dirty="0"/>
           </a:p>
         </p:txBody>
       </p:sp>
@@ -7789,7 +8264,7 @@
           <a:bodyPr/>
           <a:lstStyle/>
           <a:p>
-            <a:endParaRPr lang="en-GB"/>
+            <a:endParaRPr lang="en-GB" dirty="0"/>
           </a:p>
         </p:txBody>
       </p:sp>
@@ -7818,7 +8293,7 @@
               <a:rPr lang="en-GB" smtClean="0"/>
               <a:t>‹#›</a:t>
             </a:fld>
-            <a:endParaRPr lang="en-GB"/>
+            <a:endParaRPr lang="en-GB" dirty="0"/>
           </a:p>
         </p:txBody>
       </p:sp>
@@ -7976,7 +8451,7 @@
               <a:rPr lang="en-GB" smtClean="0"/>
               <a:t>21/04/2025</a:t>
             </a:fld>
-            <a:endParaRPr lang="en-GB"/>
+            <a:endParaRPr lang="en-GB" dirty="0"/>
           </a:p>
         </p:txBody>
       </p:sp>
@@ -8001,7 +8476,7 @@
           <a:bodyPr/>
           <a:lstStyle/>
           <a:p>
-            <a:endParaRPr lang="en-GB"/>
+            <a:endParaRPr lang="en-GB" dirty="0"/>
           </a:p>
         </p:txBody>
       </p:sp>
@@ -8030,7 +8505,7 @@
               <a:rPr lang="en-GB" smtClean="0"/>
               <a:t>‹#›</a:t>
             </a:fld>
-            <a:endParaRPr lang="en-GB"/>
+            <a:endParaRPr lang="en-GB" dirty="0"/>
           </a:p>
         </p:txBody>
       </p:sp>
@@ -8264,7 +8739,7 @@
               <a:rPr lang="en-GB" smtClean="0"/>
               <a:t>21/04/2025</a:t>
             </a:fld>
-            <a:endParaRPr lang="en-GB"/>
+            <a:endParaRPr lang="en-GB" dirty="0"/>
           </a:p>
         </p:txBody>
       </p:sp>
@@ -8289,7 +8764,7 @@
           <a:bodyPr/>
           <a:lstStyle/>
           <a:p>
-            <a:endParaRPr lang="en-GB"/>
+            <a:endParaRPr lang="en-GB" dirty="0"/>
           </a:p>
         </p:txBody>
       </p:sp>
@@ -8318,7 +8793,7 @@
               <a:rPr lang="en-GB" smtClean="0"/>
               <a:t>‹#›</a:t>
             </a:fld>
-            <a:endParaRPr lang="en-GB"/>
+            <a:endParaRPr lang="en-GB" dirty="0"/>
           </a:p>
         </p:txBody>
       </p:sp>
@@ -8544,7 +9019,7 @@
               <a:rPr lang="en-GB" smtClean="0"/>
               <a:t>21/04/2025</a:t>
             </a:fld>
-            <a:endParaRPr lang="en-GB"/>
+            <a:endParaRPr lang="en-GB" dirty="0"/>
           </a:p>
         </p:txBody>
       </p:sp>
@@ -8569,7 +9044,7 @@
           <a:bodyPr/>
           <a:lstStyle/>
           <a:p>
-            <a:endParaRPr lang="en-GB"/>
+            <a:endParaRPr lang="en-GB" dirty="0"/>
           </a:p>
         </p:txBody>
       </p:sp>
@@ -8598,7 +9073,7 @@
               <a:rPr lang="en-GB" smtClean="0"/>
               <a:t>‹#›</a:t>
             </a:fld>
-            <a:endParaRPr lang="en-GB"/>
+            <a:endParaRPr lang="en-GB" dirty="0"/>
           </a:p>
         </p:txBody>
       </p:sp>
@@ -8971,7 +9446,7 @@
               <a:rPr lang="en-GB" smtClean="0"/>
               <a:t>21/04/2025</a:t>
             </a:fld>
-            <a:endParaRPr lang="en-GB"/>
+            <a:endParaRPr lang="en-GB" dirty="0"/>
           </a:p>
         </p:txBody>
       </p:sp>
@@ -8996,7 +9471,7 @@
           <a:bodyPr/>
           <a:lstStyle/>
           <a:p>
-            <a:endParaRPr lang="en-GB"/>
+            <a:endParaRPr lang="en-GB" dirty="0"/>
           </a:p>
         </p:txBody>
       </p:sp>
@@ -9025,7 +9500,7 @@
               <a:rPr lang="en-GB" smtClean="0"/>
               <a:t>‹#›</a:t>
             </a:fld>
-            <a:endParaRPr lang="en-GB"/>
+            <a:endParaRPr lang="en-GB" dirty="0"/>
           </a:p>
         </p:txBody>
       </p:sp>
@@ -9125,7 +9600,7 @@
               <a:rPr lang="en-GB" smtClean="0"/>
               <a:t>21/04/2025</a:t>
             </a:fld>
-            <a:endParaRPr lang="en-GB"/>
+            <a:endParaRPr lang="en-GB" dirty="0"/>
           </a:p>
         </p:txBody>
       </p:sp>
@@ -9150,7 +9625,7 @@
           <a:bodyPr/>
           <a:lstStyle/>
           <a:p>
-            <a:endParaRPr lang="en-GB"/>
+            <a:endParaRPr lang="en-GB" dirty="0"/>
           </a:p>
         </p:txBody>
       </p:sp>
@@ -9179,7 +9654,7 @@
               <a:rPr lang="en-GB" smtClean="0"/>
               <a:t>‹#›</a:t>
             </a:fld>
-            <a:endParaRPr lang="en-GB"/>
+            <a:endParaRPr lang="en-GB" dirty="0"/>
           </a:p>
         </p:txBody>
       </p:sp>
@@ -9250,7 +9725,7 @@
               <a:rPr lang="en-GB" smtClean="0"/>
               <a:t>21/04/2025</a:t>
             </a:fld>
-            <a:endParaRPr lang="en-GB"/>
+            <a:endParaRPr lang="en-GB" dirty="0"/>
           </a:p>
         </p:txBody>
       </p:sp>
@@ -9275,7 +9750,7 @@
           <a:bodyPr/>
           <a:lstStyle/>
           <a:p>
-            <a:endParaRPr lang="en-GB"/>
+            <a:endParaRPr lang="en-GB" dirty="0"/>
           </a:p>
         </p:txBody>
       </p:sp>
@@ -9304,7 +9779,7 @@
               <a:rPr lang="en-GB" smtClean="0"/>
               <a:t>‹#›</a:t>
             </a:fld>
-            <a:endParaRPr lang="en-GB"/>
+            <a:endParaRPr lang="en-GB" dirty="0"/>
           </a:p>
         </p:txBody>
       </p:sp>
@@ -9575,7 +10050,7 @@
               <a:rPr lang="en-GB" smtClean="0"/>
               <a:t>21/04/2025</a:t>
             </a:fld>
-            <a:endParaRPr lang="en-GB"/>
+            <a:endParaRPr lang="en-GB" dirty="0"/>
           </a:p>
         </p:txBody>
       </p:sp>
@@ -9600,7 +10075,7 @@
           <a:bodyPr/>
           <a:lstStyle/>
           <a:p>
-            <a:endParaRPr lang="en-GB"/>
+            <a:endParaRPr lang="en-GB" dirty="0"/>
           </a:p>
         </p:txBody>
       </p:sp>
@@ -9629,7 +10104,7 @@
               <a:rPr lang="en-GB" smtClean="0"/>
               <a:t>‹#›</a:t>
             </a:fld>
-            <a:endParaRPr lang="en-GB"/>
+            <a:endParaRPr lang="en-GB" dirty="0"/>
           </a:p>
         </p:txBody>
       </p:sp>
@@ -9776,7 +10251,7 @@
             </a:lvl9pPr>
           </a:lstStyle>
           <a:p>
-            <a:endParaRPr lang="en-GB"/>
+            <a:endParaRPr lang="en-GB" dirty="0"/>
           </a:p>
         </p:txBody>
       </p:sp>
@@ -9876,7 +10351,7 @@
               <a:rPr lang="en-GB" smtClean="0"/>
               <a:t>21/04/2025</a:t>
             </a:fld>
-            <a:endParaRPr lang="en-GB"/>
+            <a:endParaRPr lang="en-GB" dirty="0"/>
           </a:p>
         </p:txBody>
       </p:sp>
@@ -9901,7 +10376,7 @@
           <a:bodyPr/>
           <a:lstStyle/>
           <a:p>
-            <a:endParaRPr lang="en-GB"/>
+            <a:endParaRPr lang="en-GB" dirty="0"/>
           </a:p>
         </p:txBody>
       </p:sp>
@@ -9930,7 +10405,7 @@
               <a:rPr lang="en-GB" smtClean="0"/>
               <a:t>‹#›</a:t>
             </a:fld>
-            <a:endParaRPr lang="en-GB"/>
+            <a:endParaRPr lang="en-GB" dirty="0"/>
           </a:p>
         </p:txBody>
       </p:sp>
@@ -10131,7 +10606,7 @@
               <a:rPr lang="en-GB" smtClean="0"/>
               <a:t>21/04/2025</a:t>
             </a:fld>
-            <a:endParaRPr lang="en-GB"/>
+            <a:endParaRPr lang="en-GB" dirty="0"/>
           </a:p>
         </p:txBody>
       </p:sp>
@@ -10174,7 +10649,7 @@
             </a:lvl1pPr>
           </a:lstStyle>
           <a:p>
-            <a:endParaRPr lang="en-GB"/>
+            <a:endParaRPr lang="en-GB" dirty="0"/>
           </a:p>
         </p:txBody>
       </p:sp>
@@ -10221,7 +10696,7 @@
               <a:rPr lang="en-GB" smtClean="0"/>
               <a:t>‹#›</a:t>
             </a:fld>
-            <a:endParaRPr lang="en-GB"/>
+            <a:endParaRPr lang="en-GB" dirty="0"/>
           </a:p>
         </p:txBody>
       </p:sp>
@@ -10622,7 +11097,7 @@
           <a:lstStyle/>
           <a:p>
             <a:pPr algn="ctr"/>
-            <a:endParaRPr lang="en-US"/>
+            <a:endParaRPr lang="en-US" dirty="0"/>
           </a:p>
         </p:txBody>
       </p:sp>
@@ -10788,7 +11263,7 @@
           <a:p>
             <a:pPr algn="l"/>
             <a:r>
-              <a:rPr lang="en-GB" sz="4000">
+              <a:rPr lang="en-GB" sz="4000" dirty="0">
                 <a:latin typeface="Amasis MT Pro Medium" panose="02040604050005020304" pitchFamily="18" charset="0"/>
               </a:rPr>
               <a:t>The Price of Policing: Uncovering Local Economic Divides in Stop and Search</a:t>
@@ -10827,7 +11302,7 @@
           <a:p>
             <a:pPr algn="l"/>
             <a:r>
-              <a:rPr lang="en-GB">
+              <a:rPr lang="en-GB" dirty="0">
                 <a:latin typeface="Amasis MT Pro Medium" panose="02040604050005020304" pitchFamily="18" charset="0"/>
               </a:rPr>
               <a:t>Kofi Barton-Byfield</a:t>
@@ -10836,7 +11311,7 @@
           <a:p>
             <a:pPr algn="l"/>
             <a:r>
-              <a:rPr lang="en-GB">
+              <a:rPr lang="en-GB" dirty="0">
                 <a:latin typeface="Amasis MT Pro Medium" panose="02040604050005020304" pitchFamily="18" charset="0"/>
               </a:rPr>
               <a:t>23475742</a:t>
@@ -11085,13 +11560,616 @@
     </p:bg>
     <p:spTree>
       <p:nvGrpSpPr>
-        <p:cNvPr id="1" name="">
-          <a:extLst>
-            <a:ext uri="{FF2B5EF4-FFF2-40B4-BE49-F238E27FC236}">
-              <a16:creationId xmlns:a16="http://schemas.microsoft.com/office/drawing/2014/main" id="{68BBB0B8-B8A0-E239-2EB3-F65D084A99A4}"/>
-            </a:ext>
-          </a:extLst>
-        </p:cNvPr>
+        <p:cNvPr id="1" name=""/>
+        <p:cNvGrpSpPr/>
+        <p:nvPr/>
+      </p:nvGrpSpPr>
+      <p:grpSpPr>
+        <a:xfrm>
+          <a:off x="0" y="0"/>
+          <a:ext cx="0" cy="0"/>
+          <a:chOff x="0" y="0"/>
+          <a:chExt cx="0" cy="0"/>
+        </a:xfrm>
+      </p:grpSpPr>
+      <p:sp>
+        <p:nvSpPr>
+          <p:cNvPr id="2" name="Title 1">
+            <a:extLst>
+              <a:ext uri="{FF2B5EF4-FFF2-40B4-BE49-F238E27FC236}">
+                <a16:creationId xmlns:a16="http://schemas.microsoft.com/office/drawing/2014/main" id="{2D51C5F2-7DB6-D338-1361-305D197141D4}"/>
+              </a:ext>
+            </a:extLst>
+          </p:cNvPr>
+          <p:cNvSpPr>
+            <a:spLocks noGrp="1"/>
+          </p:cNvSpPr>
+          <p:nvPr>
+            <p:ph type="title"/>
+          </p:nvPr>
+        </p:nvSpPr>
+        <p:spPr>
+          <a:xfrm>
+            <a:off x="5868557" y="1138036"/>
+            <a:ext cx="5444382" cy="724012"/>
+          </a:xfrm>
+        </p:spPr>
+        <p:txBody>
+          <a:bodyPr anchor="t">
+            <a:normAutofit/>
+          </a:bodyPr>
+          <a:lstStyle/>
+          <a:p>
+            <a:r>
+              <a:rPr lang="en-GB" sz="3200" dirty="0">
+                <a:latin typeface="Amasis MT Pro Medium" panose="02040604050005020304" pitchFamily="18" charset="0"/>
+              </a:rPr>
+              <a:t>Methodology</a:t>
+            </a:r>
+          </a:p>
+        </p:txBody>
+      </p:sp>
+      <p:pic>
+        <p:nvPicPr>
+          <p:cNvPr id="21" name="Picture 20" descr="Financial graphs on a dark display">
+            <a:extLst>
+              <a:ext uri="{FF2B5EF4-FFF2-40B4-BE49-F238E27FC236}">
+                <a16:creationId xmlns:a16="http://schemas.microsoft.com/office/drawing/2014/main" id="{5FAFA37D-C7A5-C9D8-1290-1476147E6E65}"/>
+              </a:ext>
+            </a:extLst>
+          </p:cNvPr>
+          <p:cNvPicPr>
+            <a:picLocks noChangeAspect="1"/>
+          </p:cNvPicPr>
+          <p:nvPr/>
+        </p:nvPicPr>
+        <p:blipFill>
+          <a:blip r:embed="rId2"/>
+          <a:srcRect l="23623" r="29432"/>
+          <a:stretch/>
+        </p:blipFill>
+        <p:spPr>
+          <a:xfrm>
+            <a:off x="-1" y="10"/>
+            <a:ext cx="5151179" cy="6857990"/>
+          </a:xfrm>
+          <a:prstGeom prst="rect">
+            <a:avLst/>
+          </a:prstGeom>
+        </p:spPr>
+      </p:pic>
+      <p:cxnSp>
+        <p:nvCxnSpPr>
+          <p:cNvPr id="23" name="Straight Connector 22">
+            <a:extLst>
+              <a:ext uri="{FF2B5EF4-FFF2-40B4-BE49-F238E27FC236}">
+                <a16:creationId xmlns:a16="http://schemas.microsoft.com/office/drawing/2014/main" id="{1503BFE4-729B-D9D0-C17B-501E6AF1127A}"/>
+              </a:ext>
+              <a:ext uri="{C183D7F6-B498-43B3-948B-1728B52AA6E4}">
+                <adec:decorative xmlns:adec="http://schemas.microsoft.com/office/drawing/2017/decorative" val="1"/>
+              </a:ext>
+            </a:extLst>
+          </p:cNvPr>
+          <p:cNvCxnSpPr>
+            <a:cxnSpLocks noGrp="1" noRot="1" noChangeAspect="1" noMove="1" noResize="1" noEditPoints="1" noAdjustHandles="1" noChangeArrowheads="1" noChangeShapeType="1"/>
+          </p:cNvCxnSpPr>
+          <p:nvPr>
+            <p:extLst>
+              <p:ext uri="{386F3935-93C4-4BCD-93E2-E3B085C9AB24}">
+                <p16:designElem xmlns:p16="http://schemas.microsoft.com/office/powerpoint/2015/main" val="1"/>
+              </p:ext>
+            </p:extLst>
+          </p:nvPr>
+        </p:nvCxnSpPr>
+        <p:spPr>
+          <a:xfrm>
+            <a:off x="5971697" y="871146"/>
+            <a:ext cx="736939" cy="0"/>
+          </a:xfrm>
+          <a:prstGeom prst="line">
+            <a:avLst/>
+          </a:prstGeom>
+          <a:ln w="57150">
+            <a:solidFill>
+              <a:schemeClr val="accent4"/>
+            </a:solidFill>
+          </a:ln>
+        </p:spPr>
+        <p:style>
+          <a:lnRef idx="1">
+            <a:schemeClr val="accent1"/>
+          </a:lnRef>
+          <a:fillRef idx="0">
+            <a:schemeClr val="accent1"/>
+          </a:fillRef>
+          <a:effectRef idx="0">
+            <a:schemeClr val="accent1"/>
+          </a:effectRef>
+          <a:fontRef idx="minor">
+            <a:schemeClr val="tx1"/>
+          </a:fontRef>
+        </p:style>
+      </p:cxnSp>
+      <p:sp>
+        <p:nvSpPr>
+          <p:cNvPr id="22" name="Rectangle 1">
+            <a:extLst>
+              <a:ext uri="{FF2B5EF4-FFF2-40B4-BE49-F238E27FC236}">
+                <a16:creationId xmlns:a16="http://schemas.microsoft.com/office/drawing/2014/main" id="{886F7724-CA5E-5267-2053-CA21E1CAE5F4}"/>
+              </a:ext>
+            </a:extLst>
+          </p:cNvPr>
+          <p:cNvSpPr>
+            <a:spLocks noGrp="1" noChangeArrowheads="1"/>
+          </p:cNvSpPr>
+          <p:nvPr>
+            <p:ph idx="1"/>
+          </p:nvPr>
+        </p:nvSpPr>
+        <p:spPr bwMode="auto">
+          <a:xfrm>
+            <a:off x="5297307" y="4364291"/>
+            <a:ext cx="6586877" cy="1622563"/>
+          </a:xfrm>
+          <a:prstGeom prst="rect">
+            <a:avLst/>
+          </a:prstGeom>
+          <a:solidFill>
+            <a:schemeClr val="bg1"/>
+          </a:solidFill>
+          <a:effectLst>
+            <a:outerShdw blurRad="50800" dist="38100" dir="2700000" algn="tl" rotWithShape="0">
+              <a:prstClr val="black">
+                <a:alpha val="40000"/>
+              </a:prstClr>
+            </a:outerShdw>
+          </a:effectLst>
+        </p:spPr>
+        <p:txBody>
+          <a:bodyPr vert="horz" lIns="91440" tIns="45720" rIns="91440" bIns="45720" numCol="1" anchorCtr="0" compatLnSpc="1">
+            <a:prstTxWarp prst="textNoShape">
+              <a:avLst/>
+            </a:prstTxWarp>
+            <a:noAutofit/>
+          </a:bodyPr>
+          <a:lstStyle/>
+          <a:p>
+            <a:pPr marL="0" marR="0" lvl="0" indent="0" defTabSz="914400" rtl="0" eaLnBrk="0" fontAlgn="base" latinLnBrk="0" hangingPunct="0">
+              <a:spcBef>
+                <a:spcPct val="0"/>
+              </a:spcBef>
+              <a:spcAft>
+                <a:spcPts val="600"/>
+              </a:spcAft>
+              <a:buClrTx/>
+              <a:buSzTx/>
+              <a:buNone/>
+              <a:tabLst/>
+            </a:pPr>
+            <a:r>
+              <a:rPr kumimoji="0" lang="en-US" altLang="en-US" sz="1800" b="1" i="0" u="none" strike="noStrike" cap="none" normalizeH="0" baseline="0" dirty="0">
+                <a:ln>
+                  <a:noFill/>
+                </a:ln>
+                <a:effectLst/>
+                <a:latin typeface="Amasis MT Pro Medium" panose="02040604050005020304" pitchFamily="18" charset="0"/>
+              </a:rPr>
+              <a:t>Regression models:</a:t>
+            </a:r>
+            <a:endParaRPr kumimoji="0" lang="en-US" altLang="en-US" sz="1800" b="0" i="0" u="none" strike="noStrike" cap="none" normalizeH="0" baseline="0" dirty="0">
+              <a:ln>
+                <a:noFill/>
+              </a:ln>
+              <a:effectLst/>
+              <a:latin typeface="Amasis MT Pro Medium" panose="02040604050005020304" pitchFamily="18" charset="0"/>
+            </a:endParaRPr>
+          </a:p>
+          <a:p>
+            <a:pPr marL="0" marR="0" lvl="0" indent="0" defTabSz="914400" rtl="0" eaLnBrk="0" fontAlgn="base" latinLnBrk="0" hangingPunct="0">
+              <a:spcBef>
+                <a:spcPct val="0"/>
+              </a:spcBef>
+              <a:spcAft>
+                <a:spcPts val="600"/>
+              </a:spcAft>
+              <a:buClrTx/>
+              <a:buSzTx/>
+              <a:buFontTx/>
+              <a:buChar char="•"/>
+              <a:tabLst/>
+            </a:pPr>
+            <a:r>
+              <a:rPr kumimoji="0" lang="en-US" altLang="en-US" sz="1800" b="0" i="0" u="none" strike="noStrike" cap="none" normalizeH="0" baseline="0" dirty="0">
+                <a:ln>
+                  <a:noFill/>
+                </a:ln>
+                <a:effectLst/>
+                <a:latin typeface="Amasis MT Pro Medium" panose="02040604050005020304" pitchFamily="18" charset="0"/>
+              </a:rPr>
+              <a:t> Regression with Fixed Effects on Borough</a:t>
+            </a:r>
+          </a:p>
+          <a:p>
+            <a:pPr marL="0" marR="0" lvl="0" indent="0" defTabSz="914400" rtl="0" eaLnBrk="0" fontAlgn="base" latinLnBrk="0" hangingPunct="0">
+              <a:spcBef>
+                <a:spcPct val="0"/>
+              </a:spcBef>
+              <a:spcAft>
+                <a:spcPts val="600"/>
+              </a:spcAft>
+              <a:buClrTx/>
+              <a:buSzTx/>
+              <a:buFontTx/>
+              <a:buChar char="•"/>
+              <a:tabLst/>
+            </a:pPr>
+            <a:r>
+              <a:rPr lang="en-US" altLang="en-US" sz="1800" dirty="0">
+                <a:latin typeface="Amasis MT Pro Medium" panose="02040604050005020304" pitchFamily="18" charset="0"/>
+              </a:rPr>
+              <a:t> Regression with Interaction terms</a:t>
+            </a:r>
+            <a:endParaRPr kumimoji="0" lang="en-US" altLang="en-US" sz="1800" b="0" i="0" u="none" strike="noStrike" cap="none" normalizeH="0" baseline="0" dirty="0">
+              <a:ln>
+                <a:noFill/>
+              </a:ln>
+              <a:effectLst/>
+              <a:latin typeface="Amasis MT Pro Medium" panose="02040604050005020304" pitchFamily="18" charset="0"/>
+            </a:endParaRPr>
+          </a:p>
+          <a:p>
+            <a:pPr marL="0" marR="0" lvl="0" indent="0" defTabSz="914400" rtl="0" eaLnBrk="0" fontAlgn="base" latinLnBrk="0" hangingPunct="0">
+              <a:spcBef>
+                <a:spcPct val="0"/>
+              </a:spcBef>
+              <a:spcAft>
+                <a:spcPts val="600"/>
+              </a:spcAft>
+              <a:buClrTx/>
+              <a:buSzTx/>
+              <a:buFontTx/>
+              <a:buChar char="•"/>
+              <a:tabLst/>
+            </a:pPr>
+            <a:r>
+              <a:rPr kumimoji="0" lang="en-US" altLang="en-US" sz="1800" b="0" i="0" u="none" strike="noStrike" cap="none" normalizeH="0" baseline="0" dirty="0">
+                <a:ln>
+                  <a:noFill/>
+                </a:ln>
+                <a:effectLst/>
+                <a:latin typeface="Amasis MT Pro Medium" panose="02040604050005020304" pitchFamily="18" charset="0"/>
+              </a:rPr>
+              <a:t> Compare coefficients for London and Merseyside separately</a:t>
+            </a:r>
+          </a:p>
+        </p:txBody>
+      </p:sp>
+      <p:sp>
+        <p:nvSpPr>
+          <p:cNvPr id="3" name="Rectangle 1">
+            <a:extLst>
+              <a:ext uri="{FF2B5EF4-FFF2-40B4-BE49-F238E27FC236}">
+                <a16:creationId xmlns:a16="http://schemas.microsoft.com/office/drawing/2014/main" id="{6D06E90B-1693-4997-3B0E-67A0A17DA008}"/>
+              </a:ext>
+            </a:extLst>
+          </p:cNvPr>
+          <p:cNvSpPr txBox="1">
+            <a:spLocks noChangeArrowheads="1"/>
+          </p:cNvSpPr>
+          <p:nvPr/>
+        </p:nvSpPr>
+        <p:spPr bwMode="auto">
+          <a:xfrm>
+            <a:off x="5555002" y="2670781"/>
+            <a:ext cx="6071489" cy="1096401"/>
+          </a:xfrm>
+          <a:prstGeom prst="rect">
+            <a:avLst/>
+          </a:prstGeom>
+          <a:solidFill>
+            <a:schemeClr val="bg1"/>
+          </a:solidFill>
+          <a:effectLst>
+            <a:outerShdw blurRad="50800" dist="38100" dir="2700000" algn="tl" rotWithShape="0">
+              <a:prstClr val="black">
+                <a:alpha val="40000"/>
+              </a:prstClr>
+            </a:outerShdw>
+          </a:effectLst>
+        </p:spPr>
+        <p:txBody>
+          <a:bodyPr vert="horz" lIns="91440" tIns="45720" rIns="91440" bIns="45720" numCol="1" rtlCol="0" anchorCtr="0" compatLnSpc="1">
+            <a:prstTxWarp prst="textNoShape">
+              <a:avLst/>
+            </a:prstTxWarp>
+            <a:noAutofit/>
+          </a:bodyPr>
+          <a:lstStyle>
+            <a:lvl1pPr marL="228600" indent="-228600" algn="l" defTabSz="914400" rtl="0" eaLnBrk="1" latinLnBrk="0" hangingPunct="1">
+              <a:lnSpc>
+                <a:spcPct val="90000"/>
+              </a:lnSpc>
+              <a:spcBef>
+                <a:spcPts val="1000"/>
+              </a:spcBef>
+              <a:buFont typeface="Arial" panose="020B0604020202020204" pitchFamily="34" charset="0"/>
+              <a:buChar char="•"/>
+              <a:defRPr sz="2800" kern="1200">
+                <a:solidFill>
+                  <a:schemeClr val="tx1"/>
+                </a:solidFill>
+                <a:latin typeface="+mn-lt"/>
+                <a:ea typeface="+mn-ea"/>
+                <a:cs typeface="+mn-cs"/>
+              </a:defRPr>
+            </a:lvl1pPr>
+            <a:lvl2pPr marL="685800" indent="-228600" algn="l" defTabSz="914400" rtl="0" eaLnBrk="1" latinLnBrk="0" hangingPunct="1">
+              <a:lnSpc>
+                <a:spcPct val="90000"/>
+              </a:lnSpc>
+              <a:spcBef>
+                <a:spcPts val="500"/>
+              </a:spcBef>
+              <a:buFont typeface="Arial" panose="020B0604020202020204" pitchFamily="34" charset="0"/>
+              <a:buChar char="•"/>
+              <a:defRPr sz="2400" kern="1200">
+                <a:solidFill>
+                  <a:schemeClr val="tx1"/>
+                </a:solidFill>
+                <a:latin typeface="+mn-lt"/>
+                <a:ea typeface="+mn-ea"/>
+                <a:cs typeface="+mn-cs"/>
+              </a:defRPr>
+            </a:lvl2pPr>
+            <a:lvl3pPr marL="1143000" indent="-228600" algn="l" defTabSz="914400" rtl="0" eaLnBrk="1" latinLnBrk="0" hangingPunct="1">
+              <a:lnSpc>
+                <a:spcPct val="90000"/>
+              </a:lnSpc>
+              <a:spcBef>
+                <a:spcPts val="500"/>
+              </a:spcBef>
+              <a:buFont typeface="Arial" panose="020B0604020202020204" pitchFamily="34" charset="0"/>
+              <a:buChar char="•"/>
+              <a:defRPr sz="2000" kern="1200">
+                <a:solidFill>
+                  <a:schemeClr val="tx1"/>
+                </a:solidFill>
+                <a:latin typeface="+mn-lt"/>
+                <a:ea typeface="+mn-ea"/>
+                <a:cs typeface="+mn-cs"/>
+              </a:defRPr>
+            </a:lvl3pPr>
+            <a:lvl4pPr marL="1600200" indent="-228600" algn="l" defTabSz="914400" rtl="0" eaLnBrk="1" latinLnBrk="0" hangingPunct="1">
+              <a:lnSpc>
+                <a:spcPct val="90000"/>
+              </a:lnSpc>
+              <a:spcBef>
+                <a:spcPts val="500"/>
+              </a:spcBef>
+              <a:buFont typeface="Arial" panose="020B0604020202020204" pitchFamily="34" charset="0"/>
+              <a:buChar char="•"/>
+              <a:defRPr sz="1800" kern="1200">
+                <a:solidFill>
+                  <a:schemeClr val="tx1"/>
+                </a:solidFill>
+                <a:latin typeface="+mn-lt"/>
+                <a:ea typeface="+mn-ea"/>
+                <a:cs typeface="+mn-cs"/>
+              </a:defRPr>
+            </a:lvl4pPr>
+            <a:lvl5pPr marL="2057400" indent="-228600" algn="l" defTabSz="914400" rtl="0" eaLnBrk="1" latinLnBrk="0" hangingPunct="1">
+              <a:lnSpc>
+                <a:spcPct val="90000"/>
+              </a:lnSpc>
+              <a:spcBef>
+                <a:spcPts val="500"/>
+              </a:spcBef>
+              <a:buFont typeface="Arial" panose="020B0604020202020204" pitchFamily="34" charset="0"/>
+              <a:buChar char="•"/>
+              <a:defRPr sz="1800" kern="1200">
+                <a:solidFill>
+                  <a:schemeClr val="tx1"/>
+                </a:solidFill>
+                <a:latin typeface="+mn-lt"/>
+                <a:ea typeface="+mn-ea"/>
+                <a:cs typeface="+mn-cs"/>
+              </a:defRPr>
+            </a:lvl5pPr>
+            <a:lvl6pPr marL="2514600" indent="-228600" algn="l" defTabSz="914400" rtl="0" eaLnBrk="1" latinLnBrk="0" hangingPunct="1">
+              <a:lnSpc>
+                <a:spcPct val="90000"/>
+              </a:lnSpc>
+              <a:spcBef>
+                <a:spcPts val="500"/>
+              </a:spcBef>
+              <a:buFont typeface="Arial" panose="020B0604020202020204" pitchFamily="34" charset="0"/>
+              <a:buChar char="•"/>
+              <a:defRPr sz="1800" kern="1200">
+                <a:solidFill>
+                  <a:schemeClr val="tx1"/>
+                </a:solidFill>
+                <a:latin typeface="+mn-lt"/>
+                <a:ea typeface="+mn-ea"/>
+                <a:cs typeface="+mn-cs"/>
+              </a:defRPr>
+            </a:lvl6pPr>
+            <a:lvl7pPr marL="2971800" indent="-228600" algn="l" defTabSz="914400" rtl="0" eaLnBrk="1" latinLnBrk="0" hangingPunct="1">
+              <a:lnSpc>
+                <a:spcPct val="90000"/>
+              </a:lnSpc>
+              <a:spcBef>
+                <a:spcPts val="500"/>
+              </a:spcBef>
+              <a:buFont typeface="Arial" panose="020B0604020202020204" pitchFamily="34" charset="0"/>
+              <a:buChar char="•"/>
+              <a:defRPr sz="1800" kern="1200">
+                <a:solidFill>
+                  <a:schemeClr val="tx1"/>
+                </a:solidFill>
+                <a:latin typeface="+mn-lt"/>
+                <a:ea typeface="+mn-ea"/>
+                <a:cs typeface="+mn-cs"/>
+              </a:defRPr>
+            </a:lvl7pPr>
+            <a:lvl8pPr marL="3429000" indent="-228600" algn="l" defTabSz="914400" rtl="0" eaLnBrk="1" latinLnBrk="0" hangingPunct="1">
+              <a:lnSpc>
+                <a:spcPct val="90000"/>
+              </a:lnSpc>
+              <a:spcBef>
+                <a:spcPts val="500"/>
+              </a:spcBef>
+              <a:buFont typeface="Arial" panose="020B0604020202020204" pitchFamily="34" charset="0"/>
+              <a:buChar char="•"/>
+              <a:defRPr sz="1800" kern="1200">
+                <a:solidFill>
+                  <a:schemeClr val="tx1"/>
+                </a:solidFill>
+                <a:latin typeface="+mn-lt"/>
+                <a:ea typeface="+mn-ea"/>
+                <a:cs typeface="+mn-cs"/>
+              </a:defRPr>
+            </a:lvl8pPr>
+            <a:lvl9pPr marL="3886200" indent="-228600" algn="l" defTabSz="914400" rtl="0" eaLnBrk="1" latinLnBrk="0" hangingPunct="1">
+              <a:lnSpc>
+                <a:spcPct val="90000"/>
+              </a:lnSpc>
+              <a:spcBef>
+                <a:spcPts val="500"/>
+              </a:spcBef>
+              <a:buFont typeface="Arial" panose="020B0604020202020204" pitchFamily="34" charset="0"/>
+              <a:buChar char="•"/>
+              <a:defRPr sz="1800" kern="1200">
+                <a:solidFill>
+                  <a:schemeClr val="tx1"/>
+                </a:solidFill>
+                <a:latin typeface="+mn-lt"/>
+                <a:ea typeface="+mn-ea"/>
+                <a:cs typeface="+mn-cs"/>
+              </a:defRPr>
+            </a:lvl9pPr>
+          </a:lstStyle>
+          <a:p>
+            <a:pPr marL="0" indent="0" eaLnBrk="0" fontAlgn="base" hangingPunct="0">
+              <a:spcBef>
+                <a:spcPct val="0"/>
+              </a:spcBef>
+              <a:spcAft>
+                <a:spcPts val="600"/>
+              </a:spcAft>
+              <a:buFont typeface="Arial" panose="020B0604020202020204" pitchFamily="34" charset="0"/>
+              <a:buNone/>
+            </a:pPr>
+            <a:r>
+              <a:rPr lang="en-US" altLang="en-US" sz="1800" b="1" dirty="0">
+                <a:latin typeface="Amasis MT Pro Medium" panose="02040604050005020304" pitchFamily="18" charset="0"/>
+              </a:rPr>
+              <a:t>Descriptive spatial analysis:</a:t>
+            </a:r>
+            <a:endParaRPr lang="en-US" altLang="en-US" sz="1800" dirty="0">
+              <a:latin typeface="Amasis MT Pro Medium" panose="02040604050005020304" pitchFamily="18" charset="0"/>
+            </a:endParaRPr>
+          </a:p>
+          <a:p>
+            <a:pPr marL="0" indent="0" eaLnBrk="0" fontAlgn="base" hangingPunct="0">
+              <a:spcBef>
+                <a:spcPct val="0"/>
+              </a:spcBef>
+              <a:spcAft>
+                <a:spcPts val="600"/>
+              </a:spcAft>
+              <a:buFontTx/>
+              <a:buChar char="•"/>
+            </a:pPr>
+            <a:r>
+              <a:rPr lang="en-US" altLang="en-US" sz="1800" dirty="0">
+                <a:latin typeface="Amasis MT Pro Medium" panose="02040604050005020304" pitchFamily="18" charset="0"/>
+              </a:rPr>
+              <a:t> Mapping S&amp;S rates across LSOAs to </a:t>
+            </a:r>
+            <a:r>
+              <a:rPr lang="en-GB" sz="1800" dirty="0">
+                <a:latin typeface="Amasis MT Pro Medium" panose="02040604050005020304" pitchFamily="18" charset="0"/>
+              </a:rPr>
+              <a:t>visualise</a:t>
+            </a:r>
+            <a:r>
+              <a:rPr lang="en-US" altLang="en-US" sz="1800" dirty="0">
+                <a:latin typeface="Amasis MT Pro Medium" panose="02040604050005020304" pitchFamily="18" charset="0"/>
+              </a:rPr>
+              <a:t> clustering</a:t>
+            </a:r>
+          </a:p>
+          <a:p>
+            <a:pPr marL="0" indent="0" eaLnBrk="0" fontAlgn="base" hangingPunct="0">
+              <a:spcBef>
+                <a:spcPct val="0"/>
+              </a:spcBef>
+              <a:spcAft>
+                <a:spcPts val="600"/>
+              </a:spcAft>
+              <a:buFontTx/>
+              <a:buChar char="•"/>
+            </a:pPr>
+            <a:r>
+              <a:rPr lang="en-US" altLang="en-US" sz="1800" dirty="0">
+                <a:latin typeface="Amasis MT Pro Medium" panose="02040604050005020304" pitchFamily="18" charset="0"/>
+              </a:rPr>
+              <a:t> </a:t>
+            </a:r>
+            <a:r>
+              <a:rPr lang="en-GB" sz="1800" dirty="0">
+                <a:latin typeface="Amasis MT Pro Medium" panose="02040604050005020304" pitchFamily="18" charset="0"/>
+              </a:rPr>
+              <a:t>Visualise</a:t>
+            </a:r>
+            <a:r>
+              <a:rPr lang="en-US" altLang="en-US" sz="1800" dirty="0">
+                <a:latin typeface="Amasis MT Pro Medium" panose="02040604050005020304" pitchFamily="18" charset="0"/>
+              </a:rPr>
+              <a:t> other variables to see if patterns emerge</a:t>
+            </a:r>
+          </a:p>
+        </p:txBody>
+      </p:sp>
+    </p:spTree>
+    <p:extLst>
+      <p:ext uri="{BB962C8B-B14F-4D97-AF65-F5344CB8AC3E}">
+        <p14:creationId xmlns:p14="http://schemas.microsoft.com/office/powerpoint/2010/main" val="1056866751"/>
+      </p:ext>
+    </p:extLst>
+  </p:cSld>
+  <p:clrMapOvr>
+    <a:masterClrMapping/>
+  </p:clrMapOvr>
+  <mc:AlternateContent xmlns:mc="http://schemas.openxmlformats.org/markup-compatibility/2006" xmlns:p159="http://schemas.microsoft.com/office/powerpoint/2015/09/main">
+    <mc:Choice Requires="p159">
+      <p:transition xmlns:p14="http://schemas.microsoft.com/office/powerpoint/2010/main" spd="slow" p14:dur="2000">
+        <p159:morph option="byObject"/>
+      </p:transition>
+    </mc:Choice>
+    <mc:Fallback xmlns="">
+      <p:transition spd="slow">
+        <p:fade/>
+      </p:transition>
+    </mc:Fallback>
+  </mc:AlternateContent>
+</p:sld>
+</file>
+
+<file path=ppt/slides/slide11.xml><?xml version="1.0" encoding="utf-8"?>
+<p:sld xmlns:a="http://schemas.openxmlformats.org/drawingml/2006/main" xmlns:r="http://schemas.openxmlformats.org/officeDocument/2006/relationships" xmlns:p="http://schemas.openxmlformats.org/presentationml/2006/main">
+  <p:cSld>
+    <p:bg>
+      <p:bgPr>
+        <a:solidFill>
+          <a:schemeClr val="bg1"/>
+        </a:solidFill>
+        <a:effectLst/>
+      </p:bgPr>
+    </p:bg>
+    <p:spTree>
+      <p:nvGrpSpPr>
+        <p:cNvPr id="1" name=""/>
         <p:cNvGrpSpPr/>
         <p:nvPr/>
       </p:nvGrpSpPr>
@@ -11105,7 +12183,7 @@
       </p:grpSpPr>
       <p:sp useBgFill="1">
         <p:nvSpPr>
-          <p:cNvPr id="34" name="Rectangle 33">
+          <p:cNvPr id="21" name="Rectangle 20">
             <a:extLst>
               <a:ext uri="{FF2B5EF4-FFF2-40B4-BE49-F238E27FC236}">
                 <a16:creationId xmlns:a16="http://schemas.microsoft.com/office/drawing/2014/main" id="{2151139A-886F-4B97-8815-729AD3831BBD}"/>
@@ -11175,13 +12253,13 @@
           <a:lstStyle/>
           <a:p>
             <a:pPr algn="ctr"/>
-            <a:endParaRPr lang="en-US" sz="2000"/>
+            <a:endParaRPr lang="en-US" sz="2000" dirty="0"/>
           </a:p>
         </p:txBody>
       </p:sp>
       <p:sp>
         <p:nvSpPr>
-          <p:cNvPr id="36" name="Rectangle 35">
+          <p:cNvPr id="23" name="Rectangle 22">
             <a:extLst>
               <a:ext uri="{FF2B5EF4-FFF2-40B4-BE49-F238E27FC236}">
                 <a16:creationId xmlns:a16="http://schemas.microsoft.com/office/drawing/2014/main" id="{AB5E08C4-8CDD-4623-A5B8-E998C6DEE3B7}"/>
@@ -11250,13 +12328,13 @@
           <a:lstStyle/>
           <a:p>
             <a:pPr algn="ctr"/>
-            <a:endParaRPr lang="en-US"/>
+            <a:endParaRPr lang="en-US" dirty="0"/>
           </a:p>
         </p:txBody>
       </p:sp>
       <p:sp>
         <p:nvSpPr>
-          <p:cNvPr id="38" name="Rectangle 37">
+          <p:cNvPr id="25" name="Rectangle 24">
             <a:extLst>
               <a:ext uri="{FF2B5EF4-FFF2-40B4-BE49-F238E27FC236}">
                 <a16:creationId xmlns:a16="http://schemas.microsoft.com/office/drawing/2014/main" id="{15F33878-D502-4FFA-8ACE-F2AECDB2A23F}"/>
@@ -11326,13 +12404,13 @@
           <a:lstStyle/>
           <a:p>
             <a:pPr algn="ctr"/>
-            <a:endParaRPr lang="en-US"/>
+            <a:endParaRPr lang="en-US" dirty="0"/>
           </a:p>
         </p:txBody>
       </p:sp>
       <p:sp>
         <p:nvSpPr>
-          <p:cNvPr id="40" name="Rectangle 39">
+          <p:cNvPr id="27" name="Rectangle 26">
             <a:extLst>
               <a:ext uri="{FF2B5EF4-FFF2-40B4-BE49-F238E27FC236}">
                 <a16:creationId xmlns:a16="http://schemas.microsoft.com/office/drawing/2014/main" id="{D3539FEE-81D3-4406-802E-60B20B16F4F6}"/>
@@ -11407,7 +12485,7 @@
       </p:sp>
       <p:sp>
         <p:nvSpPr>
-          <p:cNvPr id="42" name="Rectangle 41">
+          <p:cNvPr id="29" name="Rectangle 28">
             <a:extLst>
               <a:ext uri="{FF2B5EF4-FFF2-40B4-BE49-F238E27FC236}">
                 <a16:creationId xmlns:a16="http://schemas.microsoft.com/office/drawing/2014/main" id="{DC701763-729E-462F-A5A8-E0DEFEB1E2E4}"/>
@@ -11477,7 +12555,7 @@
           <a:lstStyle/>
           <a:p>
             <a:pPr algn="ctr"/>
-            <a:endParaRPr lang="en-US"/>
+            <a:endParaRPr lang="en-US" dirty="0"/>
           </a:p>
         </p:txBody>
       </p:sp>
@@ -11486,7 +12564,7 @@
           <p:cNvPr id="2" name="Title 1">
             <a:extLst>
               <a:ext uri="{FF2B5EF4-FFF2-40B4-BE49-F238E27FC236}">
-                <a16:creationId xmlns:a16="http://schemas.microsoft.com/office/drawing/2014/main" id="{43FE1721-FF7E-574F-D477-57901F5711BF}"/>
+                <a16:creationId xmlns:a16="http://schemas.microsoft.com/office/drawing/2014/main" id="{7F6104D5-BF37-26DA-33E6-52E3270B4767}"/>
               </a:ext>
             </a:extLst>
           </p:cNvPr>
@@ -11499,33 +12577,33 @@
         </p:nvSpPr>
         <p:spPr>
           <a:xfrm>
-            <a:off x="699714" y="353160"/>
-            <a:ext cx="7091300" cy="898581"/>
+            <a:off x="699713" y="353160"/>
+            <a:ext cx="7429141" cy="898581"/>
           </a:xfrm>
         </p:spPr>
         <p:txBody>
           <a:bodyPr vert="horz" lIns="91440" tIns="45720" rIns="91440" bIns="45720" rtlCol="0" anchor="ctr">
-            <a:normAutofit/>
+            <a:normAutofit fontScale="90000"/>
           </a:bodyPr>
           <a:lstStyle/>
           <a:p>
             <a:r>
-              <a:rPr lang="en-US" sz="3400" b="1" dirty="0">
+              <a:rPr lang="en-US" sz="4000" b="1" dirty="0">
                 <a:solidFill>
                   <a:srgbClr val="FFFFFF"/>
                 </a:solidFill>
               </a:rPr>
-              <a:t>Preliminary Analysis – House Price</a:t>
+              <a:t>Preliminary Analysis – Stop &amp; Search</a:t>
             </a:r>
           </a:p>
         </p:txBody>
       </p:sp>
       <p:pic>
         <p:nvPicPr>
-          <p:cNvPr id="8" name="Picture 7">
+          <p:cNvPr id="11" name="Picture 10">
             <a:extLst>
               <a:ext uri="{FF2B5EF4-FFF2-40B4-BE49-F238E27FC236}">
-                <a16:creationId xmlns:a16="http://schemas.microsoft.com/office/drawing/2014/main" id="{2F6E02A0-99B8-391D-05C9-3B9E24A28790}"/>
+                <a16:creationId xmlns:a16="http://schemas.microsoft.com/office/drawing/2014/main" id="{3048950D-EE46-1E3B-2FA0-DFAB5472B3EB}"/>
               </a:ext>
             </a:extLst>
           </p:cNvPr>
@@ -11542,8 +12620,8 @@
         </p:blipFill>
         <p:spPr>
           <a:xfrm>
-            <a:off x="0" y="2060982"/>
-            <a:ext cx="6738255" cy="4312482"/>
+            <a:off x="6667947" y="1833709"/>
+            <a:ext cx="5524054" cy="4767026"/>
           </a:xfrm>
           <a:prstGeom prst="rect">
             <a:avLst/>
@@ -11552,10 +12630,10 @@
       </p:pic>
       <p:pic>
         <p:nvPicPr>
-          <p:cNvPr id="4" name="Picture 3">
+          <p:cNvPr id="15" name="Picture 14">
             <a:extLst>
               <a:ext uri="{FF2B5EF4-FFF2-40B4-BE49-F238E27FC236}">
-                <a16:creationId xmlns:a16="http://schemas.microsoft.com/office/drawing/2014/main" id="{66BAFBCF-4D52-3F89-6FD4-C9C06C590F47}"/>
+                <a16:creationId xmlns:a16="http://schemas.microsoft.com/office/drawing/2014/main" id="{27DC0A6A-2D52-840F-79F6-8F0197207CF5}"/>
               </a:ext>
             </a:extLst>
           </p:cNvPr>
@@ -11572,8 +12650,8 @@
         </p:blipFill>
         <p:spPr>
           <a:xfrm>
-            <a:off x="6657620" y="1830522"/>
-            <a:ext cx="5534380" cy="4773403"/>
+            <a:off x="-2" y="2008979"/>
+            <a:ext cx="6660462" cy="4416487"/>
           </a:xfrm>
           <a:prstGeom prst="rect">
             <a:avLst/>
@@ -11583,20 +12661,20 @@
     </p:spTree>
     <p:extLst>
       <p:ext uri="{BB962C8B-B14F-4D97-AF65-F5344CB8AC3E}">
-        <p14:creationId xmlns:p14="http://schemas.microsoft.com/office/powerpoint/2010/main" val="2921559018"/>
+        <p14:creationId xmlns:p14="http://schemas.microsoft.com/office/powerpoint/2010/main" val="3103695578"/>
       </p:ext>
     </p:extLst>
   </p:cSld>
   <p:clrMapOvr>
     <a:masterClrMapping/>
   </p:clrMapOvr>
-  <mc:AlternateContent xmlns:mc="http://schemas.openxmlformats.org/markup-compatibility/2006">
-    <mc:Choice xmlns:p159="http://schemas.microsoft.com/office/powerpoint/2015/09/main" Requires="p159">
+  <mc:AlternateContent xmlns:mc="http://schemas.openxmlformats.org/markup-compatibility/2006" xmlns:p159="http://schemas.microsoft.com/office/powerpoint/2015/09/main">
+    <mc:Choice Requires="p159">
       <p:transition xmlns:p14="http://schemas.microsoft.com/office/powerpoint/2010/main" spd="slow" p14:dur="2000">
         <p159:morph option="byObject"/>
       </p:transition>
     </mc:Choice>
-    <mc:Fallback>
+    <mc:Fallback xmlns="">
       <p:transition spd="slow">
         <p:fade/>
       </p:transition>
@@ -11605,7 +12683,7 @@
 </p:sld>
 </file>
 
-<file path=ppt/slides/slide11.xml><?xml version="1.0" encoding="utf-8"?>
+<file path=ppt/slides/slide12.xml><?xml version="1.0" encoding="utf-8"?>
 <p:sld xmlns:a="http://schemas.openxmlformats.org/drawingml/2006/main" xmlns:r="http://schemas.openxmlformats.org/officeDocument/2006/relationships" xmlns:p="http://schemas.openxmlformats.org/presentationml/2006/main">
   <p:cSld>
     <p:bg>
@@ -11618,7 +12696,13 @@
     </p:bg>
     <p:spTree>
       <p:nvGrpSpPr>
-        <p:cNvPr id="1" name=""/>
+        <p:cNvPr id="1" name="">
+          <a:extLst>
+            <a:ext uri="{FF2B5EF4-FFF2-40B4-BE49-F238E27FC236}">
+              <a16:creationId xmlns:a16="http://schemas.microsoft.com/office/drawing/2014/main" id="{C136E450-0783-02DA-C655-F1598F0680E8}"/>
+            </a:ext>
+          </a:extLst>
+        </p:cNvPr>
         <p:cNvGrpSpPr/>
         <p:nvPr/>
       </p:nvGrpSpPr>
@@ -11632,10 +12716,10 @@
       </p:grpSpPr>
       <p:sp useBgFill="1">
         <p:nvSpPr>
-          <p:cNvPr id="41" name="Rectangle 40">
+          <p:cNvPr id="21" name="Rectangle 20">
             <a:extLst>
               <a:ext uri="{FF2B5EF4-FFF2-40B4-BE49-F238E27FC236}">
-                <a16:creationId xmlns:a16="http://schemas.microsoft.com/office/drawing/2014/main" id="{BACC6370-2D7E-4714-9D71-7542949D7D5D}"/>
+                <a16:creationId xmlns:a16="http://schemas.microsoft.com/office/drawing/2014/main" id="{A398C834-C6EE-8D7F-BD14-5AB147F4A4F5}"/>
               </a:ext>
               <a:ext uri="{C183D7F6-B498-43B3-948B-1728B52AA6E4}">
                 <adec:decorative xmlns:adec="http://schemas.microsoft.com/office/drawing/2017/decorative" val="1"/>
@@ -11702,7 +12786,1067 @@
           <a:lstStyle/>
           <a:p>
             <a:pPr algn="ctr"/>
-            <a:endParaRPr lang="en-US"/>
+            <a:endParaRPr lang="en-US" sz="2000" dirty="0"/>
+          </a:p>
+        </p:txBody>
+      </p:sp>
+      <p:sp>
+        <p:nvSpPr>
+          <p:cNvPr id="23" name="Rectangle 22">
+            <a:extLst>
+              <a:ext uri="{FF2B5EF4-FFF2-40B4-BE49-F238E27FC236}">
+                <a16:creationId xmlns:a16="http://schemas.microsoft.com/office/drawing/2014/main" id="{62819B7A-717D-D5AC-3AF8-C4DBDF698735}"/>
+              </a:ext>
+              <a:ext uri="{C183D7F6-B498-43B3-948B-1728B52AA6E4}">
+                <adec:decorative xmlns:adec="http://schemas.microsoft.com/office/drawing/2017/decorative" val="1"/>
+              </a:ext>
+            </a:extLst>
+          </p:cNvPr>
+          <p:cNvSpPr>
+            <a:spLocks noGrp="1" noRot="1" noChangeAspect="1" noMove="1" noResize="1" noEditPoints="1" noAdjustHandles="1" noChangeArrowheads="1" noChangeShapeType="1" noTextEdit="1"/>
+          </p:cNvSpPr>
+          <p:nvPr>
+            <p:extLst>
+              <p:ext uri="{386F3935-93C4-4BCD-93E2-E3B085C9AB24}">
+                <p16:designElem xmlns:p16="http://schemas.microsoft.com/office/powerpoint/2015/main" val="1"/>
+              </p:ext>
+            </p:extLst>
+          </p:nvPr>
+        </p:nvSpPr>
+        <p:spPr>
+          <a:xfrm flipH="1">
+            <a:off x="2" y="492"/>
+            <a:ext cx="12191998" cy="1575955"/>
+          </a:xfrm>
+          <a:prstGeom prst="rect">
+            <a:avLst/>
+          </a:prstGeom>
+          <a:gradFill>
+            <a:gsLst>
+              <a:gs pos="0">
+                <a:schemeClr val="accent1">
+                  <a:lumMod val="50000"/>
+                </a:schemeClr>
+              </a:gs>
+              <a:gs pos="100000">
+                <a:schemeClr val="accent1">
+                  <a:lumMod val="75000"/>
+                </a:schemeClr>
+              </a:gs>
+            </a:gsLst>
+            <a:lin ang="8400000" scaled="0"/>
+          </a:gradFill>
+          <a:ln>
+            <a:noFill/>
+          </a:ln>
+        </p:spPr>
+        <p:style>
+          <a:lnRef idx="2">
+            <a:schemeClr val="accent1">
+              <a:shade val="50000"/>
+            </a:schemeClr>
+          </a:lnRef>
+          <a:fillRef idx="1">
+            <a:schemeClr val="accent1"/>
+          </a:fillRef>
+          <a:effectRef idx="0">
+            <a:schemeClr val="accent1"/>
+          </a:effectRef>
+          <a:fontRef idx="minor">
+            <a:schemeClr val="lt1"/>
+          </a:fontRef>
+        </p:style>
+        <p:txBody>
+          <a:bodyPr rtlCol="0" anchor="ctr"/>
+          <a:lstStyle/>
+          <a:p>
+            <a:pPr algn="ctr"/>
+            <a:endParaRPr lang="en-US" dirty="0"/>
+          </a:p>
+        </p:txBody>
+      </p:sp>
+      <p:sp>
+        <p:nvSpPr>
+          <p:cNvPr id="25" name="Rectangle 24">
+            <a:extLst>
+              <a:ext uri="{FF2B5EF4-FFF2-40B4-BE49-F238E27FC236}">
+                <a16:creationId xmlns:a16="http://schemas.microsoft.com/office/drawing/2014/main" id="{C8169D93-6865-E79F-A068-4154DBC75C00}"/>
+              </a:ext>
+              <a:ext uri="{C183D7F6-B498-43B3-948B-1728B52AA6E4}">
+                <adec:decorative xmlns:adec="http://schemas.microsoft.com/office/drawing/2017/decorative" val="1"/>
+              </a:ext>
+            </a:extLst>
+          </p:cNvPr>
+          <p:cNvSpPr>
+            <a:spLocks noGrp="1" noRot="1" noChangeAspect="1" noMove="1" noResize="1" noEditPoints="1" noAdjustHandles="1" noChangeArrowheads="1" noChangeShapeType="1" noTextEdit="1"/>
+          </p:cNvSpPr>
+          <p:nvPr>
+            <p:extLst>
+              <p:ext uri="{386F3935-93C4-4BCD-93E2-E3B085C9AB24}">
+                <p16:designElem xmlns:p16="http://schemas.microsoft.com/office/powerpoint/2015/main" val="1"/>
+              </p:ext>
+            </p:extLst>
+          </p:nvPr>
+        </p:nvSpPr>
+        <p:spPr>
+          <a:xfrm rot="10800000" flipH="1">
+            <a:off x="8128857" y="35"/>
+            <a:ext cx="4063143" cy="1576412"/>
+          </a:xfrm>
+          <a:prstGeom prst="rect">
+            <a:avLst/>
+          </a:prstGeom>
+          <a:gradFill>
+            <a:gsLst>
+              <a:gs pos="19000">
+                <a:schemeClr val="accent1">
+                  <a:lumMod val="50000"/>
+                  <a:alpha val="68000"/>
+                </a:schemeClr>
+              </a:gs>
+              <a:gs pos="100000">
+                <a:schemeClr val="accent1">
+                  <a:alpha val="79000"/>
+                </a:schemeClr>
+              </a:gs>
+            </a:gsLst>
+            <a:lin ang="19200000" scaled="0"/>
+          </a:gradFill>
+          <a:ln>
+            <a:noFill/>
+          </a:ln>
+        </p:spPr>
+        <p:style>
+          <a:lnRef idx="2">
+            <a:schemeClr val="accent1">
+              <a:shade val="50000"/>
+            </a:schemeClr>
+          </a:lnRef>
+          <a:fillRef idx="1">
+            <a:schemeClr val="accent1"/>
+          </a:fillRef>
+          <a:effectRef idx="0">
+            <a:schemeClr val="accent1"/>
+          </a:effectRef>
+          <a:fontRef idx="minor">
+            <a:schemeClr val="lt1"/>
+          </a:fontRef>
+        </p:style>
+        <p:txBody>
+          <a:bodyPr rtlCol="0" anchor="ctr"/>
+          <a:lstStyle/>
+          <a:p>
+            <a:pPr algn="ctr"/>
+            <a:endParaRPr lang="en-US" dirty="0"/>
+          </a:p>
+        </p:txBody>
+      </p:sp>
+      <p:sp>
+        <p:nvSpPr>
+          <p:cNvPr id="27" name="Rectangle 26">
+            <a:extLst>
+              <a:ext uri="{FF2B5EF4-FFF2-40B4-BE49-F238E27FC236}">
+                <a16:creationId xmlns:a16="http://schemas.microsoft.com/office/drawing/2014/main" id="{36EB6E22-22F4-30DD-0928-158387D15AA0}"/>
+              </a:ext>
+              <a:ext uri="{C183D7F6-B498-43B3-948B-1728B52AA6E4}">
+                <adec:decorative xmlns:adec="http://schemas.microsoft.com/office/drawing/2017/decorative" val="1"/>
+              </a:ext>
+            </a:extLst>
+          </p:cNvPr>
+          <p:cNvSpPr>
+            <a:spLocks noGrp="1" noRot="1" noChangeAspect="1" noMove="1" noResize="1" noEditPoints="1" noAdjustHandles="1" noChangeArrowheads="1" noChangeShapeType="1" noTextEdit="1"/>
+          </p:cNvSpPr>
+          <p:nvPr>
+            <p:extLst>
+              <p:ext uri="{386F3935-93C4-4BCD-93E2-E3B085C9AB24}">
+                <p16:designElem xmlns:p16="http://schemas.microsoft.com/office/powerpoint/2015/main" val="1"/>
+              </p:ext>
+            </p:extLst>
+          </p:nvPr>
+        </p:nvSpPr>
+        <p:spPr>
+          <a:xfrm rot="5400000">
+            <a:off x="5307778" y="-5307777"/>
+            <a:ext cx="1576446" cy="12192001"/>
+          </a:xfrm>
+          <a:prstGeom prst="rect">
+            <a:avLst/>
+          </a:prstGeom>
+          <a:gradFill>
+            <a:gsLst>
+              <a:gs pos="16000">
+                <a:srgbClr val="000000">
+                  <a:alpha val="0"/>
+                </a:srgbClr>
+              </a:gs>
+              <a:gs pos="99000">
+                <a:srgbClr val="000000">
+                  <a:alpha val="87000"/>
+                </a:srgbClr>
+              </a:gs>
+            </a:gsLst>
+            <a:lin ang="11400000" scaled="0"/>
+          </a:gradFill>
+          <a:ln>
+            <a:noFill/>
+          </a:ln>
+        </p:spPr>
+        <p:style>
+          <a:lnRef idx="2">
+            <a:schemeClr val="accent1">
+              <a:shade val="50000"/>
+            </a:schemeClr>
+          </a:lnRef>
+          <a:fillRef idx="1">
+            <a:schemeClr val="accent1"/>
+          </a:fillRef>
+          <a:effectRef idx="0">
+            <a:schemeClr val="accent1"/>
+          </a:effectRef>
+          <a:fontRef idx="minor">
+            <a:schemeClr val="lt1"/>
+          </a:fontRef>
+        </p:style>
+        <p:txBody>
+          <a:bodyPr rtlCol="0" anchor="ctr"/>
+          <a:lstStyle/>
+          <a:p>
+            <a:pPr algn="ctr"/>
+            <a:endParaRPr lang="en-US" dirty="0"/>
+          </a:p>
+        </p:txBody>
+      </p:sp>
+      <p:sp>
+        <p:nvSpPr>
+          <p:cNvPr id="29" name="Rectangle 28">
+            <a:extLst>
+              <a:ext uri="{FF2B5EF4-FFF2-40B4-BE49-F238E27FC236}">
+                <a16:creationId xmlns:a16="http://schemas.microsoft.com/office/drawing/2014/main" id="{18004D9C-BCB2-E9E4-4170-35834AD51F2E}"/>
+              </a:ext>
+              <a:ext uri="{C183D7F6-B498-43B3-948B-1728B52AA6E4}">
+                <adec:decorative xmlns:adec="http://schemas.microsoft.com/office/drawing/2017/decorative" val="1"/>
+              </a:ext>
+            </a:extLst>
+          </p:cNvPr>
+          <p:cNvSpPr>
+            <a:spLocks noGrp="1" noRot="1" noChangeAspect="1" noMove="1" noResize="1" noEditPoints="1" noAdjustHandles="1" noChangeArrowheads="1" noChangeShapeType="1" noTextEdit="1"/>
+          </p:cNvSpPr>
+          <p:nvPr>
+            <p:extLst>
+              <p:ext uri="{386F3935-93C4-4BCD-93E2-E3B085C9AB24}">
+                <p16:designElem xmlns:p16="http://schemas.microsoft.com/office/powerpoint/2015/main" val="1"/>
+              </p:ext>
+            </p:extLst>
+          </p:nvPr>
+        </p:nvSpPr>
+        <p:spPr>
+          <a:xfrm>
+            <a:off x="3825434" y="986"/>
+            <a:ext cx="4303422" cy="1575461"/>
+          </a:xfrm>
+          <a:prstGeom prst="rect">
+            <a:avLst/>
+          </a:prstGeom>
+          <a:gradFill>
+            <a:gsLst>
+              <a:gs pos="0">
+                <a:schemeClr val="accent1">
+                  <a:alpha val="17000"/>
+                </a:schemeClr>
+              </a:gs>
+              <a:gs pos="74000">
+                <a:schemeClr val="accent1">
+                  <a:lumMod val="50000"/>
+                  <a:alpha val="0"/>
+                </a:schemeClr>
+              </a:gs>
+            </a:gsLst>
+            <a:lin ang="14400000" scaled="0"/>
+          </a:gradFill>
+          <a:ln>
+            <a:noFill/>
+          </a:ln>
+        </p:spPr>
+        <p:style>
+          <a:lnRef idx="2">
+            <a:schemeClr val="accent1">
+              <a:shade val="50000"/>
+            </a:schemeClr>
+          </a:lnRef>
+          <a:fillRef idx="1">
+            <a:schemeClr val="accent1"/>
+          </a:fillRef>
+          <a:effectRef idx="0">
+            <a:schemeClr val="accent1"/>
+          </a:effectRef>
+          <a:fontRef idx="minor">
+            <a:schemeClr val="lt1"/>
+          </a:fontRef>
+        </p:style>
+        <p:txBody>
+          <a:bodyPr rtlCol="0" anchor="ctr"/>
+          <a:lstStyle/>
+          <a:p>
+            <a:pPr algn="ctr"/>
+            <a:endParaRPr lang="en-US" dirty="0"/>
+          </a:p>
+        </p:txBody>
+      </p:sp>
+      <p:sp>
+        <p:nvSpPr>
+          <p:cNvPr id="2" name="Title 1">
+            <a:extLst>
+              <a:ext uri="{FF2B5EF4-FFF2-40B4-BE49-F238E27FC236}">
+                <a16:creationId xmlns:a16="http://schemas.microsoft.com/office/drawing/2014/main" id="{2AEA6E65-AA5B-E123-6A55-078867D282FD}"/>
+              </a:ext>
+            </a:extLst>
+          </p:cNvPr>
+          <p:cNvSpPr>
+            <a:spLocks noGrp="1"/>
+          </p:cNvSpPr>
+          <p:nvPr>
+            <p:ph type="title"/>
+          </p:nvPr>
+        </p:nvSpPr>
+        <p:spPr>
+          <a:xfrm>
+            <a:off x="699713" y="353160"/>
+            <a:ext cx="7429141" cy="898581"/>
+          </a:xfrm>
+        </p:spPr>
+        <p:txBody>
+          <a:bodyPr vert="horz" lIns="91440" tIns="45720" rIns="91440" bIns="45720" rtlCol="0" anchor="ctr">
+            <a:normAutofit/>
+          </a:bodyPr>
+          <a:lstStyle/>
+          <a:p>
+            <a:r>
+              <a:rPr lang="en-US" sz="4000" b="1" dirty="0">
+                <a:solidFill>
+                  <a:srgbClr val="FFFFFF"/>
+                </a:solidFill>
+              </a:rPr>
+              <a:t>Preliminary Analysis – BAME %</a:t>
+            </a:r>
+          </a:p>
+        </p:txBody>
+      </p:sp>
+      <p:pic>
+        <p:nvPicPr>
+          <p:cNvPr id="4" name="Picture 3">
+            <a:extLst>
+              <a:ext uri="{FF2B5EF4-FFF2-40B4-BE49-F238E27FC236}">
+                <a16:creationId xmlns:a16="http://schemas.microsoft.com/office/drawing/2014/main" id="{C4339E17-191A-6EF3-54BC-E7FCD744040A}"/>
+              </a:ext>
+            </a:extLst>
+          </p:cNvPr>
+          <p:cNvPicPr>
+            <a:picLocks noChangeAspect="1"/>
+          </p:cNvPicPr>
+          <p:nvPr/>
+        </p:nvPicPr>
+        <p:blipFill>
+          <a:blip r:embed="rId2"/>
+          <a:stretch>
+            <a:fillRect/>
+          </a:stretch>
+        </p:blipFill>
+        <p:spPr>
+          <a:xfrm>
+            <a:off x="-2" y="2009479"/>
+            <a:ext cx="6630377" cy="4415488"/>
+          </a:xfrm>
+          <a:prstGeom prst="rect">
+            <a:avLst/>
+          </a:prstGeom>
+        </p:spPr>
+      </p:pic>
+      <p:pic>
+        <p:nvPicPr>
+          <p:cNvPr id="6" name="Picture 5">
+            <a:extLst>
+              <a:ext uri="{FF2B5EF4-FFF2-40B4-BE49-F238E27FC236}">
+                <a16:creationId xmlns:a16="http://schemas.microsoft.com/office/drawing/2014/main" id="{A2DAC074-6B1B-2BB7-F305-747B7DA88E16}"/>
+              </a:ext>
+            </a:extLst>
+          </p:cNvPr>
+          <p:cNvPicPr>
+            <a:picLocks noChangeAspect="1"/>
+          </p:cNvPicPr>
+          <p:nvPr/>
+        </p:nvPicPr>
+        <p:blipFill>
+          <a:blip r:embed="rId3"/>
+          <a:stretch>
+            <a:fillRect/>
+          </a:stretch>
+        </p:blipFill>
+        <p:spPr>
+          <a:xfrm>
+            <a:off x="6839375" y="1839940"/>
+            <a:ext cx="5352625" cy="4754566"/>
+          </a:xfrm>
+          <a:prstGeom prst="rect">
+            <a:avLst/>
+          </a:prstGeom>
+        </p:spPr>
+      </p:pic>
+    </p:spTree>
+    <p:extLst>
+      <p:ext uri="{BB962C8B-B14F-4D97-AF65-F5344CB8AC3E}">
+        <p14:creationId xmlns:p14="http://schemas.microsoft.com/office/powerpoint/2010/main" val="421180119"/>
+      </p:ext>
+    </p:extLst>
+  </p:cSld>
+  <p:clrMapOvr>
+    <a:masterClrMapping/>
+  </p:clrMapOvr>
+  <mc:AlternateContent xmlns:mc="http://schemas.openxmlformats.org/markup-compatibility/2006" xmlns:p159="http://schemas.microsoft.com/office/powerpoint/2015/09/main">
+    <mc:Choice Requires="p159">
+      <p:transition xmlns:p14="http://schemas.microsoft.com/office/powerpoint/2010/main" spd="slow" p14:dur="2000">
+        <p159:morph option="byObject"/>
+      </p:transition>
+    </mc:Choice>
+    <mc:Fallback xmlns="">
+      <p:transition spd="slow">
+        <p:fade/>
+      </p:transition>
+    </mc:Fallback>
+  </mc:AlternateContent>
+</p:sld>
+</file>
+
+<file path=ppt/slides/slide13.xml><?xml version="1.0" encoding="utf-8"?>
+<p:sld xmlns:a="http://schemas.openxmlformats.org/drawingml/2006/main" xmlns:r="http://schemas.openxmlformats.org/officeDocument/2006/relationships" xmlns:p="http://schemas.openxmlformats.org/presentationml/2006/main">
+  <p:cSld>
+    <p:bg>
+      <p:bgPr>
+        <a:solidFill>
+          <a:schemeClr val="bg1"/>
+        </a:solidFill>
+        <a:effectLst/>
+      </p:bgPr>
+    </p:bg>
+    <p:spTree>
+      <p:nvGrpSpPr>
+        <p:cNvPr id="1" name="">
+          <a:extLst>
+            <a:ext uri="{FF2B5EF4-FFF2-40B4-BE49-F238E27FC236}">
+              <a16:creationId xmlns:a16="http://schemas.microsoft.com/office/drawing/2014/main" id="{68BBB0B8-B8A0-E239-2EB3-F65D084A99A4}"/>
+            </a:ext>
+          </a:extLst>
+        </p:cNvPr>
+        <p:cNvGrpSpPr/>
+        <p:nvPr/>
+      </p:nvGrpSpPr>
+      <p:grpSpPr>
+        <a:xfrm>
+          <a:off x="0" y="0"/>
+          <a:ext cx="0" cy="0"/>
+          <a:chOff x="0" y="0"/>
+          <a:chExt cx="0" cy="0"/>
+        </a:xfrm>
+      </p:grpSpPr>
+      <p:sp useBgFill="1">
+        <p:nvSpPr>
+          <p:cNvPr id="34" name="Rectangle 33">
+            <a:extLst>
+              <a:ext uri="{FF2B5EF4-FFF2-40B4-BE49-F238E27FC236}">
+                <a16:creationId xmlns:a16="http://schemas.microsoft.com/office/drawing/2014/main" id="{2151139A-886F-4B97-8815-729AD3831BBD}"/>
+              </a:ext>
+              <a:ext uri="{C183D7F6-B498-43B3-948B-1728B52AA6E4}">
+                <adec:decorative xmlns:adec="http://schemas.microsoft.com/office/drawing/2017/decorative" val="1"/>
+              </a:ext>
+            </a:extLst>
+          </p:cNvPr>
+          <p:cNvSpPr>
+            <a:spLocks noGrp="1" noRot="1" noChangeAspect="1" noMove="1" noResize="1" noEditPoints="1" noAdjustHandles="1" noChangeArrowheads="1" noChangeShapeType="1" noTextEdit="1"/>
+          </p:cNvSpPr>
+          <p:nvPr>
+            <p:extLst>
+              <p:ext uri="{386F3935-93C4-4BCD-93E2-E3B085C9AB24}">
+                <p16:designElem xmlns:p16="http://schemas.microsoft.com/office/powerpoint/2015/main" val="1"/>
+              </p:ext>
+            </p:extLst>
+          </p:nvPr>
+        </p:nvSpPr>
+        <p:spPr>
+          <a:xfrm>
+            <a:off x="0" y="0"/>
+            <a:ext cx="12192000" cy="6858000"/>
+          </a:xfrm>
+          <a:prstGeom prst="rect">
+            <a:avLst/>
+          </a:prstGeom>
+          <a:ln w="12700" cap="flat" cmpd="sng" algn="ctr">
+            <a:noFill/>
+            <a:prstDash val="solid"/>
+            <a:miter lim="800000"/>
+          </a:ln>
+          <a:effectLst/>
+          <a:extLst>
+            <a:ext uri="{91240B29-F687-4F45-9708-019B960494DF}">
+              <a14:hiddenLine xmlns:a14="http://schemas.microsoft.com/office/drawing/2010/main" w="12700" cap="flat" cmpd="sng" algn="ctr">
+                <a:solidFill>
+                  <a:schemeClr val="accent1">
+                    <a:shade val="50000"/>
+                  </a:schemeClr>
+                </a:solidFill>
+                <a:prstDash val="solid"/>
+                <a:miter lim="800000"/>
+              </a14:hiddenLine>
+            </a:ext>
+          </a:extLst>
+        </p:spPr>
+        <p:style>
+          <a:lnRef idx="2">
+            <a:schemeClr val="accent1">
+              <a:shade val="50000"/>
+            </a:schemeClr>
+          </a:lnRef>
+          <a:fillRef idx="1">
+            <a:schemeClr val="accent1"/>
+          </a:fillRef>
+          <a:effectRef idx="0">
+            <a:schemeClr val="accent1"/>
+          </a:effectRef>
+          <a:fontRef idx="minor">
+            <a:schemeClr val="lt1"/>
+          </a:fontRef>
+        </p:style>
+        <p:txBody>
+          <a:bodyPr rtlCol="0" anchor="ctr"/>
+          <a:lstStyle/>
+          <a:p>
+            <a:pPr algn="ctr"/>
+            <a:endParaRPr lang="en-US" sz="2000" dirty="0"/>
+          </a:p>
+        </p:txBody>
+      </p:sp>
+      <p:sp>
+        <p:nvSpPr>
+          <p:cNvPr id="36" name="Rectangle 35">
+            <a:extLst>
+              <a:ext uri="{FF2B5EF4-FFF2-40B4-BE49-F238E27FC236}">
+                <a16:creationId xmlns:a16="http://schemas.microsoft.com/office/drawing/2014/main" id="{AB5E08C4-8CDD-4623-A5B8-E998C6DEE3B7}"/>
+              </a:ext>
+              <a:ext uri="{C183D7F6-B498-43B3-948B-1728B52AA6E4}">
+                <adec:decorative xmlns:adec="http://schemas.microsoft.com/office/drawing/2017/decorative" val="1"/>
+              </a:ext>
+            </a:extLst>
+          </p:cNvPr>
+          <p:cNvSpPr>
+            <a:spLocks noGrp="1" noRot="1" noChangeAspect="1" noMove="1" noResize="1" noEditPoints="1" noAdjustHandles="1" noChangeArrowheads="1" noChangeShapeType="1" noTextEdit="1"/>
+          </p:cNvSpPr>
+          <p:nvPr>
+            <p:extLst>
+              <p:ext uri="{386F3935-93C4-4BCD-93E2-E3B085C9AB24}">
+                <p16:designElem xmlns:p16="http://schemas.microsoft.com/office/powerpoint/2015/main" val="1"/>
+              </p:ext>
+            </p:extLst>
+          </p:nvPr>
+        </p:nvSpPr>
+        <p:spPr>
+          <a:xfrm flipH="1">
+            <a:off x="2" y="492"/>
+            <a:ext cx="12191998" cy="1575955"/>
+          </a:xfrm>
+          <a:prstGeom prst="rect">
+            <a:avLst/>
+          </a:prstGeom>
+          <a:gradFill>
+            <a:gsLst>
+              <a:gs pos="0">
+                <a:schemeClr val="accent1">
+                  <a:lumMod val="50000"/>
+                </a:schemeClr>
+              </a:gs>
+              <a:gs pos="100000">
+                <a:schemeClr val="accent1">
+                  <a:lumMod val="75000"/>
+                </a:schemeClr>
+              </a:gs>
+            </a:gsLst>
+            <a:lin ang="8400000" scaled="0"/>
+          </a:gradFill>
+          <a:ln>
+            <a:noFill/>
+          </a:ln>
+        </p:spPr>
+        <p:style>
+          <a:lnRef idx="2">
+            <a:schemeClr val="accent1">
+              <a:shade val="50000"/>
+            </a:schemeClr>
+          </a:lnRef>
+          <a:fillRef idx="1">
+            <a:schemeClr val="accent1"/>
+          </a:fillRef>
+          <a:effectRef idx="0">
+            <a:schemeClr val="accent1"/>
+          </a:effectRef>
+          <a:fontRef idx="minor">
+            <a:schemeClr val="lt1"/>
+          </a:fontRef>
+        </p:style>
+        <p:txBody>
+          <a:bodyPr rtlCol="0" anchor="ctr"/>
+          <a:lstStyle/>
+          <a:p>
+            <a:pPr algn="ctr"/>
+            <a:endParaRPr lang="en-US" dirty="0"/>
+          </a:p>
+        </p:txBody>
+      </p:sp>
+      <p:sp>
+        <p:nvSpPr>
+          <p:cNvPr id="38" name="Rectangle 37">
+            <a:extLst>
+              <a:ext uri="{FF2B5EF4-FFF2-40B4-BE49-F238E27FC236}">
+                <a16:creationId xmlns:a16="http://schemas.microsoft.com/office/drawing/2014/main" id="{15F33878-D502-4FFA-8ACE-F2AECDB2A23F}"/>
+              </a:ext>
+              <a:ext uri="{C183D7F6-B498-43B3-948B-1728B52AA6E4}">
+                <adec:decorative xmlns:adec="http://schemas.microsoft.com/office/drawing/2017/decorative" val="1"/>
+              </a:ext>
+            </a:extLst>
+          </p:cNvPr>
+          <p:cNvSpPr>
+            <a:spLocks noGrp="1" noRot="1" noChangeAspect="1" noMove="1" noResize="1" noEditPoints="1" noAdjustHandles="1" noChangeArrowheads="1" noChangeShapeType="1" noTextEdit="1"/>
+          </p:cNvSpPr>
+          <p:nvPr>
+            <p:extLst>
+              <p:ext uri="{386F3935-93C4-4BCD-93E2-E3B085C9AB24}">
+                <p16:designElem xmlns:p16="http://schemas.microsoft.com/office/powerpoint/2015/main" val="1"/>
+              </p:ext>
+            </p:extLst>
+          </p:nvPr>
+        </p:nvSpPr>
+        <p:spPr>
+          <a:xfrm rot="10800000" flipH="1">
+            <a:off x="8128857" y="35"/>
+            <a:ext cx="4063143" cy="1576412"/>
+          </a:xfrm>
+          <a:prstGeom prst="rect">
+            <a:avLst/>
+          </a:prstGeom>
+          <a:gradFill>
+            <a:gsLst>
+              <a:gs pos="19000">
+                <a:schemeClr val="accent1">
+                  <a:lumMod val="50000"/>
+                  <a:alpha val="68000"/>
+                </a:schemeClr>
+              </a:gs>
+              <a:gs pos="100000">
+                <a:schemeClr val="accent1">
+                  <a:alpha val="79000"/>
+                </a:schemeClr>
+              </a:gs>
+            </a:gsLst>
+            <a:lin ang="19200000" scaled="0"/>
+          </a:gradFill>
+          <a:ln>
+            <a:noFill/>
+          </a:ln>
+        </p:spPr>
+        <p:style>
+          <a:lnRef idx="2">
+            <a:schemeClr val="accent1">
+              <a:shade val="50000"/>
+            </a:schemeClr>
+          </a:lnRef>
+          <a:fillRef idx="1">
+            <a:schemeClr val="accent1"/>
+          </a:fillRef>
+          <a:effectRef idx="0">
+            <a:schemeClr val="accent1"/>
+          </a:effectRef>
+          <a:fontRef idx="minor">
+            <a:schemeClr val="lt1"/>
+          </a:fontRef>
+        </p:style>
+        <p:txBody>
+          <a:bodyPr rtlCol="0" anchor="ctr"/>
+          <a:lstStyle/>
+          <a:p>
+            <a:pPr algn="ctr"/>
+            <a:endParaRPr lang="en-US" dirty="0"/>
+          </a:p>
+        </p:txBody>
+      </p:sp>
+      <p:sp>
+        <p:nvSpPr>
+          <p:cNvPr id="40" name="Rectangle 39">
+            <a:extLst>
+              <a:ext uri="{FF2B5EF4-FFF2-40B4-BE49-F238E27FC236}">
+                <a16:creationId xmlns:a16="http://schemas.microsoft.com/office/drawing/2014/main" id="{D3539FEE-81D3-4406-802E-60B20B16F4F6}"/>
+              </a:ext>
+              <a:ext uri="{C183D7F6-B498-43B3-948B-1728B52AA6E4}">
+                <adec:decorative xmlns:adec="http://schemas.microsoft.com/office/drawing/2017/decorative" val="1"/>
+              </a:ext>
+            </a:extLst>
+          </p:cNvPr>
+          <p:cNvSpPr>
+            <a:spLocks noGrp="1" noRot="1" noChangeAspect="1" noMove="1" noResize="1" noEditPoints="1" noAdjustHandles="1" noChangeArrowheads="1" noChangeShapeType="1" noTextEdit="1"/>
+          </p:cNvSpPr>
+          <p:nvPr>
+            <p:extLst>
+              <p:ext uri="{386F3935-93C4-4BCD-93E2-E3B085C9AB24}">
+                <p16:designElem xmlns:p16="http://schemas.microsoft.com/office/powerpoint/2015/main" val="1"/>
+              </p:ext>
+            </p:extLst>
+          </p:nvPr>
+        </p:nvSpPr>
+        <p:spPr>
+          <a:xfrm rot="5400000">
+            <a:off x="5307778" y="-5307777"/>
+            <a:ext cx="1576446" cy="12192001"/>
+          </a:xfrm>
+          <a:prstGeom prst="rect">
+            <a:avLst/>
+          </a:prstGeom>
+          <a:gradFill>
+            <a:gsLst>
+              <a:gs pos="16000">
+                <a:srgbClr val="000000">
+                  <a:alpha val="0"/>
+                </a:srgbClr>
+              </a:gs>
+              <a:gs pos="99000">
+                <a:srgbClr val="000000">
+                  <a:alpha val="87000"/>
+                </a:srgbClr>
+              </a:gs>
+            </a:gsLst>
+            <a:lin ang="11400000" scaled="0"/>
+          </a:gradFill>
+          <a:ln>
+            <a:noFill/>
+          </a:ln>
+        </p:spPr>
+        <p:style>
+          <a:lnRef idx="2">
+            <a:schemeClr val="accent1">
+              <a:shade val="50000"/>
+            </a:schemeClr>
+          </a:lnRef>
+          <a:fillRef idx="1">
+            <a:schemeClr val="accent1"/>
+          </a:fillRef>
+          <a:effectRef idx="0">
+            <a:schemeClr val="accent1"/>
+          </a:effectRef>
+          <a:fontRef idx="minor">
+            <a:schemeClr val="lt1"/>
+          </a:fontRef>
+        </p:style>
+        <p:txBody>
+          <a:bodyPr rtlCol="0" anchor="ctr"/>
+          <a:lstStyle/>
+          <a:p>
+            <a:pPr algn="ctr"/>
+            <a:endParaRPr lang="en-US" dirty="0"/>
+          </a:p>
+        </p:txBody>
+      </p:sp>
+      <p:sp>
+        <p:nvSpPr>
+          <p:cNvPr id="42" name="Rectangle 41">
+            <a:extLst>
+              <a:ext uri="{FF2B5EF4-FFF2-40B4-BE49-F238E27FC236}">
+                <a16:creationId xmlns:a16="http://schemas.microsoft.com/office/drawing/2014/main" id="{DC701763-729E-462F-A5A8-E0DEFEB1E2E4}"/>
+              </a:ext>
+              <a:ext uri="{C183D7F6-B498-43B3-948B-1728B52AA6E4}">
+                <adec:decorative xmlns:adec="http://schemas.microsoft.com/office/drawing/2017/decorative" val="1"/>
+              </a:ext>
+            </a:extLst>
+          </p:cNvPr>
+          <p:cNvSpPr>
+            <a:spLocks noGrp="1" noRot="1" noChangeAspect="1" noMove="1" noResize="1" noEditPoints="1" noAdjustHandles="1" noChangeArrowheads="1" noChangeShapeType="1" noTextEdit="1"/>
+          </p:cNvSpPr>
+          <p:nvPr>
+            <p:extLst>
+              <p:ext uri="{386F3935-93C4-4BCD-93E2-E3B085C9AB24}">
+                <p16:designElem xmlns:p16="http://schemas.microsoft.com/office/powerpoint/2015/main" val="1"/>
+              </p:ext>
+            </p:extLst>
+          </p:nvPr>
+        </p:nvSpPr>
+        <p:spPr>
+          <a:xfrm>
+            <a:off x="3825434" y="986"/>
+            <a:ext cx="4303422" cy="1575461"/>
+          </a:xfrm>
+          <a:prstGeom prst="rect">
+            <a:avLst/>
+          </a:prstGeom>
+          <a:gradFill>
+            <a:gsLst>
+              <a:gs pos="0">
+                <a:schemeClr val="accent1">
+                  <a:alpha val="17000"/>
+                </a:schemeClr>
+              </a:gs>
+              <a:gs pos="74000">
+                <a:schemeClr val="accent1">
+                  <a:lumMod val="50000"/>
+                  <a:alpha val="0"/>
+                </a:schemeClr>
+              </a:gs>
+            </a:gsLst>
+            <a:lin ang="14400000" scaled="0"/>
+          </a:gradFill>
+          <a:ln>
+            <a:noFill/>
+          </a:ln>
+        </p:spPr>
+        <p:style>
+          <a:lnRef idx="2">
+            <a:schemeClr val="accent1">
+              <a:shade val="50000"/>
+            </a:schemeClr>
+          </a:lnRef>
+          <a:fillRef idx="1">
+            <a:schemeClr val="accent1"/>
+          </a:fillRef>
+          <a:effectRef idx="0">
+            <a:schemeClr val="accent1"/>
+          </a:effectRef>
+          <a:fontRef idx="minor">
+            <a:schemeClr val="lt1"/>
+          </a:fontRef>
+        </p:style>
+        <p:txBody>
+          <a:bodyPr rtlCol="0" anchor="ctr"/>
+          <a:lstStyle/>
+          <a:p>
+            <a:pPr algn="ctr"/>
+            <a:endParaRPr lang="en-US" dirty="0"/>
+          </a:p>
+        </p:txBody>
+      </p:sp>
+      <p:sp>
+        <p:nvSpPr>
+          <p:cNvPr id="2" name="Title 1">
+            <a:extLst>
+              <a:ext uri="{FF2B5EF4-FFF2-40B4-BE49-F238E27FC236}">
+                <a16:creationId xmlns:a16="http://schemas.microsoft.com/office/drawing/2014/main" id="{43FE1721-FF7E-574F-D477-57901F5711BF}"/>
+              </a:ext>
+            </a:extLst>
+          </p:cNvPr>
+          <p:cNvSpPr>
+            <a:spLocks noGrp="1"/>
+          </p:cNvSpPr>
+          <p:nvPr>
+            <p:ph type="title"/>
+          </p:nvPr>
+        </p:nvSpPr>
+        <p:spPr>
+          <a:xfrm>
+            <a:off x="699714" y="353160"/>
+            <a:ext cx="7091300" cy="898581"/>
+          </a:xfrm>
+        </p:spPr>
+        <p:txBody>
+          <a:bodyPr vert="horz" lIns="91440" tIns="45720" rIns="91440" bIns="45720" rtlCol="0" anchor="ctr">
+            <a:normAutofit/>
+          </a:bodyPr>
+          <a:lstStyle/>
+          <a:p>
+            <a:r>
+              <a:rPr lang="en-US" sz="3400" b="1" dirty="0">
+                <a:solidFill>
+                  <a:srgbClr val="FFFFFF"/>
+                </a:solidFill>
+              </a:rPr>
+              <a:t>Preliminary Analysis – House Price</a:t>
+            </a:r>
+          </a:p>
+        </p:txBody>
+      </p:sp>
+      <p:pic>
+        <p:nvPicPr>
+          <p:cNvPr id="8" name="Picture 7">
+            <a:extLst>
+              <a:ext uri="{FF2B5EF4-FFF2-40B4-BE49-F238E27FC236}">
+                <a16:creationId xmlns:a16="http://schemas.microsoft.com/office/drawing/2014/main" id="{2F6E02A0-99B8-391D-05C9-3B9E24A28790}"/>
+              </a:ext>
+            </a:extLst>
+          </p:cNvPr>
+          <p:cNvPicPr>
+            <a:picLocks noChangeAspect="1"/>
+          </p:cNvPicPr>
+          <p:nvPr/>
+        </p:nvPicPr>
+        <p:blipFill>
+          <a:blip r:embed="rId2"/>
+          <a:stretch>
+            <a:fillRect/>
+          </a:stretch>
+        </p:blipFill>
+        <p:spPr>
+          <a:xfrm>
+            <a:off x="0" y="2060982"/>
+            <a:ext cx="6738255" cy="4312482"/>
+          </a:xfrm>
+          <a:prstGeom prst="rect">
+            <a:avLst/>
+          </a:prstGeom>
+        </p:spPr>
+      </p:pic>
+      <p:pic>
+        <p:nvPicPr>
+          <p:cNvPr id="4" name="Picture 3">
+            <a:extLst>
+              <a:ext uri="{FF2B5EF4-FFF2-40B4-BE49-F238E27FC236}">
+                <a16:creationId xmlns:a16="http://schemas.microsoft.com/office/drawing/2014/main" id="{66BAFBCF-4D52-3F89-6FD4-C9C06C590F47}"/>
+              </a:ext>
+            </a:extLst>
+          </p:cNvPr>
+          <p:cNvPicPr>
+            <a:picLocks noChangeAspect="1"/>
+          </p:cNvPicPr>
+          <p:nvPr/>
+        </p:nvPicPr>
+        <p:blipFill>
+          <a:blip r:embed="rId3"/>
+          <a:stretch>
+            <a:fillRect/>
+          </a:stretch>
+        </p:blipFill>
+        <p:spPr>
+          <a:xfrm>
+            <a:off x="6657620" y="1830522"/>
+            <a:ext cx="5534380" cy="4773403"/>
+          </a:xfrm>
+          <a:prstGeom prst="rect">
+            <a:avLst/>
+          </a:prstGeom>
+        </p:spPr>
+      </p:pic>
+    </p:spTree>
+    <p:extLst>
+      <p:ext uri="{BB962C8B-B14F-4D97-AF65-F5344CB8AC3E}">
+        <p14:creationId xmlns:p14="http://schemas.microsoft.com/office/powerpoint/2010/main" val="2921559018"/>
+      </p:ext>
+    </p:extLst>
+  </p:cSld>
+  <p:clrMapOvr>
+    <a:masterClrMapping/>
+  </p:clrMapOvr>
+  <mc:AlternateContent xmlns:mc="http://schemas.openxmlformats.org/markup-compatibility/2006" xmlns:p159="http://schemas.microsoft.com/office/powerpoint/2015/09/main">
+    <mc:Choice Requires="p159">
+      <p:transition xmlns:p14="http://schemas.microsoft.com/office/powerpoint/2010/main" spd="slow" p14:dur="2000">
+        <p159:morph option="byObject"/>
+      </p:transition>
+    </mc:Choice>
+    <mc:Fallback xmlns="">
+      <p:transition spd="slow">
+        <p:fade/>
+      </p:transition>
+    </mc:Fallback>
+  </mc:AlternateContent>
+</p:sld>
+</file>
+
+<file path=ppt/slides/slide14.xml><?xml version="1.0" encoding="utf-8"?>
+<p:sld xmlns:a="http://schemas.openxmlformats.org/drawingml/2006/main" xmlns:r="http://schemas.openxmlformats.org/officeDocument/2006/relationships" xmlns:p="http://schemas.openxmlformats.org/presentationml/2006/main">
+  <p:cSld>
+    <p:bg>
+      <p:bgPr>
+        <a:solidFill>
+          <a:schemeClr val="bg1"/>
+        </a:solidFill>
+        <a:effectLst/>
+      </p:bgPr>
+    </p:bg>
+    <p:spTree>
+      <p:nvGrpSpPr>
+        <p:cNvPr id="1" name=""/>
+        <p:cNvGrpSpPr/>
+        <p:nvPr/>
+      </p:nvGrpSpPr>
+      <p:grpSpPr>
+        <a:xfrm>
+          <a:off x="0" y="0"/>
+          <a:ext cx="0" cy="0"/>
+          <a:chOff x="0" y="0"/>
+          <a:chExt cx="0" cy="0"/>
+        </a:xfrm>
+      </p:grpSpPr>
+      <p:sp useBgFill="1">
+        <p:nvSpPr>
+          <p:cNvPr id="41" name="Rectangle 40">
+            <a:extLst>
+              <a:ext uri="{FF2B5EF4-FFF2-40B4-BE49-F238E27FC236}">
+                <a16:creationId xmlns:a16="http://schemas.microsoft.com/office/drawing/2014/main" id="{BACC6370-2D7E-4714-9D71-7542949D7D5D}"/>
+              </a:ext>
+              <a:ext uri="{C183D7F6-B498-43B3-948B-1728B52AA6E4}">
+                <adec:decorative xmlns:adec="http://schemas.microsoft.com/office/drawing/2017/decorative" val="1"/>
+              </a:ext>
+            </a:extLst>
+          </p:cNvPr>
+          <p:cNvSpPr>
+            <a:spLocks noGrp="1" noRot="1" noChangeAspect="1" noMove="1" noResize="1" noEditPoints="1" noAdjustHandles="1" noChangeArrowheads="1" noChangeShapeType="1" noTextEdit="1"/>
+          </p:cNvSpPr>
+          <p:nvPr>
+            <p:extLst>
+              <p:ext uri="{386F3935-93C4-4BCD-93E2-E3B085C9AB24}">
+                <p16:designElem xmlns:p16="http://schemas.microsoft.com/office/powerpoint/2015/main" val="1"/>
+              </p:ext>
+            </p:extLst>
+          </p:nvPr>
+        </p:nvSpPr>
+        <p:spPr>
+          <a:xfrm>
+            <a:off x="0" y="0"/>
+            <a:ext cx="12192000" cy="6858000"/>
+          </a:xfrm>
+          <a:prstGeom prst="rect">
+            <a:avLst/>
+          </a:prstGeom>
+          <a:ln w="12700" cap="flat" cmpd="sng" algn="ctr">
+            <a:noFill/>
+            <a:prstDash val="solid"/>
+            <a:miter lim="800000"/>
+          </a:ln>
+          <a:effectLst/>
+          <a:extLst>
+            <a:ext uri="{91240B29-F687-4F45-9708-019B960494DF}">
+              <a14:hiddenLine xmlns:a14="http://schemas.microsoft.com/office/drawing/2010/main" w="12700" cap="flat" cmpd="sng" algn="ctr">
+                <a:solidFill>
+                  <a:schemeClr val="accent1">
+                    <a:shade val="50000"/>
+                  </a:schemeClr>
+                </a:solidFill>
+                <a:prstDash val="solid"/>
+                <a:miter lim="800000"/>
+              </a14:hiddenLine>
+            </a:ext>
+          </a:extLst>
+        </p:spPr>
+        <p:style>
+          <a:lnRef idx="2">
+            <a:schemeClr val="accent1">
+              <a:shade val="50000"/>
+            </a:schemeClr>
+          </a:lnRef>
+          <a:fillRef idx="1">
+            <a:schemeClr val="accent1"/>
+          </a:fillRef>
+          <a:effectRef idx="0">
+            <a:schemeClr val="accent1"/>
+          </a:effectRef>
+          <a:fontRef idx="minor">
+            <a:schemeClr val="lt1"/>
+          </a:fontRef>
+        </p:style>
+        <p:txBody>
+          <a:bodyPr rtlCol="0" anchor="ctr"/>
+          <a:lstStyle/>
+          <a:p>
+            <a:pPr algn="ctr"/>
+            <a:endParaRPr lang="en-US" dirty="0"/>
           </a:p>
         </p:txBody>
       </p:sp>
@@ -11777,7 +13921,7 @@
           <a:lstStyle/>
           <a:p>
             <a:pPr algn="ctr"/>
-            <a:endParaRPr lang="en-US"/>
+            <a:endParaRPr lang="en-US" dirty="0"/>
           </a:p>
         </p:txBody>
       </p:sp>
@@ -11853,7 +13997,7 @@
           <a:lstStyle/>
           <a:p>
             <a:pPr algn="ctr"/>
-            <a:endParaRPr lang="en-US"/>
+            <a:endParaRPr lang="en-US" dirty="0"/>
           </a:p>
         </p:txBody>
       </p:sp>
@@ -11961,7 +14105,7 @@
           <a:lstStyle/>
           <a:p>
             <a:r>
-              <a:rPr lang="en-GB" sz="4000">
+              <a:rPr lang="en-GB" sz="4000" dirty="0">
                 <a:solidFill>
                   <a:srgbClr val="FFFFFF"/>
                 </a:solidFill>
@@ -11988,7 +14132,7 @@
             <p:ph idx="1"/>
             <p:extLst>
               <p:ext uri="{D42A27DB-BD31-4B8C-83A1-F6EECF244321}">
-                <p14:modId xmlns:p14="http://schemas.microsoft.com/office/powerpoint/2010/main" val="3507941080"/>
+                <p14:modId xmlns:p14="http://schemas.microsoft.com/office/powerpoint/2010/main" val="3866008851"/>
               </p:ext>
             </p:extLst>
           </p:nvPr>
@@ -11999,7 +14143,7 @@
         </p:xfrm>
         <a:graphic>
           <a:graphicData uri="http://schemas.openxmlformats.org/drawingml/2006/diagram">
-            <dgm:relIds xmlns:dgm="http://schemas.openxmlformats.org/drawingml/2006/diagram" xmlns:r="http://schemas.openxmlformats.org/officeDocument/2006/relationships" r:dm="rId2" r:lo="rId3" r:qs="rId4" r:cs="rId5"/>
+            <dgm:relIds xmlns:dgm="http://schemas.openxmlformats.org/drawingml/2006/diagram" xmlns:r="http://schemas.openxmlformats.org/officeDocument/2006/relationships" r:dm="rId3" r:lo="rId4" r:qs="rId5" r:cs="rId6"/>
           </a:graphicData>
         </a:graphic>
       </p:graphicFrame>
@@ -12028,7 +14172,7 @@
 </p:sld>
 </file>
 
-<file path=ppt/slides/slide2.xml><?xml version="1.0" encoding="utf-8"?>
+<file path=ppt/slides/slide15.xml><?xml version="1.0" encoding="utf-8"?>
 <p:sld xmlns:a="http://schemas.openxmlformats.org/drawingml/2006/main" xmlns:r="http://schemas.openxmlformats.org/officeDocument/2006/relationships" xmlns:p="http://schemas.openxmlformats.org/presentationml/2006/main">
   <p:cSld>
     <p:bg>
@@ -12055,10 +14199,10 @@
       </p:grpSpPr>
       <p:sp useBgFill="1">
         <p:nvSpPr>
-          <p:cNvPr id="9" name="Rectangle 8">
+          <p:cNvPr id="7" name="Rectangle 6">
             <a:extLst>
               <a:ext uri="{FF2B5EF4-FFF2-40B4-BE49-F238E27FC236}">
-                <a16:creationId xmlns:a16="http://schemas.microsoft.com/office/drawing/2014/main" id="{1B15ED52-F352-441B-82BF-E0EA34836D08}"/>
+                <a16:creationId xmlns:a16="http://schemas.microsoft.com/office/drawing/2014/main" id="{6F5A5072-7B47-4D32-B52A-4EBBF590B8A5}"/>
               </a:ext>
               <a:ext uri="{C183D7F6-B498-43B3-948B-1728B52AA6E4}">
                 <adec:decorative xmlns:adec="http://schemas.microsoft.com/office/drawing/2017/decorative" val="1"/>
@@ -12131,6 +14275,708 @@
       </p:sp>
       <p:sp>
         <p:nvSpPr>
+          <p:cNvPr id="9" name="Rectangle 8">
+            <a:extLst>
+              <a:ext uri="{FF2B5EF4-FFF2-40B4-BE49-F238E27FC236}">
+                <a16:creationId xmlns:a16="http://schemas.microsoft.com/office/drawing/2014/main" id="{9715DAF0-AE1B-46C9-8A6B-DB2AA05AB91D}"/>
+              </a:ext>
+              <a:ext uri="{C183D7F6-B498-43B3-948B-1728B52AA6E4}">
+                <adec:decorative xmlns:adec="http://schemas.microsoft.com/office/drawing/2017/decorative" val="1"/>
+              </a:ext>
+            </a:extLst>
+          </p:cNvPr>
+          <p:cNvSpPr>
+            <a:spLocks noGrp="1" noRot="1" noChangeAspect="1" noMove="1" noResize="1" noEditPoints="1" noAdjustHandles="1" noChangeArrowheads="1" noChangeShapeType="1" noTextEdit="1"/>
+          </p:cNvSpPr>
+          <p:nvPr>
+            <p:extLst>
+              <p:ext uri="{386F3935-93C4-4BCD-93E2-E3B085C9AB24}">
+                <p16:designElem xmlns:p16="http://schemas.microsoft.com/office/powerpoint/2015/main" val="1"/>
+              </p:ext>
+            </p:extLst>
+          </p:nvPr>
+        </p:nvSpPr>
+        <p:spPr>
+          <a:xfrm rot="10800000">
+            <a:off x="-2" y="-22693"/>
+            <a:ext cx="12191999" cy="4374129"/>
+          </a:xfrm>
+          <a:prstGeom prst="rect">
+            <a:avLst/>
+          </a:prstGeom>
+          <a:gradFill>
+            <a:gsLst>
+              <a:gs pos="0">
+                <a:schemeClr val="accent1">
+                  <a:lumMod val="75000"/>
+                </a:schemeClr>
+              </a:gs>
+              <a:gs pos="100000">
+                <a:srgbClr val="000000"/>
+              </a:gs>
+            </a:gsLst>
+            <a:lin ang="15000000" scaled="0"/>
+          </a:gradFill>
+          <a:ln>
+            <a:noFill/>
+          </a:ln>
+        </p:spPr>
+        <p:style>
+          <a:lnRef idx="2">
+            <a:schemeClr val="accent1">
+              <a:shade val="50000"/>
+            </a:schemeClr>
+          </a:lnRef>
+          <a:fillRef idx="1">
+            <a:schemeClr val="accent1"/>
+          </a:fillRef>
+          <a:effectRef idx="0">
+            <a:schemeClr val="accent1"/>
+          </a:effectRef>
+          <a:fontRef idx="minor">
+            <a:schemeClr val="lt1"/>
+          </a:fontRef>
+        </p:style>
+        <p:txBody>
+          <a:bodyPr rtlCol="0" anchor="ctr"/>
+          <a:lstStyle/>
+          <a:p>
+            <a:pPr algn="ctr"/>
+            <a:endParaRPr lang="en-US"/>
+          </a:p>
+        </p:txBody>
+      </p:sp>
+      <p:sp>
+        <p:nvSpPr>
+          <p:cNvPr id="11" name="Rectangle 10">
+            <a:extLst>
+              <a:ext uri="{FF2B5EF4-FFF2-40B4-BE49-F238E27FC236}">
+                <a16:creationId xmlns:a16="http://schemas.microsoft.com/office/drawing/2014/main" id="{6016219D-510E-4184-9090-6D5578A87BD1}"/>
+              </a:ext>
+              <a:ext uri="{C183D7F6-B498-43B3-948B-1728B52AA6E4}">
+                <adec:decorative xmlns:adec="http://schemas.microsoft.com/office/drawing/2017/decorative" val="1"/>
+              </a:ext>
+            </a:extLst>
+          </p:cNvPr>
+          <p:cNvSpPr>
+            <a:spLocks noGrp="1" noRot="1" noChangeAspect="1" noMove="1" noResize="1" noEditPoints="1" noAdjustHandles="1" noChangeArrowheads="1" noChangeShapeType="1" noTextEdit="1"/>
+          </p:cNvSpPr>
+          <p:nvPr>
+            <p:extLst>
+              <p:ext uri="{386F3935-93C4-4BCD-93E2-E3B085C9AB24}">
+                <p16:designElem xmlns:p16="http://schemas.microsoft.com/office/powerpoint/2015/main" val="1"/>
+              </p:ext>
+            </p:extLst>
+          </p:nvPr>
+        </p:nvSpPr>
+        <p:spPr>
+          <a:xfrm rot="5400000">
+            <a:off x="3908719" y="-3931841"/>
+            <a:ext cx="4374557" cy="12192000"/>
+          </a:xfrm>
+          <a:prstGeom prst="rect">
+            <a:avLst/>
+          </a:prstGeom>
+          <a:gradFill>
+            <a:gsLst>
+              <a:gs pos="40000">
+                <a:schemeClr val="accent1">
+                  <a:alpha val="0"/>
+                </a:schemeClr>
+              </a:gs>
+              <a:gs pos="100000">
+                <a:schemeClr val="accent1">
+                  <a:lumMod val="75000"/>
+                  <a:alpha val="52000"/>
+                </a:schemeClr>
+              </a:gs>
+            </a:gsLst>
+            <a:lin ang="2400000" scaled="0"/>
+          </a:gradFill>
+          <a:ln>
+            <a:noFill/>
+          </a:ln>
+        </p:spPr>
+        <p:style>
+          <a:lnRef idx="2">
+            <a:schemeClr val="accent1">
+              <a:shade val="50000"/>
+            </a:schemeClr>
+          </a:lnRef>
+          <a:fillRef idx="1">
+            <a:schemeClr val="accent1"/>
+          </a:fillRef>
+          <a:effectRef idx="0">
+            <a:schemeClr val="accent1"/>
+          </a:effectRef>
+          <a:fontRef idx="minor">
+            <a:schemeClr val="lt1"/>
+          </a:fontRef>
+        </p:style>
+        <p:txBody>
+          <a:bodyPr rtlCol="0" anchor="ctr"/>
+          <a:lstStyle/>
+          <a:p>
+            <a:pPr algn="ctr"/>
+            <a:endParaRPr lang="en-US"/>
+          </a:p>
+        </p:txBody>
+      </p:sp>
+      <p:sp>
+        <p:nvSpPr>
+          <p:cNvPr id="13" name="Rectangle 12">
+            <a:extLst>
+              <a:ext uri="{FF2B5EF4-FFF2-40B4-BE49-F238E27FC236}">
+                <a16:creationId xmlns:a16="http://schemas.microsoft.com/office/drawing/2014/main" id="{AFF4A713-7B75-4B21-90D7-5AB19547C728}"/>
+              </a:ext>
+              <a:ext uri="{C183D7F6-B498-43B3-948B-1728B52AA6E4}">
+                <adec:decorative xmlns:adec="http://schemas.microsoft.com/office/drawing/2017/decorative" val="1"/>
+              </a:ext>
+            </a:extLst>
+          </p:cNvPr>
+          <p:cNvSpPr>
+            <a:spLocks noGrp="1" noRot="1" noChangeAspect="1" noMove="1" noResize="1" noEditPoints="1" noAdjustHandles="1" noChangeArrowheads="1" noChangeShapeType="1" noTextEdit="1"/>
+          </p:cNvSpPr>
+          <p:nvPr>
+            <p:extLst>
+              <p:ext uri="{386F3935-93C4-4BCD-93E2-E3B085C9AB24}">
+                <p16:designElem xmlns:p16="http://schemas.microsoft.com/office/powerpoint/2015/main" val="1"/>
+              </p:ext>
+            </p:extLst>
+          </p:nvPr>
+        </p:nvSpPr>
+        <p:spPr>
+          <a:xfrm rot="5400000">
+            <a:off x="4136696" y="-3703868"/>
+            <a:ext cx="4374128" cy="11736479"/>
+          </a:xfrm>
+          <a:prstGeom prst="rect">
+            <a:avLst/>
+          </a:prstGeom>
+          <a:gradFill>
+            <a:gsLst>
+              <a:gs pos="17000">
+                <a:schemeClr val="accent1">
+                  <a:alpha val="0"/>
+                </a:schemeClr>
+              </a:gs>
+              <a:gs pos="100000">
+                <a:srgbClr val="000000">
+                  <a:alpha val="37000"/>
+                </a:srgbClr>
+              </a:gs>
+            </a:gsLst>
+            <a:lin ang="7800000" scaled="0"/>
+          </a:gradFill>
+          <a:ln>
+            <a:noFill/>
+          </a:ln>
+        </p:spPr>
+        <p:style>
+          <a:lnRef idx="2">
+            <a:schemeClr val="accent1">
+              <a:shade val="50000"/>
+            </a:schemeClr>
+          </a:lnRef>
+          <a:fillRef idx="1">
+            <a:schemeClr val="accent1"/>
+          </a:fillRef>
+          <a:effectRef idx="0">
+            <a:schemeClr val="accent1"/>
+          </a:effectRef>
+          <a:fontRef idx="minor">
+            <a:schemeClr val="lt1"/>
+          </a:fontRef>
+        </p:style>
+        <p:txBody>
+          <a:bodyPr rtlCol="0" anchor="ctr"/>
+          <a:lstStyle/>
+          <a:p>
+            <a:pPr algn="ctr"/>
+            <a:endParaRPr lang="en-US"/>
+          </a:p>
+        </p:txBody>
+      </p:sp>
+      <p:sp>
+        <p:nvSpPr>
+          <p:cNvPr id="15" name="Rectangle 14">
+            <a:extLst>
+              <a:ext uri="{FF2B5EF4-FFF2-40B4-BE49-F238E27FC236}">
+                <a16:creationId xmlns:a16="http://schemas.microsoft.com/office/drawing/2014/main" id="{DC631C0B-6DA6-4E57-8231-CE32B3434A7E}"/>
+              </a:ext>
+              <a:ext uri="{C183D7F6-B498-43B3-948B-1728B52AA6E4}">
+                <adec:decorative xmlns:adec="http://schemas.microsoft.com/office/drawing/2017/decorative" val="1"/>
+              </a:ext>
+            </a:extLst>
+          </p:cNvPr>
+          <p:cNvSpPr>
+            <a:spLocks noGrp="1" noRot="1" noChangeAspect="1" noMove="1" noResize="1" noEditPoints="1" noAdjustHandles="1" noChangeArrowheads="1" noChangeShapeType="1" noTextEdit="1"/>
+          </p:cNvSpPr>
+          <p:nvPr>
+            <p:extLst>
+              <p:ext uri="{386F3935-93C4-4BCD-93E2-E3B085C9AB24}">
+                <p16:designElem xmlns:p16="http://schemas.microsoft.com/office/powerpoint/2015/main" val="1"/>
+              </p:ext>
+            </p:extLst>
+          </p:nvPr>
+        </p:nvSpPr>
+        <p:spPr>
+          <a:xfrm>
+            <a:off x="-5" y="-22690"/>
+            <a:ext cx="8542485" cy="4374126"/>
+          </a:xfrm>
+          <a:prstGeom prst="rect">
+            <a:avLst/>
+          </a:prstGeom>
+          <a:gradFill>
+            <a:gsLst>
+              <a:gs pos="0">
+                <a:schemeClr val="accent1">
+                  <a:lumMod val="50000"/>
+                  <a:alpha val="0"/>
+                </a:schemeClr>
+              </a:gs>
+              <a:gs pos="100000">
+                <a:srgbClr val="000000">
+                  <a:alpha val="25000"/>
+                </a:srgbClr>
+              </a:gs>
+            </a:gsLst>
+            <a:lin ang="18600000" scaled="0"/>
+          </a:gradFill>
+          <a:ln>
+            <a:noFill/>
+          </a:ln>
+        </p:spPr>
+        <p:style>
+          <a:lnRef idx="2">
+            <a:schemeClr val="accent1">
+              <a:shade val="50000"/>
+            </a:schemeClr>
+          </a:lnRef>
+          <a:fillRef idx="1">
+            <a:schemeClr val="accent1"/>
+          </a:fillRef>
+          <a:effectRef idx="0">
+            <a:schemeClr val="accent1"/>
+          </a:effectRef>
+          <a:fontRef idx="minor">
+            <a:schemeClr val="lt1"/>
+          </a:fontRef>
+        </p:style>
+        <p:txBody>
+          <a:bodyPr rtlCol="0" anchor="ctr"/>
+          <a:lstStyle/>
+          <a:p>
+            <a:pPr algn="ctr"/>
+            <a:endParaRPr lang="en-US"/>
+          </a:p>
+        </p:txBody>
+      </p:sp>
+      <p:sp>
+        <p:nvSpPr>
+          <p:cNvPr id="17" name="Freeform: Shape 16">
+            <a:extLst>
+              <a:ext uri="{FF2B5EF4-FFF2-40B4-BE49-F238E27FC236}">
+                <a16:creationId xmlns:a16="http://schemas.microsoft.com/office/drawing/2014/main" id="{C29501E6-A978-4A61-9689-9085AF97A53A}"/>
+              </a:ext>
+              <a:ext uri="{C183D7F6-B498-43B3-948B-1728B52AA6E4}">
+                <adec:decorative xmlns:adec="http://schemas.microsoft.com/office/drawing/2017/decorative" val="1"/>
+              </a:ext>
+            </a:extLst>
+          </p:cNvPr>
+          <p:cNvSpPr>
+            <a:spLocks noGrp="1" noRot="1" noChangeAspect="1" noMove="1" noResize="1" noEditPoints="1" noAdjustHandles="1" noChangeArrowheads="1" noChangeShapeType="1" noTextEdit="1"/>
+          </p:cNvSpPr>
+          <p:nvPr>
+            <p:extLst>
+              <p:ext uri="{386F3935-93C4-4BCD-93E2-E3B085C9AB24}">
+                <p16:designElem xmlns:p16="http://schemas.microsoft.com/office/powerpoint/2015/main" val="1"/>
+              </p:ext>
+            </p:extLst>
+          </p:nvPr>
+        </p:nvSpPr>
+        <p:spPr>
+          <a:xfrm rot="12508972">
+            <a:off x="5945431" y="-1032053"/>
+            <a:ext cx="4990147" cy="4439131"/>
+          </a:xfrm>
+          <a:custGeom>
+            <a:avLst/>
+            <a:gdLst>
+              <a:gd name="connsiteX0" fmla="*/ 4990147 w 4990147"/>
+              <a:gd name="connsiteY0" fmla="*/ 2229378 h 4439131"/>
+              <a:gd name="connsiteX1" fmla="*/ 917384 w 4990147"/>
+              <a:gd name="connsiteY1" fmla="*/ 4439131 h 4439131"/>
+              <a:gd name="connsiteX2" fmla="*/ 910814 w 4990147"/>
+              <a:gd name="connsiteY2" fmla="*/ 4434219 h 4439131"/>
+              <a:gd name="connsiteX3" fmla="*/ 0 w 4990147"/>
+              <a:gd name="connsiteY3" fmla="*/ 2502877 h 4439131"/>
+              <a:gd name="connsiteX4" fmla="*/ 2502877 w 4990147"/>
+              <a:gd name="connsiteY4" fmla="*/ 0 h 4439131"/>
+              <a:gd name="connsiteX5" fmla="*/ 4954904 w 4990147"/>
+              <a:gd name="connsiteY5" fmla="*/ 1998460 h 4439131"/>
+            </a:gdLst>
+            <a:ahLst/>
+            <a:cxnLst>
+              <a:cxn ang="0">
+                <a:pos x="connsiteX0" y="connsiteY0"/>
+              </a:cxn>
+              <a:cxn ang="0">
+                <a:pos x="connsiteX1" y="connsiteY1"/>
+              </a:cxn>
+              <a:cxn ang="0">
+                <a:pos x="connsiteX2" y="connsiteY2"/>
+              </a:cxn>
+              <a:cxn ang="0">
+                <a:pos x="connsiteX3" y="connsiteY3"/>
+              </a:cxn>
+              <a:cxn ang="0">
+                <a:pos x="connsiteX4" y="connsiteY4"/>
+              </a:cxn>
+              <a:cxn ang="0">
+                <a:pos x="connsiteX5" y="connsiteY5"/>
+              </a:cxn>
+            </a:cxnLst>
+            <a:rect l="l" t="t" r="r" b="b"/>
+            <a:pathLst>
+              <a:path w="4990147" h="4439131">
+                <a:moveTo>
+                  <a:pt x="4990147" y="2229378"/>
+                </a:moveTo>
+                <a:lnTo>
+                  <a:pt x="917384" y="4439131"/>
+                </a:lnTo>
+                <a:lnTo>
+                  <a:pt x="910814" y="4434219"/>
+                </a:lnTo>
+                <a:cubicBezTo>
+                  <a:pt x="354557" y="3975154"/>
+                  <a:pt x="0" y="3280421"/>
+                  <a:pt x="0" y="2502877"/>
+                </a:cubicBezTo>
+                <a:cubicBezTo>
+                  <a:pt x="0" y="1120576"/>
+                  <a:pt x="1120576" y="0"/>
+                  <a:pt x="2502877" y="0"/>
+                </a:cubicBezTo>
+                <a:cubicBezTo>
+                  <a:pt x="3712390" y="0"/>
+                  <a:pt x="4721520" y="857941"/>
+                  <a:pt x="4954904" y="1998460"/>
+                </a:cubicBezTo>
+                <a:close/>
+              </a:path>
+            </a:pathLst>
+          </a:custGeom>
+          <a:gradFill>
+            <a:gsLst>
+              <a:gs pos="0">
+                <a:schemeClr val="accent1">
+                  <a:alpha val="22000"/>
+                </a:schemeClr>
+              </a:gs>
+              <a:gs pos="87000">
+                <a:schemeClr val="accent1">
+                  <a:lumMod val="60000"/>
+                  <a:lumOff val="40000"/>
+                  <a:alpha val="2000"/>
+                </a:schemeClr>
+              </a:gs>
+            </a:gsLst>
+            <a:lin ang="8400000" scaled="0"/>
+          </a:gradFill>
+          <a:ln>
+            <a:noFill/>
+          </a:ln>
+        </p:spPr>
+        <p:style>
+          <a:lnRef idx="2">
+            <a:schemeClr val="accent1">
+              <a:shade val="50000"/>
+            </a:schemeClr>
+          </a:lnRef>
+          <a:fillRef idx="1">
+            <a:schemeClr val="accent1"/>
+          </a:fillRef>
+          <a:effectRef idx="0">
+            <a:schemeClr val="accent1"/>
+          </a:effectRef>
+          <a:fontRef idx="minor">
+            <a:schemeClr val="lt1"/>
+          </a:fontRef>
+        </p:style>
+        <p:txBody>
+          <a:bodyPr wrap="square" rtlCol="0" anchor="ctr">
+            <a:noAutofit/>
+          </a:bodyPr>
+          <a:lstStyle/>
+          <a:p>
+            <a:pPr algn="ctr"/>
+            <a:endParaRPr lang="en-US" dirty="0"/>
+          </a:p>
+        </p:txBody>
+      </p:sp>
+      <p:sp>
+        <p:nvSpPr>
+          <p:cNvPr id="2" name="Title 1">
+            <a:extLst>
+              <a:ext uri="{FF2B5EF4-FFF2-40B4-BE49-F238E27FC236}">
+                <a16:creationId xmlns:a16="http://schemas.microsoft.com/office/drawing/2014/main" id="{38F8C9BB-BA49-542B-439F-EF46F3B14E39}"/>
+              </a:ext>
+            </a:extLst>
+          </p:cNvPr>
+          <p:cNvSpPr>
+            <a:spLocks noGrp="1"/>
+          </p:cNvSpPr>
+          <p:nvPr>
+            <p:ph type="title"/>
+          </p:nvPr>
+        </p:nvSpPr>
+        <p:spPr>
+          <a:xfrm>
+            <a:off x="1314824" y="735106"/>
+            <a:ext cx="10053763" cy="2928470"/>
+          </a:xfrm>
+        </p:spPr>
+        <p:txBody>
+          <a:bodyPr vert="horz" lIns="91440" tIns="45720" rIns="91440" bIns="45720" rtlCol="0" anchor="b">
+            <a:normAutofit/>
+          </a:bodyPr>
+          <a:lstStyle/>
+          <a:p>
+            <a:r>
+              <a:rPr lang="en-US" sz="4800" b="1" kern="1200" dirty="0">
+                <a:solidFill>
+                  <a:srgbClr val="FFFFFF"/>
+                </a:solidFill>
+                <a:latin typeface="Amasis MT Pro Medium" panose="02040604050005020304" pitchFamily="18" charset="0"/>
+              </a:rPr>
+              <a:t>Thank you for listening.. </a:t>
+            </a:r>
+          </a:p>
+        </p:txBody>
+      </p:sp>
+    </p:spTree>
+    <p:extLst>
+      <p:ext uri="{BB962C8B-B14F-4D97-AF65-F5344CB8AC3E}">
+        <p14:creationId xmlns:p14="http://schemas.microsoft.com/office/powerpoint/2010/main" val="2796263289"/>
+      </p:ext>
+    </p:extLst>
+  </p:cSld>
+  <p:clrMapOvr>
+    <a:masterClrMapping/>
+  </p:clrMapOvr>
+  <mc:AlternateContent xmlns:mc="http://schemas.openxmlformats.org/markup-compatibility/2006" xmlns:p159="http://schemas.microsoft.com/office/powerpoint/2015/09/main">
+    <mc:Choice Requires="p159">
+      <p:transition xmlns:p14="http://schemas.microsoft.com/office/powerpoint/2010/main" spd="slow" p14:dur="2000">
+        <p159:morph option="byObject"/>
+      </p:transition>
+    </mc:Choice>
+    <mc:Fallback xmlns="">
+      <p:transition spd="slow">
+        <p:fade/>
+      </p:transition>
+    </mc:Fallback>
+  </mc:AlternateContent>
+  <p:timing>
+    <p:tnLst>
+      <p:par>
+        <p:cTn id="1" dur="indefinite" restart="never" nodeType="tmRoot">
+          <p:childTnLst>
+            <p:seq concurrent="1" nextAc="seek">
+              <p:cTn id="2" dur="indefinite" nodeType="mainSeq">
+                <p:childTnLst>
+                  <p:par>
+                    <p:cTn id="3" fill="hold">
+                      <p:stCondLst>
+                        <p:cond delay="indefinite"/>
+                        <p:cond evt="onBegin" delay="0">
+                          <p:tn val="2"/>
+                        </p:cond>
+                      </p:stCondLst>
+                      <p:childTnLst>
+                        <p:par>
+                          <p:cTn id="4" fill="hold">
+                            <p:stCondLst>
+                              <p:cond delay="0"/>
+                            </p:stCondLst>
+                            <p:childTnLst>
+                              <p:par>
+                                <p:cTn id="5" presetID="10" presetClass="entr" presetSubtype="0" fill="hold" grpId="0" nodeType="withEffect">
+                                  <p:stCondLst>
+                                    <p:cond delay="500"/>
+                                  </p:stCondLst>
+                                  <p:iterate>
+                                    <p:tmPct val="10000"/>
+                                  </p:iterate>
+                                  <p:childTnLst>
+                                    <p:set>
+                                      <p:cBhvr>
+                                        <p:cTn id="6" dur="1" fill="hold">
+                                          <p:stCondLst>
+                                            <p:cond delay="0"/>
+                                          </p:stCondLst>
+                                        </p:cTn>
+                                        <p:tgtEl>
+                                          <p:spTgt spid="2"/>
+                                        </p:tgtEl>
+                                        <p:attrNameLst>
+                                          <p:attrName>style.visibility</p:attrName>
+                                        </p:attrNameLst>
+                                      </p:cBhvr>
+                                      <p:to>
+                                        <p:strVal val="visible"/>
+                                      </p:to>
+                                    </p:set>
+                                    <p:animEffect transition="in" filter="fade">
+                                      <p:cBhvr>
+                                        <p:cTn id="7" dur="700"/>
+                                        <p:tgtEl>
+                                          <p:spTgt spid="2"/>
+                                        </p:tgtEl>
+                                      </p:cBhvr>
+                                    </p:animEffect>
+                                  </p:childTnLst>
+                                </p:cTn>
+                              </p:par>
+                            </p:childTnLst>
+                          </p:cTn>
+                        </p:par>
+                      </p:childTnLst>
+                    </p:cTn>
+                  </p:par>
+                </p:childTnLst>
+              </p:cTn>
+              <p:prevCondLst>
+                <p:cond evt="onPrev" delay="0">
+                  <p:tgtEl>
+                    <p:sldTgt/>
+                  </p:tgtEl>
+                </p:cond>
+              </p:prevCondLst>
+              <p:nextCondLst>
+                <p:cond evt="onNext" delay="0">
+                  <p:tgtEl>
+                    <p:sldTgt/>
+                  </p:tgtEl>
+                </p:cond>
+              </p:nextCondLst>
+            </p:seq>
+          </p:childTnLst>
+        </p:cTn>
+      </p:par>
+    </p:tnLst>
+    <p:bldLst>
+      <p:bldP spid="2" grpId="0"/>
+    </p:bldLst>
+  </p:timing>
+</p:sld>
+</file>
+
+<file path=ppt/slides/slide2.xml><?xml version="1.0" encoding="utf-8"?>
+<p:sld xmlns:a="http://schemas.openxmlformats.org/drawingml/2006/main" xmlns:r="http://schemas.openxmlformats.org/officeDocument/2006/relationships" xmlns:p="http://schemas.openxmlformats.org/presentationml/2006/main">
+  <p:cSld>
+    <p:bg>
+      <p:bgPr>
+        <a:solidFill>
+          <a:schemeClr val="bg1"/>
+        </a:solidFill>
+        <a:effectLst/>
+      </p:bgPr>
+    </p:bg>
+    <p:spTree>
+      <p:nvGrpSpPr>
+        <p:cNvPr id="1" name=""/>
+        <p:cNvGrpSpPr/>
+        <p:nvPr/>
+      </p:nvGrpSpPr>
+      <p:grpSpPr>
+        <a:xfrm>
+          <a:off x="0" y="0"/>
+          <a:ext cx="0" cy="0"/>
+          <a:chOff x="0" y="0"/>
+          <a:chExt cx="0" cy="0"/>
+        </a:xfrm>
+      </p:grpSpPr>
+      <p:sp useBgFill="1">
+        <p:nvSpPr>
+          <p:cNvPr id="9" name="Rectangle 8">
+            <a:extLst>
+              <a:ext uri="{FF2B5EF4-FFF2-40B4-BE49-F238E27FC236}">
+                <a16:creationId xmlns:a16="http://schemas.microsoft.com/office/drawing/2014/main" id="{1B15ED52-F352-441B-82BF-E0EA34836D08}"/>
+              </a:ext>
+              <a:ext uri="{C183D7F6-B498-43B3-948B-1728B52AA6E4}">
+                <adec:decorative xmlns:adec="http://schemas.microsoft.com/office/drawing/2017/decorative" val="1"/>
+              </a:ext>
+            </a:extLst>
+          </p:cNvPr>
+          <p:cNvSpPr>
+            <a:spLocks noGrp="1" noRot="1" noChangeAspect="1" noMove="1" noResize="1" noEditPoints="1" noAdjustHandles="1" noChangeArrowheads="1" noChangeShapeType="1" noTextEdit="1"/>
+          </p:cNvSpPr>
+          <p:nvPr>
+            <p:extLst>
+              <p:ext uri="{386F3935-93C4-4BCD-93E2-E3B085C9AB24}">
+                <p16:designElem xmlns:p16="http://schemas.microsoft.com/office/powerpoint/2015/main" val="1"/>
+              </p:ext>
+            </p:extLst>
+          </p:nvPr>
+        </p:nvSpPr>
+        <p:spPr>
+          <a:xfrm>
+            <a:off x="0" y="0"/>
+            <a:ext cx="12192000" cy="6858000"/>
+          </a:xfrm>
+          <a:prstGeom prst="rect">
+            <a:avLst/>
+          </a:prstGeom>
+          <a:ln w="12700" cap="flat" cmpd="sng" algn="ctr">
+            <a:noFill/>
+            <a:prstDash val="solid"/>
+            <a:miter lim="800000"/>
+          </a:ln>
+          <a:effectLst/>
+          <a:extLst>
+            <a:ext uri="{91240B29-F687-4F45-9708-019B960494DF}">
+              <a14:hiddenLine xmlns:a14="http://schemas.microsoft.com/office/drawing/2010/main" w="12700" cap="flat" cmpd="sng" algn="ctr">
+                <a:solidFill>
+                  <a:schemeClr val="accent1">
+                    <a:shade val="50000"/>
+                  </a:schemeClr>
+                </a:solidFill>
+                <a:prstDash val="solid"/>
+                <a:miter lim="800000"/>
+              </a14:hiddenLine>
+            </a:ext>
+          </a:extLst>
+        </p:spPr>
+        <p:style>
+          <a:lnRef idx="2">
+            <a:schemeClr val="accent1">
+              <a:shade val="50000"/>
+            </a:schemeClr>
+          </a:lnRef>
+          <a:fillRef idx="1">
+            <a:schemeClr val="accent1"/>
+          </a:fillRef>
+          <a:effectRef idx="0">
+            <a:schemeClr val="accent1"/>
+          </a:effectRef>
+          <a:fontRef idx="minor">
+            <a:schemeClr val="lt1"/>
+          </a:fontRef>
+        </p:style>
+        <p:txBody>
+          <a:bodyPr rtlCol="0" anchor="ctr"/>
+          <a:lstStyle/>
+          <a:p>
+            <a:pPr algn="ctr"/>
+            <a:endParaRPr lang="en-US" dirty="0"/>
+          </a:p>
+        </p:txBody>
+      </p:sp>
+      <p:sp>
+        <p:nvSpPr>
           <p:cNvPr id="11" name="Rectangle 10">
             <a:extLst>
               <a:ext uri="{FF2B5EF4-FFF2-40B4-BE49-F238E27FC236}">
@@ -12198,7 +15044,7 @@
           <a:lstStyle/>
           <a:p>
             <a:pPr algn="ctr"/>
-            <a:endParaRPr lang="en-US"/>
+            <a:endParaRPr lang="en-US" dirty="0"/>
           </a:p>
         </p:txBody>
       </p:sp>
@@ -12274,7 +15120,7 @@
           <a:lstStyle/>
           <a:p>
             <a:pPr algn="ctr"/>
-            <a:endParaRPr lang="en-US"/>
+            <a:endParaRPr lang="en-US" dirty="0"/>
           </a:p>
         </p:txBody>
       </p:sp>
@@ -12349,7 +15195,7 @@
           <a:lstStyle/>
           <a:p>
             <a:pPr algn="ctr"/>
-            <a:endParaRPr lang="en-US"/>
+            <a:endParaRPr lang="en-US" dirty="0"/>
           </a:p>
         </p:txBody>
       </p:sp>
@@ -12425,7 +15271,7 @@
           <a:lstStyle/>
           <a:p>
             <a:pPr algn="ctr"/>
-            <a:endParaRPr lang="en-US"/>
+            <a:endParaRPr lang="en-US" dirty="0"/>
           </a:p>
         </p:txBody>
       </p:sp>
@@ -12458,7 +15304,7 @@
           <a:lstStyle/>
           <a:p>
             <a:r>
-              <a:rPr lang="en-GB" sz="4000">
+              <a:rPr lang="en-GB" sz="4000" dirty="0">
                 <a:solidFill>
                   <a:srgbClr val="FFFFFF"/>
                 </a:solidFill>
@@ -12466,12 +15312,6 @@
               </a:rPr>
               <a:t>Background</a:t>
             </a:r>
-            <a:endParaRPr lang="en-GB" sz="4000" dirty="0">
-              <a:solidFill>
-                <a:srgbClr val="FFFFFF"/>
-              </a:solidFill>
-              <a:latin typeface="Amasis MT Pro Medium" panose="02040604050005020304" pitchFamily="18" charset="0"/>
-            </a:endParaRPr>
           </a:p>
         </p:txBody>
       </p:sp>
@@ -12493,47 +15333,29 @@
         </p:nvSpPr>
         <p:spPr bwMode="auto">
           <a:xfrm>
-            <a:off x="1287488" y="2880104"/>
-            <a:ext cx="9980062" cy="3683358"/>
+            <a:off x="764771" y="1885279"/>
+            <a:ext cx="10502779" cy="4678183"/>
           </a:xfrm>
           <a:prstGeom prst="rect">
             <a:avLst/>
           </a:prstGeom>
-          <a:extLst>
-            <a:ext uri="{909E8E84-426E-40DD-AFC4-6F175D3DCCD1}">
-              <a14:hiddenFill xmlns:a14="http://schemas.microsoft.com/office/drawing/2010/main">
-                <a:solidFill>
-                  <a:schemeClr val="accent1"/>
-                </a:solidFill>
-              </a14:hiddenFill>
-            </a:ext>
-            <a:ext uri="{91240B29-F687-4F45-9708-019B960494DF}">
-              <a14:hiddenLine xmlns:a14="http://schemas.microsoft.com/office/drawing/2010/main" w="9525">
-                <a:solidFill>
-                  <a:schemeClr val="tx1"/>
-                </a:solidFill>
-                <a:miter lim="800000"/>
-                <a:headEnd/>
-                <a:tailEnd/>
-              </a14:hiddenLine>
-            </a:ext>
-            <a:ext uri="{AF507438-7753-43E0-B8FC-AC1667EBCBE1}">
-              <a14:hiddenEffects xmlns:a14="http://schemas.microsoft.com/office/drawing/2010/main">
-                <a:effectLst>
-                  <a:outerShdw dist="35921" dir="2700000" algn="ctr" rotWithShape="0">
-                    <a:schemeClr val="bg2"/>
-                  </a:outerShdw>
-                </a:effectLst>
-              </a14:hiddenEffects>
-            </a:ext>
-          </a:extLst>
+          <a:solidFill>
+            <a:schemeClr val="bg1"/>
+          </a:solidFill>
+          <a:effectLst>
+            <a:outerShdw blurRad="50800" dist="38100" dir="2700000" algn="tl" rotWithShape="0">
+              <a:prstClr val="black">
+                <a:alpha val="40000"/>
+              </a:prstClr>
+            </a:outerShdw>
+          </a:effectLst>
         </p:spPr>
         <p:txBody>
           <a:bodyPr vert="horz" lIns="91440" tIns="45720" rIns="91440" bIns="45720" numCol="1" anchor="ctr" anchorCtr="0" compatLnSpc="1">
             <a:prstTxWarp prst="textNoShape">
               <a:avLst/>
             </a:prstTxWarp>
-            <a:normAutofit fontScale="92500" lnSpcReduction="10000"/>
+            <a:normAutofit/>
           </a:bodyPr>
           <a:lstStyle/>
           <a:p>
@@ -12550,7 +15372,7 @@
               <a:tabLst/>
             </a:pPr>
             <a:r>
-              <a:rPr kumimoji="0" lang="en-US" altLang="en-US" sz="2200" b="1" i="0" u="none" strike="noStrike" cap="none" normalizeH="0" baseline="0">
+              <a:rPr kumimoji="0" lang="en-US" altLang="en-US" sz="2200" b="1" i="0" u="none" strike="noStrike" cap="none" normalizeH="0" baseline="0" dirty="0">
                 <a:ln>
                   <a:noFill/>
                 </a:ln>
@@ -12570,19 +15392,19 @@
               </a:spcAft>
             </a:pPr>
             <a:r>
-              <a:rPr lang="en-US" altLang="en-US" sz="2200">
+              <a:rPr lang="en-US" altLang="en-US" sz="2200" dirty="0">
                 <a:latin typeface="Amasis MT Pro Medium" panose="02040604050005020304" pitchFamily="18" charset="0"/>
               </a:rPr>
               <a:t>A Policing Policy that allows police to stop, detain and search individuals if they have </a:t>
             </a:r>
             <a:r>
-              <a:rPr lang="en-GB" sz="2200">
+              <a:rPr lang="en-GB" sz="2200" dirty="0">
                 <a:latin typeface="Amasis MT Pro Medium" panose="02040604050005020304" pitchFamily="18" charset="0"/>
               </a:rPr>
               <a:t>suspicion</a:t>
             </a:r>
             <a:r>
-              <a:rPr lang="en-US" altLang="en-US" sz="2200">
+              <a:rPr lang="en-US" altLang="en-US" sz="2200" dirty="0">
                 <a:latin typeface="Amasis MT Pro Medium" panose="02040604050005020304" pitchFamily="18" charset="0"/>
               </a:rPr>
               <a:t> the individual committed a crime.</a:t>
@@ -12598,7 +15420,7 @@
               </a:spcAft>
             </a:pPr>
             <a:r>
-              <a:rPr lang="en-GB" sz="2200">
+              <a:rPr lang="en-GB" sz="2200" dirty="0">
                 <a:latin typeface="Amasis MT Pro Medium" panose="02040604050005020304" pitchFamily="18" charset="0"/>
               </a:rPr>
               <a:t>an officer has reasonable grounds for suspicion that a person is in possession of a stolen or prohibited item, or controlled drugs, or if a person is in an area where serious violence is anticipated.</a:t>
@@ -12613,7 +15435,7 @@
                 <a:spcPts val="600"/>
               </a:spcAft>
             </a:pPr>
-            <a:endParaRPr lang="en-US" altLang="en-US" sz="2200">
+            <a:endParaRPr lang="en-US" altLang="en-US" sz="2200" dirty="0">
               <a:latin typeface="Amasis MT Pro Medium" panose="02040604050005020304" pitchFamily="18" charset="0"/>
             </a:endParaRPr>
           </a:p>
@@ -12622,7 +15444,7 @@
               <a:buNone/>
             </a:pPr>
             <a:r>
-              <a:rPr lang="en-GB" sz="2200" b="0" i="0">
+              <a:rPr lang="en-GB" sz="2200" b="0" i="0" dirty="0">
                 <a:solidFill>
                   <a:srgbClr val="282828"/>
                 </a:solidFill>
@@ -12641,7 +15463,7 @@
               <a:buChar char="•"/>
             </a:pPr>
             <a:r>
-              <a:rPr lang="en-GB" sz="2200" b="0" i="0">
+              <a:rPr lang="en-GB" sz="2200" b="0" i="0" dirty="0">
                 <a:solidFill>
                   <a:srgbClr val="282828"/>
                 </a:solidFill>
@@ -12651,7 +15473,7 @@
               <a:t>section 1, </a:t>
             </a:r>
             <a:r>
-              <a:rPr lang="en-GB" sz="2200" b="0" i="0" u="sng">
+              <a:rPr lang="en-GB" sz="2200" b="0" i="0" u="sng" dirty="0">
                 <a:solidFill>
                   <a:srgbClr val="1C4179"/>
                 </a:solidFill>
@@ -12661,7 +15483,7 @@
               </a:rPr>
               <a:t>Police and Criminal Evidence Act 1984</a:t>
             </a:r>
-            <a:endParaRPr lang="en-GB" sz="2200" b="0" i="0">
+            <a:endParaRPr lang="en-GB" sz="2200" b="0" i="0" dirty="0">
               <a:solidFill>
                 <a:srgbClr val="282828"/>
               </a:solidFill>
@@ -12678,7 +15500,7 @@
               <a:buChar char="•"/>
             </a:pPr>
             <a:r>
-              <a:rPr lang="en-GB" sz="2200" b="0" i="0">
+              <a:rPr lang="en-GB" sz="2200" b="0" i="0" dirty="0">
                 <a:solidFill>
                   <a:srgbClr val="282828"/>
                 </a:solidFill>
@@ -12688,7 +15510,7 @@
               <a:t>section 23, </a:t>
             </a:r>
             <a:r>
-              <a:rPr lang="en-GB" sz="2200" u="sng">
+              <a:rPr lang="en-GB" sz="2200" u="sng" dirty="0">
                 <a:solidFill>
                   <a:srgbClr val="1C4179"/>
                 </a:solidFill>
@@ -12697,7 +15519,7 @@
               </a:rPr>
               <a:t>Misuse of Drugs Act 1971</a:t>
             </a:r>
-            <a:endParaRPr lang="en-GB" sz="2200" u="sng">
+            <a:endParaRPr lang="en-GB" sz="2200" u="sng" dirty="0">
               <a:solidFill>
                 <a:srgbClr val="1C4179"/>
               </a:solidFill>
@@ -12713,7 +15535,7 @@
               <a:buChar char="•"/>
             </a:pPr>
             <a:r>
-              <a:rPr lang="en-GB" sz="2200" b="0" i="0" u="sng">
+              <a:rPr lang="en-GB" sz="2200" b="0" i="0" u="sng" dirty="0">
                 <a:solidFill>
                   <a:srgbClr val="1C4179"/>
                 </a:solidFill>
@@ -12724,7 +15546,7 @@
               <a:t>section 60</a:t>
             </a:r>
             <a:r>
-              <a:rPr lang="en-GB" sz="2200" b="0" i="0">
+              <a:rPr lang="en-GB" sz="2200" b="0" i="0" dirty="0">
                 <a:solidFill>
                   <a:srgbClr val="282828"/>
                 </a:solidFill>
@@ -12734,7 +15556,7 @@
               <a:t>, </a:t>
             </a:r>
             <a:r>
-              <a:rPr lang="en-GB" sz="2200" b="0" i="0" u="sng">
+              <a:rPr lang="en-GB" sz="2200" b="0" i="0" u="sng" dirty="0">
                 <a:solidFill>
                   <a:srgbClr val="1C4179"/>
                 </a:solidFill>
@@ -12744,90 +15566,10 @@
               </a:rPr>
               <a:t>Criminal Justice and Public Order Act 1994</a:t>
             </a:r>
-            <a:endParaRPr lang="en-GB" sz="2200" b="0" i="0">
+            <a:endParaRPr lang="en-GB" sz="2200" b="0" i="0" dirty="0">
               <a:solidFill>
                 <a:srgbClr val="282828"/>
               </a:solidFill>
-              <a:effectLst/>
-              <a:latin typeface="Amasis MT Pro Medium" panose="02040604050005020304" pitchFamily="18" charset="0"/>
-            </a:endParaRPr>
-          </a:p>
-          <a:p>
-            <a:pPr marL="0" indent="0" eaLnBrk="0" fontAlgn="base" hangingPunct="0">
-              <a:spcBef>
-                <a:spcPct val="0"/>
-              </a:spcBef>
-              <a:spcAft>
-                <a:spcPts val="600"/>
-              </a:spcAft>
-              <a:buNone/>
-            </a:pPr>
-            <a:endParaRPr kumimoji="0" lang="en-US" altLang="en-US" sz="2000" b="0" i="0" u="none" strike="noStrike" cap="none" normalizeH="0" baseline="0">
-              <a:ln>
-                <a:noFill/>
-              </a:ln>
-              <a:effectLst/>
-              <a:latin typeface="Amasis MT Pro Medium" panose="02040604050005020304" pitchFamily="18" charset="0"/>
-            </a:endParaRPr>
-          </a:p>
-          <a:p>
-            <a:pPr marL="0" indent="0" eaLnBrk="0" fontAlgn="base" hangingPunct="0">
-              <a:spcBef>
-                <a:spcPct val="0"/>
-              </a:spcBef>
-              <a:spcAft>
-                <a:spcPts val="600"/>
-              </a:spcAft>
-              <a:buNone/>
-            </a:pPr>
-            <a:endParaRPr kumimoji="0" lang="en-US" altLang="en-US" sz="2000" b="0" i="0" u="none" strike="noStrike" cap="none" normalizeH="0" baseline="0">
-              <a:ln>
-                <a:noFill/>
-              </a:ln>
-              <a:effectLst/>
-              <a:latin typeface="Amasis MT Pro Medium" panose="02040604050005020304" pitchFamily="18" charset="0"/>
-            </a:endParaRPr>
-          </a:p>
-          <a:p>
-            <a:pPr marL="0" marR="0" lvl="0" indent="0" defTabSz="914400" rtl="0" eaLnBrk="0" fontAlgn="base" latinLnBrk="0" hangingPunct="0">
-              <a:spcBef>
-                <a:spcPct val="0"/>
-              </a:spcBef>
-              <a:spcAft>
-                <a:spcPts val="600"/>
-              </a:spcAft>
-              <a:buClrTx/>
-              <a:buSzTx/>
-              <a:buFontTx/>
-              <a:buChar char="•"/>
-              <a:tabLst/>
-            </a:pPr>
-            <a:endParaRPr kumimoji="0" lang="en-US" altLang="en-US" sz="2000" b="0" i="0" u="none" strike="noStrike" cap="none" normalizeH="0" baseline="0">
-              <a:ln>
-                <a:noFill/>
-              </a:ln>
-              <a:effectLst/>
-              <a:latin typeface="Amasis MT Pro Medium" panose="02040604050005020304" pitchFamily="18" charset="0"/>
-            </a:endParaRPr>
-          </a:p>
-          <a:p>
-            <a:pPr marL="0" marR="0" lvl="0" indent="0" defTabSz="914400" rtl="0" eaLnBrk="0" fontAlgn="base" latinLnBrk="0" hangingPunct="0">
-              <a:spcBef>
-                <a:spcPct val="0"/>
-              </a:spcBef>
-              <a:spcAft>
-                <a:spcPts val="600"/>
-              </a:spcAft>
-              <a:buClrTx/>
-              <a:buSzTx/>
-              <a:buFontTx/>
-              <a:buNone/>
-              <a:tabLst/>
-            </a:pPr>
-            <a:endParaRPr kumimoji="0" lang="en-US" altLang="en-US" sz="2000" b="0" i="0" u="none" strike="noStrike" cap="none" normalizeH="0" baseline="0" dirty="0">
-              <a:ln>
-                <a:noFill/>
-              </a:ln>
               <a:effectLst/>
               <a:latin typeface="Amasis MT Pro Medium" panose="02040604050005020304" pitchFamily="18" charset="0"/>
             </a:endParaRPr>
@@ -12992,7 +15734,7 @@
           <a:lstStyle/>
           <a:p>
             <a:pPr algn="ctr"/>
-            <a:endParaRPr lang="en-US"/>
+            <a:endParaRPr lang="en-US" dirty="0"/>
           </a:p>
         </p:txBody>
       </p:sp>
@@ -13065,7 +15807,7 @@
           <a:lstStyle/>
           <a:p>
             <a:pPr algn="ctr"/>
-            <a:endParaRPr lang="en-US"/>
+            <a:endParaRPr lang="en-US" dirty="0"/>
           </a:p>
         </p:txBody>
       </p:sp>
@@ -13141,7 +15883,7 @@
           <a:lstStyle/>
           <a:p>
             <a:pPr algn="ctr"/>
-            <a:endParaRPr lang="en-US"/>
+            <a:endParaRPr lang="en-US" dirty="0"/>
           </a:p>
         </p:txBody>
       </p:sp>
@@ -13216,7 +15958,7 @@
           <a:lstStyle/>
           <a:p>
             <a:pPr algn="ctr"/>
-            <a:endParaRPr lang="en-US"/>
+            <a:endParaRPr lang="en-US" dirty="0"/>
           </a:p>
         </p:txBody>
       </p:sp>
@@ -13292,7 +16034,7 @@
           <a:lstStyle/>
           <a:p>
             <a:pPr algn="ctr"/>
-            <a:endParaRPr lang="en-US"/>
+            <a:endParaRPr lang="en-US" dirty="0"/>
           </a:p>
         </p:txBody>
       </p:sp>
@@ -13325,7 +16067,7 @@
           <a:lstStyle/>
           <a:p>
             <a:r>
-              <a:rPr lang="en-GB" sz="4000">
+              <a:rPr lang="en-GB" sz="4000" dirty="0">
                 <a:solidFill>
                   <a:srgbClr val="FFFFFF"/>
                 </a:solidFill>
@@ -13897,7 +16639,7 @@
           <a:lstStyle/>
           <a:p>
             <a:pPr algn="ctr"/>
-            <a:endParaRPr lang="en-US"/>
+            <a:endParaRPr lang="en-US" dirty="0"/>
           </a:p>
         </p:txBody>
       </p:sp>
@@ -13970,7 +16712,7 @@
           <a:lstStyle/>
           <a:p>
             <a:pPr algn="ctr"/>
-            <a:endParaRPr lang="en-US"/>
+            <a:endParaRPr lang="en-US" dirty="0"/>
           </a:p>
         </p:txBody>
       </p:sp>
@@ -14046,7 +16788,7 @@
           <a:lstStyle/>
           <a:p>
             <a:pPr algn="ctr"/>
-            <a:endParaRPr lang="en-US"/>
+            <a:endParaRPr lang="en-US" dirty="0"/>
           </a:p>
         </p:txBody>
       </p:sp>
@@ -14121,7 +16863,7 @@
           <a:lstStyle/>
           <a:p>
             <a:pPr algn="ctr"/>
-            <a:endParaRPr lang="en-US"/>
+            <a:endParaRPr lang="en-US" dirty="0"/>
           </a:p>
         </p:txBody>
       </p:sp>
@@ -14197,7 +16939,7 @@
           <a:lstStyle/>
           <a:p>
             <a:pPr algn="ctr"/>
-            <a:endParaRPr lang="en-US"/>
+            <a:endParaRPr lang="en-US" dirty="0"/>
           </a:p>
         </p:txBody>
       </p:sp>
@@ -14230,7 +16972,7 @@
           <a:lstStyle/>
           <a:p>
             <a:r>
-              <a:rPr lang="en-GB" sz="4000">
+              <a:rPr lang="en-GB" sz="4000" dirty="0">
                 <a:solidFill>
                   <a:srgbClr val="FFFFFF"/>
                 </a:solidFill>
@@ -14259,9 +17001,19 @@
         </p:nvSpPr>
         <p:spPr>
           <a:xfrm>
-            <a:off x="1766313" y="2721493"/>
-            <a:ext cx="8659369" cy="809051"/>
+            <a:off x="1766313" y="2384902"/>
+            <a:ext cx="8659369" cy="1372336"/>
           </a:xfrm>
+          <a:solidFill>
+            <a:schemeClr val="bg1"/>
+          </a:solidFill>
+          <a:effectLst>
+            <a:outerShdw blurRad="50800" dist="38100" dir="2700000" algn="tl" rotWithShape="0">
+              <a:prstClr val="black">
+                <a:alpha val="40000"/>
+              </a:prstClr>
+            </a:outerShdw>
+          </a:effectLst>
         </p:spPr>
         <p:txBody>
           <a:bodyPr anchor="ctr">
@@ -14304,6 +17056,13 @@
           <a:solidFill>
             <a:schemeClr val="accent1"/>
           </a:solidFill>
+          <a:effectLst>
+            <a:outerShdw blurRad="50800" dist="38100" dir="2700000" algn="tl" rotWithShape="0">
+              <a:prstClr val="black">
+                <a:alpha val="40000"/>
+              </a:prstClr>
+            </a:outerShdw>
+          </a:effectLst>
         </p:spPr>
         <p:style>
           <a:lnRef idx="2">
@@ -14370,6 +17129,13 @@
           <a:solidFill>
             <a:schemeClr val="accent1"/>
           </a:solidFill>
+          <a:effectLst>
+            <a:outerShdw blurRad="50800" dist="38100" dir="2700000" algn="tl" rotWithShape="0">
+              <a:prstClr val="black">
+                <a:alpha val="40000"/>
+              </a:prstClr>
+            </a:outerShdw>
+          </a:effectLst>
         </p:spPr>
         <p:style>
           <a:lnRef idx="2">
@@ -14570,7 +17336,7 @@
           <a:lstStyle/>
           <a:p>
             <a:pPr algn="ctr"/>
-            <a:endParaRPr lang="en-US"/>
+            <a:endParaRPr lang="en-US" dirty="0"/>
           </a:p>
         </p:txBody>
       </p:sp>
@@ -14643,7 +17409,7 @@
           <a:lstStyle/>
           <a:p>
             <a:pPr algn="ctr"/>
-            <a:endParaRPr lang="en-US"/>
+            <a:endParaRPr lang="en-US" dirty="0"/>
           </a:p>
         </p:txBody>
       </p:sp>
@@ -14719,7 +17485,7 @@
           <a:lstStyle/>
           <a:p>
             <a:pPr algn="ctr"/>
-            <a:endParaRPr lang="en-US"/>
+            <a:endParaRPr lang="en-US" dirty="0"/>
           </a:p>
         </p:txBody>
       </p:sp>
@@ -14794,7 +17560,7 @@
           <a:lstStyle/>
           <a:p>
             <a:pPr algn="ctr"/>
-            <a:endParaRPr lang="en-US"/>
+            <a:endParaRPr lang="en-US" dirty="0"/>
           </a:p>
         </p:txBody>
       </p:sp>
@@ -14870,7 +17636,7 @@
           <a:lstStyle/>
           <a:p>
             <a:pPr algn="ctr"/>
-            <a:endParaRPr lang="en-US"/>
+            <a:endParaRPr lang="en-US" dirty="0"/>
           </a:p>
         </p:txBody>
       </p:sp>
@@ -15063,7 +17829,7 @@
       </p:grpSpPr>
       <p:sp useBgFill="1">
         <p:nvSpPr>
-          <p:cNvPr id="10" name="Rectangle 9">
+          <p:cNvPr id="32" name="Rectangle 31">
             <a:extLst>
               <a:ext uri="{FF2B5EF4-FFF2-40B4-BE49-F238E27FC236}">
                 <a16:creationId xmlns:a16="http://schemas.microsoft.com/office/drawing/2014/main" id="{BACC6370-2D7E-4714-9D71-7542949D7D5D}"/>
@@ -15139,10 +17905,446 @@
       </p:sp>
       <p:sp>
         <p:nvSpPr>
+          <p:cNvPr id="34" name="Rectangle 33">
+            <a:extLst>
+              <a:ext uri="{FF2B5EF4-FFF2-40B4-BE49-F238E27FC236}">
+                <a16:creationId xmlns:a16="http://schemas.microsoft.com/office/drawing/2014/main" id="{F68B3F68-107C-434F-AA38-110D5EA91B85}"/>
+              </a:ext>
+              <a:ext uri="{C183D7F6-B498-43B3-948B-1728B52AA6E4}">
+                <adec:decorative xmlns:adec="http://schemas.microsoft.com/office/drawing/2017/decorative" val="1"/>
+              </a:ext>
+            </a:extLst>
+          </p:cNvPr>
+          <p:cNvSpPr>
+            <a:spLocks noGrp="1" noRot="1" noChangeAspect="1" noMove="1" noResize="1" noEditPoints="1" noAdjustHandles="1" noChangeArrowheads="1" noChangeShapeType="1" noTextEdit="1"/>
+          </p:cNvSpPr>
+          <p:nvPr>
+            <p:extLst>
+              <p:ext uri="{386F3935-93C4-4BCD-93E2-E3B085C9AB24}">
+                <p16:designElem xmlns:p16="http://schemas.microsoft.com/office/powerpoint/2015/main" val="1"/>
+              </p:ext>
+            </p:extLst>
+          </p:nvPr>
+        </p:nvSpPr>
+        <p:spPr>
+          <a:xfrm flipH="1">
+            <a:off x="2" y="0"/>
+            <a:ext cx="12191998" cy="2170031"/>
+          </a:xfrm>
+          <a:prstGeom prst="rect">
+            <a:avLst/>
+          </a:prstGeom>
+          <a:gradFill>
+            <a:gsLst>
+              <a:gs pos="0">
+                <a:srgbClr val="000000">
+                  <a:alpha val="96000"/>
+                </a:srgbClr>
+              </a:gs>
+              <a:gs pos="100000">
+                <a:schemeClr val="accent1">
+                  <a:lumMod val="75000"/>
+                </a:schemeClr>
+              </a:gs>
+            </a:gsLst>
+            <a:lin ang="19800000" scaled="0"/>
+          </a:gradFill>
+          <a:ln>
+            <a:noFill/>
+          </a:ln>
+        </p:spPr>
+        <p:style>
+          <a:lnRef idx="2">
+            <a:schemeClr val="accent1">
+              <a:shade val="50000"/>
+            </a:schemeClr>
+          </a:lnRef>
+          <a:fillRef idx="1">
+            <a:schemeClr val="accent1"/>
+          </a:fillRef>
+          <a:effectRef idx="0">
+            <a:schemeClr val="accent1"/>
+          </a:effectRef>
+          <a:fontRef idx="minor">
+            <a:schemeClr val="lt1"/>
+          </a:fontRef>
+        </p:style>
+        <p:txBody>
+          <a:bodyPr rtlCol="0" anchor="ctr"/>
+          <a:lstStyle/>
+          <a:p>
+            <a:pPr algn="ctr"/>
+            <a:endParaRPr lang="en-US"/>
+          </a:p>
+        </p:txBody>
+      </p:sp>
+      <p:sp>
+        <p:nvSpPr>
+          <p:cNvPr id="36" name="Rectangle 35">
+            <a:extLst>
+              <a:ext uri="{FF2B5EF4-FFF2-40B4-BE49-F238E27FC236}">
+                <a16:creationId xmlns:a16="http://schemas.microsoft.com/office/drawing/2014/main" id="{AAD0DBB9-1A4B-4391-81D4-CB19F9AB918A}"/>
+              </a:ext>
+              <a:ext uri="{C183D7F6-B498-43B3-948B-1728B52AA6E4}">
+                <adec:decorative xmlns:adec="http://schemas.microsoft.com/office/drawing/2017/decorative" val="1"/>
+              </a:ext>
+            </a:extLst>
+          </p:cNvPr>
+          <p:cNvSpPr>
+            <a:spLocks noGrp="1" noRot="1" noChangeAspect="1" noMove="1" noResize="1" noEditPoints="1" noAdjustHandles="1" noChangeArrowheads="1" noChangeShapeType="1" noTextEdit="1"/>
+          </p:cNvSpPr>
+          <p:nvPr>
+            <p:extLst>
+              <p:ext uri="{386F3935-93C4-4BCD-93E2-E3B085C9AB24}">
+                <p16:designElem xmlns:p16="http://schemas.microsoft.com/office/powerpoint/2015/main" val="1"/>
+              </p:ext>
+            </p:extLst>
+          </p:nvPr>
+        </p:nvSpPr>
+        <p:spPr>
+          <a:xfrm flipH="1">
+            <a:off x="8082819" y="0"/>
+            <a:ext cx="4097211" cy="2170661"/>
+          </a:xfrm>
+          <a:prstGeom prst="rect">
+            <a:avLst/>
+          </a:prstGeom>
+          <a:gradFill>
+            <a:gsLst>
+              <a:gs pos="19000">
+                <a:schemeClr val="accent1">
+                  <a:lumMod val="50000"/>
+                  <a:alpha val="68000"/>
+                </a:schemeClr>
+              </a:gs>
+              <a:gs pos="100000">
+                <a:schemeClr val="accent1">
+                  <a:alpha val="48000"/>
+                </a:schemeClr>
+              </a:gs>
+            </a:gsLst>
+            <a:lin ang="19200000" scaled="0"/>
+          </a:gradFill>
+          <a:ln>
+            <a:noFill/>
+          </a:ln>
+        </p:spPr>
+        <p:style>
+          <a:lnRef idx="2">
+            <a:schemeClr val="accent1">
+              <a:shade val="50000"/>
+            </a:schemeClr>
+          </a:lnRef>
+          <a:fillRef idx="1">
+            <a:schemeClr val="accent1"/>
+          </a:fillRef>
+          <a:effectRef idx="0">
+            <a:schemeClr val="accent1"/>
+          </a:effectRef>
+          <a:fontRef idx="minor">
+            <a:schemeClr val="lt1"/>
+          </a:fontRef>
+        </p:style>
+        <p:txBody>
+          <a:bodyPr rtlCol="0" anchor="ctr"/>
+          <a:lstStyle/>
+          <a:p>
+            <a:pPr algn="ctr"/>
+            <a:endParaRPr lang="en-US"/>
+          </a:p>
+        </p:txBody>
+      </p:sp>
+      <p:sp>
+        <p:nvSpPr>
+          <p:cNvPr id="38" name="Rectangle 37">
+            <a:extLst>
+              <a:ext uri="{FF2B5EF4-FFF2-40B4-BE49-F238E27FC236}">
+                <a16:creationId xmlns:a16="http://schemas.microsoft.com/office/drawing/2014/main" id="{063BBA22-50EA-4C4D-BE05-F1CE4E63AA56}"/>
+              </a:ext>
+              <a:ext uri="{C183D7F6-B498-43B3-948B-1728B52AA6E4}">
+                <adec:decorative xmlns:adec="http://schemas.microsoft.com/office/drawing/2017/decorative" val="1"/>
+              </a:ext>
+            </a:extLst>
+          </p:cNvPr>
+          <p:cNvSpPr>
+            <a:spLocks noGrp="1" noRot="1" noChangeAspect="1" noMove="1" noResize="1" noEditPoints="1" noAdjustHandles="1" noChangeArrowheads="1" noChangeShapeType="1" noTextEdit="1"/>
+          </p:cNvSpPr>
+          <p:nvPr>
+            <p:extLst>
+              <p:ext uri="{386F3935-93C4-4BCD-93E2-E3B085C9AB24}">
+                <p16:designElem xmlns:p16="http://schemas.microsoft.com/office/powerpoint/2015/main" val="1"/>
+              </p:ext>
+            </p:extLst>
+          </p:nvPr>
+        </p:nvSpPr>
+        <p:spPr>
+          <a:xfrm rot="16200000" flipH="1">
+            <a:off x="5010646" y="-5010043"/>
+            <a:ext cx="2170709" cy="12192000"/>
+          </a:xfrm>
+          <a:prstGeom prst="rect">
+            <a:avLst/>
+          </a:prstGeom>
+          <a:gradFill>
+            <a:gsLst>
+              <a:gs pos="23000">
+                <a:schemeClr val="accent1">
+                  <a:lumMod val="75000"/>
+                  <a:alpha val="16000"/>
+                </a:schemeClr>
+              </a:gs>
+              <a:gs pos="99000">
+                <a:srgbClr val="000000">
+                  <a:alpha val="45000"/>
+                </a:srgbClr>
+              </a:gs>
+            </a:gsLst>
+            <a:lin ang="21000000" scaled="0"/>
+          </a:gradFill>
+          <a:ln>
+            <a:noFill/>
+          </a:ln>
+        </p:spPr>
+        <p:style>
+          <a:lnRef idx="2">
+            <a:schemeClr val="accent1">
+              <a:shade val="50000"/>
+            </a:schemeClr>
+          </a:lnRef>
+          <a:fillRef idx="1">
+            <a:schemeClr val="accent1"/>
+          </a:fillRef>
+          <a:effectRef idx="0">
+            <a:schemeClr val="accent1"/>
+          </a:effectRef>
+          <a:fontRef idx="minor">
+            <a:schemeClr val="lt1"/>
+          </a:fontRef>
+        </p:style>
+        <p:txBody>
+          <a:bodyPr rtlCol="0" anchor="ctr"/>
+          <a:lstStyle/>
+          <a:p>
+            <a:pPr algn="ctr"/>
+            <a:endParaRPr lang="en-US" dirty="0"/>
+          </a:p>
+        </p:txBody>
+      </p:sp>
+      <p:sp>
+        <p:nvSpPr>
+          <p:cNvPr id="2" name="Title 1">
+            <a:extLst>
+              <a:ext uri="{FF2B5EF4-FFF2-40B4-BE49-F238E27FC236}">
+                <a16:creationId xmlns:a16="http://schemas.microsoft.com/office/drawing/2014/main" id="{51DAA2C5-14AB-4F98-92BF-9FD293FA0A7E}"/>
+              </a:ext>
+            </a:extLst>
+          </p:cNvPr>
+          <p:cNvSpPr>
+            <a:spLocks noGrp="1"/>
+          </p:cNvSpPr>
+          <p:nvPr>
+            <p:ph type="title"/>
+          </p:nvPr>
+        </p:nvSpPr>
+        <p:spPr>
+          <a:xfrm>
+            <a:off x="1383564" y="348865"/>
+            <a:ext cx="9718111" cy="1576446"/>
+          </a:xfrm>
+        </p:spPr>
+        <p:txBody>
+          <a:bodyPr anchor="ctr">
+            <a:normAutofit/>
+          </a:bodyPr>
+          <a:lstStyle/>
+          <a:p>
+            <a:r>
+              <a:rPr lang="en-GB" sz="4000" dirty="0">
+                <a:solidFill>
+                  <a:srgbClr val="FFFFFF"/>
+                </a:solidFill>
+                <a:latin typeface="Amasis MT Pro Medium" panose="02040604050005020304" pitchFamily="18" charset="0"/>
+              </a:rPr>
+              <a:t>Data Sources</a:t>
+            </a:r>
+            <a:endParaRPr lang="en-GB" sz="4000">
+              <a:solidFill>
+                <a:srgbClr val="FFFFFF"/>
+              </a:solidFill>
+              <a:latin typeface="Amasis MT Pro Medium" panose="02040604050005020304" pitchFamily="18" charset="0"/>
+            </a:endParaRPr>
+          </a:p>
+        </p:txBody>
+      </p:sp>
+      <p:graphicFrame>
+        <p:nvGraphicFramePr>
+          <p:cNvPr id="6" name="Rectangle 1">
+            <a:extLst>
+              <a:ext uri="{FF2B5EF4-FFF2-40B4-BE49-F238E27FC236}">
+                <a16:creationId xmlns:a16="http://schemas.microsoft.com/office/drawing/2014/main" id="{977A1CC7-146D-3CE0-0FF5-260DF22DCCEF}"/>
+              </a:ext>
+            </a:extLst>
+          </p:cNvPr>
+          <p:cNvGraphicFramePr>
+            <a:graphicFrameLocks noGrp="1"/>
+          </p:cNvGraphicFramePr>
+          <p:nvPr>
+            <p:ph idx="1"/>
+            <p:extLst>
+              <p:ext uri="{D42A27DB-BD31-4B8C-83A1-F6EECF244321}">
+                <p14:modId xmlns:p14="http://schemas.microsoft.com/office/powerpoint/2010/main" val="2281191399"/>
+              </p:ext>
+            </p:extLst>
+          </p:nvPr>
+        </p:nvGraphicFramePr>
+        <p:xfrm>
+          <a:off x="644056" y="2615979"/>
+          <a:ext cx="10927829" cy="3689405"/>
+        </p:xfrm>
+        <a:graphic>
+          <a:graphicData uri="http://schemas.openxmlformats.org/drawingml/2006/diagram">
+            <dgm:relIds xmlns:dgm="http://schemas.openxmlformats.org/drawingml/2006/diagram" xmlns:r="http://schemas.openxmlformats.org/officeDocument/2006/relationships" r:dm="rId2" r:lo="rId3" r:qs="rId4" r:cs="rId5"/>
+          </a:graphicData>
+        </a:graphic>
+      </p:graphicFrame>
+    </p:spTree>
+    <p:extLst>
+      <p:ext uri="{BB962C8B-B14F-4D97-AF65-F5344CB8AC3E}">
+        <p14:creationId xmlns:p14="http://schemas.microsoft.com/office/powerpoint/2010/main" val="3914189897"/>
+      </p:ext>
+    </p:extLst>
+  </p:cSld>
+  <p:clrMapOvr>
+    <a:masterClrMapping/>
+  </p:clrMapOvr>
+  <mc:AlternateContent xmlns:mc="http://schemas.openxmlformats.org/markup-compatibility/2006" xmlns:p159="http://schemas.microsoft.com/office/powerpoint/2015/09/main">
+    <mc:Choice Requires="p159">
+      <p:transition xmlns:p14="http://schemas.microsoft.com/office/powerpoint/2010/main" spd="slow" p14:dur="2000">
+        <p159:morph option="byObject"/>
+      </p:transition>
+    </mc:Choice>
+    <mc:Fallback xmlns="">
+      <p:transition spd="slow">
+        <p:fade/>
+      </p:transition>
+    </mc:Fallback>
+  </mc:AlternateContent>
+</p:sld>
+</file>
+
+<file path=ppt/slides/slide7.xml><?xml version="1.0" encoding="utf-8"?>
+<p:sld xmlns:a="http://schemas.openxmlformats.org/drawingml/2006/main" xmlns:r="http://schemas.openxmlformats.org/officeDocument/2006/relationships" xmlns:p="http://schemas.openxmlformats.org/presentationml/2006/main">
+  <p:cSld>
+    <p:bg>
+      <p:bgPr>
+        <a:solidFill>
+          <a:schemeClr val="bg1"/>
+        </a:solidFill>
+        <a:effectLst/>
+      </p:bgPr>
+    </p:bg>
+    <p:spTree>
+      <p:nvGrpSpPr>
+        <p:cNvPr id="1" name="">
+          <a:extLst>
+            <a:ext uri="{FF2B5EF4-FFF2-40B4-BE49-F238E27FC236}">
+              <a16:creationId xmlns:a16="http://schemas.microsoft.com/office/drawing/2014/main" id="{31D49C90-EFB2-7D8C-79A7-4EC672CC8D23}"/>
+            </a:ext>
+          </a:extLst>
+        </p:cNvPr>
+        <p:cNvGrpSpPr/>
+        <p:nvPr/>
+      </p:nvGrpSpPr>
+      <p:grpSpPr>
+        <a:xfrm>
+          <a:off x="0" y="0"/>
+          <a:ext cx="0" cy="0"/>
+          <a:chOff x="0" y="0"/>
+          <a:chExt cx="0" cy="0"/>
+        </a:xfrm>
+      </p:grpSpPr>
+      <p:sp useBgFill="1">
+        <p:nvSpPr>
+          <p:cNvPr id="10" name="Rectangle 9">
+            <a:extLst>
+              <a:ext uri="{FF2B5EF4-FFF2-40B4-BE49-F238E27FC236}">
+                <a16:creationId xmlns:a16="http://schemas.microsoft.com/office/drawing/2014/main" id="{81F1217F-76B7-CED1-F208-68D2F6D73BD3}"/>
+              </a:ext>
+              <a:ext uri="{C183D7F6-B498-43B3-948B-1728B52AA6E4}">
+                <adec:decorative xmlns:adec="http://schemas.microsoft.com/office/drawing/2017/decorative" val="1"/>
+              </a:ext>
+            </a:extLst>
+          </p:cNvPr>
+          <p:cNvSpPr>
+            <a:spLocks noGrp="1" noRot="1" noChangeAspect="1" noMove="1" noResize="1" noEditPoints="1" noAdjustHandles="1" noChangeArrowheads="1" noChangeShapeType="1" noTextEdit="1"/>
+          </p:cNvSpPr>
+          <p:nvPr>
+            <p:extLst>
+              <p:ext uri="{386F3935-93C4-4BCD-93E2-E3B085C9AB24}">
+                <p16:designElem xmlns:p16="http://schemas.microsoft.com/office/powerpoint/2015/main" val="1"/>
+              </p:ext>
+            </p:extLst>
+          </p:nvPr>
+        </p:nvSpPr>
+        <p:spPr>
+          <a:xfrm>
+            <a:off x="0" y="0"/>
+            <a:ext cx="12192000" cy="6858000"/>
+          </a:xfrm>
+          <a:prstGeom prst="rect">
+            <a:avLst/>
+          </a:prstGeom>
+          <a:ln w="12700" cap="flat" cmpd="sng" algn="ctr">
+            <a:noFill/>
+            <a:prstDash val="solid"/>
+            <a:miter lim="800000"/>
+          </a:ln>
+          <a:effectLst/>
+          <a:extLst>
+            <a:ext uri="{91240B29-F687-4F45-9708-019B960494DF}">
+              <a14:hiddenLine xmlns:a14="http://schemas.microsoft.com/office/drawing/2010/main" w="12700" cap="flat" cmpd="sng" algn="ctr">
+                <a:solidFill>
+                  <a:schemeClr val="accent1">
+                    <a:shade val="50000"/>
+                  </a:schemeClr>
+                </a:solidFill>
+                <a:prstDash val="solid"/>
+                <a:miter lim="800000"/>
+              </a14:hiddenLine>
+            </a:ext>
+          </a:extLst>
+        </p:spPr>
+        <p:style>
+          <a:lnRef idx="2">
+            <a:schemeClr val="accent1">
+              <a:shade val="50000"/>
+            </a:schemeClr>
+          </a:lnRef>
+          <a:fillRef idx="1">
+            <a:schemeClr val="accent1"/>
+          </a:fillRef>
+          <a:effectRef idx="0">
+            <a:schemeClr val="accent1"/>
+          </a:effectRef>
+          <a:fontRef idx="minor">
+            <a:schemeClr val="lt1"/>
+          </a:fontRef>
+        </p:style>
+        <p:txBody>
+          <a:bodyPr rtlCol="0" anchor="ctr"/>
+          <a:lstStyle/>
+          <a:p>
+            <a:pPr algn="ctr"/>
+            <a:endParaRPr lang="en-US" dirty="0"/>
+          </a:p>
+        </p:txBody>
+      </p:sp>
+      <p:sp>
+        <p:nvSpPr>
           <p:cNvPr id="12" name="Rectangle 11">
             <a:extLst>
               <a:ext uri="{FF2B5EF4-FFF2-40B4-BE49-F238E27FC236}">
-                <a16:creationId xmlns:a16="http://schemas.microsoft.com/office/drawing/2014/main" id="{F68B3F68-107C-434F-AA38-110D5EA91B85}"/>
+                <a16:creationId xmlns:a16="http://schemas.microsoft.com/office/drawing/2014/main" id="{0F022283-AAEA-E0DF-4FB0-E2756153132E}"/>
               </a:ext>
               <a:ext uri="{C183D7F6-B498-43B3-948B-1728B52AA6E4}">
                 <adec:decorative xmlns:adec="http://schemas.microsoft.com/office/drawing/2017/decorative" val="1"/>
@@ -15208,7 +18410,7 @@
           <a:lstStyle/>
           <a:p>
             <a:pPr algn="ctr"/>
-            <a:endParaRPr lang="en-US"/>
+            <a:endParaRPr lang="en-US" dirty="0"/>
           </a:p>
         </p:txBody>
       </p:sp>
@@ -15217,7 +18419,7 @@
           <p:cNvPr id="14" name="Rectangle 13">
             <a:extLst>
               <a:ext uri="{FF2B5EF4-FFF2-40B4-BE49-F238E27FC236}">
-                <a16:creationId xmlns:a16="http://schemas.microsoft.com/office/drawing/2014/main" id="{AAD0DBB9-1A4B-4391-81D4-CB19F9AB918A}"/>
+                <a16:creationId xmlns:a16="http://schemas.microsoft.com/office/drawing/2014/main" id="{BC717F7C-4E6C-701F-5D84-6F0E00FA19D0}"/>
               </a:ext>
               <a:ext uri="{C183D7F6-B498-43B3-948B-1728B52AA6E4}">
                 <adec:decorative xmlns:adec="http://schemas.microsoft.com/office/drawing/2017/decorative" val="1"/>
@@ -15284,7 +18486,7 @@
           <a:lstStyle/>
           <a:p>
             <a:pPr algn="ctr"/>
-            <a:endParaRPr lang="en-US"/>
+            <a:endParaRPr lang="en-US" dirty="0"/>
           </a:p>
         </p:txBody>
       </p:sp>
@@ -15293,7 +18495,7 @@
           <p:cNvPr id="16" name="Rectangle 15">
             <a:extLst>
               <a:ext uri="{FF2B5EF4-FFF2-40B4-BE49-F238E27FC236}">
-                <a16:creationId xmlns:a16="http://schemas.microsoft.com/office/drawing/2014/main" id="{063BBA22-50EA-4C4D-BE05-F1CE4E63AA56}"/>
+                <a16:creationId xmlns:a16="http://schemas.microsoft.com/office/drawing/2014/main" id="{B26E6F06-346B-614A-6A70-6027341EB660}"/>
               </a:ext>
               <a:ext uri="{C183D7F6-B498-43B3-948B-1728B52AA6E4}">
                 <adec:decorative xmlns:adec="http://schemas.microsoft.com/office/drawing/2017/decorative" val="1"/>
@@ -15368,7 +18570,7 @@
           <p:cNvPr id="2" name="Title 1">
             <a:extLst>
               <a:ext uri="{FF2B5EF4-FFF2-40B4-BE49-F238E27FC236}">
-                <a16:creationId xmlns:a16="http://schemas.microsoft.com/office/drawing/2014/main" id="{51DAA2C5-14AB-4F98-92BF-9FD293FA0A7E}"/>
+                <a16:creationId xmlns:a16="http://schemas.microsoft.com/office/drawing/2014/main" id="{7E5F4C8E-3D8E-5B44-F21B-30CBCA1F4366}"/>
               </a:ext>
             </a:extLst>
           </p:cNvPr>
@@ -15399,59 +18601,184 @@
                 </a:solidFill>
                 <a:latin typeface="Amasis MT Pro Medium" panose="02040604050005020304" pitchFamily="18" charset="0"/>
               </a:rPr>
-              <a:t>Data Sources</a:t>
+              <a:t>Data Sources – UK Police</a:t>
             </a:r>
           </a:p>
         </p:txBody>
       </p:sp>
-      <p:graphicFrame>
-        <p:nvGraphicFramePr>
-          <p:cNvPr id="6" name="Rectangle 1">
+      <p:grpSp>
+        <p:nvGrpSpPr>
+          <p:cNvPr id="15" name="Group 14">
             <a:extLst>
               <a:ext uri="{FF2B5EF4-FFF2-40B4-BE49-F238E27FC236}">
-                <a16:creationId xmlns:a16="http://schemas.microsoft.com/office/drawing/2014/main" id="{977A1CC7-146D-3CE0-0FF5-260DF22DCCEF}"/>
+                <a16:creationId xmlns:a16="http://schemas.microsoft.com/office/drawing/2014/main" id="{6C8971E1-9DA0-2520-BAB7-9414BE26B3DA}"/>
               </a:ext>
             </a:extLst>
           </p:cNvPr>
-          <p:cNvGraphicFramePr>
-            <a:graphicFrameLocks noGrp="1"/>
-          </p:cNvGraphicFramePr>
-          <p:nvPr>
-            <p:ph idx="1"/>
-            <p:extLst>
-              <p:ext uri="{D42A27DB-BD31-4B8C-83A1-F6EECF244321}">
-                <p14:modId xmlns:p14="http://schemas.microsoft.com/office/powerpoint/2010/main" val="3935455211"/>
-              </p:ext>
-            </p:extLst>
-          </p:nvPr>
-        </p:nvGraphicFramePr>
-        <p:xfrm>
-          <a:off x="632085" y="2120329"/>
-          <a:ext cx="10927829" cy="4192805"/>
-        </p:xfrm>
-        <a:graphic>
-          <a:graphicData uri="http://schemas.openxmlformats.org/drawingml/2006/diagram">
-            <dgm:relIds xmlns:dgm="http://schemas.openxmlformats.org/drawingml/2006/diagram" xmlns:r="http://schemas.openxmlformats.org/officeDocument/2006/relationships" r:dm="rId2" r:lo="rId3" r:qs="rId4" r:cs="rId5"/>
-          </a:graphicData>
-        </a:graphic>
-      </p:graphicFrame>
+          <p:cNvGrpSpPr/>
+          <p:nvPr/>
+        </p:nvGrpSpPr>
+        <p:grpSpPr>
+          <a:xfrm>
+            <a:off x="288424" y="2065308"/>
+            <a:ext cx="7248307" cy="4302847"/>
+            <a:chOff x="4943694" y="1921704"/>
+            <a:chExt cx="7248307" cy="4302847"/>
+          </a:xfrm>
+        </p:grpSpPr>
+        <p:pic>
+          <p:nvPicPr>
+            <p:cNvPr id="7" name="Picture 6">
+              <a:extLst>
+                <a:ext uri="{FF2B5EF4-FFF2-40B4-BE49-F238E27FC236}">
+                  <a16:creationId xmlns:a16="http://schemas.microsoft.com/office/drawing/2014/main" id="{62C8C812-38FE-06DE-7610-CE855092E648}"/>
+                </a:ext>
+              </a:extLst>
+            </p:cNvPr>
+            <p:cNvPicPr>
+              <a:picLocks noChangeAspect="1"/>
+            </p:cNvPicPr>
+            <p:nvPr/>
+          </p:nvPicPr>
+          <p:blipFill>
+            <a:blip r:embed="rId2"/>
+            <a:stretch>
+              <a:fillRect/>
+            </a:stretch>
+          </p:blipFill>
+          <p:spPr>
+            <a:xfrm>
+              <a:off x="4943694" y="1921704"/>
+              <a:ext cx="7248307" cy="873619"/>
+            </a:xfrm>
+            <a:prstGeom prst="rect">
+              <a:avLst/>
+            </a:prstGeom>
+          </p:spPr>
+        </p:pic>
+        <p:pic>
+          <p:nvPicPr>
+            <p:cNvPr id="13" name="Picture 12">
+              <a:extLst>
+                <a:ext uri="{FF2B5EF4-FFF2-40B4-BE49-F238E27FC236}">
+                  <a16:creationId xmlns:a16="http://schemas.microsoft.com/office/drawing/2014/main" id="{AECCFCBB-EE17-6994-3B37-91E8DD0B39B3}"/>
+                </a:ext>
+              </a:extLst>
+            </p:cNvPr>
+            <p:cNvPicPr>
+              <a:picLocks noChangeAspect="1"/>
+            </p:cNvPicPr>
+            <p:nvPr/>
+          </p:nvPicPr>
+          <p:blipFill>
+            <a:blip r:embed="rId3"/>
+            <a:stretch>
+              <a:fillRect/>
+            </a:stretch>
+          </p:blipFill>
+          <p:spPr>
+            <a:xfrm>
+              <a:off x="4943694" y="2795323"/>
+              <a:ext cx="7248306" cy="3429228"/>
+            </a:xfrm>
+            <a:prstGeom prst="rect">
+              <a:avLst/>
+            </a:prstGeom>
+          </p:spPr>
+        </p:pic>
+      </p:grpSp>
+      <p:sp>
+        <p:nvSpPr>
+          <p:cNvPr id="17" name="TextBox 16">
+            <a:extLst>
+              <a:ext uri="{FF2B5EF4-FFF2-40B4-BE49-F238E27FC236}">
+                <a16:creationId xmlns:a16="http://schemas.microsoft.com/office/drawing/2014/main" id="{071F0668-ACC5-026C-9CB9-D088C212D431}"/>
+              </a:ext>
+            </a:extLst>
+          </p:cNvPr>
+          <p:cNvSpPr txBox="1"/>
+          <p:nvPr/>
+        </p:nvSpPr>
+        <p:spPr>
+          <a:xfrm>
+            <a:off x="7825154" y="2584308"/>
+            <a:ext cx="3950677" cy="2862322"/>
+          </a:xfrm>
+          <a:prstGeom prst="rect">
+            <a:avLst/>
+          </a:prstGeom>
+          <a:solidFill>
+            <a:schemeClr val="bg1"/>
+          </a:solidFill>
+          <a:effectLst>
+            <a:outerShdw blurRad="50800" dist="38100" dir="2700000" algn="tl" rotWithShape="0">
+              <a:prstClr val="black">
+                <a:alpha val="40000"/>
+              </a:prstClr>
+            </a:outerShdw>
+          </a:effectLst>
+        </p:spPr>
+        <p:txBody>
+          <a:bodyPr wrap="square" rtlCol="0">
+            <a:spAutoFit/>
+          </a:bodyPr>
+          <a:lstStyle/>
+          <a:p>
+            <a:r>
+              <a:rPr lang="en-GB" sz="2000" dirty="0">
+                <a:latin typeface="Amasis MT Pro Medium" panose="02040604050005020304" pitchFamily="18" charset="0"/>
+              </a:rPr>
+              <a:t>The analysis uses 2022 stop and search data from the UK Police with the UK Police API to explore spatial patterns and disparities across LSOAs in London and Merseyside.</a:t>
+            </a:r>
+          </a:p>
+          <a:p>
+            <a:endParaRPr lang="en-GB" sz="2000" dirty="0">
+              <a:latin typeface="Amasis MT Pro Medium" panose="02040604050005020304" pitchFamily="18" charset="0"/>
+            </a:endParaRPr>
+          </a:p>
+          <a:p>
+            <a:pPr marL="285750" indent="-285750">
+              <a:buFont typeface="Arial" panose="020B0604020202020204" pitchFamily="34" charset="0"/>
+              <a:buChar char="•"/>
+            </a:pPr>
+            <a:r>
+              <a:rPr lang="en-GB" sz="2000" dirty="0">
+                <a:latin typeface="Amasis MT Pro Medium" panose="02040604050005020304" pitchFamily="18" charset="0"/>
+              </a:rPr>
+              <a:t>Stop &amp; Search</a:t>
+            </a:r>
+          </a:p>
+          <a:p>
+            <a:pPr marL="285750" indent="-285750">
+              <a:buFont typeface="Arial" panose="020B0604020202020204" pitchFamily="34" charset="0"/>
+              <a:buChar char="•"/>
+            </a:pPr>
+            <a:r>
+              <a:rPr lang="en-GB" sz="2000" dirty="0">
+                <a:latin typeface="Amasis MT Pro Medium" panose="02040604050005020304" pitchFamily="18" charset="0"/>
+              </a:rPr>
+              <a:t>Crime</a:t>
+            </a:r>
+          </a:p>
+        </p:txBody>
+      </p:sp>
     </p:spTree>
     <p:extLst>
       <p:ext uri="{BB962C8B-B14F-4D97-AF65-F5344CB8AC3E}">
-        <p14:creationId xmlns:p14="http://schemas.microsoft.com/office/powerpoint/2010/main" val="3914189897"/>
+        <p14:creationId xmlns:p14="http://schemas.microsoft.com/office/powerpoint/2010/main" val="456782324"/>
       </p:ext>
     </p:extLst>
   </p:cSld>
   <p:clrMapOvr>
     <a:masterClrMapping/>
   </p:clrMapOvr>
-  <mc:AlternateContent xmlns:mc="http://schemas.openxmlformats.org/markup-compatibility/2006" xmlns:p159="http://schemas.microsoft.com/office/powerpoint/2015/09/main">
-    <mc:Choice Requires="p159">
+  <mc:AlternateContent xmlns:mc="http://schemas.openxmlformats.org/markup-compatibility/2006">
+    <mc:Choice xmlns:p159="http://schemas.microsoft.com/office/powerpoint/2015/09/main" Requires="p159">
       <p:transition xmlns:p14="http://schemas.microsoft.com/office/powerpoint/2010/main" spd="slow" p14:dur="2000">
         <p159:morph option="byObject"/>
       </p:transition>
     </mc:Choice>
-    <mc:Fallback xmlns="">
+    <mc:Fallback>
       <p:transition spd="slow">
         <p:fade/>
       </p:transition>
@@ -15460,7 +18787,7 @@
 </p:sld>
 </file>
 
-<file path=ppt/slides/slide7.xml><?xml version="1.0" encoding="utf-8"?>
+<file path=ppt/slides/slide8.xml><?xml version="1.0" encoding="utf-8"?>
 <p:sld xmlns:a="http://schemas.openxmlformats.org/drawingml/2006/main" xmlns:r="http://schemas.openxmlformats.org/officeDocument/2006/relationships" xmlns:p="http://schemas.openxmlformats.org/presentationml/2006/main">
   <p:cSld>
     <p:bg>
@@ -15473,7 +18800,13 @@
     </p:bg>
     <p:spTree>
       <p:nvGrpSpPr>
-        <p:cNvPr id="1" name=""/>
+        <p:cNvPr id="1" name="">
+          <a:extLst>
+            <a:ext uri="{FF2B5EF4-FFF2-40B4-BE49-F238E27FC236}">
+              <a16:creationId xmlns:a16="http://schemas.microsoft.com/office/drawing/2014/main" id="{A64FA81A-CF66-E84C-2E97-E84525CE96EC}"/>
+            </a:ext>
+          </a:extLst>
+        </p:cNvPr>
         <p:cNvGrpSpPr/>
         <p:nvPr/>
       </p:nvGrpSpPr>
@@ -15487,10 +18820,10 @@
       </p:grpSpPr>
       <p:sp useBgFill="1">
         <p:nvSpPr>
-          <p:cNvPr id="9" name="Rectangle 8">
+          <p:cNvPr id="10" name="Rectangle 9">
             <a:extLst>
               <a:ext uri="{FF2B5EF4-FFF2-40B4-BE49-F238E27FC236}">
-                <a16:creationId xmlns:a16="http://schemas.microsoft.com/office/drawing/2014/main" id="{1B15ED52-F352-441B-82BF-E0EA34836D08}"/>
+                <a16:creationId xmlns:a16="http://schemas.microsoft.com/office/drawing/2014/main" id="{B373CDDE-9F64-2521-B858-76B37D6F2557}"/>
               </a:ext>
               <a:ext uri="{C183D7F6-B498-43B3-948B-1728B52AA6E4}">
                 <adec:decorative xmlns:adec="http://schemas.microsoft.com/office/drawing/2017/decorative" val="1"/>
@@ -15557,16 +18890,16 @@
           <a:lstStyle/>
           <a:p>
             <a:pPr algn="ctr"/>
-            <a:endParaRPr lang="en-US"/>
+            <a:endParaRPr lang="en-US" dirty="0"/>
           </a:p>
         </p:txBody>
       </p:sp>
       <p:sp>
         <p:nvSpPr>
-          <p:cNvPr id="11" name="Rectangle 10">
+          <p:cNvPr id="12" name="Rectangle 11">
             <a:extLst>
               <a:ext uri="{FF2B5EF4-FFF2-40B4-BE49-F238E27FC236}">
-                <a16:creationId xmlns:a16="http://schemas.microsoft.com/office/drawing/2014/main" id="{3B2E3793-BFE6-45A2-9B7B-E18844431C99}"/>
+                <a16:creationId xmlns:a16="http://schemas.microsoft.com/office/drawing/2014/main" id="{34869977-E4AA-95D3-2785-01DA644FBC24}"/>
               </a:ext>
               <a:ext uri="{C183D7F6-B498-43B3-948B-1728B52AA6E4}">
                 <adec:decorative xmlns:adec="http://schemas.microsoft.com/office/drawing/2017/decorative" val="1"/>
@@ -15586,8 +18919,8 @@
         </p:nvSpPr>
         <p:spPr>
           <a:xfrm flipH="1">
-            <a:off x="-1" y="-1"/>
-            <a:ext cx="12191998" cy="1590742"/>
+            <a:off x="2" y="0"/>
+            <a:ext cx="12191998" cy="1575955"/>
           </a:xfrm>
           <a:prstGeom prst="rect">
             <a:avLst/>
@@ -15595,7 +18928,9 @@
           <a:gradFill>
             <a:gsLst>
               <a:gs pos="0">
-                <a:srgbClr val="000000"/>
+                <a:srgbClr val="000000">
+                  <a:alpha val="96000"/>
+                </a:srgbClr>
               </a:gs>
               <a:gs pos="100000">
                 <a:schemeClr val="accent1">
@@ -15630,16 +18965,16 @@
           <a:lstStyle/>
           <a:p>
             <a:pPr algn="ctr"/>
-            <a:endParaRPr lang="en-US"/>
+            <a:endParaRPr lang="en-US" dirty="0"/>
           </a:p>
         </p:txBody>
       </p:sp>
       <p:sp>
         <p:nvSpPr>
-          <p:cNvPr id="13" name="Rectangle 12">
+          <p:cNvPr id="14" name="Rectangle 13">
             <a:extLst>
               <a:ext uri="{FF2B5EF4-FFF2-40B4-BE49-F238E27FC236}">
-                <a16:creationId xmlns:a16="http://schemas.microsoft.com/office/drawing/2014/main" id="{BC4C4868-CB8F-4AF9-9CDB-8108F2C19B67}"/>
+                <a16:creationId xmlns:a16="http://schemas.microsoft.com/office/drawing/2014/main" id="{8430D77E-13B1-12E3-77C1-AE68A961A69C}"/>
               </a:ext>
               <a:ext uri="{C183D7F6-B498-43B3-948B-1728B52AA6E4}">
                 <adec:decorative xmlns:adec="http://schemas.microsoft.com/office/drawing/2017/decorative" val="1"/>
@@ -15659,27 +18994,27 @@
         </p:nvSpPr>
         <p:spPr>
           <a:xfrm rot="10800000" flipH="1">
-            <a:off x="-3" y="0"/>
-            <a:ext cx="8115306" cy="1590742"/>
+            <a:off x="8128857" y="0"/>
+            <a:ext cx="4063143" cy="1576412"/>
           </a:xfrm>
           <a:prstGeom prst="rect">
             <a:avLst/>
           </a:prstGeom>
           <a:gradFill>
             <a:gsLst>
-              <a:gs pos="20000">
+              <a:gs pos="19000">
                 <a:schemeClr val="accent1">
-                  <a:alpha val="0"/>
+                  <a:lumMod val="50000"/>
+                  <a:alpha val="68000"/>
                 </a:schemeClr>
               </a:gs>
               <a:gs pos="100000">
                 <a:schemeClr val="accent1">
-                  <a:lumMod val="50000"/>
-                  <a:alpha val="55000"/>
+                  <a:alpha val="79000"/>
                 </a:schemeClr>
               </a:gs>
             </a:gsLst>
-            <a:lin ang="13800000" scaled="0"/>
+            <a:lin ang="19200000" scaled="0"/>
           </a:gradFill>
           <a:ln>
             <a:noFill/>
@@ -15706,16 +19041,16 @@
           <a:lstStyle/>
           <a:p>
             <a:pPr algn="ctr"/>
-            <a:endParaRPr lang="en-US"/>
+            <a:endParaRPr lang="en-US" dirty="0"/>
           </a:p>
         </p:txBody>
       </p:sp>
       <p:sp>
         <p:nvSpPr>
-          <p:cNvPr id="15" name="Rectangle 14">
+          <p:cNvPr id="16" name="Rectangle 15">
             <a:extLst>
               <a:ext uri="{FF2B5EF4-FFF2-40B4-BE49-F238E27FC236}">
-                <a16:creationId xmlns:a16="http://schemas.microsoft.com/office/drawing/2014/main" id="{375E0459-6403-40CD-989D-56A4407CA12E}"/>
+                <a16:creationId xmlns:a16="http://schemas.microsoft.com/office/drawing/2014/main" id="{1081FEB5-D767-29D4-4A59-A975EC081809}"/>
               </a:ext>
               <a:ext uri="{C183D7F6-B498-43B3-948B-1728B52AA6E4}">
                 <adec:decorative xmlns:adec="http://schemas.microsoft.com/office/drawing/2017/decorative" val="1"/>
@@ -15734,27 +19069,27 @@
           </p:nvPr>
         </p:nvSpPr>
         <p:spPr>
-          <a:xfrm flipH="1">
-            <a:off x="8115299" y="-1"/>
-            <a:ext cx="4076698" cy="1590742"/>
+          <a:xfrm rot="5400000">
+            <a:off x="5307777" y="-5307778"/>
+            <a:ext cx="1576446" cy="12192002"/>
           </a:xfrm>
           <a:prstGeom prst="rect">
             <a:avLst/>
           </a:prstGeom>
           <a:gradFill>
             <a:gsLst>
-              <a:gs pos="0">
+              <a:gs pos="23000">
                 <a:schemeClr val="accent1">
-                  <a:alpha val="66000"/>
+                  <a:alpha val="0"/>
                 </a:schemeClr>
               </a:gs>
-              <a:gs pos="100000">
+              <a:gs pos="99000">
                 <a:srgbClr val="000000">
-                  <a:alpha val="30000"/>
+                  <a:alpha val="74000"/>
                 </a:srgbClr>
               </a:gs>
             </a:gsLst>
-            <a:lin ang="13200000" scaled="0"/>
+            <a:lin ang="20400000" scaled="0"/>
           </a:gradFill>
           <a:ln>
             <a:noFill/>
@@ -15781,83 +19116,7 @@
           <a:lstStyle/>
           <a:p>
             <a:pPr algn="ctr"/>
-            <a:endParaRPr lang="en-US"/>
-          </a:p>
-        </p:txBody>
-      </p:sp>
-      <p:sp>
-        <p:nvSpPr>
-          <p:cNvPr id="17" name="Rectangle 16">
-            <a:extLst>
-              <a:ext uri="{FF2B5EF4-FFF2-40B4-BE49-F238E27FC236}">
-                <a16:creationId xmlns:a16="http://schemas.microsoft.com/office/drawing/2014/main" id="{53E5B1A8-3AC9-4BD1-9BBC-78CA94F2D1BA}"/>
-              </a:ext>
-              <a:ext uri="{C183D7F6-B498-43B3-948B-1728B52AA6E4}">
-                <adec:decorative xmlns:adec="http://schemas.microsoft.com/office/drawing/2017/decorative" val="1"/>
-              </a:ext>
-            </a:extLst>
-          </p:cNvPr>
-          <p:cNvSpPr>
-            <a:spLocks noGrp="1" noRot="1" noChangeAspect="1" noMove="1" noResize="1" noEditPoints="1" noAdjustHandles="1" noChangeArrowheads="1" noChangeShapeType="1" noTextEdit="1"/>
-          </p:cNvSpPr>
-          <p:nvPr>
-            <p:extLst>
-              <p:ext uri="{386F3935-93C4-4BCD-93E2-E3B085C9AB24}">
-                <p16:designElem xmlns:p16="http://schemas.microsoft.com/office/powerpoint/2015/main" val="1"/>
-              </p:ext>
-            </p:extLst>
-          </p:nvPr>
-        </p:nvSpPr>
-        <p:spPr>
-          <a:xfrm>
-            <a:off x="459350" y="-1"/>
-            <a:ext cx="11732646" cy="1597433"/>
-          </a:xfrm>
-          <a:prstGeom prst="rect">
-            <a:avLst/>
-          </a:prstGeom>
-          <a:gradFill>
-            <a:gsLst>
-              <a:gs pos="50000">
-                <a:srgbClr val="000000">
-                  <a:alpha val="0"/>
-                </a:srgbClr>
-              </a:gs>
-              <a:gs pos="99000">
-                <a:schemeClr val="accent1">
-                  <a:lumMod val="50000"/>
-                  <a:alpha val="52000"/>
-                </a:schemeClr>
-              </a:gs>
-            </a:gsLst>
-            <a:lin ang="16800000" scaled="0"/>
-          </a:gradFill>
-          <a:ln>
-            <a:noFill/>
-          </a:ln>
-        </p:spPr>
-        <p:style>
-          <a:lnRef idx="2">
-            <a:schemeClr val="accent1">
-              <a:shade val="50000"/>
-            </a:schemeClr>
-          </a:lnRef>
-          <a:fillRef idx="1">
-            <a:schemeClr val="accent1"/>
-          </a:fillRef>
-          <a:effectRef idx="0">
-            <a:schemeClr val="accent1"/>
-          </a:effectRef>
-          <a:fontRef idx="minor">
-            <a:schemeClr val="lt1"/>
-          </a:fontRef>
-        </p:style>
-        <p:txBody>
-          <a:bodyPr rtlCol="0" anchor="ctr"/>
-          <a:lstStyle/>
-          <a:p>
-            <a:pPr algn="ctr"/>
-            <a:endParaRPr lang="en-US"/>
+            <a:endParaRPr lang="en-US" dirty="0"/>
           </a:p>
         </p:txBody>
       </p:sp>
@@ -15866,7 +19125,7 @@
           <p:cNvPr id="2" name="Title 1">
             <a:extLst>
               <a:ext uri="{FF2B5EF4-FFF2-40B4-BE49-F238E27FC236}">
-                <a16:creationId xmlns:a16="http://schemas.microsoft.com/office/drawing/2014/main" id="{2D51C5F2-7DB6-D338-1361-305D197141D4}"/>
+                <a16:creationId xmlns:a16="http://schemas.microsoft.com/office/drawing/2014/main" id="{933303AC-A1BD-FFDF-BC47-F7A622C110AD}"/>
               </a:ext>
             </a:extLst>
           </p:cNvPr>
@@ -15879,284 +19138,122 @@
         </p:nvSpPr>
         <p:spPr>
           <a:xfrm>
-            <a:off x="1371599" y="294538"/>
-            <a:ext cx="9895951" cy="1033669"/>
+            <a:off x="1073987" y="349112"/>
+            <a:ext cx="10044023" cy="877729"/>
           </a:xfrm>
         </p:spPr>
         <p:txBody>
-          <a:bodyPr>
+          <a:bodyPr anchor="ctr">
             <a:normAutofit/>
           </a:bodyPr>
           <a:lstStyle/>
           <a:p>
+            <a:pPr algn="ctr"/>
             <a:r>
-              <a:rPr lang="en-GB" sz="4000">
+              <a:rPr lang="en-GB" sz="4000" dirty="0">
                 <a:solidFill>
                   <a:srgbClr val="FFFFFF"/>
                 </a:solidFill>
                 <a:latin typeface="Amasis MT Pro Medium" panose="02040604050005020304" pitchFamily="18" charset="0"/>
               </a:rPr>
-              <a:t>Methods </a:t>
+              <a:t>Data Sources – Other Variables</a:t>
             </a:r>
           </a:p>
         </p:txBody>
       </p:sp>
       <p:sp>
         <p:nvSpPr>
-          <p:cNvPr id="4" name="Rectangle 1">
+          <p:cNvPr id="17" name="TextBox 16">
             <a:extLst>
               <a:ext uri="{FF2B5EF4-FFF2-40B4-BE49-F238E27FC236}">
-                <a16:creationId xmlns:a16="http://schemas.microsoft.com/office/drawing/2014/main" id="{886F7724-CA5E-5267-2053-CA21E1CAE5F4}"/>
+                <a16:creationId xmlns:a16="http://schemas.microsoft.com/office/drawing/2014/main" id="{9286D925-8ACC-8344-8F0D-B8FFD062D8CD}"/>
               </a:ext>
             </a:extLst>
           </p:cNvPr>
-          <p:cNvSpPr>
-            <a:spLocks noGrp="1" noChangeArrowheads="1"/>
-          </p:cNvSpPr>
-          <p:nvPr>
-            <p:ph idx="1"/>
-          </p:nvPr>
+          <p:cNvSpPr txBox="1"/>
+          <p:nvPr/>
         </p:nvSpPr>
-        <p:spPr bwMode="auto">
+        <p:spPr>
           <a:xfrm>
-            <a:off x="1371599" y="2318197"/>
-            <a:ext cx="9724031" cy="3683358"/>
+            <a:off x="1685192" y="2107942"/>
+            <a:ext cx="8821616" cy="1323439"/>
           </a:xfrm>
           <a:prstGeom prst="rect">
             <a:avLst/>
           </a:prstGeom>
-          <a:extLst>
-            <a:ext uri="{909E8E84-426E-40DD-AFC4-6F175D3DCCD1}">
-              <a14:hiddenFill xmlns:a14="http://schemas.microsoft.com/office/drawing/2010/main">
-                <a:solidFill>
-                  <a:schemeClr val="accent1"/>
-                </a:solidFill>
-              </a14:hiddenFill>
-            </a:ext>
-            <a:ext uri="{91240B29-F687-4F45-9708-019B960494DF}">
-              <a14:hiddenLine xmlns:a14="http://schemas.microsoft.com/office/drawing/2010/main" w="9525">
-                <a:solidFill>
-                  <a:schemeClr val="tx1"/>
-                </a:solidFill>
-                <a:miter lim="800000"/>
-                <a:headEnd/>
-                <a:tailEnd/>
-              </a14:hiddenLine>
-            </a:ext>
-            <a:ext uri="{AF507438-7753-43E0-B8FC-AC1667EBCBE1}">
-              <a14:hiddenEffects xmlns:a14="http://schemas.microsoft.com/office/drawing/2010/main">
-                <a:effectLst>
-                  <a:outerShdw dist="35921" dir="2700000" algn="ctr" rotWithShape="0">
-                    <a:schemeClr val="bg2"/>
-                  </a:outerShdw>
-                </a:effectLst>
-              </a14:hiddenEffects>
-            </a:ext>
-          </a:extLst>
+          <a:solidFill>
+            <a:schemeClr val="bg1"/>
+          </a:solidFill>
+          <a:effectLst>
+            <a:outerShdw blurRad="50800" dist="38100" dir="2700000" algn="tl" rotWithShape="0">
+              <a:prstClr val="black">
+                <a:alpha val="40000"/>
+              </a:prstClr>
+            </a:outerShdw>
+          </a:effectLst>
         </p:spPr>
         <p:txBody>
-          <a:bodyPr vert="horz" lIns="91440" tIns="45720" rIns="91440" bIns="45720" numCol="1" anchor="ctr" anchorCtr="0" compatLnSpc="1">
-            <a:prstTxWarp prst="textNoShape">
-              <a:avLst/>
-            </a:prstTxWarp>
-            <a:normAutofit/>
+          <a:bodyPr wrap="square" rtlCol="0">
+            <a:spAutoFit/>
           </a:bodyPr>
           <a:lstStyle/>
           <a:p>
-            <a:pPr marL="0" marR="0" lvl="0" indent="0" defTabSz="914400" rtl="0" eaLnBrk="0" fontAlgn="base" latinLnBrk="0" hangingPunct="0">
-              <a:spcBef>
-                <a:spcPct val="0"/>
-              </a:spcBef>
-              <a:spcAft>
-                <a:spcPts val="600"/>
-              </a:spcAft>
-              <a:buClrTx/>
-              <a:buSzTx/>
-              <a:buFontTx/>
-              <a:buChar char="•"/>
-              <a:tabLst/>
-            </a:pPr>
+            <a:pPr algn="just"/>
             <a:r>
-              <a:rPr kumimoji="0" lang="en-US" altLang="en-US" sz="2000" b="1" i="0" u="none" strike="noStrike" cap="none" normalizeH="0" baseline="0" dirty="0">
-                <a:ln>
-                  <a:noFill/>
-                </a:ln>
-                <a:effectLst/>
+              <a:rPr lang="en-GB" sz="2000" dirty="0">
                 <a:latin typeface="Amasis MT Pro Medium" panose="02040604050005020304" pitchFamily="18" charset="0"/>
               </a:rPr>
-              <a:t>Descriptive spatial analysis:</a:t>
+              <a:t>The other descriptive variables are collected from the 2021 ONS Census, which provides detailed demographic and socio-economic data at the local authority level, including information on population characteristics, ethnicity, housing, and employment status, among other factors.</a:t>
             </a:r>
-            <a:endParaRPr kumimoji="0" lang="en-US" altLang="en-US" sz="2000" b="0" i="0" u="none" strike="noStrike" cap="none" normalizeH="0" baseline="0" dirty="0">
-              <a:ln>
-                <a:noFill/>
-              </a:ln>
-              <a:effectLst/>
-              <a:latin typeface="Amasis MT Pro Medium" panose="02040604050005020304" pitchFamily="18" charset="0"/>
-            </a:endParaRPr>
-          </a:p>
-          <a:p>
-            <a:pPr marL="0" marR="0" lvl="0" indent="0" defTabSz="914400" rtl="0" eaLnBrk="0" fontAlgn="base" latinLnBrk="0" hangingPunct="0">
-              <a:spcBef>
-                <a:spcPct val="0"/>
-              </a:spcBef>
-              <a:spcAft>
-                <a:spcPts val="600"/>
-              </a:spcAft>
-              <a:buClrTx/>
-              <a:buSzTx/>
-              <a:buFontTx/>
-              <a:buChar char="•"/>
-              <a:tabLst/>
-            </a:pPr>
-            <a:r>
-              <a:rPr kumimoji="0" lang="en-US" altLang="en-US" sz="2000" b="0" i="0" u="none" strike="noStrike" cap="none" normalizeH="0" baseline="0" dirty="0">
-                <a:ln>
-                  <a:noFill/>
-                </a:ln>
-                <a:effectLst/>
-                <a:latin typeface="Amasis MT Pro Medium" panose="02040604050005020304" pitchFamily="18" charset="0"/>
-              </a:rPr>
-              <a:t>Mapping S&amp;S rates across LSOAs to </a:t>
-            </a:r>
-            <a:r>
-              <a:rPr kumimoji="0" lang="en-US" altLang="en-US" sz="2000" b="0" i="0" u="none" strike="noStrike" cap="none" normalizeH="0" baseline="0" dirty="0" err="1">
-                <a:ln>
-                  <a:noFill/>
-                </a:ln>
-                <a:effectLst/>
-                <a:latin typeface="Amasis MT Pro Medium" panose="02040604050005020304" pitchFamily="18" charset="0"/>
-              </a:rPr>
-              <a:t>visualise</a:t>
-            </a:r>
-            <a:r>
-              <a:rPr kumimoji="0" lang="en-US" altLang="en-US" sz="2000" b="0" i="0" u="none" strike="noStrike" cap="none" normalizeH="0" baseline="0" dirty="0">
-                <a:ln>
-                  <a:noFill/>
-                </a:ln>
-                <a:effectLst/>
-                <a:latin typeface="Amasis MT Pro Medium" panose="02040604050005020304" pitchFamily="18" charset="0"/>
-              </a:rPr>
-              <a:t> clustering</a:t>
-            </a:r>
-          </a:p>
-          <a:p>
-            <a:pPr marL="0" marR="0" lvl="0" indent="0" defTabSz="914400" rtl="0" eaLnBrk="0" fontAlgn="base" latinLnBrk="0" hangingPunct="0">
-              <a:spcBef>
-                <a:spcPct val="0"/>
-              </a:spcBef>
-              <a:spcAft>
-                <a:spcPts val="600"/>
-              </a:spcAft>
-              <a:buClrTx/>
-              <a:buSzTx/>
-              <a:buFontTx/>
-              <a:buChar char="•"/>
-              <a:tabLst/>
-            </a:pPr>
-            <a:r>
-              <a:rPr kumimoji="0" lang="en-US" altLang="en-US" sz="2000" b="1" i="0" u="none" strike="noStrike" cap="none" normalizeH="0" baseline="0" dirty="0">
-                <a:ln>
-                  <a:noFill/>
-                </a:ln>
-                <a:effectLst/>
-                <a:latin typeface="Amasis MT Pro Medium" panose="02040604050005020304" pitchFamily="18" charset="0"/>
-              </a:rPr>
-              <a:t>Regression models:</a:t>
-            </a:r>
-            <a:endParaRPr kumimoji="0" lang="en-US" altLang="en-US" sz="2000" b="0" i="0" u="none" strike="noStrike" cap="none" normalizeH="0" baseline="0" dirty="0">
-              <a:ln>
-                <a:noFill/>
-              </a:ln>
-              <a:effectLst/>
-              <a:latin typeface="Amasis MT Pro Medium" panose="02040604050005020304" pitchFamily="18" charset="0"/>
-            </a:endParaRPr>
-          </a:p>
-          <a:p>
-            <a:pPr marL="0" marR="0" lvl="0" indent="0" defTabSz="914400" rtl="0" eaLnBrk="0" fontAlgn="base" latinLnBrk="0" hangingPunct="0">
-              <a:spcBef>
-                <a:spcPct val="0"/>
-              </a:spcBef>
-              <a:spcAft>
-                <a:spcPts val="600"/>
-              </a:spcAft>
-              <a:buClrTx/>
-              <a:buSzTx/>
-              <a:buFontTx/>
-              <a:buChar char="•"/>
-              <a:tabLst/>
-            </a:pPr>
-            <a:r>
-              <a:rPr kumimoji="0" lang="en-US" altLang="en-US" sz="2000" b="0" i="0" u="none" strike="noStrike" cap="none" normalizeH="0" baseline="0" dirty="0">
-                <a:ln>
-                  <a:noFill/>
-                </a:ln>
-                <a:effectLst/>
-                <a:latin typeface="Amasis MT Pro Medium" panose="02040604050005020304" pitchFamily="18" charset="0"/>
-              </a:rPr>
-              <a:t>S&amp;S rate (dependent variable) vs income deprivation, house prices, etc.</a:t>
-            </a:r>
-          </a:p>
-          <a:p>
-            <a:pPr marL="0" marR="0" lvl="0" indent="0" defTabSz="914400" rtl="0" eaLnBrk="0" fontAlgn="base" latinLnBrk="0" hangingPunct="0">
-              <a:spcBef>
-                <a:spcPct val="0"/>
-              </a:spcBef>
-              <a:spcAft>
-                <a:spcPts val="600"/>
-              </a:spcAft>
-              <a:buClrTx/>
-              <a:buSzTx/>
-              <a:buFontTx/>
-              <a:buChar char="•"/>
-              <a:tabLst/>
-            </a:pPr>
-            <a:r>
-              <a:rPr kumimoji="0" lang="en-US" altLang="en-US" sz="2000" b="0" i="0" u="none" strike="noStrike" cap="none" normalizeH="0" baseline="0" dirty="0">
-                <a:ln>
-                  <a:noFill/>
-                </a:ln>
-                <a:effectLst/>
-                <a:latin typeface="Amasis MT Pro Medium" panose="02040604050005020304" pitchFamily="18" charset="0"/>
-              </a:rPr>
-              <a:t>Compare coefficients for London and </a:t>
-            </a:r>
-            <a:r>
-              <a:rPr kumimoji="0" lang="en-US" altLang="en-US" sz="2000" b="0" i="0" u="none" strike="noStrike" cap="none" normalizeH="0" baseline="0">
-                <a:ln>
-                  <a:noFill/>
-                </a:ln>
-                <a:effectLst/>
-                <a:latin typeface="Amasis MT Pro Medium" panose="02040604050005020304" pitchFamily="18" charset="0"/>
-              </a:rPr>
-              <a:t>Merseyside separately</a:t>
-            </a:r>
-            <a:endParaRPr kumimoji="0" lang="en-US" altLang="en-US" sz="2000" b="0" i="0" u="none" strike="noStrike" cap="none" normalizeH="0" baseline="0" dirty="0">
-              <a:ln>
-                <a:noFill/>
-              </a:ln>
-              <a:effectLst/>
-              <a:latin typeface="Amasis MT Pro Medium" panose="02040604050005020304" pitchFamily="18" charset="0"/>
-            </a:endParaRPr>
           </a:p>
         </p:txBody>
       </p:sp>
+      <p:pic>
+        <p:nvPicPr>
+          <p:cNvPr id="4" name="Picture 3">
+            <a:extLst>
+              <a:ext uri="{FF2B5EF4-FFF2-40B4-BE49-F238E27FC236}">
+                <a16:creationId xmlns:a16="http://schemas.microsoft.com/office/drawing/2014/main" id="{D3E61DE2-74BD-1B8E-FB17-0DE3A6DD1231}"/>
+              </a:ext>
+            </a:extLst>
+          </p:cNvPr>
+          <p:cNvPicPr>
+            <a:picLocks noChangeAspect="1"/>
+          </p:cNvPicPr>
+          <p:nvPr/>
+        </p:nvPicPr>
+        <p:blipFill>
+          <a:blip r:embed="rId3"/>
+          <a:srcRect l="770"/>
+          <a:stretch/>
+        </p:blipFill>
+        <p:spPr>
+          <a:xfrm>
+            <a:off x="0" y="3716517"/>
+            <a:ext cx="12192000" cy="3141712"/>
+          </a:xfrm>
+          <a:prstGeom prst="rect">
+            <a:avLst/>
+          </a:prstGeom>
+        </p:spPr>
+      </p:pic>
     </p:spTree>
     <p:extLst>
       <p:ext uri="{BB962C8B-B14F-4D97-AF65-F5344CB8AC3E}">
-        <p14:creationId xmlns:p14="http://schemas.microsoft.com/office/powerpoint/2010/main" val="1056866751"/>
+        <p14:creationId xmlns:p14="http://schemas.microsoft.com/office/powerpoint/2010/main" val="2440802907"/>
       </p:ext>
     </p:extLst>
   </p:cSld>
   <p:clrMapOvr>
     <a:masterClrMapping/>
   </p:clrMapOvr>
-  <mc:AlternateContent xmlns:mc="http://schemas.openxmlformats.org/markup-compatibility/2006" xmlns:p159="http://schemas.microsoft.com/office/powerpoint/2015/09/main">
-    <mc:Choice Requires="p159">
+  <mc:AlternateContent xmlns:mc="http://schemas.openxmlformats.org/markup-compatibility/2006">
+    <mc:Choice xmlns:p159="http://schemas.microsoft.com/office/powerpoint/2015/09/main" Requires="p159">
       <p:transition xmlns:p14="http://schemas.microsoft.com/office/powerpoint/2010/main" spd="slow" p14:dur="2000">
         <p159:morph option="byObject"/>
       </p:transition>
     </mc:Choice>
-    <mc:Fallback xmlns="">
+    <mc:Fallback>
       <p:transition spd="slow">
         <p:fade/>
       </p:transition>
@@ -16165,7 +19262,7 @@
 </p:sld>
 </file>
 
-<file path=ppt/slides/slide8.xml><?xml version="1.0" encoding="utf-8"?>
+<file path=ppt/slides/slide9.xml><?xml version="1.0" encoding="utf-8"?>
 <p:sld xmlns:a="http://schemas.openxmlformats.org/drawingml/2006/main" xmlns:r="http://schemas.openxmlformats.org/officeDocument/2006/relationships" xmlns:p="http://schemas.openxmlformats.org/presentationml/2006/main">
   <p:cSld>
     <p:bg>
@@ -16178,7 +19275,13 @@
     </p:bg>
     <p:spTree>
       <p:nvGrpSpPr>
-        <p:cNvPr id="1" name=""/>
+        <p:cNvPr id="1" name="">
+          <a:extLst>
+            <a:ext uri="{FF2B5EF4-FFF2-40B4-BE49-F238E27FC236}">
+              <a16:creationId xmlns:a16="http://schemas.microsoft.com/office/drawing/2014/main" id="{C2D66A5B-1264-D742-0271-FF3F99D25639}"/>
+            </a:ext>
+          </a:extLst>
+        </p:cNvPr>
         <p:cNvGrpSpPr/>
         <p:nvPr/>
       </p:nvGrpSpPr>
@@ -16192,10 +19295,10 @@
       </p:grpSpPr>
       <p:sp useBgFill="1">
         <p:nvSpPr>
-          <p:cNvPr id="21" name="Rectangle 20">
+          <p:cNvPr id="10" name="Rectangle 9">
             <a:extLst>
               <a:ext uri="{FF2B5EF4-FFF2-40B4-BE49-F238E27FC236}">
-                <a16:creationId xmlns:a16="http://schemas.microsoft.com/office/drawing/2014/main" id="{2151139A-886F-4B97-8815-729AD3831BBD}"/>
+                <a16:creationId xmlns:a16="http://schemas.microsoft.com/office/drawing/2014/main" id="{28148794-1AC6-E8F0-CDA4-0749AF4338AD}"/>
               </a:ext>
               <a:ext uri="{C183D7F6-B498-43B3-948B-1728B52AA6E4}">
                 <adec:decorative xmlns:adec="http://schemas.microsoft.com/office/drawing/2017/decorative" val="1"/>
@@ -16262,16 +19365,16 @@
           <a:lstStyle/>
           <a:p>
             <a:pPr algn="ctr"/>
-            <a:endParaRPr lang="en-US" sz="2000"/>
+            <a:endParaRPr lang="en-US" dirty="0"/>
           </a:p>
         </p:txBody>
       </p:sp>
       <p:sp>
         <p:nvSpPr>
-          <p:cNvPr id="23" name="Rectangle 22">
+          <p:cNvPr id="12" name="Rectangle 11">
             <a:extLst>
               <a:ext uri="{FF2B5EF4-FFF2-40B4-BE49-F238E27FC236}">
-                <a16:creationId xmlns:a16="http://schemas.microsoft.com/office/drawing/2014/main" id="{AB5E08C4-8CDD-4623-A5B8-E998C6DEE3B7}"/>
+                <a16:creationId xmlns:a16="http://schemas.microsoft.com/office/drawing/2014/main" id="{B52074D9-793F-2243-C837-EFED18D52CB2}"/>
               </a:ext>
               <a:ext uri="{C183D7F6-B498-43B3-948B-1728B52AA6E4}">
                 <adec:decorative xmlns:adec="http://schemas.microsoft.com/office/drawing/2017/decorative" val="1"/>
@@ -16291,7 +19394,7 @@
         </p:nvSpPr>
         <p:spPr>
           <a:xfrm flipH="1">
-            <a:off x="2" y="492"/>
+            <a:off x="2" y="0"/>
             <a:ext cx="12191998" cy="1575955"/>
           </a:xfrm>
           <a:prstGeom prst="rect">
@@ -16300,9 +19403,9 @@
           <a:gradFill>
             <a:gsLst>
               <a:gs pos="0">
-                <a:schemeClr val="accent1">
-                  <a:lumMod val="50000"/>
-                </a:schemeClr>
+                <a:srgbClr val="000000">
+                  <a:alpha val="96000"/>
+                </a:srgbClr>
               </a:gs>
               <a:gs pos="100000">
                 <a:schemeClr val="accent1">
@@ -16337,16 +19440,16 @@
           <a:lstStyle/>
           <a:p>
             <a:pPr algn="ctr"/>
-            <a:endParaRPr lang="en-US"/>
+            <a:endParaRPr lang="en-US" dirty="0"/>
           </a:p>
         </p:txBody>
       </p:sp>
       <p:sp>
         <p:nvSpPr>
-          <p:cNvPr id="25" name="Rectangle 24">
+          <p:cNvPr id="14" name="Rectangle 13">
             <a:extLst>
               <a:ext uri="{FF2B5EF4-FFF2-40B4-BE49-F238E27FC236}">
-                <a16:creationId xmlns:a16="http://schemas.microsoft.com/office/drawing/2014/main" id="{15F33878-D502-4FFA-8ACE-F2AECDB2A23F}"/>
+                <a16:creationId xmlns:a16="http://schemas.microsoft.com/office/drawing/2014/main" id="{F8AACEF5-FAE5-8680-C4A8-3D7D9C862CA6}"/>
               </a:ext>
               <a:ext uri="{C183D7F6-B498-43B3-948B-1728B52AA6E4}">
                 <adec:decorative xmlns:adec="http://schemas.microsoft.com/office/drawing/2017/decorative" val="1"/>
@@ -16366,7 +19469,7 @@
         </p:nvSpPr>
         <p:spPr>
           <a:xfrm rot="10800000" flipH="1">
-            <a:off x="8128857" y="35"/>
+            <a:off x="8128857" y="0"/>
             <a:ext cx="4063143" cy="1576412"/>
           </a:xfrm>
           <a:prstGeom prst="rect">
@@ -16413,16 +19516,16 @@
           <a:lstStyle/>
           <a:p>
             <a:pPr algn="ctr"/>
-            <a:endParaRPr lang="en-US"/>
+            <a:endParaRPr lang="en-US" dirty="0"/>
           </a:p>
         </p:txBody>
       </p:sp>
       <p:sp>
         <p:nvSpPr>
-          <p:cNvPr id="27" name="Rectangle 26">
+          <p:cNvPr id="16" name="Rectangle 15">
             <a:extLst>
               <a:ext uri="{FF2B5EF4-FFF2-40B4-BE49-F238E27FC236}">
-                <a16:creationId xmlns:a16="http://schemas.microsoft.com/office/drawing/2014/main" id="{D3539FEE-81D3-4406-802E-60B20B16F4F6}"/>
+                <a16:creationId xmlns:a16="http://schemas.microsoft.com/office/drawing/2014/main" id="{3207415B-A6A9-8AF6-45D7-153FE7AAE7D7}"/>
               </a:ext>
               <a:ext uri="{C183D7F6-B498-43B3-948B-1728B52AA6E4}">
                 <adec:decorative xmlns:adec="http://schemas.microsoft.com/office/drawing/2017/decorative" val="1"/>
@@ -16442,26 +19545,26 @@
         </p:nvSpPr>
         <p:spPr>
           <a:xfrm rot="5400000">
-            <a:off x="5307778" y="-5307777"/>
-            <a:ext cx="1576446" cy="12192001"/>
+            <a:off x="5307777" y="-5307778"/>
+            <a:ext cx="1576446" cy="12192002"/>
           </a:xfrm>
           <a:prstGeom prst="rect">
             <a:avLst/>
           </a:prstGeom>
           <a:gradFill>
             <a:gsLst>
-              <a:gs pos="16000">
-                <a:srgbClr val="000000">
+              <a:gs pos="23000">
+                <a:schemeClr val="accent1">
                   <a:alpha val="0"/>
-                </a:srgbClr>
+                </a:schemeClr>
               </a:gs>
               <a:gs pos="99000">
                 <a:srgbClr val="000000">
-                  <a:alpha val="87000"/>
+                  <a:alpha val="74000"/>
                 </a:srgbClr>
               </a:gs>
             </a:gsLst>
-            <a:lin ang="11400000" scaled="0"/>
+            <a:lin ang="20400000" scaled="0"/>
           </a:gradFill>
           <a:ln>
             <a:noFill/>
@@ -16494,86 +19597,10 @@
       </p:sp>
       <p:sp>
         <p:nvSpPr>
-          <p:cNvPr id="29" name="Rectangle 28">
-            <a:extLst>
-              <a:ext uri="{FF2B5EF4-FFF2-40B4-BE49-F238E27FC236}">
-                <a16:creationId xmlns:a16="http://schemas.microsoft.com/office/drawing/2014/main" id="{DC701763-729E-462F-A5A8-E0DEFEB1E2E4}"/>
-              </a:ext>
-              <a:ext uri="{C183D7F6-B498-43B3-948B-1728B52AA6E4}">
-                <adec:decorative xmlns:adec="http://schemas.microsoft.com/office/drawing/2017/decorative" val="1"/>
-              </a:ext>
-            </a:extLst>
-          </p:cNvPr>
-          <p:cNvSpPr>
-            <a:spLocks noGrp="1" noRot="1" noChangeAspect="1" noMove="1" noResize="1" noEditPoints="1" noAdjustHandles="1" noChangeArrowheads="1" noChangeShapeType="1" noTextEdit="1"/>
-          </p:cNvSpPr>
-          <p:nvPr>
-            <p:extLst>
-              <p:ext uri="{386F3935-93C4-4BCD-93E2-E3B085C9AB24}">
-                <p16:designElem xmlns:p16="http://schemas.microsoft.com/office/powerpoint/2015/main" val="1"/>
-              </p:ext>
-            </p:extLst>
-          </p:nvPr>
-        </p:nvSpPr>
-        <p:spPr>
-          <a:xfrm>
-            <a:off x="3825434" y="986"/>
-            <a:ext cx="4303422" cy="1575461"/>
-          </a:xfrm>
-          <a:prstGeom prst="rect">
-            <a:avLst/>
-          </a:prstGeom>
-          <a:gradFill>
-            <a:gsLst>
-              <a:gs pos="0">
-                <a:schemeClr val="accent1">
-                  <a:alpha val="17000"/>
-                </a:schemeClr>
-              </a:gs>
-              <a:gs pos="74000">
-                <a:schemeClr val="accent1">
-                  <a:lumMod val="50000"/>
-                  <a:alpha val="0"/>
-                </a:schemeClr>
-              </a:gs>
-            </a:gsLst>
-            <a:lin ang="14400000" scaled="0"/>
-          </a:gradFill>
-          <a:ln>
-            <a:noFill/>
-          </a:ln>
-        </p:spPr>
-        <p:style>
-          <a:lnRef idx="2">
-            <a:schemeClr val="accent1">
-              <a:shade val="50000"/>
-            </a:schemeClr>
-          </a:lnRef>
-          <a:fillRef idx="1">
-            <a:schemeClr val="accent1"/>
-          </a:fillRef>
-          <a:effectRef idx="0">
-            <a:schemeClr val="accent1"/>
-          </a:effectRef>
-          <a:fontRef idx="minor">
-            <a:schemeClr val="lt1"/>
-          </a:fontRef>
-        </p:style>
-        <p:txBody>
-          <a:bodyPr rtlCol="0" anchor="ctr"/>
-          <a:lstStyle/>
-          <a:p>
-            <a:pPr algn="ctr"/>
-            <a:endParaRPr lang="en-US"/>
-          </a:p>
-        </p:txBody>
-      </p:sp>
-      <p:sp>
-        <p:nvSpPr>
           <p:cNvPr id="2" name="Title 1">
             <a:extLst>
               <a:ext uri="{FF2B5EF4-FFF2-40B4-BE49-F238E27FC236}">
-                <a16:creationId xmlns:a16="http://schemas.microsoft.com/office/drawing/2014/main" id="{7F6104D5-BF37-26DA-33E6-52E3270B4767}"/>
+                <a16:creationId xmlns:a16="http://schemas.microsoft.com/office/drawing/2014/main" id="{099E9E43-7325-BB9E-08E2-A60364AE68F9}"/>
               </a:ext>
             </a:extLst>
           </p:cNvPr>
@@ -16586,63 +19613,35 @@
         </p:nvSpPr>
         <p:spPr>
           <a:xfrm>
-            <a:off x="699713" y="353160"/>
-            <a:ext cx="7429141" cy="898581"/>
+            <a:off x="1073987" y="349112"/>
+            <a:ext cx="10044023" cy="877729"/>
           </a:xfrm>
         </p:spPr>
         <p:txBody>
-          <a:bodyPr vert="horz" lIns="91440" tIns="45720" rIns="91440" bIns="45720" rtlCol="0" anchor="ctr">
-            <a:normAutofit fontScale="90000"/>
+          <a:bodyPr anchor="ctr">
+            <a:normAutofit/>
           </a:bodyPr>
           <a:lstStyle/>
           <a:p>
+            <a:pPr algn="ctr"/>
             <a:r>
-              <a:rPr lang="en-US" sz="4000" b="1" dirty="0">
+              <a:rPr lang="en-GB" sz="4000" dirty="0">
                 <a:solidFill>
                   <a:srgbClr val="FFFFFF"/>
                 </a:solidFill>
+                <a:latin typeface="Amasis MT Pro Medium" panose="02040604050005020304" pitchFamily="18" charset="0"/>
               </a:rPr>
-              <a:t>Preliminary Analysis – Stop &amp; Search</a:t>
+              <a:t>Data Sources – Other Variables</a:t>
             </a:r>
           </a:p>
         </p:txBody>
       </p:sp>
       <p:pic>
         <p:nvPicPr>
-          <p:cNvPr id="11" name="Picture 10">
+          <p:cNvPr id="5" name="Picture 4">
             <a:extLst>
               <a:ext uri="{FF2B5EF4-FFF2-40B4-BE49-F238E27FC236}">
-                <a16:creationId xmlns:a16="http://schemas.microsoft.com/office/drawing/2014/main" id="{3048950D-EE46-1E3B-2FA0-DFAB5472B3EB}"/>
-              </a:ext>
-            </a:extLst>
-          </p:cNvPr>
-          <p:cNvPicPr>
-            <a:picLocks noChangeAspect="1"/>
-          </p:cNvPicPr>
-          <p:nvPr/>
-        </p:nvPicPr>
-        <p:blipFill>
-          <a:blip r:embed="rId2"/>
-          <a:stretch>
-            <a:fillRect/>
-          </a:stretch>
-        </p:blipFill>
-        <p:spPr>
-          <a:xfrm>
-            <a:off x="6667947" y="1833709"/>
-            <a:ext cx="5524054" cy="4767026"/>
-          </a:xfrm>
-          <a:prstGeom prst="rect">
-            <a:avLst/>
-          </a:prstGeom>
-        </p:spPr>
-      </p:pic>
-      <p:pic>
-        <p:nvPicPr>
-          <p:cNvPr id="15" name="Picture 14">
-            <a:extLst>
-              <a:ext uri="{FF2B5EF4-FFF2-40B4-BE49-F238E27FC236}">
-                <a16:creationId xmlns:a16="http://schemas.microsoft.com/office/drawing/2014/main" id="{27DC0A6A-2D52-840F-79F6-8F0197207CF5}"/>
+                <a16:creationId xmlns:a16="http://schemas.microsoft.com/office/drawing/2014/main" id="{2F0766AE-A2EA-6D98-3F0C-BA5B812D553D}"/>
               </a:ext>
             </a:extLst>
           </p:cNvPr>
@@ -16659,551 +19658,65 @@
         </p:blipFill>
         <p:spPr>
           <a:xfrm>
-            <a:off x="-2" y="2008979"/>
-            <a:ext cx="6660462" cy="4416487"/>
+            <a:off x="-2" y="1562794"/>
+            <a:ext cx="12192000" cy="3632662"/>
           </a:xfrm>
           <a:prstGeom prst="rect">
             <a:avLst/>
           </a:prstGeom>
         </p:spPr>
       </p:pic>
-    </p:spTree>
-    <p:extLst>
-      <p:ext uri="{BB962C8B-B14F-4D97-AF65-F5344CB8AC3E}">
-        <p14:creationId xmlns:p14="http://schemas.microsoft.com/office/powerpoint/2010/main" val="3103695578"/>
-      </p:ext>
-    </p:extLst>
-  </p:cSld>
-  <p:clrMapOvr>
-    <a:masterClrMapping/>
-  </p:clrMapOvr>
-  <mc:AlternateContent xmlns:mc="http://schemas.openxmlformats.org/markup-compatibility/2006" xmlns:p159="http://schemas.microsoft.com/office/powerpoint/2015/09/main">
-    <mc:Choice Requires="p159">
-      <p:transition xmlns:p14="http://schemas.microsoft.com/office/powerpoint/2010/main" spd="slow" p14:dur="2000">
-        <p159:morph option="byObject"/>
-      </p:transition>
-    </mc:Choice>
-    <mc:Fallback xmlns="">
-      <p:transition spd="slow">
-        <p:fade/>
-      </p:transition>
-    </mc:Fallback>
-  </mc:AlternateContent>
-</p:sld>
-</file>
-
-<file path=ppt/slides/slide9.xml><?xml version="1.0" encoding="utf-8"?>
-<p:sld xmlns:a="http://schemas.openxmlformats.org/drawingml/2006/main" xmlns:r="http://schemas.openxmlformats.org/officeDocument/2006/relationships" xmlns:p="http://schemas.openxmlformats.org/presentationml/2006/main">
-  <p:cSld>
-    <p:bg>
-      <p:bgPr>
-        <a:solidFill>
-          <a:schemeClr val="bg1"/>
-        </a:solidFill>
-        <a:effectLst/>
-      </p:bgPr>
-    </p:bg>
-    <p:spTree>
-      <p:nvGrpSpPr>
-        <p:cNvPr id="1" name="">
-          <a:extLst>
-            <a:ext uri="{FF2B5EF4-FFF2-40B4-BE49-F238E27FC236}">
-              <a16:creationId xmlns:a16="http://schemas.microsoft.com/office/drawing/2014/main" id="{C136E450-0783-02DA-C655-F1598F0680E8}"/>
-            </a:ext>
-          </a:extLst>
-        </p:cNvPr>
-        <p:cNvGrpSpPr/>
-        <p:nvPr/>
-      </p:nvGrpSpPr>
-      <p:grpSpPr>
-        <a:xfrm>
-          <a:off x="0" y="0"/>
-          <a:ext cx="0" cy="0"/>
-          <a:chOff x="0" y="0"/>
-          <a:chExt cx="0" cy="0"/>
-        </a:xfrm>
-      </p:grpSpPr>
-      <p:sp useBgFill="1">
+      <p:sp>
         <p:nvSpPr>
-          <p:cNvPr id="21" name="Rectangle 20">
+          <p:cNvPr id="6" name="TextBox 5">
             <a:extLst>
               <a:ext uri="{FF2B5EF4-FFF2-40B4-BE49-F238E27FC236}">
-                <a16:creationId xmlns:a16="http://schemas.microsoft.com/office/drawing/2014/main" id="{A398C834-C6EE-8D7F-BD14-5AB147F4A4F5}"/>
-              </a:ext>
-              <a:ext uri="{C183D7F6-B498-43B3-948B-1728B52AA6E4}">
-                <adec:decorative xmlns:adec="http://schemas.microsoft.com/office/drawing/2017/decorative" val="1"/>
+                <a16:creationId xmlns:a16="http://schemas.microsoft.com/office/drawing/2014/main" id="{70320A14-5979-93AB-7F0B-549649F96C89}"/>
               </a:ext>
             </a:extLst>
           </p:cNvPr>
-          <p:cNvSpPr>
-            <a:spLocks noGrp="1" noRot="1" noChangeAspect="1" noMove="1" noResize="1" noEditPoints="1" noAdjustHandles="1" noChangeArrowheads="1" noChangeShapeType="1" noTextEdit="1"/>
-          </p:cNvSpPr>
-          <p:nvPr>
-            <p:extLst>
-              <p:ext uri="{386F3935-93C4-4BCD-93E2-E3B085C9AB24}">
-                <p16:designElem xmlns:p16="http://schemas.microsoft.com/office/powerpoint/2015/main" val="1"/>
-              </p:ext>
-            </p:extLst>
-          </p:nvPr>
+          <p:cNvSpPr txBox="1"/>
+          <p:nvPr/>
         </p:nvSpPr>
         <p:spPr>
           <a:xfrm>
-            <a:off x="0" y="0"/>
-            <a:ext cx="12192000" cy="6858000"/>
+            <a:off x="7664335" y="3020902"/>
+            <a:ext cx="4156364" cy="2585323"/>
           </a:xfrm>
           <a:prstGeom prst="rect">
             <a:avLst/>
           </a:prstGeom>
-          <a:ln w="12700" cap="flat" cmpd="sng" algn="ctr">
-            <a:noFill/>
-            <a:prstDash val="solid"/>
-            <a:miter lim="800000"/>
-          </a:ln>
-          <a:effectLst/>
-          <a:extLst>
-            <a:ext uri="{91240B29-F687-4F45-9708-019B960494DF}">
-              <a14:hiddenLine xmlns:a14="http://schemas.microsoft.com/office/drawing/2010/main" w="12700" cap="flat" cmpd="sng" algn="ctr">
-                <a:solidFill>
-                  <a:schemeClr val="accent1">
-                    <a:shade val="50000"/>
-                  </a:schemeClr>
-                </a:solidFill>
-                <a:prstDash val="solid"/>
-                <a:miter lim="800000"/>
-              </a14:hiddenLine>
-            </a:ext>
-          </a:extLst>
+          <a:solidFill>
+            <a:schemeClr val="bg1"/>
+          </a:solidFill>
+          <a:effectLst>
+            <a:outerShdw blurRad="50800" dist="38100" dir="2700000" algn="tl" rotWithShape="0">
+              <a:prstClr val="black">
+                <a:alpha val="40000"/>
+              </a:prstClr>
+            </a:outerShdw>
+          </a:effectLst>
         </p:spPr>
-        <p:style>
-          <a:lnRef idx="2">
-            <a:schemeClr val="accent1">
-              <a:shade val="50000"/>
-            </a:schemeClr>
-          </a:lnRef>
-          <a:fillRef idx="1">
-            <a:schemeClr val="accent1"/>
-          </a:fillRef>
-          <a:effectRef idx="0">
-            <a:schemeClr val="accent1"/>
-          </a:effectRef>
-          <a:fontRef idx="minor">
-            <a:schemeClr val="lt1"/>
-          </a:fontRef>
-        </p:style>
         <p:txBody>
-          <a:bodyPr rtlCol="0" anchor="ctr"/>
+          <a:bodyPr wrap="square" rtlCol="0">
+            <a:spAutoFit/>
+          </a:bodyPr>
           <a:lstStyle/>
           <a:p>
-            <a:pPr algn="ctr"/>
-            <a:endParaRPr lang="en-US" sz="2000"/>
+            <a:pPr algn="just"/>
+            <a:r>
+              <a:rPr lang="en-GB" dirty="0">
+                <a:latin typeface="Amasis MT Pro Medium" panose="02040604050005020304" pitchFamily="18" charset="0"/>
+              </a:rPr>
+              <a:t>The "Indices of Deprivation 2019" are a measure of relative deprivation across England and Wales. The income and employment domains are combined to highlight areas with high levels of economic hardship, helping to identify regions where people may experience greater social and financial challenges.</a:t>
+            </a:r>
           </a:p>
         </p:txBody>
       </p:sp>
-      <p:sp>
-        <p:nvSpPr>
-          <p:cNvPr id="23" name="Rectangle 22">
-            <a:extLst>
-              <a:ext uri="{FF2B5EF4-FFF2-40B4-BE49-F238E27FC236}">
-                <a16:creationId xmlns:a16="http://schemas.microsoft.com/office/drawing/2014/main" id="{62819B7A-717D-D5AC-3AF8-C4DBDF698735}"/>
-              </a:ext>
-              <a:ext uri="{C183D7F6-B498-43B3-948B-1728B52AA6E4}">
-                <adec:decorative xmlns:adec="http://schemas.microsoft.com/office/drawing/2017/decorative" val="1"/>
-              </a:ext>
-            </a:extLst>
-          </p:cNvPr>
-          <p:cNvSpPr>
-            <a:spLocks noGrp="1" noRot="1" noChangeAspect="1" noMove="1" noResize="1" noEditPoints="1" noAdjustHandles="1" noChangeArrowheads="1" noChangeShapeType="1" noTextEdit="1"/>
-          </p:cNvSpPr>
-          <p:nvPr>
-            <p:extLst>
-              <p:ext uri="{386F3935-93C4-4BCD-93E2-E3B085C9AB24}">
-                <p16:designElem xmlns:p16="http://schemas.microsoft.com/office/powerpoint/2015/main" val="1"/>
-              </p:ext>
-            </p:extLst>
-          </p:nvPr>
-        </p:nvSpPr>
-        <p:spPr>
-          <a:xfrm flipH="1">
-            <a:off x="2" y="492"/>
-            <a:ext cx="12191998" cy="1575955"/>
-          </a:xfrm>
-          <a:prstGeom prst="rect">
-            <a:avLst/>
-          </a:prstGeom>
-          <a:gradFill>
-            <a:gsLst>
-              <a:gs pos="0">
-                <a:schemeClr val="accent1">
-                  <a:lumMod val="50000"/>
-                </a:schemeClr>
-              </a:gs>
-              <a:gs pos="100000">
-                <a:schemeClr val="accent1">
-                  <a:lumMod val="75000"/>
-                </a:schemeClr>
-              </a:gs>
-            </a:gsLst>
-            <a:lin ang="8400000" scaled="0"/>
-          </a:gradFill>
-          <a:ln>
-            <a:noFill/>
-          </a:ln>
-        </p:spPr>
-        <p:style>
-          <a:lnRef idx="2">
-            <a:schemeClr val="accent1">
-              <a:shade val="50000"/>
-            </a:schemeClr>
-          </a:lnRef>
-          <a:fillRef idx="1">
-            <a:schemeClr val="accent1"/>
-          </a:fillRef>
-          <a:effectRef idx="0">
-            <a:schemeClr val="accent1"/>
-          </a:effectRef>
-          <a:fontRef idx="minor">
-            <a:schemeClr val="lt1"/>
-          </a:fontRef>
-        </p:style>
-        <p:txBody>
-          <a:bodyPr rtlCol="0" anchor="ctr"/>
-          <a:lstStyle/>
-          <a:p>
-            <a:pPr algn="ctr"/>
-            <a:endParaRPr lang="en-US"/>
-          </a:p>
-        </p:txBody>
-      </p:sp>
-      <p:sp>
-        <p:nvSpPr>
-          <p:cNvPr id="25" name="Rectangle 24">
-            <a:extLst>
-              <a:ext uri="{FF2B5EF4-FFF2-40B4-BE49-F238E27FC236}">
-                <a16:creationId xmlns:a16="http://schemas.microsoft.com/office/drawing/2014/main" id="{C8169D93-6865-E79F-A068-4154DBC75C00}"/>
-              </a:ext>
-              <a:ext uri="{C183D7F6-B498-43B3-948B-1728B52AA6E4}">
-                <adec:decorative xmlns:adec="http://schemas.microsoft.com/office/drawing/2017/decorative" val="1"/>
-              </a:ext>
-            </a:extLst>
-          </p:cNvPr>
-          <p:cNvSpPr>
-            <a:spLocks noGrp="1" noRot="1" noChangeAspect="1" noMove="1" noResize="1" noEditPoints="1" noAdjustHandles="1" noChangeArrowheads="1" noChangeShapeType="1" noTextEdit="1"/>
-          </p:cNvSpPr>
-          <p:nvPr>
-            <p:extLst>
-              <p:ext uri="{386F3935-93C4-4BCD-93E2-E3B085C9AB24}">
-                <p16:designElem xmlns:p16="http://schemas.microsoft.com/office/powerpoint/2015/main" val="1"/>
-              </p:ext>
-            </p:extLst>
-          </p:nvPr>
-        </p:nvSpPr>
-        <p:spPr>
-          <a:xfrm rot="10800000" flipH="1">
-            <a:off x="8128857" y="35"/>
-            <a:ext cx="4063143" cy="1576412"/>
-          </a:xfrm>
-          <a:prstGeom prst="rect">
-            <a:avLst/>
-          </a:prstGeom>
-          <a:gradFill>
-            <a:gsLst>
-              <a:gs pos="19000">
-                <a:schemeClr val="accent1">
-                  <a:lumMod val="50000"/>
-                  <a:alpha val="68000"/>
-                </a:schemeClr>
-              </a:gs>
-              <a:gs pos="100000">
-                <a:schemeClr val="accent1">
-                  <a:alpha val="79000"/>
-                </a:schemeClr>
-              </a:gs>
-            </a:gsLst>
-            <a:lin ang="19200000" scaled="0"/>
-          </a:gradFill>
-          <a:ln>
-            <a:noFill/>
-          </a:ln>
-        </p:spPr>
-        <p:style>
-          <a:lnRef idx="2">
-            <a:schemeClr val="accent1">
-              <a:shade val="50000"/>
-            </a:schemeClr>
-          </a:lnRef>
-          <a:fillRef idx="1">
-            <a:schemeClr val="accent1"/>
-          </a:fillRef>
-          <a:effectRef idx="0">
-            <a:schemeClr val="accent1"/>
-          </a:effectRef>
-          <a:fontRef idx="minor">
-            <a:schemeClr val="lt1"/>
-          </a:fontRef>
-        </p:style>
-        <p:txBody>
-          <a:bodyPr rtlCol="0" anchor="ctr"/>
-          <a:lstStyle/>
-          <a:p>
-            <a:pPr algn="ctr"/>
-            <a:endParaRPr lang="en-US"/>
-          </a:p>
-        </p:txBody>
-      </p:sp>
-      <p:sp>
-        <p:nvSpPr>
-          <p:cNvPr id="27" name="Rectangle 26">
-            <a:extLst>
-              <a:ext uri="{FF2B5EF4-FFF2-40B4-BE49-F238E27FC236}">
-                <a16:creationId xmlns:a16="http://schemas.microsoft.com/office/drawing/2014/main" id="{36EB6E22-22F4-30DD-0928-158387D15AA0}"/>
-              </a:ext>
-              <a:ext uri="{C183D7F6-B498-43B3-948B-1728B52AA6E4}">
-                <adec:decorative xmlns:adec="http://schemas.microsoft.com/office/drawing/2017/decorative" val="1"/>
-              </a:ext>
-            </a:extLst>
-          </p:cNvPr>
-          <p:cNvSpPr>
-            <a:spLocks noGrp="1" noRot="1" noChangeAspect="1" noMove="1" noResize="1" noEditPoints="1" noAdjustHandles="1" noChangeArrowheads="1" noChangeShapeType="1" noTextEdit="1"/>
-          </p:cNvSpPr>
-          <p:nvPr>
-            <p:extLst>
-              <p:ext uri="{386F3935-93C4-4BCD-93E2-E3B085C9AB24}">
-                <p16:designElem xmlns:p16="http://schemas.microsoft.com/office/powerpoint/2015/main" val="1"/>
-              </p:ext>
-            </p:extLst>
-          </p:nvPr>
-        </p:nvSpPr>
-        <p:spPr>
-          <a:xfrm rot="5400000">
-            <a:off x="5307778" y="-5307777"/>
-            <a:ext cx="1576446" cy="12192001"/>
-          </a:xfrm>
-          <a:prstGeom prst="rect">
-            <a:avLst/>
-          </a:prstGeom>
-          <a:gradFill>
-            <a:gsLst>
-              <a:gs pos="16000">
-                <a:srgbClr val="000000">
-                  <a:alpha val="0"/>
-                </a:srgbClr>
-              </a:gs>
-              <a:gs pos="99000">
-                <a:srgbClr val="000000">
-                  <a:alpha val="87000"/>
-                </a:srgbClr>
-              </a:gs>
-            </a:gsLst>
-            <a:lin ang="11400000" scaled="0"/>
-          </a:gradFill>
-          <a:ln>
-            <a:noFill/>
-          </a:ln>
-        </p:spPr>
-        <p:style>
-          <a:lnRef idx="2">
-            <a:schemeClr val="accent1">
-              <a:shade val="50000"/>
-            </a:schemeClr>
-          </a:lnRef>
-          <a:fillRef idx="1">
-            <a:schemeClr val="accent1"/>
-          </a:fillRef>
-          <a:effectRef idx="0">
-            <a:schemeClr val="accent1"/>
-          </a:effectRef>
-          <a:fontRef idx="minor">
-            <a:schemeClr val="lt1"/>
-          </a:fontRef>
-        </p:style>
-        <p:txBody>
-          <a:bodyPr rtlCol="0" anchor="ctr"/>
-          <a:lstStyle/>
-          <a:p>
-            <a:pPr algn="ctr"/>
-            <a:endParaRPr lang="en-US" dirty="0"/>
-          </a:p>
-        </p:txBody>
-      </p:sp>
-      <p:sp>
-        <p:nvSpPr>
-          <p:cNvPr id="29" name="Rectangle 28">
-            <a:extLst>
-              <a:ext uri="{FF2B5EF4-FFF2-40B4-BE49-F238E27FC236}">
-                <a16:creationId xmlns:a16="http://schemas.microsoft.com/office/drawing/2014/main" id="{18004D9C-BCB2-E9E4-4170-35834AD51F2E}"/>
-              </a:ext>
-              <a:ext uri="{C183D7F6-B498-43B3-948B-1728B52AA6E4}">
-                <adec:decorative xmlns:adec="http://schemas.microsoft.com/office/drawing/2017/decorative" val="1"/>
-              </a:ext>
-            </a:extLst>
-          </p:cNvPr>
-          <p:cNvSpPr>
-            <a:spLocks noGrp="1" noRot="1" noChangeAspect="1" noMove="1" noResize="1" noEditPoints="1" noAdjustHandles="1" noChangeArrowheads="1" noChangeShapeType="1" noTextEdit="1"/>
-          </p:cNvSpPr>
-          <p:nvPr>
-            <p:extLst>
-              <p:ext uri="{386F3935-93C4-4BCD-93E2-E3B085C9AB24}">
-                <p16:designElem xmlns:p16="http://schemas.microsoft.com/office/powerpoint/2015/main" val="1"/>
-              </p:ext>
-            </p:extLst>
-          </p:nvPr>
-        </p:nvSpPr>
-        <p:spPr>
-          <a:xfrm>
-            <a:off x="3825434" y="986"/>
-            <a:ext cx="4303422" cy="1575461"/>
-          </a:xfrm>
-          <a:prstGeom prst="rect">
-            <a:avLst/>
-          </a:prstGeom>
-          <a:gradFill>
-            <a:gsLst>
-              <a:gs pos="0">
-                <a:schemeClr val="accent1">
-                  <a:alpha val="17000"/>
-                </a:schemeClr>
-              </a:gs>
-              <a:gs pos="74000">
-                <a:schemeClr val="accent1">
-                  <a:lumMod val="50000"/>
-                  <a:alpha val="0"/>
-                </a:schemeClr>
-              </a:gs>
-            </a:gsLst>
-            <a:lin ang="14400000" scaled="0"/>
-          </a:gradFill>
-          <a:ln>
-            <a:noFill/>
-          </a:ln>
-        </p:spPr>
-        <p:style>
-          <a:lnRef idx="2">
-            <a:schemeClr val="accent1">
-              <a:shade val="50000"/>
-            </a:schemeClr>
-          </a:lnRef>
-          <a:fillRef idx="1">
-            <a:schemeClr val="accent1"/>
-          </a:fillRef>
-          <a:effectRef idx="0">
-            <a:schemeClr val="accent1"/>
-          </a:effectRef>
-          <a:fontRef idx="minor">
-            <a:schemeClr val="lt1"/>
-          </a:fontRef>
-        </p:style>
-        <p:txBody>
-          <a:bodyPr rtlCol="0" anchor="ctr"/>
-          <a:lstStyle/>
-          <a:p>
-            <a:pPr algn="ctr"/>
-            <a:endParaRPr lang="en-US"/>
-          </a:p>
-        </p:txBody>
-      </p:sp>
-      <p:sp>
-        <p:nvSpPr>
-          <p:cNvPr id="2" name="Title 1">
-            <a:extLst>
-              <a:ext uri="{FF2B5EF4-FFF2-40B4-BE49-F238E27FC236}">
-                <a16:creationId xmlns:a16="http://schemas.microsoft.com/office/drawing/2014/main" id="{2AEA6E65-AA5B-E123-6A55-078867D282FD}"/>
-              </a:ext>
-            </a:extLst>
-          </p:cNvPr>
-          <p:cNvSpPr>
-            <a:spLocks noGrp="1"/>
-          </p:cNvSpPr>
-          <p:nvPr>
-            <p:ph type="title"/>
-          </p:nvPr>
-        </p:nvSpPr>
-        <p:spPr>
-          <a:xfrm>
-            <a:off x="699713" y="353160"/>
-            <a:ext cx="7429141" cy="898581"/>
-          </a:xfrm>
-        </p:spPr>
-        <p:txBody>
-          <a:bodyPr vert="horz" lIns="91440" tIns="45720" rIns="91440" bIns="45720" rtlCol="0" anchor="ctr">
-            <a:normAutofit/>
-          </a:bodyPr>
-          <a:lstStyle/>
-          <a:p>
-            <a:r>
-              <a:rPr lang="en-US" sz="4000" b="1" dirty="0">
-                <a:solidFill>
-                  <a:srgbClr val="FFFFFF"/>
-                </a:solidFill>
-              </a:rPr>
-              <a:t>Preliminary Analysis – BAME %</a:t>
-            </a:r>
-          </a:p>
-        </p:txBody>
-      </p:sp>
-      <p:pic>
-        <p:nvPicPr>
-          <p:cNvPr id="4" name="Picture 3">
-            <a:extLst>
-              <a:ext uri="{FF2B5EF4-FFF2-40B4-BE49-F238E27FC236}">
-                <a16:creationId xmlns:a16="http://schemas.microsoft.com/office/drawing/2014/main" id="{C4339E17-191A-6EF3-54BC-E7FCD744040A}"/>
-              </a:ext>
-            </a:extLst>
-          </p:cNvPr>
-          <p:cNvPicPr>
-            <a:picLocks noChangeAspect="1"/>
-          </p:cNvPicPr>
-          <p:nvPr/>
-        </p:nvPicPr>
-        <p:blipFill>
-          <a:blip r:embed="rId2"/>
-          <a:stretch>
-            <a:fillRect/>
-          </a:stretch>
-        </p:blipFill>
-        <p:spPr>
-          <a:xfrm>
-            <a:off x="-2" y="2009479"/>
-            <a:ext cx="6630377" cy="4415488"/>
-          </a:xfrm>
-          <a:prstGeom prst="rect">
-            <a:avLst/>
-          </a:prstGeom>
-        </p:spPr>
-      </p:pic>
-      <p:pic>
-        <p:nvPicPr>
-          <p:cNvPr id="6" name="Picture 5">
-            <a:extLst>
-              <a:ext uri="{FF2B5EF4-FFF2-40B4-BE49-F238E27FC236}">
-                <a16:creationId xmlns:a16="http://schemas.microsoft.com/office/drawing/2014/main" id="{A2DAC074-6B1B-2BB7-F305-747B7DA88E16}"/>
-              </a:ext>
-            </a:extLst>
-          </p:cNvPr>
-          <p:cNvPicPr>
-            <a:picLocks noChangeAspect="1"/>
-          </p:cNvPicPr>
-          <p:nvPr/>
-        </p:nvPicPr>
-        <p:blipFill>
-          <a:blip r:embed="rId3"/>
-          <a:stretch>
-            <a:fillRect/>
-          </a:stretch>
-        </p:blipFill>
-        <p:spPr>
-          <a:xfrm>
-            <a:off x="6839375" y="1839940"/>
-            <a:ext cx="5352625" cy="4754566"/>
-          </a:xfrm>
-          <a:prstGeom prst="rect">
-            <a:avLst/>
-          </a:prstGeom>
-        </p:spPr>
-      </p:pic>
     </p:spTree>
     <p:extLst>
       <p:ext uri="{BB962C8B-B14F-4D97-AF65-F5344CB8AC3E}">
-        <p14:creationId xmlns:p14="http://schemas.microsoft.com/office/powerpoint/2010/main" val="421180119"/>
+        <p14:creationId xmlns:p14="http://schemas.microsoft.com/office/powerpoint/2010/main" val="4211987217"/>
       </p:ext>
     </p:extLst>
   </p:cSld>
